--- a/Vortrag_KE2016_MAVE_SIA.pptx
+++ b/Vortrag_KE2016_MAVE_SIA.pptx
@@ -5,38 +5,39 @@
     <p:sldMasterId id="2147483648" r:id="rId1"/>
   </p:sldMasterIdLst>
   <p:notesMasterIdLst>
-    <p:notesMasterId r:id="rId16"/>
+    <p:notesMasterId r:id="rId17"/>
   </p:notesMasterIdLst>
   <p:handoutMasterIdLst>
-    <p:handoutMasterId r:id="rId17"/>
+    <p:handoutMasterId r:id="rId18"/>
   </p:handoutMasterIdLst>
   <p:sldIdLst>
     <p:sldId id="256" r:id="rId2"/>
-    <p:sldId id="277" r:id="rId3"/>
-    <p:sldId id="264" r:id="rId4"/>
-    <p:sldId id="265" r:id="rId5"/>
-    <p:sldId id="268" r:id="rId6"/>
-    <p:sldId id="266" r:id="rId7"/>
-    <p:sldId id="269" r:id="rId8"/>
-    <p:sldId id="270" r:id="rId9"/>
-    <p:sldId id="271" r:id="rId10"/>
+    <p:sldId id="264" r:id="rId3"/>
+    <p:sldId id="265" r:id="rId4"/>
+    <p:sldId id="268" r:id="rId5"/>
+    <p:sldId id="266" r:id="rId6"/>
+    <p:sldId id="269" r:id="rId7"/>
+    <p:sldId id="270" r:id="rId8"/>
+    <p:sldId id="271" r:id="rId9"/>
+    <p:sldId id="277" r:id="rId10"/>
     <p:sldId id="272" r:id="rId11"/>
-    <p:sldId id="273" r:id="rId12"/>
-    <p:sldId id="274" r:id="rId13"/>
-    <p:sldId id="275" r:id="rId14"/>
-    <p:sldId id="276" r:id="rId15"/>
+    <p:sldId id="278" r:id="rId12"/>
+    <p:sldId id="273" r:id="rId13"/>
+    <p:sldId id="274" r:id="rId14"/>
+    <p:sldId id="275" r:id="rId15"/>
+    <p:sldId id="276" r:id="rId16"/>
   </p:sldIdLst>
   <p:sldSz cx="9144000" cy="6858000" type="screen4x3"/>
   <p:notesSz cx="6858000" cy="9144000"/>
   <p:embeddedFontLst>
     <p:embeddedFont>
       <p:font typeface="AA Zuehlke" panose="02000503060000020004" pitchFamily="2" charset="0"/>
-      <p:regular r:id="rId18"/>
-      <p:italic r:id="rId19"/>
+      <p:regular r:id="rId19"/>
+      <p:italic r:id="rId20"/>
     </p:embeddedFont>
   </p:embeddedFontLst>
   <p:custDataLst>
-    <p:tags r:id="rId20"/>
+    <p:tags r:id="rId21"/>
   </p:custDataLst>
   <p:defaultTextStyle>
     <a:defPPr>
@@ -2935,6 +2936,13 @@
     <dgm:pt modelId="{A333A5D7-B107-4165-8131-23C149AC171A}" type="pres">
       <dgm:prSet presAssocID="{AA1DD83C-8707-4C7F-9785-027CA04FBBC2}" presName="wedge1" presStyleLbl="node1" presStyleIdx="0" presStyleCnt="3" custScaleX="63060" custScaleY="57727" custLinFactNeighborX="-5311" custLinFactNeighborY="2973"/>
       <dgm:spPr/>
+      <dgm:t>
+        <a:bodyPr/>
+        <a:lstStyle/>
+        <a:p>
+          <a:endParaRPr lang="en-US"/>
+        </a:p>
+      </dgm:t>
     </dgm:pt>
     <dgm:pt modelId="{C559D943-EBD2-4842-9D1C-E66CCB51CE6F}" type="pres">
       <dgm:prSet presAssocID="{AA1DD83C-8707-4C7F-9785-027CA04FBBC2}" presName="wedge1Tx" presStyleLbl="node1" presStyleIdx="0" presStyleCnt="3">
@@ -2945,10 +2953,24 @@
         </dgm:presLayoutVars>
       </dgm:prSet>
       <dgm:spPr/>
+      <dgm:t>
+        <a:bodyPr/>
+        <a:lstStyle/>
+        <a:p>
+          <a:endParaRPr lang="en-US"/>
+        </a:p>
+      </dgm:t>
     </dgm:pt>
     <dgm:pt modelId="{EFC391AD-CA2E-410E-AB7B-14882AA4B0F1}" type="pres">
       <dgm:prSet presAssocID="{AA1DD83C-8707-4C7F-9785-027CA04FBBC2}" presName="wedge2" presStyleLbl="node1" presStyleIdx="1" presStyleCnt="3" custScaleX="62747" custScaleY="55075"/>
       <dgm:spPr/>
+      <dgm:t>
+        <a:bodyPr/>
+        <a:lstStyle/>
+        <a:p>
+          <a:endParaRPr lang="en-US"/>
+        </a:p>
+      </dgm:t>
     </dgm:pt>
     <dgm:pt modelId="{A1C2D0A6-0FA4-4395-B3B6-2E0970CADA87}" type="pres">
       <dgm:prSet presAssocID="{AA1DD83C-8707-4C7F-9785-027CA04FBBC2}" presName="wedge2Tx" presStyleLbl="node1" presStyleIdx="1" presStyleCnt="3">
@@ -2959,10 +2981,24 @@
         </dgm:presLayoutVars>
       </dgm:prSet>
       <dgm:spPr/>
+      <dgm:t>
+        <a:bodyPr/>
+        <a:lstStyle/>
+        <a:p>
+          <a:endParaRPr lang="en-US"/>
+        </a:p>
+      </dgm:t>
     </dgm:pt>
     <dgm:pt modelId="{BF2B9E34-9D80-4D7B-A4D1-15B64FCC8487}" type="pres">
       <dgm:prSet presAssocID="{AA1DD83C-8707-4C7F-9785-027CA04FBBC2}" presName="wedge3" presStyleLbl="node1" presStyleIdx="2" presStyleCnt="3" custScaleX="61379" custScaleY="57734"/>
       <dgm:spPr/>
+      <dgm:t>
+        <a:bodyPr/>
+        <a:lstStyle/>
+        <a:p>
+          <a:endParaRPr lang="en-US"/>
+        </a:p>
+      </dgm:t>
     </dgm:pt>
     <dgm:pt modelId="{0212279B-8F31-44A3-9203-74054B06BDB8}" type="pres">
       <dgm:prSet presAssocID="{AA1DD83C-8707-4C7F-9785-027CA04FBBC2}" presName="wedge3Tx" presStyleLbl="node1" presStyleIdx="2" presStyleCnt="3">
@@ -2973,6 +3009,13 @@
         </dgm:presLayoutVars>
       </dgm:prSet>
       <dgm:spPr/>
+      <dgm:t>
+        <a:bodyPr/>
+        <a:lstStyle/>
+        <a:p>
+          <a:endParaRPr lang="en-US"/>
+        </a:p>
+      </dgm:t>
     </dgm:pt>
   </dgm:ptLst>
   <dgm:cxnLst>
@@ -3203,10 +3246,24 @@
         </dgm:presLayoutVars>
       </dgm:prSet>
       <dgm:spPr/>
+      <dgm:t>
+        <a:bodyPr/>
+        <a:lstStyle/>
+        <a:p>
+          <a:endParaRPr lang="en-US"/>
+        </a:p>
+      </dgm:t>
     </dgm:pt>
     <dgm:pt modelId="{2FC976B1-3089-44F2-8B37-9C973BD95868}" type="pres">
       <dgm:prSet presAssocID="{43279691-7B1E-4F60-8072-9526584DEED4}" presName="centerShape" presStyleLbl="node0" presStyleIdx="0" presStyleCnt="1"/>
       <dgm:spPr/>
+      <dgm:t>
+        <a:bodyPr/>
+        <a:lstStyle/>
+        <a:p>
+          <a:endParaRPr lang="en-US"/>
+        </a:p>
+      </dgm:t>
     </dgm:pt>
     <dgm:pt modelId="{7BFBF8E8-00DB-4BED-9D02-65F2DC51B106}" type="pres">
       <dgm:prSet presAssocID="{9EC85204-0D79-4F70-B7CD-802A5B65D1C6}" presName="node" presStyleLbl="node1" presStyleIdx="0" presStyleCnt="3" custScaleX="123734" custScaleY="123734">
@@ -3215,6 +3272,13 @@
         </dgm:presLayoutVars>
       </dgm:prSet>
       <dgm:spPr/>
+      <dgm:t>
+        <a:bodyPr/>
+        <a:lstStyle/>
+        <a:p>
+          <a:endParaRPr lang="en-US"/>
+        </a:p>
+      </dgm:t>
     </dgm:pt>
     <dgm:pt modelId="{E4F746ED-020B-4AE6-8AFB-22F3AFCCAF52}" type="pres">
       <dgm:prSet presAssocID="{9EC85204-0D79-4F70-B7CD-802A5B65D1C6}" presName="dummy" presStyleCnt="0"/>
@@ -3223,6 +3287,13 @@
     <dgm:pt modelId="{4C2C567F-599B-4B4D-AF3C-01B7445F323B}" type="pres">
       <dgm:prSet presAssocID="{A57C5E61-25F1-404B-B768-AC950876F04A}" presName="sibTrans" presStyleLbl="sibTrans2D1" presStyleIdx="0" presStyleCnt="3"/>
       <dgm:spPr/>
+      <dgm:t>
+        <a:bodyPr/>
+        <a:lstStyle/>
+        <a:p>
+          <a:endParaRPr lang="en-US"/>
+        </a:p>
+      </dgm:t>
     </dgm:pt>
     <dgm:pt modelId="{64152BC1-B630-42C4-97E6-C1BE7296B7A7}" type="pres">
       <dgm:prSet presAssocID="{B836F2C8-8B75-479B-AD90-01369E2675EF}" presName="node" presStyleLbl="node1" presStyleIdx="1" presStyleCnt="3" custScaleX="127150" custScaleY="127150">
@@ -3231,6 +3302,13 @@
         </dgm:presLayoutVars>
       </dgm:prSet>
       <dgm:spPr/>
+      <dgm:t>
+        <a:bodyPr/>
+        <a:lstStyle/>
+        <a:p>
+          <a:endParaRPr lang="en-US"/>
+        </a:p>
+      </dgm:t>
     </dgm:pt>
     <dgm:pt modelId="{D58668FF-2F68-4278-A6C3-0659FB182DDC}" type="pres">
       <dgm:prSet presAssocID="{B836F2C8-8B75-479B-AD90-01369E2675EF}" presName="dummy" presStyleCnt="0"/>
@@ -3239,6 +3317,13 @@
     <dgm:pt modelId="{DF6E597E-F5FF-466B-B88A-A9B53C5FAAAB}" type="pres">
       <dgm:prSet presAssocID="{EC7306AB-2D1E-4513-9FFC-892F57C9E8CF}" presName="sibTrans" presStyleLbl="sibTrans2D1" presStyleIdx="1" presStyleCnt="3"/>
       <dgm:spPr/>
+      <dgm:t>
+        <a:bodyPr/>
+        <a:lstStyle/>
+        <a:p>
+          <a:endParaRPr lang="en-US"/>
+        </a:p>
+      </dgm:t>
     </dgm:pt>
     <dgm:pt modelId="{45481AD1-1654-4876-B553-1A6601C9A98A}" type="pres">
       <dgm:prSet presAssocID="{9FBAB5EA-FE51-4946-9628-BF3DC6C98C7A}" presName="node" presStyleLbl="node1" presStyleIdx="2" presStyleCnt="3" custScaleX="126381" custScaleY="126381">
@@ -3247,6 +3332,13 @@
         </dgm:presLayoutVars>
       </dgm:prSet>
       <dgm:spPr/>
+      <dgm:t>
+        <a:bodyPr/>
+        <a:lstStyle/>
+        <a:p>
+          <a:endParaRPr lang="en-US"/>
+        </a:p>
+      </dgm:t>
     </dgm:pt>
     <dgm:pt modelId="{7A6EC084-FB70-4DF4-AC57-F9970F498ECC}" type="pres">
       <dgm:prSet presAssocID="{9FBAB5EA-FE51-4946-9628-BF3DC6C98C7A}" presName="dummy" presStyleCnt="0"/>
@@ -3255,6 +3347,13 @@
     <dgm:pt modelId="{65F6578A-3E80-4C23-9589-AE8ED7C6FCE4}" type="pres">
       <dgm:prSet presAssocID="{89E9912F-14A1-466A-8D2B-83F1A45F5E2B}" presName="sibTrans" presStyleLbl="sibTrans2D1" presStyleIdx="2" presStyleCnt="3"/>
       <dgm:spPr/>
+      <dgm:t>
+        <a:bodyPr/>
+        <a:lstStyle/>
+        <a:p>
+          <a:endParaRPr lang="en-US"/>
+        </a:p>
+      </dgm:t>
     </dgm:pt>
   </dgm:ptLst>
   <dgm:cxnLst>
@@ -9450,7 +9549,7 @@
               <a:rPr lang="de-DE" smtClean="0">
                 <a:latin typeface="AA Zuehlke" pitchFamily="2" charset="0"/>
               </a:rPr>
-              <a:t>19.05.2016</a:t>
+              <a:t>20.05.2016</a:t>
             </a:fld>
             <a:endParaRPr lang="de-DE">
               <a:latin typeface="AA Zuehlke" pitchFamily="2" charset="0"/>
@@ -9628,7 +9727,7 @@
             <a:fld id="{A6966AE6-B72D-4967-9CA3-8469D2863705}" type="datetimeFigureOut">
               <a:rPr lang="en-US" smtClean="0"/>
               <a:pPr/>
-              <a:t>5/19/2016</a:t>
+              <a:t>5/20/2016</a:t>
             </a:fld>
             <a:endParaRPr lang="en-US" dirty="0"/>
           </a:p>
@@ -9953,11 +10052,7 @@
             </a:r>
             <a:r>
               <a:rPr lang="de-DE" sz="1200" dirty="0" smtClean="0"/>
-              <a:t>Automatisierte </a:t>
-            </a:r>
-            <a:r>
-              <a:rPr lang="de-DE" sz="1200" dirty="0" smtClean="0"/>
-              <a:t>Akzeptanztests bei Single-Page-Applikationen mit Angular, Angular 2 und Aurelia</a:t>
+              <a:t>Automatisierte Akzeptanztests bei Single-Page-Applikationen mit Angular, Angular 2 und Aurelia</a:t>
             </a:r>
             <a:endParaRPr lang="de-DE" dirty="0"/>
           </a:p>
@@ -10046,11 +10141,7 @@
           <a:p>
             <a:r>
               <a:rPr lang="de-DE" dirty="0" smtClean="0"/>
-              <a:t>Context </a:t>
-            </a:r>
-            <a:r>
-              <a:rPr lang="de-DE" dirty="0" smtClean="0"/>
-              <a:t>(10‘)</a:t>
+              <a:t>Context (10‘)</a:t>
             </a:r>
           </a:p>
           <a:p>
@@ -10060,15 +10151,7 @@
             </a:r>
             <a:r>
               <a:rPr lang="de-DE" dirty="0" smtClean="0"/>
-              <a:t>- </a:t>
-            </a:r>
-            <a:r>
-              <a:rPr lang="de-DE" dirty="0" smtClean="0"/>
-              <a:t>Testing Pyramide / Akzeptanztests (2</a:t>
-            </a:r>
-            <a:r>
-              <a:rPr lang="de-DE" dirty="0" smtClean="0"/>
-              <a:t>‘)</a:t>
+              <a:t>- Testing Pyramide / Akzeptanztests (2‘)</a:t>
             </a:r>
           </a:p>
           <a:p>
@@ -10078,15 +10161,7 @@
             </a:r>
             <a:r>
               <a:rPr lang="de-DE" dirty="0" smtClean="0"/>
-              <a:t>- </a:t>
-            </a:r>
-            <a:r>
-              <a:rPr lang="de-DE" dirty="0" smtClean="0"/>
-              <a:t>SPAs (2</a:t>
-            </a:r>
-            <a:r>
-              <a:rPr lang="de-DE" dirty="0" smtClean="0"/>
-              <a:t>‘)</a:t>
+              <a:t>- SPAs (2‘)</a:t>
             </a:r>
           </a:p>
           <a:p>
@@ -10096,11 +10171,7 @@
             </a:r>
             <a:r>
               <a:rPr lang="de-DE" dirty="0" smtClean="0"/>
-              <a:t>- </a:t>
-            </a:r>
-            <a:r>
-              <a:rPr lang="de-DE" dirty="0" smtClean="0"/>
-              <a:t>Specification</a:t>
+              <a:t>- Specification</a:t>
             </a:r>
             <a:r>
               <a:rPr lang="de-DE" baseline="0" dirty="0" smtClean="0"/>
@@ -10113,64 +10184,40 @@
           <a:p>
             <a:r>
               <a:rPr lang="de-DE" baseline="0" dirty="0" smtClean="0"/>
-              <a:t>Technologien </a:t>
-            </a:r>
+              <a:t>Technologien (30‘)</a:t>
+            </a:r>
+          </a:p>
+          <a:p>
             <a:r>
               <a:rPr lang="de-DE" baseline="0" dirty="0" smtClean="0"/>
-              <a:t>(30‘)</a:t>
+              <a:t>  - Anwendung (SPA) mit Angular 1,2, Aurelia mit Rest-BE (3‘)</a:t>
             </a:r>
           </a:p>
           <a:p>
             <a:r>
               <a:rPr lang="de-DE" baseline="0" dirty="0" smtClean="0"/>
-              <a:t>  - </a:t>
-            </a:r>
+              <a:t>  - Protractor für UI-Access / Chai als Assertion Framework? / Sinon als Mock-Framework? Oder Fake-BE / Fixed responses (17‘)</a:t>
+            </a:r>
+          </a:p>
+          <a:p>
             <a:r>
               <a:rPr lang="de-DE" baseline="0" dirty="0" smtClean="0"/>
-              <a:t>Anwendung (SPA) mit Angular 1,2, Aurelia mit Rest-BE (3‘)</a:t>
+              <a:t>  - Best practices (Page objects / Layering) (5‘)</a:t>
             </a:r>
           </a:p>
           <a:p>
             <a:r>
               <a:rPr lang="de-DE" baseline="0" dirty="0" smtClean="0"/>
-              <a:t>  - </a:t>
-            </a:r>
+              <a:t>  - Cucumber (SBE) -&gt; wie setze ich das sinnvoll ein? (5‘)</a:t>
+            </a:r>
+          </a:p>
+          <a:p>
+            <a:endParaRPr lang="de-DE" baseline="0" dirty="0" smtClean="0"/>
+          </a:p>
+          <a:p>
             <a:r>
               <a:rPr lang="de-DE" baseline="0" dirty="0" smtClean="0"/>
-              <a:t>Protractor für UI-Access / Chai als Assertion Framework? / Sinon als Mock-Framework? Oder Fake-BE / Fixed responses (17‘)</a:t>
-            </a:r>
-          </a:p>
-          <a:p>
-            <a:r>
-              <a:rPr lang="de-DE" baseline="0" dirty="0" smtClean="0"/>
-              <a:t>  - </a:t>
-            </a:r>
-            <a:r>
-              <a:rPr lang="de-DE" baseline="0" dirty="0" smtClean="0"/>
-              <a:t>Best practices (Page objects / Layering) (5‘)</a:t>
-            </a:r>
-          </a:p>
-          <a:p>
-            <a:r>
-              <a:rPr lang="de-DE" baseline="0" dirty="0" smtClean="0"/>
-              <a:t>  - </a:t>
-            </a:r>
-            <a:r>
-              <a:rPr lang="de-DE" baseline="0" dirty="0" smtClean="0"/>
-              <a:t>Cucumber (SBE) -&gt; wie setze ich das sinnvoll ein? (5‘)</a:t>
-            </a:r>
-          </a:p>
-          <a:p>
-            <a:endParaRPr lang="de-DE" baseline="0" dirty="0" smtClean="0"/>
-          </a:p>
-          <a:p>
-            <a:r>
-              <a:rPr lang="de-DE" baseline="0" dirty="0" smtClean="0"/>
-              <a:t>Zusammenfassung </a:t>
-            </a:r>
-            <a:r>
-              <a:rPr lang="de-DE" baseline="0" dirty="0" smtClean="0"/>
-              <a:t>/ Fazit (5‘)</a:t>
+              <a:t>Zusammenfassung / Fazit (5‘)</a:t>
             </a:r>
             <a:endParaRPr lang="de-DE" dirty="0" smtClean="0"/>
           </a:p>
@@ -10200,7 +10247,7 @@
             <a:fld id="{04E102C5-3B9C-48EE-BFF0-2E7AF2F2A1F4}" type="slidenum">
               <a:rPr lang="en-US" smtClean="0"/>
               <a:pPr/>
-              <a:t>3</a:t>
+              <a:t>2</a:t>
             </a:fld>
             <a:endParaRPr lang="en-US" dirty="0"/>
           </a:p>
@@ -10326,15 +10373,7 @@
             </a:pPr>
             <a:r>
               <a:rPr lang="de-DE" baseline="0" dirty="0" smtClean="0"/>
-              <a:t>HTML </a:t>
-            </a:r>
-            <a:r>
-              <a:rPr lang="de-DE" baseline="0" dirty="0" smtClean="0"/>
-              <a:t>Seite wird von Webserver </a:t>
-            </a:r>
-            <a:r>
-              <a:rPr lang="de-DE" baseline="0" dirty="0" smtClean="0"/>
-              <a:t>ausgeliefert</a:t>
+              <a:t>HTML Seite wird von Webserver ausgeliefert</a:t>
             </a:r>
           </a:p>
           <a:p>
@@ -10344,15 +10383,7 @@
             </a:pPr>
             <a:r>
               <a:rPr lang="de-DE" baseline="0" dirty="0" smtClean="0"/>
-              <a:t>Benutzerinteraktion </a:t>
-            </a:r>
-            <a:r>
-              <a:rPr lang="de-DE" baseline="0" dirty="0" smtClean="0"/>
-              <a:t>führt zu Anfrage an Webserver und neuer Webseite als Antwort, die im Browser die alte ersetzt (Page </a:t>
-            </a:r>
-            <a:r>
-              <a:rPr lang="de-DE" baseline="0" dirty="0" smtClean="0"/>
-              <a:t>Reload)</a:t>
+              <a:t>Benutzerinteraktion führt zu Anfrage an Webserver und neuer Webseite als Antwort, die im Browser die alte ersetzt (Page Reload)</a:t>
             </a:r>
           </a:p>
           <a:p>
@@ -10362,15 +10393,7 @@
             </a:pPr>
             <a:r>
               <a:rPr lang="de-DE" baseline="0" dirty="0" smtClean="0"/>
-              <a:t>macht </a:t>
-            </a:r>
-            <a:r>
-              <a:rPr lang="de-DE" baseline="0" dirty="0" smtClean="0"/>
-              <a:t>komplexe Anwendungen technisch schwierig und beeinträchtigt Benutzerfreundlichkeit </a:t>
-            </a:r>
-            <a:r>
-              <a:rPr lang="de-DE" baseline="0" dirty="0" smtClean="0"/>
-              <a:t>stark</a:t>
+              <a:t>macht komplexe Anwendungen technisch schwierig und beeinträchtigt Benutzerfreundlichkeit stark</a:t>
             </a:r>
           </a:p>
           <a:p>
@@ -10387,15 +10410,7 @@
             </a:pPr>
             <a:r>
               <a:rPr lang="de-DE" baseline="0" dirty="0" smtClean="0"/>
-              <a:t># AJAX </a:t>
-            </a:r>
-            <a:r>
-              <a:rPr lang="de-DE" baseline="0" dirty="0" smtClean="0"/>
-              <a:t>als Problemlöser (vor ca. 10 </a:t>
-            </a:r>
-            <a:r>
-              <a:rPr lang="de-DE" baseline="0" dirty="0" smtClean="0"/>
-              <a:t>Jahren)</a:t>
+              <a:t># AJAX als Problemlöser (vor ca. 10 Jahren)</a:t>
             </a:r>
           </a:p>
           <a:p>
@@ -10405,15 +10420,7 @@
             </a:pPr>
             <a:r>
               <a:rPr lang="de-DE" baseline="0" dirty="0" smtClean="0"/>
-              <a:t>Benutzerinteraktionen </a:t>
-            </a:r>
-            <a:r>
-              <a:rPr lang="de-DE" baseline="0" dirty="0" smtClean="0"/>
-              <a:t>durch clientseitiges JavaScript asynchron im Hintergrund ausgeführt (=&gt; Reduktion der Page </a:t>
-            </a:r>
-            <a:r>
-              <a:rPr lang="de-DE" baseline="0" dirty="0" smtClean="0"/>
-              <a:t>Reloads)</a:t>
+              <a:t>Benutzerinteraktionen durch clientseitiges JavaScript asynchron im Hintergrund ausgeführt (=&gt; Reduktion der Page Reloads)</a:t>
             </a:r>
           </a:p>
           <a:p>
@@ -10423,15 +10430,7 @@
             </a:pPr>
             <a:r>
               <a:rPr lang="de-DE" baseline="0" dirty="0" smtClean="0"/>
-              <a:t>Antwort </a:t>
-            </a:r>
-            <a:r>
-              <a:rPr lang="de-DE" baseline="0" dirty="0" smtClean="0"/>
-              <a:t>des Servers ebenfalls vom JavaScript Code entgegengenommen und in bestehende Seite </a:t>
-            </a:r>
-            <a:r>
-              <a:rPr lang="de-DE" baseline="0" dirty="0" smtClean="0"/>
-              <a:t>eingefügt</a:t>
+              <a:t>Antwort des Servers ebenfalls vom JavaScript Code entgegengenommen und in bestehende Seite eingefügt</a:t>
             </a:r>
           </a:p>
           <a:p>
@@ -10441,15 +10440,7 @@
             </a:pPr>
             <a:r>
               <a:rPr lang="de-DE" baseline="0" dirty="0" smtClean="0"/>
-              <a:t>statt </a:t>
-            </a:r>
-            <a:r>
-              <a:rPr lang="de-DE" baseline="0" dirty="0" smtClean="0"/>
-              <a:t>ganze Seite werden nur einzelne Teile einer Webseite aktualisiert (fast jede Seite im Internet verwendet AJAX Komponenten</a:t>
-            </a:r>
-            <a:r>
-              <a:rPr lang="de-DE" baseline="0" dirty="0" smtClean="0"/>
-              <a:t>)</a:t>
+              <a:t>statt ganze Seite werden nur einzelne Teile einer Webseite aktualisiert (fast jede Seite im Internet verwendet AJAX Komponenten)</a:t>
             </a:r>
           </a:p>
           <a:p>
@@ -10476,23 +10467,7 @@
             </a:pPr>
             <a:r>
               <a:rPr lang="de-DE" baseline="0" dirty="0" smtClean="0"/>
-              <a:t>ähnlich </a:t>
-            </a:r>
-            <a:r>
-              <a:rPr lang="de-DE" baseline="0" dirty="0" smtClean="0"/>
-              <a:t>zu AJAX, </a:t>
-            </a:r>
-            <a:r>
-              <a:rPr lang="de-DE" baseline="0" dirty="0" smtClean="0"/>
-              <a:t>aber gesamte </a:t>
-            </a:r>
-            <a:r>
-              <a:rPr lang="de-DE" baseline="0" dirty="0" smtClean="0"/>
-              <a:t>Applikation innerhalb einer Seite (keine Page </a:t>
-            </a:r>
-            <a:r>
-              <a:rPr lang="de-DE" baseline="0" dirty="0" smtClean="0"/>
-              <a:t>Reloads)</a:t>
+              <a:t>ähnlich zu AJAX, aber gesamte Applikation innerhalb einer Seite (keine Page Reloads)</a:t>
             </a:r>
           </a:p>
           <a:p>
@@ -10502,15 +10477,7 @@
             </a:pPr>
             <a:r>
               <a:rPr lang="de-DE" baseline="0" dirty="0" smtClean="0"/>
-              <a:t>häufig </a:t>
-            </a:r>
-            <a:r>
-              <a:rPr lang="de-DE" baseline="0" dirty="0" smtClean="0"/>
-              <a:t>werden REST basierte APIs anstelle von Webservern angesprochen (leichtgewichtige Datenformate wie JSON, keine Darstelllungsinformationen wie HTML und </a:t>
-            </a:r>
-            <a:r>
-              <a:rPr lang="de-DE" baseline="0" dirty="0" smtClean="0"/>
-              <a:t>CSS)</a:t>
+              <a:t>häufig werden REST basierte APIs anstelle von Webservern angesprochen (leichtgewichtige Datenformate wie JSON, keine Darstelllungsinformationen wie HTML und CSS)</a:t>
             </a:r>
           </a:p>
           <a:p>
@@ -10520,23 +10487,7 @@
             </a:pPr>
             <a:r>
               <a:rPr lang="de-DE" baseline="0" dirty="0" smtClean="0"/>
-              <a:t>einfaches </a:t>
-            </a:r>
-            <a:r>
-              <a:rPr lang="de-DE" baseline="0" dirty="0" smtClean="0"/>
-              <a:t>Ersetzen der Antwort reicht nicht </a:t>
-            </a:r>
-            <a:r>
-              <a:rPr lang="de-DE" baseline="0" dirty="0" smtClean="0"/>
-              <a:t>aus, mittels </a:t>
-            </a:r>
-            <a:r>
-              <a:rPr lang="de-DE" baseline="0" dirty="0" smtClean="0"/>
-              <a:t>Patterns wie MVC oder MVVM werden Daten in Seite </a:t>
-            </a:r>
-            <a:r>
-              <a:rPr lang="de-DE" baseline="0" dirty="0" smtClean="0"/>
-              <a:t>eingefügt</a:t>
+              <a:t>einfaches Ersetzen der Antwort reicht nicht aus, mittels Patterns wie MVC oder MVVM werden Daten in Seite eingefügt</a:t>
             </a:r>
           </a:p>
           <a:p>
@@ -10546,13 +10497,8 @@
             </a:pPr>
             <a:r>
               <a:rPr lang="de-DE" baseline="0" dirty="0" smtClean="0"/>
-              <a:t>Frameworks</a:t>
-            </a:r>
-            <a:r>
-              <a:rPr lang="de-DE" baseline="0" dirty="0" smtClean="0"/>
-              <a:t>: AngularJS 1, Angular 2, Aurelia </a:t>
-            </a:r>
-            <a:endParaRPr lang="de-DE" baseline="0" dirty="0" smtClean="0"/>
+              <a:t>Frameworks: AngularJS 1, Angular 2, Aurelia </a:t>
+            </a:r>
           </a:p>
           <a:p>
             <a:pPr marL="171450" lvl="0" indent="-171450">
@@ -10568,15 +10514,7 @@
             </a:pPr>
             <a:r>
               <a:rPr lang="de-DE" baseline="0" dirty="0" smtClean="0"/>
-              <a:t># HTML5 </a:t>
-            </a:r>
-            <a:r>
-              <a:rPr lang="de-DE" baseline="0" dirty="0" smtClean="0"/>
-              <a:t>vereinfacht Entwicklung von SPAs und ermöglicht neue Einsatzzwecke (bisher nur für Desktopanwendungen und </a:t>
-            </a:r>
-            <a:r>
-              <a:rPr lang="de-DE" baseline="0" dirty="0" smtClean="0"/>
-              <a:t>Flash)</a:t>
+              <a:t># HTML5 vereinfacht Entwicklung von SPAs und ermöglicht neue Einsatzzwecke (bisher nur für Desktopanwendungen und Flash)</a:t>
             </a:r>
           </a:p>
           <a:p>
@@ -10586,11 +10524,7 @@
             </a:pPr>
             <a:r>
               <a:rPr lang="de-DE" baseline="0" dirty="0" smtClean="0"/>
-              <a:t>Media-Controls</a:t>
-            </a:r>
-            <a:r>
-              <a:rPr lang="de-DE" baseline="0" dirty="0" smtClean="0"/>
-              <a:t>, Offline-Support, Bidirektionale Client-Server Kommunikation (WebSockets), Hardwarebeschleunigte 2D und 3D Grafik</a:t>
+              <a:t>Media-Controls, Offline-Support, Bidirektionale Client-Server Kommunikation (WebSockets), Hardwarebeschleunigte 2D und 3D Grafik</a:t>
             </a:r>
           </a:p>
           <a:p>
@@ -10616,7 +10550,7 @@
             <a:fld id="{04E102C5-3B9C-48EE-BFF0-2E7AF2F2A1F4}" type="slidenum">
               <a:rPr lang="en-US" smtClean="0"/>
               <a:pPr/>
-              <a:t>4</a:t>
+              <a:t>3</a:t>
             </a:fld>
             <a:endParaRPr lang="en-US" dirty="0"/>
           </a:p>
@@ -10698,15 +10632,7 @@
             </a:pPr>
             <a:r>
               <a:rPr lang="de-DE" dirty="0" smtClean="0"/>
-              <a:t># Bessere </a:t>
-            </a:r>
-            <a:r>
-              <a:rPr lang="de-DE" dirty="0" smtClean="0"/>
-              <a:t>User </a:t>
-            </a:r>
-            <a:r>
-              <a:rPr lang="de-DE" dirty="0" smtClean="0"/>
-              <a:t>Experience</a:t>
+              <a:t># Bessere User Experience</a:t>
             </a:r>
           </a:p>
           <a:p>
@@ -10729,11 +10655,7 @@
             </a:pPr>
             <a:r>
               <a:rPr lang="de-DE" baseline="0" dirty="0" smtClean="0"/>
-              <a:t>im </a:t>
-            </a:r>
-            <a:r>
-              <a:rPr lang="de-DE" baseline="0" dirty="0" smtClean="0"/>
-              <a:t>Gegensatz zu anderen Plattformen </a:t>
+              <a:t>im Gegensatz zu anderen Plattformen </a:t>
             </a:r>
             <a:r>
               <a:rPr lang="de-DE" dirty="0" smtClean="0"/>
@@ -10741,11 +10663,7 @@
             </a:r>
             <a:r>
               <a:rPr lang="de-DE" baseline="0" dirty="0" smtClean="0"/>
-              <a:t> Installation oder Plugins =&gt; Zugriff auf Applikation von </a:t>
-            </a:r>
-            <a:r>
-              <a:rPr lang="de-DE" baseline="0" dirty="0" smtClean="0"/>
-              <a:t>überall</a:t>
+              <a:t> Installation oder Plugins =&gt; Zugriff auf Applikation von überall</a:t>
             </a:r>
           </a:p>
           <a:p>
@@ -10768,15 +10686,7 @@
             </a:pPr>
             <a:r>
               <a:rPr lang="de-DE" dirty="0" smtClean="0"/>
-              <a:t>keine </a:t>
-            </a:r>
-            <a:r>
-              <a:rPr lang="de-DE" dirty="0" smtClean="0"/>
-              <a:t>Page Reloads =&gt; Benutzeroberfläche schnell und </a:t>
-            </a:r>
-            <a:r>
-              <a:rPr lang="de-DE" dirty="0" smtClean="0"/>
-              <a:t>reaktiv</a:t>
+              <a:t>keine Page Reloads =&gt; Benutzeroberfläche schnell und reaktiv</a:t>
             </a:r>
           </a:p>
           <a:p>
@@ -10842,39 +10752,11 @@
             </a:pPr>
             <a:r>
               <a:rPr lang="de-DE" dirty="0" smtClean="0"/>
-              <a:t>einzige </a:t>
-            </a:r>
-            <a:r>
-              <a:rPr lang="de-DE" dirty="0" smtClean="0"/>
-              <a:t>Vorraussetzung ist </a:t>
+              <a:t>einzige Vorraussetzung ist </a:t>
             </a:r>
             <a:r>
               <a:rPr lang="de-DE" baseline="0" dirty="0" smtClean="0"/>
-              <a:t>Browser </a:t>
-            </a:r>
-            <a:r>
-              <a:rPr lang="de-DE" baseline="0" dirty="0" smtClean="0"/>
-              <a:t>=&gt; </a:t>
-            </a:r>
-            <a:r>
-              <a:rPr lang="de-DE" baseline="0" dirty="0" smtClean="0"/>
-              <a:t>ist </a:t>
-            </a:r>
-            <a:r>
-              <a:rPr lang="de-DE" baseline="0" dirty="0" smtClean="0"/>
-              <a:t>auf allen erdenklichen Geräten zu finden =&gt; niedrige Einstiegshürde um </a:t>
-            </a:r>
-            <a:r>
-              <a:rPr lang="de-DE" baseline="0" dirty="0" smtClean="0"/>
-              <a:t>großes Publikum </a:t>
-            </a:r>
-            <a:r>
-              <a:rPr lang="de-DE" baseline="0" dirty="0" smtClean="0"/>
-              <a:t>anzusprechen =&gt; neue </a:t>
-            </a:r>
-            <a:r>
-              <a:rPr lang="de-DE" baseline="0" dirty="0" smtClean="0"/>
-              <a:t>Kunden</a:t>
+              <a:t>Browser =&gt; ist auf allen erdenklichen Geräten zu finden =&gt; niedrige Einstiegshürde um großes Publikum anzusprechen =&gt; neue Kunden</a:t>
             </a:r>
           </a:p>
           <a:p>
@@ -10940,19 +10822,11 @@
             </a:pPr>
             <a:r>
               <a:rPr lang="de-DE" dirty="0" smtClean="0"/>
-              <a:t>können </a:t>
-            </a:r>
-            <a:r>
-              <a:rPr lang="de-DE" dirty="0" smtClean="0"/>
-              <a:t>auf zentral verwalteter</a:t>
+              <a:t>können auf zentral verwalteter</a:t>
             </a:r>
             <a:r>
               <a:rPr lang="de-DE" baseline="0" dirty="0" smtClean="0"/>
-              <a:t> Hardware deployed werden =&gt; keine Installation beim Kunden, keine eigenen </a:t>
-            </a:r>
-            <a:r>
-              <a:rPr lang="de-DE" baseline="0" dirty="0" smtClean="0"/>
-              <a:t>Installer</a:t>
+              <a:t> Hardware deployed werden =&gt; keine Installation beim Kunden, keine eigenen Installer</a:t>
             </a:r>
           </a:p>
           <a:p>
@@ -10975,15 +10849,7 @@
             </a:pPr>
             <a:r>
               <a:rPr lang="de-DE" baseline="0" dirty="0" smtClean="0"/>
-              <a:t>Schritt </a:t>
-            </a:r>
-            <a:r>
-              <a:rPr lang="de-DE" baseline="0" dirty="0" smtClean="0"/>
-              <a:t>in die Cloud schnell </a:t>
-            </a:r>
-            <a:r>
-              <a:rPr lang="de-DE" baseline="0" dirty="0" smtClean="0"/>
-              <a:t>gemacht</a:t>
+              <a:t>Schritt in die Cloud schnell gemacht</a:t>
             </a:r>
           </a:p>
           <a:p>
@@ -11049,19 +10915,11 @@
             </a:pPr>
             <a:r>
               <a:rPr lang="de-DE" dirty="0" smtClean="0"/>
-              <a:t>HTML5 </a:t>
-            </a:r>
-            <a:r>
-              <a:rPr lang="de-DE" dirty="0" smtClean="0"/>
-              <a:t>und JavaScript</a:t>
+              <a:t>HTML5 und JavaScript</a:t>
             </a:r>
             <a:r>
               <a:rPr lang="de-DE" baseline="0" dirty="0" smtClean="0"/>
-              <a:t> sind offene Standards =&gt; keine Abhängigkeit zu einzelnen Anbietern oder </a:t>
-            </a:r>
-            <a:r>
-              <a:rPr lang="de-DE" baseline="0" dirty="0" smtClean="0"/>
-              <a:t>Produkte</a:t>
+              <a:t> sind offene Standards =&gt; keine Abhängigkeit zu einzelnen Anbietern oder Produkte</a:t>
             </a:r>
           </a:p>
           <a:p>
@@ -11131,15 +10989,7 @@
             </a:r>
             <a:r>
               <a:rPr lang="de-DE" baseline="0" dirty="0" smtClean="0"/>
-              <a:t> </a:t>
-            </a:r>
-            <a:r>
-              <a:rPr lang="de-DE" baseline="0" dirty="0" smtClean="0"/>
-              <a:t>lange Zeit verwendet um schnell Workarounds für Browserinkompatibilitäten und Darstellungsprobleme zu lösen =&gt; schlechter </a:t>
-            </a:r>
-            <a:r>
-              <a:rPr lang="de-DE" baseline="0" dirty="0" smtClean="0"/>
-              <a:t>Ruf</a:t>
+              <a:t> lange Zeit verwendet um schnell Workarounds für Browserinkompatibilitäten und Darstellungsprobleme zu lösen =&gt; schlechter Ruf</a:t>
             </a:r>
           </a:p>
           <a:p>
@@ -11162,11 +11012,7 @@
             </a:pPr>
             <a:r>
               <a:rPr lang="de-DE" baseline="0" dirty="0" smtClean="0"/>
-              <a:t>Professionalisierung </a:t>
-            </a:r>
-            <a:r>
-              <a:rPr lang="de-DE" baseline="0" dirty="0" smtClean="0"/>
-              <a:t>der Webentwicklung =&gt; neue Sprachen, Tools für Build- und Testautomatisierung + Konzepte: TDD, CI oder CleanCode im Web</a:t>
+              <a:t>Professionalisierung der Webentwicklung =&gt; neue Sprachen, Tools für Build- und Testautomatisierung + Konzepte: TDD, CI oder CleanCode im Web</a:t>
             </a:r>
             <a:endParaRPr lang="de-DE" dirty="0" smtClean="0"/>
           </a:p>
@@ -11190,7 +11036,7 @@
             <a:fld id="{04E102C5-3B9C-48EE-BFF0-2E7AF2F2A1F4}" type="slidenum">
               <a:rPr lang="en-US" smtClean="0"/>
               <a:pPr/>
-              <a:t>5</a:t>
+              <a:t>4</a:t>
             </a:fld>
             <a:endParaRPr lang="en-US" dirty="0"/>
           </a:p>
@@ -11278,23 +11124,7 @@
             </a:pPr>
             <a:r>
               <a:rPr lang="de-DE" baseline="0" dirty="0" smtClean="0"/>
-              <a:t>zeigt </a:t>
-            </a:r>
-            <a:r>
-              <a:rPr lang="de-DE" baseline="0" dirty="0" smtClean="0"/>
-              <a:t>wie sich die Anzahl der </a:t>
-            </a:r>
-            <a:r>
-              <a:rPr lang="de-DE" baseline="0" dirty="0" smtClean="0"/>
-              <a:t>automatisierten Testfälle staffeln </a:t>
-            </a:r>
-            <a:r>
-              <a:rPr lang="de-DE" baseline="0" dirty="0" smtClean="0"/>
-              <a:t>soll </a:t>
-            </a:r>
-            <a:r>
-              <a:rPr lang="de-DE" baseline="0" dirty="0" smtClean="0"/>
-              <a:t>(10/20/70)</a:t>
+              <a:t>zeigt wie sich die Anzahl der automatisierten Testfälle staffeln soll (10/20/70)</a:t>
             </a:r>
           </a:p>
           <a:p>
@@ -11321,15 +11151,7 @@
             </a:pPr>
             <a:r>
               <a:rPr lang="de-DE" baseline="0" dirty="0" smtClean="0"/>
-              <a:t>Funktioniert </a:t>
-            </a:r>
-            <a:r>
-              <a:rPr lang="de-DE" baseline="0" dirty="0" smtClean="0"/>
-              <a:t>der eigene Code für sich </a:t>
-            </a:r>
-            <a:r>
-              <a:rPr lang="de-DE" baseline="0" dirty="0" smtClean="0"/>
-              <a:t>allein?</a:t>
+              <a:t>Funktioniert der eigene Code für sich allein?</a:t>
             </a:r>
           </a:p>
           <a:p>
@@ -11339,15 +11161,7 @@
             </a:pPr>
             <a:r>
               <a:rPr lang="de-DE" baseline="0" dirty="0" smtClean="0"/>
-              <a:t>Test </a:t>
-            </a:r>
-            <a:r>
-              <a:rPr lang="de-DE" baseline="0" dirty="0" smtClean="0"/>
-              <a:t>in hoher Isolation ausgeführt =&gt; Kollboratuere werden durch Test Doubles ausgetauscht =&gt; Dependency Injection, BDD erleichtern </a:t>
-            </a:r>
-            <a:r>
-              <a:rPr lang="de-DE" baseline="0" dirty="0" smtClean="0"/>
-              <a:t>Arbeit</a:t>
+              <a:t>Test in hoher Isolation ausgeführt =&gt; Kollboratuere werden durch Test Doubles ausgetauscht =&gt; Dependency Injection, BDD erleichtern Arbeit</a:t>
             </a:r>
           </a:p>
           <a:p>
@@ -11367,15 +11181,7 @@
             </a:pPr>
             <a:r>
               <a:rPr lang="de-DE" baseline="0" dirty="0" smtClean="0"/>
-              <a:t>FIRE-Prinzip </a:t>
-            </a:r>
-            <a:r>
-              <a:rPr lang="de-DE" baseline="0" dirty="0" smtClean="0"/>
-              <a:t>nach Ben Rady und Rod Coffin =&gt;fast (wenige Sekunden), informative (nur aus einem Grund fehlschlagen), reliable, exhaustive (erschöpfend</a:t>
-            </a:r>
-            <a:r>
-              <a:rPr lang="de-DE" baseline="0" dirty="0" smtClean="0"/>
-              <a:t>)</a:t>
+              <a:t>FIRE-Prinzip nach Ben Rady und Rod Coffin =&gt;fast (wenige Sekunden), informative (nur aus einem Grund fehlschlagen), reliable, exhaustive (erschöpfend)</a:t>
             </a:r>
           </a:p>
           <a:p>
@@ -11402,31 +11208,7 @@
             </a:pPr>
             <a:r>
               <a:rPr lang="de-DE" baseline="0" dirty="0" smtClean="0"/>
-              <a:t>Funktioniert die Anbindung zu </a:t>
-            </a:r>
-            <a:r>
-              <a:rPr lang="de-DE" baseline="0" dirty="0" smtClean="0"/>
-              <a:t>anderen </a:t>
-            </a:r>
-            <a:r>
-              <a:rPr lang="de-DE" baseline="0" dirty="0" smtClean="0"/>
-              <a:t>Systemkomponenten? </a:t>
-            </a:r>
-            <a:r>
-              <a:rPr lang="de-DE" baseline="0" dirty="0" smtClean="0"/>
-              <a:t>(Code von </a:t>
-            </a:r>
-            <a:r>
-              <a:rPr lang="de-DE" baseline="0" dirty="0" smtClean="0"/>
-              <a:t>Drittanbietern,  Webservices</a:t>
-            </a:r>
-            <a:r>
-              <a:rPr lang="de-DE" baseline="0" dirty="0" smtClean="0"/>
-              <a:t>, </a:t>
-            </a:r>
-            <a:r>
-              <a:rPr lang="de-DE" baseline="0" dirty="0" smtClean="0"/>
-              <a:t>…)</a:t>
+              <a:t>Funktioniert die Anbindung zu anderen Systemkomponenten? (Code von Drittanbietern,  Webservices, …)</a:t>
             </a:r>
           </a:p>
           <a:p>
@@ -11446,23 +11228,7 @@
             </a:pPr>
             <a:r>
               <a:rPr lang="de-DE" baseline="0" dirty="0" smtClean="0"/>
-              <a:t>Fehler </a:t>
-            </a:r>
-            <a:r>
-              <a:rPr lang="de-DE" baseline="0" dirty="0" smtClean="0"/>
-              <a:t>aufgrund </a:t>
-            </a:r>
-            <a:r>
-              <a:rPr lang="de-DE" baseline="0" dirty="0" smtClean="0"/>
-              <a:t>inkompatibler Schnittstellen oder </a:t>
-            </a:r>
-            <a:r>
-              <a:rPr lang="de-DE" baseline="0" dirty="0" smtClean="0"/>
-              <a:t>flascher Annahmen über das Verhalten von </a:t>
-            </a:r>
-            <a:r>
-              <a:rPr lang="de-DE" baseline="0" dirty="0" smtClean="0"/>
-              <a:t>Kollaborateuren</a:t>
+              <a:t>Fehler aufgrund inkompatibler Schnittstellen oder flascher Annahmen über das Verhalten von Kollaborateuren</a:t>
             </a:r>
           </a:p>
           <a:p>
@@ -11542,7 +11308,7 @@
             <a:fld id="{04E102C5-3B9C-48EE-BFF0-2E7AF2F2A1F4}" type="slidenum">
               <a:rPr lang="en-US" smtClean="0"/>
               <a:pPr/>
-              <a:t>6</a:t>
+              <a:t>5</a:t>
             </a:fld>
             <a:endParaRPr lang="en-US" dirty="0"/>
           </a:p>
@@ -11709,8 +11475,23 @@
             </a:pPr>
             <a:r>
               <a:rPr lang="de-DE" baseline="0" dirty="0" smtClean="0"/>
-              <a:t>gegen ausführbare Spezifikation mittels TDD</a:t>
-            </a:r>
+              <a:t>gegen ausführbare Spezifikation mittels </a:t>
+            </a:r>
+            <a:r>
+              <a:rPr lang="de-DE" baseline="0" dirty="0" smtClean="0"/>
+              <a:t>TDD</a:t>
+            </a:r>
+          </a:p>
+          <a:p>
+            <a:pPr marL="171450" lvl="0" indent="-171450">
+              <a:buFont typeface="Arial" panose="020B0604020202020204" pitchFamily="34" charset="0"/>
+              <a:buChar char="•"/>
+            </a:pPr>
+            <a:r>
+              <a:rPr lang="de-DE" baseline="0" dirty="0" smtClean="0"/>
+              <a:t>Outside-In Development</a:t>
+            </a:r>
+            <a:endParaRPr lang="de-DE" baseline="0" dirty="0" smtClean="0"/>
           </a:p>
           <a:p>
             <a:pPr marL="685800" lvl="1" indent="-228600">
@@ -11759,7 +11540,7 @@
             <a:fld id="{04E102C5-3B9C-48EE-BFF0-2E7AF2F2A1F4}" type="slidenum">
               <a:rPr lang="en-US" smtClean="0"/>
               <a:pPr/>
-              <a:t>8</a:t>
+              <a:t>7</a:t>
             </a:fld>
             <a:endParaRPr lang="en-US" dirty="0"/>
           </a:p>
@@ -11844,7 +11625,7 @@
             <a:fld id="{04E102C5-3B9C-48EE-BFF0-2E7AF2F2A1F4}" type="slidenum">
               <a:rPr lang="en-US" smtClean="0"/>
               <a:pPr/>
-              <a:t>9</a:t>
+              <a:t>8</a:t>
             </a:fld>
             <a:endParaRPr lang="en-US" dirty="0"/>
           </a:p>
@@ -15599,7 +15380,7 @@
           <a:p>
             <a:r>
               <a:rPr lang="de-DE" dirty="0" smtClean="0"/>
-              <a:t>YodaChat</a:t>
+              <a:t>Protractor</a:t>
             </a:r>
             <a:endParaRPr lang="de-DE" dirty="0"/>
           </a:p>
@@ -15626,7 +15407,7 @@
       </p:sp>
       <p:sp>
         <p:nvSpPr>
-          <p:cNvPr id="4" name="Text Placeholder 3"/>
+          <p:cNvPr id="6" name="Text Placeholder 5"/>
           <p:cNvSpPr>
             <a:spLocks noGrp="1"/>
           </p:cNvSpPr>
@@ -15639,10 +15420,6 @@
           <a:bodyPr/>
           <a:lstStyle/>
           <a:p>
-            <a:r>
-              <a:rPr lang="de-DE" dirty="0" smtClean="0"/>
-              <a:t>Testautomatisierung mit Protractor</a:t>
-            </a:r>
             <a:endParaRPr lang="de-DE" dirty="0"/>
           </a:p>
         </p:txBody>
@@ -15650,20 +15427,13 @@
     </p:spTree>
     <p:extLst>
       <p:ext uri="{BB962C8B-B14F-4D97-AF65-F5344CB8AC3E}">
-        <p14:creationId xmlns:p14="http://schemas.microsoft.com/office/powerpoint/2010/main" val="2466512856"/>
+        <p14:creationId xmlns:p14="http://schemas.microsoft.com/office/powerpoint/2010/main" val="2884851122"/>
       </p:ext>
     </p:extLst>
   </p:cSld>
   <p:clrMapOvr>
     <a:masterClrMapping/>
   </p:clrMapOvr>
-  <p:timing>
-    <p:tnLst>
-      <p:par>
-        <p:cTn id="1" dur="indefinite" restart="never" nodeType="tmRoot"/>
-      </p:par>
-    </p:tnLst>
-  </p:timing>
 </p:sld>
 </file>
 
@@ -15701,7 +15471,7 @@
           <a:p>
             <a:r>
               <a:rPr lang="de-DE" dirty="0" smtClean="0"/>
-              <a:t>Page Object Pattern</a:t>
+              <a:t>YodaChat</a:t>
             </a:r>
             <a:endParaRPr lang="de-DE" dirty="0"/>
           </a:p>
@@ -15717,99 +15487,12 @@
             <p:ph idx="1"/>
           </p:nvPr>
         </p:nvSpPr>
-        <p:spPr>
-          <a:ln>
-            <a:solidFill>
-              <a:schemeClr val="bg1"/>
-            </a:solidFill>
-          </a:ln>
-        </p:spPr>
-        <p:style>
-          <a:lnRef idx="2">
-            <a:schemeClr val="accent1"/>
-          </a:lnRef>
-          <a:fillRef idx="1">
-            <a:schemeClr val="lt1"/>
-          </a:fillRef>
-          <a:effectRef idx="0">
-            <a:schemeClr val="accent1"/>
-          </a:effectRef>
-          <a:fontRef idx="minor">
-            <a:schemeClr val="dk1"/>
-          </a:fontRef>
-        </p:style>
+        <p:spPr/>
         <p:txBody>
           <a:bodyPr/>
           <a:lstStyle/>
           <a:p>
-            <a:pPr marL="342900" indent="-342900">
-              <a:buFont typeface="Arial" panose="020B0604020202020204" pitchFamily="34" charset="0"/>
-              <a:buChar char="•"/>
-            </a:pPr>
-            <a:r>
-              <a:rPr lang="de-DE" dirty="0" smtClean="0"/>
-              <a:t>Definition &amp; Zweck</a:t>
-            </a:r>
-          </a:p>
-          <a:p>
-            <a:pPr marL="608013" lvl="1" indent="-342900">
-              <a:buFont typeface="Arial" panose="020B0604020202020204" pitchFamily="34" charset="0"/>
-              <a:buChar char="•"/>
-            </a:pPr>
-            <a:r>
-              <a:rPr lang="de-DE" dirty="0" smtClean="0"/>
-              <a:t>„Seiten“ unsere Webanwendung werden durch sogenannte Page Objects repräsentiert, wobei ein Page Object die Features einer „Seite“ kappselt</a:t>
-            </a:r>
-          </a:p>
-          <a:p>
-            <a:pPr marL="608013" lvl="1" indent="-342900">
-              <a:buFont typeface="Arial" panose="020B0604020202020204" pitchFamily="34" charset="0"/>
-              <a:buChar char="•"/>
-            </a:pPr>
-            <a:r>
-              <a:rPr lang="de-DE" dirty="0" smtClean="0"/>
-              <a:t>Page Objects dienen unseren Tests als Schnittstelle zu den „Seiten“ unserer zu testenden Anwendung </a:t>
-            </a:r>
-          </a:p>
-          <a:p>
-            <a:pPr marL="342900" indent="-342900">
-              <a:buFont typeface="Arial" panose="020B0604020202020204" pitchFamily="34" charset="0"/>
-              <a:buChar char="•"/>
-            </a:pPr>
-            <a:r>
-              <a:rPr lang="de-DE" dirty="0" smtClean="0"/>
-              <a:t>Vorteile</a:t>
-            </a:r>
-          </a:p>
-          <a:p>
-            <a:pPr marL="608013" lvl="1" indent="-342900">
-              <a:buFont typeface="Arial" panose="020B0604020202020204" pitchFamily="34" charset="0"/>
-              <a:buChar char="•"/>
-            </a:pPr>
-            <a:r>
-              <a:rPr lang="de-DE" dirty="0" smtClean="0"/>
-              <a:t>Weniger Codeduplikation</a:t>
-            </a:r>
-          </a:p>
-          <a:p>
-            <a:pPr marL="608013" lvl="1" indent="-342900">
-              <a:buFont typeface="Arial" panose="020B0604020202020204" pitchFamily="34" charset="0"/>
-              <a:buChar char="•"/>
-            </a:pPr>
-            <a:r>
-              <a:rPr lang="de-DE" dirty="0" smtClean="0"/>
-              <a:t>Tests sind lesbarer und robuster</a:t>
-            </a:r>
-          </a:p>
-          <a:p>
-            <a:pPr marL="608013" lvl="1" indent="-342900">
-              <a:buFont typeface="Arial" panose="020B0604020202020204" pitchFamily="34" charset="0"/>
-              <a:buChar char="•"/>
-            </a:pPr>
-            <a:r>
-              <a:rPr lang="de-DE" dirty="0" smtClean="0"/>
-              <a:t>Verbesserte Wartbarkeit der Tests</a:t>
-            </a:r>
+            <a:endParaRPr lang="de-DE" dirty="0"/>
           </a:p>
         </p:txBody>
       </p:sp>
@@ -15828,284 +15511,18 @@
           <a:bodyPr/>
           <a:lstStyle/>
           <a:p>
+            <a:r>
+              <a:rPr lang="de-DE" dirty="0" smtClean="0"/>
+              <a:t>Testautomatisierung mit Protractor</a:t>
+            </a:r>
             <a:endParaRPr lang="de-DE" dirty="0"/>
-          </a:p>
-        </p:txBody>
-      </p:sp>
-      <p:sp>
-        <p:nvSpPr>
-          <p:cNvPr id="5" name="Rounded Rectangle 4"/>
-          <p:cNvSpPr/>
-          <p:nvPr/>
-        </p:nvSpPr>
-        <p:spPr>
-          <a:xfrm>
-            <a:off x="5701826" y="5758799"/>
-            <a:ext cx="2880320" cy="432007"/>
-          </a:xfrm>
-          <a:prstGeom prst="roundRect">
-            <a:avLst/>
-          </a:prstGeom>
-          <a:ln/>
-        </p:spPr>
-        <p:style>
-          <a:lnRef idx="2">
-            <a:schemeClr val="accent3"/>
-          </a:lnRef>
-          <a:fillRef idx="1">
-            <a:schemeClr val="lt1"/>
-          </a:fillRef>
-          <a:effectRef idx="0">
-            <a:schemeClr val="accent3"/>
-          </a:effectRef>
-          <a:fontRef idx="minor">
-            <a:schemeClr val="dk1"/>
-          </a:fontRef>
-        </p:style>
-        <p:txBody>
-          <a:bodyPr rtlCol="0" anchor="ctr"/>
-          <a:lstStyle/>
-          <a:p>
-            <a:pPr algn="ctr"/>
-            <a:r>
-              <a:rPr lang="de-DE" sz="2200" dirty="0" smtClean="0">
-                <a:latin typeface="AA Zuehlke" pitchFamily="2" charset="0"/>
-              </a:rPr>
-              <a:t>AUT</a:t>
-            </a:r>
-            <a:endParaRPr lang="de-DE" sz="2200" dirty="0" smtClean="0">
-              <a:latin typeface="AA Zuehlke" pitchFamily="2" charset="0"/>
-            </a:endParaRPr>
-          </a:p>
-        </p:txBody>
-      </p:sp>
-      <p:sp>
-        <p:nvSpPr>
-          <p:cNvPr id="6" name="Rounded Rectangle 5"/>
-          <p:cNvSpPr/>
-          <p:nvPr/>
-        </p:nvSpPr>
-        <p:spPr>
-          <a:xfrm>
-            <a:off x="5724128" y="5259441"/>
-            <a:ext cx="2880320" cy="410381"/>
-          </a:xfrm>
-          <a:prstGeom prst="roundRect">
-            <a:avLst/>
-          </a:prstGeom>
-          <a:ln/>
-        </p:spPr>
-        <p:style>
-          <a:lnRef idx="2">
-            <a:schemeClr val="accent4"/>
-          </a:lnRef>
-          <a:fillRef idx="1">
-            <a:schemeClr val="lt1"/>
-          </a:fillRef>
-          <a:effectRef idx="0">
-            <a:schemeClr val="accent4"/>
-          </a:effectRef>
-          <a:fontRef idx="minor">
-            <a:schemeClr val="dk1"/>
-          </a:fontRef>
-        </p:style>
-        <p:txBody>
-          <a:bodyPr rtlCol="0" anchor="ctr"/>
-          <a:lstStyle/>
-          <a:p>
-            <a:pPr algn="ctr"/>
-            <a:r>
-              <a:rPr lang="de-DE" sz="2200" dirty="0" smtClean="0">
-                <a:latin typeface="AA Zuehlke" pitchFamily="2" charset="0"/>
-              </a:rPr>
-              <a:t>WebDriver</a:t>
-            </a:r>
-            <a:endParaRPr lang="de-DE" sz="2200" dirty="0" smtClean="0">
-              <a:latin typeface="AA Zuehlke" pitchFamily="2" charset="0"/>
-            </a:endParaRPr>
-          </a:p>
-        </p:txBody>
-      </p:sp>
-      <p:sp>
-        <p:nvSpPr>
-          <p:cNvPr id="7" name="Rounded Rectangle 6"/>
-          <p:cNvSpPr/>
-          <p:nvPr/>
-        </p:nvSpPr>
-        <p:spPr>
-          <a:xfrm>
-            <a:off x="5724128" y="4221088"/>
-            <a:ext cx="2880320" cy="435452"/>
-          </a:xfrm>
-          <a:prstGeom prst="roundRect">
-            <a:avLst/>
-          </a:prstGeom>
-          <a:ln/>
-        </p:spPr>
-        <p:style>
-          <a:lnRef idx="2">
-            <a:schemeClr val="dk1"/>
-          </a:lnRef>
-          <a:fillRef idx="1">
-            <a:schemeClr val="lt1"/>
-          </a:fillRef>
-          <a:effectRef idx="0">
-            <a:schemeClr val="dk1"/>
-          </a:effectRef>
-          <a:fontRef idx="minor">
-            <a:schemeClr val="dk1"/>
-          </a:fontRef>
-        </p:style>
-        <p:txBody>
-          <a:bodyPr rtlCol="0" anchor="ctr"/>
-          <a:lstStyle/>
-          <a:p>
-            <a:pPr algn="ctr"/>
-            <a:r>
-              <a:rPr lang="de-DE" sz="2200" dirty="0" smtClean="0">
-                <a:latin typeface="AA Zuehlke" pitchFamily="2" charset="0"/>
-              </a:rPr>
-              <a:t>Test</a:t>
-            </a:r>
-            <a:endParaRPr lang="de-DE" sz="2200" dirty="0" smtClean="0">
-              <a:latin typeface="AA Zuehlke" pitchFamily="2" charset="0"/>
-            </a:endParaRPr>
-          </a:p>
-        </p:txBody>
-      </p:sp>
-      <p:sp>
-        <p:nvSpPr>
-          <p:cNvPr id="8" name="Rounded Rectangle 7"/>
-          <p:cNvSpPr/>
-          <p:nvPr/>
-        </p:nvSpPr>
-        <p:spPr>
-          <a:xfrm>
-            <a:off x="5721551" y="4727547"/>
-            <a:ext cx="936104" cy="432048"/>
-          </a:xfrm>
-          <a:prstGeom prst="roundRect">
-            <a:avLst/>
-          </a:prstGeom>
-          <a:ln/>
-        </p:spPr>
-        <p:style>
-          <a:lnRef idx="2">
-            <a:schemeClr val="dk1"/>
-          </a:lnRef>
-          <a:fillRef idx="1">
-            <a:schemeClr val="lt1"/>
-          </a:fillRef>
-          <a:effectRef idx="0">
-            <a:schemeClr val="dk1"/>
-          </a:effectRef>
-          <a:fontRef idx="minor">
-            <a:schemeClr val="dk1"/>
-          </a:fontRef>
-        </p:style>
-        <p:txBody>
-          <a:bodyPr rtlCol="0" anchor="ctr"/>
-          <a:lstStyle/>
-          <a:p>
-            <a:pPr algn="ctr"/>
-            <a:r>
-              <a:rPr lang="de-DE" sz="2200" dirty="0" smtClean="0">
-                <a:latin typeface="AA Zuehlke" pitchFamily="2" charset="0"/>
-              </a:rPr>
-              <a:t>PO</a:t>
-            </a:r>
-            <a:endParaRPr lang="de-DE" sz="2200" dirty="0" smtClean="0">
-              <a:latin typeface="AA Zuehlke" pitchFamily="2" charset="0"/>
-            </a:endParaRPr>
-          </a:p>
-        </p:txBody>
-      </p:sp>
-      <p:sp>
-        <p:nvSpPr>
-          <p:cNvPr id="10" name="Rounded Rectangle 9"/>
-          <p:cNvSpPr/>
-          <p:nvPr/>
-        </p:nvSpPr>
-        <p:spPr>
-          <a:xfrm>
-            <a:off x="7646042" y="4738416"/>
-            <a:ext cx="936104" cy="432048"/>
-          </a:xfrm>
-          <a:prstGeom prst="roundRect">
-            <a:avLst/>
-          </a:prstGeom>
-          <a:ln/>
-        </p:spPr>
-        <p:style>
-          <a:lnRef idx="2">
-            <a:schemeClr val="dk1"/>
-          </a:lnRef>
-          <a:fillRef idx="1">
-            <a:schemeClr val="lt1"/>
-          </a:fillRef>
-          <a:effectRef idx="0">
-            <a:schemeClr val="dk1"/>
-          </a:effectRef>
-          <a:fontRef idx="minor">
-            <a:schemeClr val="dk1"/>
-          </a:fontRef>
-        </p:style>
-        <p:txBody>
-          <a:bodyPr rtlCol="0" anchor="ctr"/>
-          <a:lstStyle/>
-          <a:p>
-            <a:pPr algn="ctr"/>
-            <a:r>
-              <a:rPr lang="de-DE" sz="2200" dirty="0" smtClean="0">
-                <a:latin typeface="AA Zuehlke" pitchFamily="2" charset="0"/>
-              </a:rPr>
-              <a:t>PO</a:t>
-            </a:r>
-            <a:endParaRPr lang="de-DE" sz="2200" dirty="0" smtClean="0">
-              <a:latin typeface="AA Zuehlke" pitchFamily="2" charset="0"/>
-            </a:endParaRPr>
-          </a:p>
-        </p:txBody>
-      </p:sp>
-      <p:sp>
-        <p:nvSpPr>
-          <p:cNvPr id="11" name="TextBox 10"/>
-          <p:cNvSpPr txBox="1"/>
-          <p:nvPr/>
-        </p:nvSpPr>
-        <p:spPr>
-          <a:xfrm>
-            <a:off x="6684786" y="4671212"/>
-            <a:ext cx="914400" cy="464717"/>
-          </a:xfrm>
-          <a:prstGeom prst="rect">
-            <a:avLst/>
-          </a:prstGeom>
-          <a:noFill/>
-        </p:spPr>
-        <p:txBody>
-          <a:bodyPr wrap="none" rtlCol="0">
-            <a:noAutofit/>
-          </a:bodyPr>
-          <a:lstStyle/>
-          <a:p>
-            <a:pPr algn="ctr"/>
-            <a:r>
-              <a:rPr lang="de-DE" sz="2200" dirty="0" smtClean="0">
-                <a:latin typeface="AA Zuehlke" pitchFamily="2" charset="0"/>
-              </a:rPr>
-              <a:t>…</a:t>
-            </a:r>
-            <a:endParaRPr lang="de-DE" sz="2200" dirty="0" smtClean="0">
-              <a:latin typeface="AA Zuehlke" pitchFamily="2" charset="0"/>
-            </a:endParaRPr>
           </a:p>
         </p:txBody>
       </p:sp>
     </p:spTree>
     <p:extLst>
       <p:ext uri="{BB962C8B-B14F-4D97-AF65-F5344CB8AC3E}">
-        <p14:creationId xmlns:p14="http://schemas.microsoft.com/office/powerpoint/2010/main" val="2506019560"/>
+        <p14:creationId xmlns:p14="http://schemas.microsoft.com/office/powerpoint/2010/main" val="2466512856"/>
       </p:ext>
     </p:extLst>
   </p:cSld>
@@ -16156,7 +15573,7 @@
           <a:p>
             <a:r>
               <a:rPr lang="de-DE" dirty="0" smtClean="0"/>
-              <a:t>YodaChat</a:t>
+              <a:t>Page Object Pattern</a:t>
             </a:r>
             <a:endParaRPr lang="de-DE" dirty="0"/>
           </a:p>
@@ -16172,12 +15589,99 @@
             <p:ph idx="1"/>
           </p:nvPr>
         </p:nvSpPr>
-        <p:spPr/>
+        <p:spPr>
+          <a:ln>
+            <a:solidFill>
+              <a:schemeClr val="bg1"/>
+            </a:solidFill>
+          </a:ln>
+        </p:spPr>
+        <p:style>
+          <a:lnRef idx="2">
+            <a:schemeClr val="accent1"/>
+          </a:lnRef>
+          <a:fillRef idx="1">
+            <a:schemeClr val="lt1"/>
+          </a:fillRef>
+          <a:effectRef idx="0">
+            <a:schemeClr val="accent1"/>
+          </a:effectRef>
+          <a:fontRef idx="minor">
+            <a:schemeClr val="dk1"/>
+          </a:fontRef>
+        </p:style>
         <p:txBody>
           <a:bodyPr/>
           <a:lstStyle/>
           <a:p>
-            <a:endParaRPr lang="de-DE" dirty="0"/>
+            <a:pPr marL="342900" indent="-342900">
+              <a:buFont typeface="Arial" panose="020B0604020202020204" pitchFamily="34" charset="0"/>
+              <a:buChar char="•"/>
+            </a:pPr>
+            <a:r>
+              <a:rPr lang="de-DE" dirty="0" smtClean="0"/>
+              <a:t>Definition &amp; Zweck</a:t>
+            </a:r>
+          </a:p>
+          <a:p>
+            <a:pPr marL="608013" lvl="1" indent="-342900">
+              <a:buFont typeface="Arial" panose="020B0604020202020204" pitchFamily="34" charset="0"/>
+              <a:buChar char="•"/>
+            </a:pPr>
+            <a:r>
+              <a:rPr lang="de-DE" dirty="0" smtClean="0"/>
+              <a:t>„Seiten“ unsere Webanwendung werden durch sogenannte Page Objects repräsentiert, wobei ein Page Object die Features einer „Seite“ kappselt</a:t>
+            </a:r>
+          </a:p>
+          <a:p>
+            <a:pPr marL="608013" lvl="1" indent="-342900">
+              <a:buFont typeface="Arial" panose="020B0604020202020204" pitchFamily="34" charset="0"/>
+              <a:buChar char="•"/>
+            </a:pPr>
+            <a:r>
+              <a:rPr lang="de-DE" dirty="0" smtClean="0"/>
+              <a:t>Page Objects dienen unseren Tests als Schnittstelle zu den „Seiten“ unserer zu testenden Anwendung </a:t>
+            </a:r>
+          </a:p>
+          <a:p>
+            <a:pPr marL="342900" indent="-342900">
+              <a:buFont typeface="Arial" panose="020B0604020202020204" pitchFamily="34" charset="0"/>
+              <a:buChar char="•"/>
+            </a:pPr>
+            <a:r>
+              <a:rPr lang="de-DE" dirty="0" smtClean="0"/>
+              <a:t>Vorteile</a:t>
+            </a:r>
+          </a:p>
+          <a:p>
+            <a:pPr marL="608013" lvl="1" indent="-342900">
+              <a:buFont typeface="Arial" panose="020B0604020202020204" pitchFamily="34" charset="0"/>
+              <a:buChar char="•"/>
+            </a:pPr>
+            <a:r>
+              <a:rPr lang="de-DE" dirty="0" smtClean="0"/>
+              <a:t>Weniger Codeduplikation</a:t>
+            </a:r>
+          </a:p>
+          <a:p>
+            <a:pPr marL="608013" lvl="1" indent="-342900">
+              <a:buFont typeface="Arial" panose="020B0604020202020204" pitchFamily="34" charset="0"/>
+              <a:buChar char="•"/>
+            </a:pPr>
+            <a:r>
+              <a:rPr lang="de-DE" dirty="0" smtClean="0"/>
+              <a:t>Tests sind lesbarer und robuster</a:t>
+            </a:r>
+          </a:p>
+          <a:p>
+            <a:pPr marL="608013" lvl="1" indent="-342900">
+              <a:buFont typeface="Arial" panose="020B0604020202020204" pitchFamily="34" charset="0"/>
+              <a:buChar char="•"/>
+            </a:pPr>
+            <a:r>
+              <a:rPr lang="de-DE" dirty="0" smtClean="0"/>
+              <a:t>Verbesserte Wartbarkeit der Tests</a:t>
+            </a:r>
           </a:p>
         </p:txBody>
       </p:sp>
@@ -16196,18 +15700,266 @@
           <a:bodyPr/>
           <a:lstStyle/>
           <a:p>
-            <a:r>
-              <a:rPr lang="de-DE" dirty="0" smtClean="0"/>
-              <a:t>Verwendung von Page Objects</a:t>
-            </a:r>
             <a:endParaRPr lang="de-DE" dirty="0"/>
+          </a:p>
+        </p:txBody>
+      </p:sp>
+      <p:sp>
+        <p:nvSpPr>
+          <p:cNvPr id="5" name="Rounded Rectangle 4"/>
+          <p:cNvSpPr/>
+          <p:nvPr/>
+        </p:nvSpPr>
+        <p:spPr>
+          <a:xfrm>
+            <a:off x="5701826" y="5758799"/>
+            <a:ext cx="2880320" cy="432007"/>
+          </a:xfrm>
+          <a:prstGeom prst="roundRect">
+            <a:avLst/>
+          </a:prstGeom>
+          <a:ln/>
+        </p:spPr>
+        <p:style>
+          <a:lnRef idx="2">
+            <a:schemeClr val="accent3"/>
+          </a:lnRef>
+          <a:fillRef idx="1">
+            <a:schemeClr val="lt1"/>
+          </a:fillRef>
+          <a:effectRef idx="0">
+            <a:schemeClr val="accent3"/>
+          </a:effectRef>
+          <a:fontRef idx="minor">
+            <a:schemeClr val="dk1"/>
+          </a:fontRef>
+        </p:style>
+        <p:txBody>
+          <a:bodyPr rtlCol="0" anchor="ctr"/>
+          <a:lstStyle/>
+          <a:p>
+            <a:pPr algn="ctr"/>
+            <a:r>
+              <a:rPr lang="de-DE" sz="2200" dirty="0" smtClean="0">
+                <a:latin typeface="AA Zuehlke" pitchFamily="2" charset="0"/>
+              </a:rPr>
+              <a:t>AUT</a:t>
+            </a:r>
+          </a:p>
+        </p:txBody>
+      </p:sp>
+      <p:sp>
+        <p:nvSpPr>
+          <p:cNvPr id="6" name="Rounded Rectangle 5"/>
+          <p:cNvSpPr/>
+          <p:nvPr/>
+        </p:nvSpPr>
+        <p:spPr>
+          <a:xfrm>
+            <a:off x="5724128" y="5259441"/>
+            <a:ext cx="2880320" cy="410381"/>
+          </a:xfrm>
+          <a:prstGeom prst="roundRect">
+            <a:avLst/>
+          </a:prstGeom>
+          <a:ln/>
+        </p:spPr>
+        <p:style>
+          <a:lnRef idx="2">
+            <a:schemeClr val="accent4"/>
+          </a:lnRef>
+          <a:fillRef idx="1">
+            <a:schemeClr val="lt1"/>
+          </a:fillRef>
+          <a:effectRef idx="0">
+            <a:schemeClr val="accent4"/>
+          </a:effectRef>
+          <a:fontRef idx="minor">
+            <a:schemeClr val="dk1"/>
+          </a:fontRef>
+        </p:style>
+        <p:txBody>
+          <a:bodyPr rtlCol="0" anchor="ctr"/>
+          <a:lstStyle/>
+          <a:p>
+            <a:pPr algn="ctr"/>
+            <a:r>
+              <a:rPr lang="de-DE" sz="2200" dirty="0" smtClean="0">
+                <a:latin typeface="AA Zuehlke" pitchFamily="2" charset="0"/>
+              </a:rPr>
+              <a:t>WebDriver</a:t>
+            </a:r>
+          </a:p>
+        </p:txBody>
+      </p:sp>
+      <p:sp>
+        <p:nvSpPr>
+          <p:cNvPr id="7" name="Rounded Rectangle 6"/>
+          <p:cNvSpPr/>
+          <p:nvPr/>
+        </p:nvSpPr>
+        <p:spPr>
+          <a:xfrm>
+            <a:off x="5724128" y="4221088"/>
+            <a:ext cx="2880320" cy="435452"/>
+          </a:xfrm>
+          <a:prstGeom prst="roundRect">
+            <a:avLst/>
+          </a:prstGeom>
+          <a:ln/>
+        </p:spPr>
+        <p:style>
+          <a:lnRef idx="2">
+            <a:schemeClr val="dk1"/>
+          </a:lnRef>
+          <a:fillRef idx="1">
+            <a:schemeClr val="lt1"/>
+          </a:fillRef>
+          <a:effectRef idx="0">
+            <a:schemeClr val="dk1"/>
+          </a:effectRef>
+          <a:fontRef idx="minor">
+            <a:schemeClr val="dk1"/>
+          </a:fontRef>
+        </p:style>
+        <p:txBody>
+          <a:bodyPr rtlCol="0" anchor="ctr"/>
+          <a:lstStyle/>
+          <a:p>
+            <a:pPr algn="ctr"/>
+            <a:r>
+              <a:rPr lang="de-DE" sz="2200" dirty="0" smtClean="0">
+                <a:latin typeface="AA Zuehlke" pitchFamily="2" charset="0"/>
+              </a:rPr>
+              <a:t>Test</a:t>
+            </a:r>
+          </a:p>
+        </p:txBody>
+      </p:sp>
+      <p:sp>
+        <p:nvSpPr>
+          <p:cNvPr id="8" name="Rounded Rectangle 7"/>
+          <p:cNvSpPr/>
+          <p:nvPr/>
+        </p:nvSpPr>
+        <p:spPr>
+          <a:xfrm>
+            <a:off x="5721551" y="4727547"/>
+            <a:ext cx="936104" cy="432048"/>
+          </a:xfrm>
+          <a:prstGeom prst="roundRect">
+            <a:avLst/>
+          </a:prstGeom>
+          <a:ln/>
+        </p:spPr>
+        <p:style>
+          <a:lnRef idx="2">
+            <a:schemeClr val="dk1"/>
+          </a:lnRef>
+          <a:fillRef idx="1">
+            <a:schemeClr val="lt1"/>
+          </a:fillRef>
+          <a:effectRef idx="0">
+            <a:schemeClr val="dk1"/>
+          </a:effectRef>
+          <a:fontRef idx="minor">
+            <a:schemeClr val="dk1"/>
+          </a:fontRef>
+        </p:style>
+        <p:txBody>
+          <a:bodyPr rtlCol="0" anchor="ctr"/>
+          <a:lstStyle/>
+          <a:p>
+            <a:pPr algn="ctr"/>
+            <a:r>
+              <a:rPr lang="de-DE" sz="2200" dirty="0" smtClean="0">
+                <a:latin typeface="AA Zuehlke" pitchFamily="2" charset="0"/>
+              </a:rPr>
+              <a:t>PO</a:t>
+            </a:r>
+          </a:p>
+        </p:txBody>
+      </p:sp>
+      <p:sp>
+        <p:nvSpPr>
+          <p:cNvPr id="10" name="Rounded Rectangle 9"/>
+          <p:cNvSpPr/>
+          <p:nvPr/>
+        </p:nvSpPr>
+        <p:spPr>
+          <a:xfrm>
+            <a:off x="7646042" y="4738416"/>
+            <a:ext cx="936104" cy="432048"/>
+          </a:xfrm>
+          <a:prstGeom prst="roundRect">
+            <a:avLst/>
+          </a:prstGeom>
+          <a:ln/>
+        </p:spPr>
+        <p:style>
+          <a:lnRef idx="2">
+            <a:schemeClr val="dk1"/>
+          </a:lnRef>
+          <a:fillRef idx="1">
+            <a:schemeClr val="lt1"/>
+          </a:fillRef>
+          <a:effectRef idx="0">
+            <a:schemeClr val="dk1"/>
+          </a:effectRef>
+          <a:fontRef idx="minor">
+            <a:schemeClr val="dk1"/>
+          </a:fontRef>
+        </p:style>
+        <p:txBody>
+          <a:bodyPr rtlCol="0" anchor="ctr"/>
+          <a:lstStyle/>
+          <a:p>
+            <a:pPr algn="ctr"/>
+            <a:r>
+              <a:rPr lang="de-DE" sz="2200" dirty="0" smtClean="0">
+                <a:latin typeface="AA Zuehlke" pitchFamily="2" charset="0"/>
+              </a:rPr>
+              <a:t>PO</a:t>
+            </a:r>
+          </a:p>
+        </p:txBody>
+      </p:sp>
+      <p:sp>
+        <p:nvSpPr>
+          <p:cNvPr id="11" name="TextBox 10"/>
+          <p:cNvSpPr txBox="1"/>
+          <p:nvPr/>
+        </p:nvSpPr>
+        <p:spPr>
+          <a:xfrm>
+            <a:off x="6684786" y="4671212"/>
+            <a:ext cx="914400" cy="464717"/>
+          </a:xfrm>
+          <a:prstGeom prst="rect">
+            <a:avLst/>
+          </a:prstGeom>
+          <a:noFill/>
+        </p:spPr>
+        <p:txBody>
+          <a:bodyPr wrap="none" rtlCol="0">
+            <a:noAutofit/>
+          </a:bodyPr>
+          <a:lstStyle/>
+          <a:p>
+            <a:pPr algn="ctr"/>
+            <a:r>
+              <a:rPr lang="de-DE" sz="2200" dirty="0" smtClean="0">
+                <a:latin typeface="AA Zuehlke" pitchFamily="2" charset="0"/>
+              </a:rPr>
+              <a:t>…</a:t>
+            </a:r>
           </a:p>
         </p:txBody>
       </p:sp>
     </p:spTree>
     <p:extLst>
       <p:ext uri="{BB962C8B-B14F-4D97-AF65-F5344CB8AC3E}">
-        <p14:creationId xmlns:p14="http://schemas.microsoft.com/office/powerpoint/2010/main" val="2442149849"/>
+        <p14:creationId xmlns:p14="http://schemas.microsoft.com/office/powerpoint/2010/main" val="2506019560"/>
       </p:ext>
     </p:extLst>
   </p:cSld>
@@ -16257,10 +16009,111 @@
           <a:lstStyle/>
           <a:p>
             <a:r>
+              <a:rPr lang="de-DE" dirty="0" smtClean="0"/>
+              <a:t>YodaChat</a:t>
+            </a:r>
+            <a:endParaRPr lang="de-DE" dirty="0"/>
+          </a:p>
+        </p:txBody>
+      </p:sp>
+      <p:sp>
+        <p:nvSpPr>
+          <p:cNvPr id="3" name="Content Placeholder 2"/>
+          <p:cNvSpPr>
+            <a:spLocks noGrp="1"/>
+          </p:cNvSpPr>
+          <p:nvPr>
+            <p:ph idx="1"/>
+          </p:nvPr>
+        </p:nvSpPr>
+        <p:spPr/>
+        <p:txBody>
+          <a:bodyPr/>
+          <a:lstStyle/>
+          <a:p>
+            <a:endParaRPr lang="de-DE" dirty="0"/>
+          </a:p>
+        </p:txBody>
+      </p:sp>
+      <p:sp>
+        <p:nvSpPr>
+          <p:cNvPr id="4" name="Text Placeholder 3"/>
+          <p:cNvSpPr>
+            <a:spLocks noGrp="1"/>
+          </p:cNvSpPr>
+          <p:nvPr>
+            <p:ph type="body" sz="quarter" idx="13"/>
+          </p:nvPr>
+        </p:nvSpPr>
+        <p:spPr/>
+        <p:txBody>
+          <a:bodyPr/>
+          <a:lstStyle/>
+          <a:p>
+            <a:r>
+              <a:rPr lang="de-DE" dirty="0" smtClean="0"/>
+              <a:t>Verwendung von Page Objects</a:t>
+            </a:r>
+            <a:endParaRPr lang="de-DE" dirty="0"/>
+          </a:p>
+        </p:txBody>
+      </p:sp>
+    </p:spTree>
+    <p:extLst>
+      <p:ext uri="{BB962C8B-B14F-4D97-AF65-F5344CB8AC3E}">
+        <p14:creationId xmlns:p14="http://schemas.microsoft.com/office/powerpoint/2010/main" val="2442149849"/>
+      </p:ext>
+    </p:extLst>
+  </p:cSld>
+  <p:clrMapOvr>
+    <a:masterClrMapping/>
+  </p:clrMapOvr>
+  <p:timing>
+    <p:tnLst>
+      <p:par>
+        <p:cTn id="1" dur="indefinite" restart="never" nodeType="tmRoot"/>
+      </p:par>
+    </p:tnLst>
+  </p:timing>
+</p:sld>
+</file>
+
+<file path=ppt/slides/slide15.xml><?xml version="1.0" encoding="utf-8"?>
+<p:sld xmlns:a="http://schemas.openxmlformats.org/drawingml/2006/main" xmlns:r="http://schemas.openxmlformats.org/officeDocument/2006/relationships" xmlns:p="http://schemas.openxmlformats.org/presentationml/2006/main">
+  <p:cSld>
+    <p:spTree>
+      <p:nvGrpSpPr>
+        <p:cNvPr id="1" name=""/>
+        <p:cNvGrpSpPr/>
+        <p:nvPr/>
+      </p:nvGrpSpPr>
+      <p:grpSpPr>
+        <a:xfrm>
+          <a:off x="0" y="0"/>
+          <a:ext cx="0" cy="0"/>
+          <a:chOff x="0" y="0"/>
+          <a:chExt cx="0" cy="0"/>
+        </a:xfrm>
+      </p:grpSpPr>
+      <p:sp>
+        <p:nvSpPr>
+          <p:cNvPr id="2" name="Title 1"/>
+          <p:cNvSpPr>
+            <a:spLocks noGrp="1"/>
+          </p:cNvSpPr>
+          <p:nvPr>
+            <p:ph type="title"/>
+          </p:nvPr>
+        </p:nvSpPr>
+        <p:spPr/>
+        <p:txBody>
+          <a:bodyPr/>
+          <a:lstStyle/>
+          <a:p>
+            <a:r>
               <a:rPr lang="de-DE" dirty="0"/>
               <a:t>Zusammenfassung und Fazit</a:t>
             </a:r>
-            <a:endParaRPr lang="de-DE" dirty="0"/>
           </a:p>
         </p:txBody>
       </p:sp>
@@ -16350,7 +16203,7 @@
           <a:p>
             <a:r>
               <a:rPr lang="de-DE" dirty="0" smtClean="0"/>
-              <a:t>Wer wir sind…</a:t>
+              <a:t>Agenda</a:t>
             </a:r>
             <a:endParaRPr lang="de-DE" dirty="0"/>
           </a:p>
@@ -16371,13 +16224,93 @@
           <a:bodyPr/>
           <a:lstStyle/>
           <a:p>
+            <a:pPr marL="342900" indent="-342900">
+              <a:buFont typeface="Arial" panose="020B0604020202020204" pitchFamily="34" charset="0"/>
+              <a:buChar char="•"/>
+            </a:pPr>
+            <a:r>
+              <a:rPr lang="de-DE" dirty="0" smtClean="0"/>
+              <a:t>Kontext und Begriffe</a:t>
+            </a:r>
+          </a:p>
+          <a:p>
+            <a:pPr marL="608013" lvl="1" indent="-342900">
+              <a:buFont typeface="Arial" panose="020B0604020202020204" pitchFamily="34" charset="0"/>
+              <a:buChar char="•"/>
+            </a:pPr>
+            <a:r>
+              <a:rPr lang="de-DE" sz="1800" dirty="0" smtClean="0"/>
+              <a:t>Single-Page Anwendungen, Testpyramide und Specification By Example</a:t>
+            </a:r>
+          </a:p>
+          <a:p>
+            <a:pPr lvl="1" indent="0">
+              <a:buNone/>
+            </a:pPr>
+            <a:endParaRPr lang="de-DE" sz="1800" dirty="0" smtClean="0"/>
+          </a:p>
+          <a:p>
+            <a:pPr marL="342900" indent="-342900">
+              <a:buFont typeface="Arial" panose="020B0604020202020204" pitchFamily="34" charset="0"/>
+              <a:buChar char="•"/>
+            </a:pPr>
+            <a:r>
+              <a:rPr lang="de-DE" dirty="0" smtClean="0"/>
+              <a:t>Technolgien zur Kollaboration und Testautomatisierung</a:t>
+            </a:r>
+          </a:p>
+          <a:p>
+            <a:pPr marL="608013" lvl="1" indent="-342900">
+              <a:buFont typeface="Arial" panose="020B0604020202020204" pitchFamily="34" charset="0"/>
+              <a:buChar char="•"/>
+            </a:pPr>
+            <a:r>
+              <a:rPr lang="de-DE" sz="1800" dirty="0" smtClean="0"/>
+              <a:t>YodaChat: Angular2-App mit REST-Backend</a:t>
+            </a:r>
+          </a:p>
+          <a:p>
+            <a:pPr marL="608013" lvl="1" indent="-342900">
+              <a:buFont typeface="Arial" panose="020B0604020202020204" pitchFamily="34" charset="0"/>
+              <a:buChar char="•"/>
+            </a:pPr>
+            <a:r>
+              <a:rPr lang="de-DE" sz="1800" dirty="0" smtClean="0"/>
+              <a:t>Akzeptanztests mit Cucumber</a:t>
+            </a:r>
+          </a:p>
+          <a:p>
+            <a:pPr marL="608013" lvl="1" indent="-342900">
+              <a:buFont typeface="Arial" panose="020B0604020202020204" pitchFamily="34" charset="0"/>
+              <a:buChar char="•"/>
+            </a:pPr>
+            <a:r>
+              <a:rPr lang="de-DE" sz="1800" dirty="0" smtClean="0"/>
+              <a:t>Testautomatisierung mit Protractor</a:t>
+            </a:r>
+          </a:p>
+          <a:p>
+            <a:pPr lvl="1" indent="0">
+              <a:buNone/>
+            </a:pPr>
+            <a:endParaRPr lang="de-DE" sz="1800" dirty="0" smtClean="0"/>
+          </a:p>
+          <a:p>
+            <a:pPr marL="342900" indent="-342900">
+              <a:buFont typeface="Arial" panose="020B0604020202020204" pitchFamily="34" charset="0"/>
+              <a:buChar char="•"/>
+            </a:pPr>
+            <a:r>
+              <a:rPr lang="de-DE" dirty="0" smtClean="0"/>
+              <a:t>Zusammenfassung und Fazit</a:t>
+            </a:r>
             <a:endParaRPr lang="de-DE" dirty="0"/>
           </a:p>
         </p:txBody>
       </p:sp>
       <p:sp>
         <p:nvSpPr>
-          <p:cNvPr id="4" name="Text Placeholder 3"/>
+          <p:cNvPr id="6" name="Text Placeholder 5"/>
           <p:cNvSpPr>
             <a:spLocks noGrp="1"/>
           </p:cNvSpPr>
@@ -16397,7 +16330,7 @@
     </p:spTree>
     <p:extLst>
       <p:ext uri="{BB962C8B-B14F-4D97-AF65-F5344CB8AC3E}">
-        <p14:creationId xmlns:p14="http://schemas.microsoft.com/office/powerpoint/2010/main" val="1585267888"/>
+        <p14:creationId xmlns:p14="http://schemas.microsoft.com/office/powerpoint/2010/main" val="2884851122"/>
       </p:ext>
     </p:extLst>
   </p:cSld>
@@ -16448,189 +16381,7 @@
           <a:p>
             <a:r>
               <a:rPr lang="de-DE" dirty="0" smtClean="0"/>
-              <a:t>Agenda</a:t>
-            </a:r>
-            <a:endParaRPr lang="de-DE" dirty="0"/>
-          </a:p>
-        </p:txBody>
-      </p:sp>
-      <p:sp>
-        <p:nvSpPr>
-          <p:cNvPr id="3" name="Content Placeholder 2"/>
-          <p:cNvSpPr>
-            <a:spLocks noGrp="1"/>
-          </p:cNvSpPr>
-          <p:nvPr>
-            <p:ph idx="1"/>
-          </p:nvPr>
-        </p:nvSpPr>
-        <p:spPr/>
-        <p:txBody>
-          <a:bodyPr/>
-          <a:lstStyle/>
-          <a:p>
-            <a:pPr marL="342900" indent="-342900">
-              <a:buFont typeface="Arial" panose="020B0604020202020204" pitchFamily="34" charset="0"/>
-              <a:buChar char="•"/>
-            </a:pPr>
-            <a:r>
-              <a:rPr lang="de-DE" dirty="0" smtClean="0"/>
-              <a:t>Kontext und Begriffe</a:t>
-            </a:r>
-          </a:p>
-          <a:p>
-            <a:pPr marL="608013" lvl="1" indent="-342900">
-              <a:buFont typeface="Arial" panose="020B0604020202020204" pitchFamily="34" charset="0"/>
-              <a:buChar char="•"/>
-            </a:pPr>
-            <a:r>
-              <a:rPr lang="de-DE" sz="1800" dirty="0" smtClean="0"/>
-              <a:t>Single-Page Anwendungen, Testpyramide und Specification By Example</a:t>
-            </a:r>
-          </a:p>
-          <a:p>
-            <a:pPr lvl="1" indent="0">
-              <a:buNone/>
-            </a:pPr>
-            <a:endParaRPr lang="de-DE" sz="1800" dirty="0" smtClean="0"/>
-          </a:p>
-          <a:p>
-            <a:pPr marL="342900" indent="-342900">
-              <a:buFont typeface="Arial" panose="020B0604020202020204" pitchFamily="34" charset="0"/>
-              <a:buChar char="•"/>
-            </a:pPr>
-            <a:r>
-              <a:rPr lang="de-DE" dirty="0" smtClean="0"/>
-              <a:t>Technolgien zur Kollaboration und Testautomatisierung</a:t>
-            </a:r>
-          </a:p>
-          <a:p>
-            <a:pPr marL="608013" lvl="1" indent="-342900">
-              <a:buFont typeface="Arial" panose="020B0604020202020204" pitchFamily="34" charset="0"/>
-              <a:buChar char="•"/>
-            </a:pPr>
-            <a:r>
-              <a:rPr lang="de-DE" sz="1800" dirty="0" smtClean="0"/>
-              <a:t>YodaChat: Angular2-App mit REST-Backend</a:t>
-            </a:r>
-          </a:p>
-          <a:p>
-            <a:pPr marL="608013" lvl="1" indent="-342900">
-              <a:buFont typeface="Arial" panose="020B0604020202020204" pitchFamily="34" charset="0"/>
-              <a:buChar char="•"/>
-            </a:pPr>
-            <a:r>
-              <a:rPr lang="de-DE" sz="1800" dirty="0" smtClean="0"/>
-              <a:t>Akzeptanztests mit Cucumber</a:t>
-            </a:r>
-          </a:p>
-          <a:p>
-            <a:pPr marL="608013" lvl="1" indent="-342900">
-              <a:buFont typeface="Arial" panose="020B0604020202020204" pitchFamily="34" charset="0"/>
-              <a:buChar char="•"/>
-            </a:pPr>
-            <a:r>
-              <a:rPr lang="de-DE" sz="1800" dirty="0" smtClean="0"/>
-              <a:t>Testautomatisierung mit Protractor</a:t>
-            </a:r>
-          </a:p>
-          <a:p>
-            <a:pPr lvl="1" indent="0">
-              <a:buNone/>
-            </a:pPr>
-            <a:endParaRPr lang="de-DE" sz="1800" dirty="0" smtClean="0"/>
-          </a:p>
-          <a:p>
-            <a:pPr marL="342900" indent="-342900">
-              <a:buFont typeface="Arial" panose="020B0604020202020204" pitchFamily="34" charset="0"/>
-              <a:buChar char="•"/>
-            </a:pPr>
-            <a:r>
-              <a:rPr lang="de-DE" dirty="0" smtClean="0"/>
-              <a:t>Zusammenfassung und Fazit</a:t>
-            </a:r>
-            <a:endParaRPr lang="de-DE" dirty="0"/>
-          </a:p>
-        </p:txBody>
-      </p:sp>
-      <p:sp>
-        <p:nvSpPr>
-          <p:cNvPr id="6" name="Text Placeholder 5"/>
-          <p:cNvSpPr>
-            <a:spLocks noGrp="1"/>
-          </p:cNvSpPr>
-          <p:nvPr>
-            <p:ph type="body" sz="quarter" idx="13"/>
-          </p:nvPr>
-        </p:nvSpPr>
-        <p:spPr/>
-        <p:txBody>
-          <a:bodyPr/>
-          <a:lstStyle/>
-          <a:p>
-            <a:endParaRPr lang="de-DE" dirty="0"/>
-          </a:p>
-        </p:txBody>
-      </p:sp>
-    </p:spTree>
-    <p:extLst>
-      <p:ext uri="{BB962C8B-B14F-4D97-AF65-F5344CB8AC3E}">
-        <p14:creationId xmlns:p14="http://schemas.microsoft.com/office/powerpoint/2010/main" val="2884851122"/>
-      </p:ext>
-    </p:extLst>
-  </p:cSld>
-  <p:clrMapOvr>
-    <a:masterClrMapping/>
-  </p:clrMapOvr>
-  <p:timing>
-    <p:tnLst>
-      <p:par>
-        <p:cTn id="1" dur="indefinite" restart="never" nodeType="tmRoot"/>
-      </p:par>
-    </p:tnLst>
-  </p:timing>
-</p:sld>
-</file>
-
-<file path=ppt/slides/slide4.xml><?xml version="1.0" encoding="utf-8"?>
-<p:sld xmlns:a="http://schemas.openxmlformats.org/drawingml/2006/main" xmlns:r="http://schemas.openxmlformats.org/officeDocument/2006/relationships" xmlns:p="http://schemas.openxmlformats.org/presentationml/2006/main">
-  <p:cSld>
-    <p:spTree>
-      <p:nvGrpSpPr>
-        <p:cNvPr id="1" name=""/>
-        <p:cNvGrpSpPr/>
-        <p:nvPr/>
-      </p:nvGrpSpPr>
-      <p:grpSpPr>
-        <a:xfrm>
-          <a:off x="0" y="0"/>
-          <a:ext cx="0" cy="0"/>
-          <a:chOff x="0" y="0"/>
-          <a:chExt cx="0" cy="0"/>
-        </a:xfrm>
-      </p:grpSpPr>
-      <p:sp>
-        <p:nvSpPr>
-          <p:cNvPr id="2" name="Title 1"/>
-          <p:cNvSpPr>
-            <a:spLocks noGrp="1"/>
-          </p:cNvSpPr>
-          <p:nvPr>
-            <p:ph type="title"/>
-          </p:nvPr>
-        </p:nvSpPr>
-        <p:spPr/>
-        <p:txBody>
-          <a:bodyPr/>
-          <a:lstStyle/>
-          <a:p>
-            <a:r>
-              <a:rPr lang="de-DE" dirty="0" smtClean="0"/>
-              <a:t>Single-Page </a:t>
-            </a:r>
-            <a:r>
-              <a:rPr lang="de-DE" dirty="0" smtClean="0"/>
-              <a:t>Anwendungen (1)</a:t>
+              <a:t>Single-Page Anwendungen (1)</a:t>
             </a:r>
             <a:endParaRPr lang="de-DE" dirty="0"/>
           </a:p>
@@ -16827,7 +16578,7 @@
 </p:sld>
 </file>
 
-<file path=ppt/slides/slide5.xml><?xml version="1.0" encoding="utf-8"?>
+<file path=ppt/slides/slide4.xml><?xml version="1.0" encoding="utf-8"?>
 <p:sld xmlns:a="http://schemas.openxmlformats.org/drawingml/2006/main" xmlns:r="http://schemas.openxmlformats.org/officeDocument/2006/relationships" xmlns:p="http://schemas.openxmlformats.org/presentationml/2006/main">
   <p:cSld>
     <p:spTree>
@@ -16861,11 +16612,7 @@
           <a:p>
             <a:r>
               <a:rPr lang="de-DE" dirty="0" smtClean="0"/>
-              <a:t>Single-Page </a:t>
-            </a:r>
-            <a:r>
-              <a:rPr lang="de-DE" dirty="0" smtClean="0"/>
-              <a:t>Anwendungen (2)</a:t>
+              <a:t>Single-Page Anwendungen (2)</a:t>
             </a:r>
             <a:endParaRPr lang="de-DE" dirty="0"/>
           </a:p>
@@ -17022,7 +16769,7 @@
 </p:sld>
 </file>
 
-<file path=ppt/slides/slide6.xml><?xml version="1.0" encoding="utf-8"?>
+<file path=ppt/slides/slide5.xml><?xml version="1.0" encoding="utf-8"?>
 <p:sld xmlns:a="http://schemas.openxmlformats.org/drawingml/2006/main" xmlns:r="http://schemas.openxmlformats.org/officeDocument/2006/relationships" xmlns:p="http://schemas.openxmlformats.org/presentationml/2006/main">
   <p:cSld>
     <p:spTree>
@@ -17124,19 +16871,7 @@
               <a:rPr lang="de-DE" sz="2000" dirty="0" smtClean="0">
                 <a:latin typeface="AA Zuehlke" pitchFamily="2" charset="0"/>
               </a:rPr>
-              <a:t>Akzeptanztests: Cucumber</a:t>
-            </a:r>
-            <a:r>
-              <a:rPr lang="de-DE" sz="2000" dirty="0" smtClean="0">
-                <a:latin typeface="AA Zuehlke" pitchFamily="2" charset="0"/>
-              </a:rPr>
-              <a:t>, Protractor, </a:t>
-            </a:r>
-            <a:r>
-              <a:rPr lang="de-DE" sz="2000" dirty="0" smtClean="0">
-                <a:latin typeface="AA Zuehlke" pitchFamily="2" charset="0"/>
-              </a:rPr>
-              <a:t>…</a:t>
+              <a:t>Akzeptanztests: Cucumber, Protractor, …</a:t>
             </a:r>
           </a:p>
           <a:p>
@@ -17148,31 +16883,7 @@
               <a:rPr lang="de-DE" sz="2000" dirty="0" smtClean="0">
                 <a:latin typeface="AA Zuehlke" pitchFamily="2" charset="0"/>
               </a:rPr>
-              <a:t>Integrationstest: </a:t>
-            </a:r>
-            <a:r>
-              <a:rPr lang="de-DE" sz="2000" dirty="0" smtClean="0">
-                <a:latin typeface="AA Zuehlke" pitchFamily="2" charset="0"/>
-              </a:rPr>
-              <a:t>Jasmine, Protractor</a:t>
-            </a:r>
-            <a:r>
-              <a:rPr lang="de-DE" sz="2000" dirty="0" smtClean="0">
-                <a:latin typeface="AA Zuehlke" pitchFamily="2" charset="0"/>
-              </a:rPr>
-              <a:t>, </a:t>
-            </a:r>
-            <a:r>
-              <a:rPr lang="de-DE" sz="2000" dirty="0" smtClean="0">
-                <a:latin typeface="AA Zuehlke" pitchFamily="2" charset="0"/>
-              </a:rPr>
-              <a:t>Node,</a:t>
-            </a:r>
-            <a:r>
-              <a:rPr lang="de-DE" sz="2000" dirty="0" smtClean="0">
-                <a:latin typeface="AA Zuehlke" pitchFamily="2" charset="0"/>
-              </a:rPr>
-              <a:t> </a:t>
+              <a:t>Integrationstest: Jasmine, Protractor, Node, </a:t>
             </a:r>
             <a:r>
               <a:rPr lang="de-DE" sz="2000" dirty="0">
@@ -17421,7 +17132,7 @@
 </p:sld>
 </file>
 
-<file path=ppt/slides/slide7.xml><?xml version="1.0" encoding="utf-8"?>
+<file path=ppt/slides/slide6.xml><?xml version="1.0" encoding="utf-8"?>
 <p:sld xmlns:a="http://schemas.openxmlformats.org/drawingml/2006/main" xmlns:r="http://schemas.openxmlformats.org/officeDocument/2006/relationships" xmlns:p="http://schemas.openxmlformats.org/presentationml/2006/main">
   <p:cSld>
     <p:spTree>
@@ -17521,7 +17232,6 @@
               <a:rPr lang="de-DE" dirty="0" smtClean="0"/>
               <a:t>Realistische Beispiele dienen als Akzeptanztests und werden automatisiert</a:t>
             </a:r>
-            <a:endParaRPr lang="de-DE" dirty="0" smtClean="0"/>
           </a:p>
         </p:txBody>
       </p:sp>
@@ -17598,7 +17308,7 @@
 </p:sld>
 </file>
 
-<file path=ppt/slides/slide8.xml><?xml version="1.0" encoding="utf-8"?>
+<file path=ppt/slides/slide7.xml><?xml version="1.0" encoding="utf-8"?>
 <p:sld xmlns:a="http://schemas.openxmlformats.org/drawingml/2006/main" xmlns:r="http://schemas.openxmlformats.org/officeDocument/2006/relationships" xmlns:p="http://schemas.openxmlformats.org/presentationml/2006/main">
   <p:cSld>
     <p:spTree>
@@ -17726,9 +17436,6 @@
               </a:rPr>
               <a:t>I want to …</a:t>
             </a:r>
-            <a:endParaRPr lang="de-DE" sz="1600" dirty="0" smtClean="0">
-              <a:latin typeface="AA Zuehlke" pitchFamily="2" charset="0"/>
-            </a:endParaRPr>
           </a:p>
         </p:txBody>
       </p:sp>
@@ -17760,9 +17467,6 @@
               </a:rPr>
               <a:t>Beispiele</a:t>
             </a:r>
-            <a:endParaRPr lang="de-DE" sz="2200" dirty="0" smtClean="0">
-              <a:latin typeface="AA Zuehlke" pitchFamily="2" charset="0"/>
-            </a:endParaRPr>
           </a:p>
         </p:txBody>
       </p:sp>
@@ -17794,9 +17498,6 @@
               </a:rPr>
               <a:t>User Story</a:t>
             </a:r>
-            <a:endParaRPr lang="de-DE" sz="2200" dirty="0" smtClean="0">
-              <a:latin typeface="AA Zuehlke" pitchFamily="2" charset="0"/>
-            </a:endParaRPr>
           </a:p>
         </p:txBody>
       </p:sp>
@@ -17905,9 +17606,6 @@
               </a:rPr>
               <a:t>Then …</a:t>
             </a:r>
-            <a:endParaRPr lang="de-DE" sz="1600" dirty="0" smtClean="0">
-              <a:latin typeface="AA Zuehlke" pitchFamily="2" charset="0"/>
-            </a:endParaRPr>
           </a:p>
         </p:txBody>
       </p:sp>
@@ -18078,9 +17776,6 @@
               </a:rPr>
               <a:t>fail</a:t>
             </a:r>
-            <a:endParaRPr lang="de-DE" sz="2200" dirty="0" smtClean="0">
-              <a:latin typeface="AA Zuehlke" pitchFamily="2" charset="0"/>
-            </a:endParaRPr>
           </a:p>
         </p:txBody>
       </p:sp>
@@ -18112,9 +17807,6 @@
               </a:rPr>
               <a:t>success</a:t>
             </a:r>
-            <a:endParaRPr lang="de-DE" sz="2200" dirty="0" smtClean="0">
-              <a:latin typeface="AA Zuehlke" pitchFamily="2" charset="0"/>
-            </a:endParaRPr>
           </a:p>
         </p:txBody>
       </p:sp>
@@ -18126,8 +17818,8 @@
         </p:nvSpPr>
         <p:spPr>
           <a:xfrm>
-            <a:off x="238454" y="4501755"/>
-            <a:ext cx="3312368" cy="1469435"/>
+            <a:off x="459039" y="4563539"/>
+            <a:ext cx="2849644" cy="1469435"/>
           </a:xfrm>
           <a:prstGeom prst="rect">
             <a:avLst/>
@@ -18174,8 +17866,8 @@
         </p:nvSpPr>
         <p:spPr>
           <a:xfrm>
-            <a:off x="296178" y="4734710"/>
-            <a:ext cx="3123694" cy="914400"/>
+            <a:off x="527526" y="4779271"/>
+            <a:ext cx="2791920" cy="914400"/>
           </a:xfrm>
           <a:prstGeom prst="rect">
             <a:avLst/>
@@ -18192,13 +17884,13 @@
               <a:rPr lang="de-DE" dirty="0" smtClean="0">
                 <a:latin typeface="AA Zuehlke" pitchFamily="2" charset="0"/>
               </a:rPr>
-              <a:t>t</a:t>
+              <a:t>Given</a:t>
             </a:r>
             <a:r>
               <a:rPr lang="de-DE" dirty="0" smtClean="0">
                 <a:latin typeface="AA Zuehlke" pitchFamily="2" charset="0"/>
               </a:rPr>
-              <a:t>his.Given(/^… $/, function () {</a:t>
+              <a:t>(/^… $/, function () {</a:t>
             </a:r>
           </a:p>
           <a:p>
@@ -18220,17 +17912,8 @@
               <a:rPr lang="de-DE" dirty="0" smtClean="0">
                 <a:latin typeface="AA Zuehlke" pitchFamily="2" charset="0"/>
               </a:rPr>
-              <a:t>}</a:t>
-            </a:r>
-            <a:r>
-              <a:rPr lang="de-DE" dirty="0" smtClean="0">
-                <a:latin typeface="AA Zuehlke" pitchFamily="2" charset="0"/>
-              </a:rPr>
-              <a:t>);</a:t>
-            </a:r>
-            <a:endParaRPr lang="de-DE" dirty="0" smtClean="0">
-              <a:latin typeface="AA Zuehlke" pitchFamily="2" charset="0"/>
-            </a:endParaRPr>
+              <a:t>});</a:t>
+            </a:r>
           </a:p>
         </p:txBody>
       </p:sp>
@@ -18264,7 +17947,7 @@
         </p:nvSpPr>
         <p:spPr>
           <a:xfrm>
-            <a:off x="562163" y="1036806"/>
+            <a:off x="459039" y="1036806"/>
             <a:ext cx="914400" cy="914400"/>
           </a:xfrm>
           <a:prstGeom prst="rect">
@@ -18282,11 +17965,20 @@
               <a:rPr lang="de-DE" sz="2200" dirty="0" smtClean="0">
                 <a:latin typeface="AA Zuehlke" pitchFamily="2" charset="0"/>
               </a:rPr>
-              <a:t>3 Amigos</a:t>
-            </a:r>
-            <a:endParaRPr lang="de-DE" sz="2200" dirty="0" smtClean="0">
-              <a:latin typeface="AA Zuehlke" pitchFamily="2" charset="0"/>
-            </a:endParaRPr>
+              <a:t>Three</a:t>
+            </a:r>
+            <a:r>
+              <a:rPr lang="de-DE" sz="2200" dirty="0" smtClean="0">
+                <a:latin typeface="AA Zuehlke" pitchFamily="2" charset="0"/>
+              </a:rPr>
+              <a:t> </a:t>
+            </a:r>
+            <a:r>
+              <a:rPr lang="de-DE" sz="2200" dirty="0" smtClean="0">
+                <a:latin typeface="AA Zuehlke" pitchFamily="2" charset="0"/>
+              </a:rPr>
+              <a:t>Amigos</a:t>
+            </a:r>
           </a:p>
         </p:txBody>
       </p:sp>
@@ -18294,6 +17986,108 @@
     <p:extLst>
       <p:ext uri="{BB962C8B-B14F-4D97-AF65-F5344CB8AC3E}">
         <p14:creationId xmlns:p14="http://schemas.microsoft.com/office/powerpoint/2010/main" val="2884851122"/>
+      </p:ext>
+    </p:extLst>
+  </p:cSld>
+  <p:clrMapOvr>
+    <a:masterClrMapping/>
+  </p:clrMapOvr>
+  <p:timing>
+    <p:tnLst>
+      <p:par>
+        <p:cTn id="1" dur="indefinite" restart="never" nodeType="tmRoot"/>
+      </p:par>
+    </p:tnLst>
+  </p:timing>
+</p:sld>
+</file>
+
+<file path=ppt/slides/slide8.xml><?xml version="1.0" encoding="utf-8"?>
+<p:sld xmlns:a="http://schemas.openxmlformats.org/drawingml/2006/main" xmlns:r="http://schemas.openxmlformats.org/officeDocument/2006/relationships" xmlns:p="http://schemas.openxmlformats.org/presentationml/2006/main">
+  <p:cSld>
+    <p:spTree>
+      <p:nvGrpSpPr>
+        <p:cNvPr id="1" name=""/>
+        <p:cNvGrpSpPr/>
+        <p:nvPr/>
+      </p:nvGrpSpPr>
+      <p:grpSpPr>
+        <a:xfrm>
+          <a:off x="0" y="0"/>
+          <a:ext cx="0" cy="0"/>
+          <a:chOff x="0" y="0"/>
+          <a:chExt cx="0" cy="0"/>
+        </a:xfrm>
+      </p:grpSpPr>
+      <p:sp>
+        <p:nvSpPr>
+          <p:cNvPr id="2" name="Title 1"/>
+          <p:cNvSpPr>
+            <a:spLocks noGrp="1"/>
+          </p:cNvSpPr>
+          <p:nvPr>
+            <p:ph type="title"/>
+          </p:nvPr>
+        </p:nvSpPr>
+        <p:spPr/>
+        <p:txBody>
+          <a:bodyPr/>
+          <a:lstStyle/>
+          <a:p>
+            <a:r>
+              <a:rPr lang="de-DE" dirty="0" smtClean="0"/>
+              <a:t>YodaChat</a:t>
+            </a:r>
+            <a:endParaRPr lang="de-DE" dirty="0"/>
+          </a:p>
+        </p:txBody>
+      </p:sp>
+      <p:sp>
+        <p:nvSpPr>
+          <p:cNvPr id="3" name="Content Placeholder 2"/>
+          <p:cNvSpPr>
+            <a:spLocks noGrp="1"/>
+          </p:cNvSpPr>
+          <p:nvPr>
+            <p:ph idx="1"/>
+          </p:nvPr>
+        </p:nvSpPr>
+        <p:spPr/>
+        <p:txBody>
+          <a:bodyPr/>
+          <a:lstStyle/>
+          <a:p>
+            <a:endParaRPr lang="de-DE" dirty="0"/>
+          </a:p>
+        </p:txBody>
+      </p:sp>
+      <p:sp>
+        <p:nvSpPr>
+          <p:cNvPr id="4" name="Text Placeholder 3"/>
+          <p:cNvSpPr>
+            <a:spLocks noGrp="1"/>
+          </p:cNvSpPr>
+          <p:nvPr>
+            <p:ph type="body" sz="quarter" idx="13"/>
+          </p:nvPr>
+        </p:nvSpPr>
+        <p:spPr/>
+        <p:txBody>
+          <a:bodyPr/>
+          <a:lstStyle/>
+          <a:p>
+            <a:r>
+              <a:rPr lang="de-DE" dirty="0" smtClean="0"/>
+              <a:t>Eine Angular2 Anwendung mit REST-Backend</a:t>
+            </a:r>
+            <a:endParaRPr lang="de-DE" dirty="0"/>
+          </a:p>
+        </p:txBody>
+      </p:sp>
+    </p:spTree>
+    <p:extLst>
+      <p:ext uri="{BB962C8B-B14F-4D97-AF65-F5344CB8AC3E}">
+        <p14:creationId xmlns:p14="http://schemas.microsoft.com/office/powerpoint/2010/main" val="4161029576"/>
       </p:ext>
     </p:extLst>
   </p:cSld>
@@ -18344,7 +18138,7 @@
           <a:p>
             <a:r>
               <a:rPr lang="de-DE" dirty="0" smtClean="0"/>
-              <a:t>YodaChat</a:t>
+              <a:t>Cucumber</a:t>
             </a:r>
             <a:endParaRPr lang="de-DE" dirty="0"/>
           </a:p>
@@ -18371,7 +18165,7 @@
       </p:sp>
       <p:sp>
         <p:nvSpPr>
-          <p:cNvPr id="4" name="Text Placeholder 3"/>
+          <p:cNvPr id="6" name="Text Placeholder 5"/>
           <p:cNvSpPr>
             <a:spLocks noGrp="1"/>
           </p:cNvSpPr>
@@ -18384,10 +18178,6 @@
           <a:bodyPr/>
           <a:lstStyle/>
           <a:p>
-            <a:r>
-              <a:rPr lang="de-DE" dirty="0" smtClean="0"/>
-              <a:t>Eine Angular2 Anwendung mit REST-Backend</a:t>
-            </a:r>
             <a:endParaRPr lang="de-DE" dirty="0"/>
           </a:p>
         </p:txBody>
@@ -18395,20 +18185,13 @@
     </p:spTree>
     <p:extLst>
       <p:ext uri="{BB962C8B-B14F-4D97-AF65-F5344CB8AC3E}">
-        <p14:creationId xmlns:p14="http://schemas.microsoft.com/office/powerpoint/2010/main" val="4161029576"/>
+        <p14:creationId xmlns:p14="http://schemas.microsoft.com/office/powerpoint/2010/main" val="2884851122"/>
       </p:ext>
     </p:extLst>
   </p:cSld>
   <p:clrMapOvr>
     <a:masterClrMapping/>
   </p:clrMapOvr>
-  <p:timing>
-    <p:tnLst>
-      <p:par>
-        <p:cTn id="1" dur="indefinite" restart="never" nodeType="tmRoot"/>
-      </p:par>
-    </p:tnLst>
-  </p:timing>
 </p:sld>
 </file>
 

--- a/Vortrag_KE2016_MAVE_SIA.pptx
+++ b/Vortrag_KE2016_MAVE_SIA.pptx
@@ -5,10 +5,10 @@
     <p:sldMasterId id="2147483648" r:id="rId1"/>
   </p:sldMasterIdLst>
   <p:notesMasterIdLst>
-    <p:notesMasterId r:id="rId17"/>
+    <p:notesMasterId r:id="rId18"/>
   </p:notesMasterIdLst>
   <p:handoutMasterIdLst>
-    <p:handoutMasterId r:id="rId18"/>
+    <p:handoutMasterId r:id="rId19"/>
   </p:handoutMasterIdLst>
   <p:sldIdLst>
     <p:sldId id="256" r:id="rId2"/>
@@ -25,19 +25,20 @@
     <p:sldId id="273" r:id="rId13"/>
     <p:sldId id="274" r:id="rId14"/>
     <p:sldId id="275" r:id="rId15"/>
-    <p:sldId id="276" r:id="rId16"/>
+    <p:sldId id="279" r:id="rId16"/>
+    <p:sldId id="276" r:id="rId17"/>
   </p:sldIdLst>
   <p:sldSz cx="9144000" cy="6858000" type="screen4x3"/>
   <p:notesSz cx="6858000" cy="9144000"/>
   <p:embeddedFontLst>
     <p:embeddedFont>
       <p:font typeface="AA Zuehlke" panose="02000503060000020004" pitchFamily="2" charset="0"/>
-      <p:regular r:id="rId19"/>
-      <p:italic r:id="rId20"/>
+      <p:regular r:id="rId20"/>
+      <p:italic r:id="rId21"/>
     </p:embeddedFont>
   </p:embeddedFontLst>
   <p:custDataLst>
-    <p:tags r:id="rId21"/>
+    <p:tags r:id="rId22"/>
   </p:custDataLst>
   <p:defaultTextStyle>
     <a:defPPr>
@@ -11171,7 +11172,11 @@
             </a:pPr>
             <a:r>
               <a:rPr lang="de-DE" baseline="0" dirty="0" smtClean="0"/>
-              <a:t>zu schreiben, leicht zu warten</a:t>
+              <a:t>schnell zu </a:t>
+            </a:r>
+            <a:r>
+              <a:rPr lang="de-DE" baseline="0" dirty="0" smtClean="0"/>
+              <a:t>schreiben, leicht zu warten</a:t>
             </a:r>
           </a:p>
           <a:p>
@@ -11603,6 +11608,10 @@
           <a:bodyPr/>
           <a:lstStyle/>
           <a:p>
+            <a:r>
+              <a:rPr lang="de-DE" baseline="0" dirty="0" smtClean="0"/>
+              <a:t>TODO: Zoom einbauen</a:t>
+            </a:r>
             <a:endParaRPr lang="de-DE" dirty="0"/>
           </a:p>
         </p:txBody>
@@ -11635,6 +11644,130 @@
     <p:extLst>
       <p:ext uri="{BB962C8B-B14F-4D97-AF65-F5344CB8AC3E}">
         <p14:creationId xmlns:p14="http://schemas.microsoft.com/office/powerpoint/2010/main" val="3714531126"/>
+      </p:ext>
+    </p:extLst>
+  </p:cSld>
+  <p:clrMapOvr>
+    <a:masterClrMapping/>
+  </p:clrMapOvr>
+</p:notes>
+</file>
+
+<file path=ppt/notesSlides/notesSlide8.xml><?xml version="1.0" encoding="utf-8"?>
+<p:notes xmlns:a="http://schemas.openxmlformats.org/drawingml/2006/main" xmlns:r="http://schemas.openxmlformats.org/officeDocument/2006/relationships" xmlns:p="http://schemas.openxmlformats.org/presentationml/2006/main">
+  <p:cSld>
+    <p:spTree>
+      <p:nvGrpSpPr>
+        <p:cNvPr id="1" name=""/>
+        <p:cNvGrpSpPr/>
+        <p:nvPr/>
+      </p:nvGrpSpPr>
+      <p:grpSpPr>
+        <a:xfrm>
+          <a:off x="0" y="0"/>
+          <a:ext cx="0" cy="0"/>
+          <a:chOff x="0" y="0"/>
+          <a:chExt cx="0" cy="0"/>
+        </a:xfrm>
+      </p:grpSpPr>
+      <p:sp>
+        <p:nvSpPr>
+          <p:cNvPr id="2" name="Slide Image Placeholder 1"/>
+          <p:cNvSpPr>
+            <a:spLocks noGrp="1" noRot="1" noChangeAspect="1"/>
+          </p:cNvSpPr>
+          <p:nvPr>
+            <p:ph type="sldImg"/>
+          </p:nvPr>
+        </p:nvSpPr>
+        <p:spPr/>
+      </p:sp>
+      <p:sp>
+        <p:nvSpPr>
+          <p:cNvPr id="3" name="Notes Placeholder 2"/>
+          <p:cNvSpPr>
+            <a:spLocks noGrp="1"/>
+          </p:cNvSpPr>
+          <p:nvPr>
+            <p:ph type="body" idx="1"/>
+          </p:nvPr>
+        </p:nvSpPr>
+        <p:spPr/>
+        <p:txBody>
+          <a:bodyPr/>
+          <a:lstStyle/>
+          <a:p>
+            <a:r>
+              <a:rPr lang="de-DE" sz="1200" kern="1200" dirty="0" smtClean="0">
+                <a:solidFill>
+                  <a:schemeClr val="tx1"/>
+                </a:solidFill>
+                <a:effectLst/>
+                <a:latin typeface="AA Zuehlke" pitchFamily="2" charset="0"/>
+                <a:ea typeface="+mn-ea"/>
+                <a:cs typeface="+mn-cs"/>
+              </a:rPr>
+              <a:t>I love Yoda!  =&gt; Yoda, I love! yes...</a:t>
+            </a:r>
+          </a:p>
+          <a:p>
+            <a:r>
+              <a:rPr lang="de-DE" sz="1200" kern="1200" dirty="0" smtClean="0">
+                <a:solidFill>
+                  <a:schemeClr val="tx1"/>
+                </a:solidFill>
+                <a:effectLst/>
+                <a:latin typeface="AA Zuehlke" pitchFamily="2" charset="0"/>
+                <a:ea typeface="+mn-ea"/>
+                <a:cs typeface="+mn-cs"/>
+              </a:rPr>
+              <a:t>This is the fastest chat for humans and Yoda on earth, right?  =&gt; The fastest chat for humans and Yoda on earth, right, this is? Hmmm...? yes...</a:t>
+            </a:r>
+          </a:p>
+          <a:p>
+            <a:r>
+              <a:rPr lang="de-DE" sz="1200" kern="1200" dirty="0" smtClean="0">
+                <a:solidFill>
+                  <a:schemeClr val="tx1"/>
+                </a:solidFill>
+                <a:effectLst/>
+                <a:latin typeface="AA Zuehlke" pitchFamily="2" charset="0"/>
+                <a:ea typeface="+mn-ea"/>
+                <a:cs typeface="+mn-cs"/>
+              </a:rPr>
+              <a:t>Do you know what I am talking about?  =&gt; Know what I am talking about, do you? Hmmm...? yes...</a:t>
+            </a:r>
+          </a:p>
+        </p:txBody>
+      </p:sp>
+      <p:sp>
+        <p:nvSpPr>
+          <p:cNvPr id="4" name="Slide Number Placeholder 3"/>
+          <p:cNvSpPr>
+            <a:spLocks noGrp="1"/>
+          </p:cNvSpPr>
+          <p:nvPr>
+            <p:ph type="sldNum" sz="quarter" idx="10"/>
+          </p:nvPr>
+        </p:nvSpPr>
+        <p:spPr/>
+        <p:txBody>
+          <a:bodyPr/>
+          <a:lstStyle/>
+          <a:p>
+            <a:fld id="{04E102C5-3B9C-48EE-BFF0-2E7AF2F2A1F4}" type="slidenum">
+              <a:rPr lang="en-US" smtClean="0"/>
+              <a:pPr/>
+              <a:t>10</a:t>
+            </a:fld>
+            <a:endParaRPr lang="en-US" dirty="0"/>
+          </a:p>
+        </p:txBody>
+      </p:sp>
+    </p:spTree>
+    <p:extLst>
+      <p:ext uri="{BB962C8B-B14F-4D97-AF65-F5344CB8AC3E}">
+        <p14:creationId xmlns:p14="http://schemas.microsoft.com/office/powerpoint/2010/main" val="814403473"/>
       </p:ext>
     </p:extLst>
   </p:cSld>
@@ -15284,25 +15417,35 @@
           </a:p>
         </p:txBody>
       </p:sp>
-      <p:sp>
-        <p:nvSpPr>
-          <p:cNvPr id="3" name="Content Placeholder 2"/>
-          <p:cNvSpPr>
-            <a:spLocks noGrp="1"/>
-          </p:cNvSpPr>
+      <p:pic>
+        <p:nvPicPr>
+          <p:cNvPr id="6" name="Content Placeholder 5"/>
+          <p:cNvPicPr>
+            <a:picLocks noGrp="1" noChangeAspect="1"/>
+          </p:cNvPicPr>
           <p:nvPr>
             <p:ph idx="1"/>
           </p:nvPr>
-        </p:nvSpPr>
-        <p:spPr/>
-        <p:txBody>
-          <a:bodyPr/>
-          <a:lstStyle/>
-          <a:p>
-            <a:endParaRPr lang="de-DE" dirty="0"/>
-          </a:p>
-        </p:txBody>
-      </p:sp>
+        </p:nvPicPr>
+        <p:blipFill>
+          <a:blip r:embed="rId3">
+            <a:extLst>
+              <a:ext uri="{28A0092B-C50C-407E-A947-70E740481C1C}">
+                <a14:useLocalDpi xmlns:a14="http://schemas.microsoft.com/office/drawing/2010/main" val="0"/>
+              </a:ext>
+            </a:extLst>
+          </a:blip>
+          <a:stretch>
+            <a:fillRect/>
+          </a:stretch>
+        </p:blipFill>
+        <p:spPr>
+          <a:xfrm>
+            <a:off x="579436" y="1575486"/>
+            <a:ext cx="7961311" cy="4776787"/>
+          </a:xfrm>
+        </p:spPr>
+      </p:pic>
       <p:sp>
         <p:nvSpPr>
           <p:cNvPr id="4" name="Text Placeholder 3"/>
@@ -15434,6 +15577,13 @@
   <p:clrMapOvr>
     <a:masterClrMapping/>
   </p:clrMapOvr>
+  <p:timing>
+    <p:tnLst>
+      <p:par>
+        <p:cTn id="1" dur="indefinite" restart="never" nodeType="tmRoot"/>
+      </p:par>
+    </p:tnLst>
+  </p:timing>
 </p:sld>
 </file>
 
@@ -15477,25 +15627,35 @@
           </a:p>
         </p:txBody>
       </p:sp>
-      <p:sp>
-        <p:nvSpPr>
-          <p:cNvPr id="3" name="Content Placeholder 2"/>
-          <p:cNvSpPr>
-            <a:spLocks noGrp="1"/>
-          </p:cNvSpPr>
+      <p:pic>
+        <p:nvPicPr>
+          <p:cNvPr id="6" name="Content Placeholder 5"/>
+          <p:cNvPicPr>
+            <a:picLocks noGrp="1" noChangeAspect="1"/>
+          </p:cNvPicPr>
           <p:nvPr>
             <p:ph idx="1"/>
           </p:nvPr>
-        </p:nvSpPr>
-        <p:spPr/>
-        <p:txBody>
-          <a:bodyPr/>
-          <a:lstStyle/>
-          <a:p>
-            <a:endParaRPr lang="de-DE" dirty="0"/>
-          </a:p>
-        </p:txBody>
-      </p:sp>
+        </p:nvPicPr>
+        <p:blipFill>
+          <a:blip r:embed="rId2">
+            <a:extLst>
+              <a:ext uri="{28A0092B-C50C-407E-A947-70E740481C1C}">
+                <a14:useLocalDpi xmlns:a14="http://schemas.microsoft.com/office/drawing/2010/main" val="0"/>
+              </a:ext>
+            </a:extLst>
+          </a:blip>
+          <a:stretch>
+            <a:fillRect/>
+          </a:stretch>
+        </p:blipFill>
+        <p:spPr>
+          <a:xfrm>
+            <a:off x="579436" y="1575486"/>
+            <a:ext cx="7961311" cy="4776787"/>
+          </a:xfrm>
+        </p:spPr>
+      </p:pic>
       <p:sp>
         <p:nvSpPr>
           <p:cNvPr id="4" name="Text Placeholder 3"/>
@@ -16016,25 +16176,35 @@
           </a:p>
         </p:txBody>
       </p:sp>
-      <p:sp>
-        <p:nvSpPr>
-          <p:cNvPr id="3" name="Content Placeholder 2"/>
-          <p:cNvSpPr>
-            <a:spLocks noGrp="1"/>
-          </p:cNvSpPr>
+      <p:pic>
+        <p:nvPicPr>
+          <p:cNvPr id="5" name="Content Placeholder 4"/>
+          <p:cNvPicPr>
+            <a:picLocks noGrp="1" noChangeAspect="1"/>
+          </p:cNvPicPr>
           <p:nvPr>
             <p:ph idx="1"/>
           </p:nvPr>
-        </p:nvSpPr>
-        <p:spPr/>
-        <p:txBody>
-          <a:bodyPr/>
-          <a:lstStyle/>
-          <a:p>
-            <a:endParaRPr lang="de-DE" dirty="0"/>
-          </a:p>
-        </p:txBody>
-      </p:sp>
+        </p:nvPicPr>
+        <p:blipFill>
+          <a:blip r:embed="rId2">
+            <a:extLst>
+              <a:ext uri="{28A0092B-C50C-407E-A947-70E740481C1C}">
+                <a14:useLocalDpi xmlns:a14="http://schemas.microsoft.com/office/drawing/2010/main" val="0"/>
+              </a:ext>
+            </a:extLst>
+          </a:blip>
+          <a:stretch>
+            <a:fillRect/>
+          </a:stretch>
+        </p:blipFill>
+        <p:spPr>
+          <a:xfrm>
+            <a:off x="579436" y="1575486"/>
+            <a:ext cx="7961311" cy="4776787"/>
+          </a:xfrm>
+        </p:spPr>
+      </p:pic>
       <p:sp>
         <p:nvSpPr>
           <p:cNvPr id="4" name="Text Placeholder 3"/>
@@ -16079,6 +16249,107 @@
 </file>
 
 <file path=ppt/slides/slide15.xml><?xml version="1.0" encoding="utf-8"?>
+<p:sld xmlns:a="http://schemas.openxmlformats.org/drawingml/2006/main" xmlns:r="http://schemas.openxmlformats.org/officeDocument/2006/relationships" xmlns:p="http://schemas.openxmlformats.org/presentationml/2006/main">
+  <p:cSld>
+    <p:spTree>
+      <p:nvGrpSpPr>
+        <p:cNvPr id="1" name=""/>
+        <p:cNvGrpSpPr/>
+        <p:nvPr/>
+      </p:nvGrpSpPr>
+      <p:grpSpPr>
+        <a:xfrm>
+          <a:off x="0" y="0"/>
+          <a:ext cx="0" cy="0"/>
+          <a:chOff x="0" y="0"/>
+          <a:chExt cx="0" cy="0"/>
+        </a:xfrm>
+      </p:grpSpPr>
+      <p:sp>
+        <p:nvSpPr>
+          <p:cNvPr id="2" name="Title 1"/>
+          <p:cNvSpPr>
+            <a:spLocks noGrp="1"/>
+          </p:cNvSpPr>
+          <p:nvPr>
+            <p:ph type="title"/>
+          </p:nvPr>
+        </p:nvSpPr>
+        <p:spPr/>
+        <p:txBody>
+          <a:bodyPr/>
+          <a:lstStyle/>
+          <a:p>
+            <a:r>
+              <a:rPr lang="de-DE" dirty="0"/>
+              <a:t>YodaChat</a:t>
+            </a:r>
+          </a:p>
+        </p:txBody>
+      </p:sp>
+      <p:sp>
+        <p:nvSpPr>
+          <p:cNvPr id="3" name="Content Placeholder 2"/>
+          <p:cNvSpPr>
+            <a:spLocks noGrp="1"/>
+          </p:cNvSpPr>
+          <p:nvPr>
+            <p:ph idx="1"/>
+          </p:nvPr>
+        </p:nvSpPr>
+        <p:spPr/>
+        <p:txBody>
+          <a:bodyPr/>
+          <a:lstStyle/>
+          <a:p>
+            <a:endParaRPr lang="de-DE" dirty="0"/>
+          </a:p>
+        </p:txBody>
+      </p:sp>
+      <p:sp>
+        <p:nvSpPr>
+          <p:cNvPr id="4" name="Text Placeholder 3"/>
+          <p:cNvSpPr>
+            <a:spLocks noGrp="1"/>
+          </p:cNvSpPr>
+          <p:nvPr>
+            <p:ph type="body" sz="quarter" idx="13"/>
+          </p:nvPr>
+        </p:nvSpPr>
+        <p:spPr/>
+        <p:txBody>
+          <a:bodyPr/>
+          <a:lstStyle/>
+          <a:p>
+            <a:r>
+              <a:rPr lang="de-DE" dirty="0" smtClean="0"/>
+              <a:t>Implementierungsdetails</a:t>
+            </a:r>
+            <a:endParaRPr lang="de-DE" dirty="0"/>
+          </a:p>
+        </p:txBody>
+      </p:sp>
+    </p:spTree>
+    <p:extLst>
+      <p:ext uri="{BB962C8B-B14F-4D97-AF65-F5344CB8AC3E}">
+        <p14:creationId xmlns:p14="http://schemas.microsoft.com/office/powerpoint/2010/main" val="4074541803"/>
+      </p:ext>
+    </p:extLst>
+  </p:cSld>
+  <p:clrMapOvr>
+    <a:masterClrMapping/>
+  </p:clrMapOvr>
+  <p:timing>
+    <p:tnLst>
+      <p:par>
+        <p:cTn id="1" dur="indefinite" restart="never" nodeType="tmRoot"/>
+      </p:par>
+    </p:tnLst>
+  </p:timing>
+</p:sld>
+</file>
+
+<file path=ppt/slides/slide16.xml><?xml version="1.0" encoding="utf-8"?>
 <p:sld xmlns:a="http://schemas.openxmlformats.org/drawingml/2006/main" xmlns:r="http://schemas.openxmlformats.org/officeDocument/2006/relationships" xmlns:p="http://schemas.openxmlformats.org/presentationml/2006/main">
   <p:cSld>
     <p:spTree>
@@ -16713,7 +16984,7 @@
           <a:p>
             <a:r>
               <a:rPr lang="de-DE" dirty="0" smtClean="0"/>
-              <a:t>Vorteile</a:t>
+              <a:t>Eigenschaften</a:t>
             </a:r>
             <a:endParaRPr lang="de-DE" dirty="0"/>
           </a:p>
@@ -18042,48 +18313,135 @@
           </a:p>
         </p:txBody>
       </p:sp>
+      <p:pic>
+        <p:nvPicPr>
+          <p:cNvPr id="6" name="Picture 5"/>
+          <p:cNvPicPr>
+            <a:picLocks noChangeAspect="1"/>
+          </p:cNvPicPr>
+          <p:nvPr/>
+        </p:nvPicPr>
+        <p:blipFill>
+          <a:blip r:embed="rId3" cstate="print">
+            <a:extLst>
+              <a:ext uri="{28A0092B-C50C-407E-A947-70E740481C1C}">
+                <a14:useLocalDpi xmlns:a14="http://schemas.microsoft.com/office/drawing/2010/main" val="0"/>
+              </a:ext>
+            </a:extLst>
+          </a:blip>
+          <a:stretch>
+            <a:fillRect/>
+          </a:stretch>
+        </p:blipFill>
+        <p:spPr>
+          <a:xfrm>
+            <a:off x="4891029" y="833161"/>
+            <a:ext cx="3682832" cy="3647856"/>
+          </a:xfrm>
+          <a:prstGeom prst="rect">
+            <a:avLst/>
+          </a:prstGeom>
+        </p:spPr>
+      </p:pic>
       <p:sp>
         <p:nvSpPr>
-          <p:cNvPr id="3" name="Content Placeholder 2"/>
-          <p:cNvSpPr>
-            <a:spLocks noGrp="1"/>
-          </p:cNvSpPr>
+          <p:cNvPr id="7" name="TextBox 6"/>
+          <p:cNvSpPr txBox="1"/>
+          <p:nvPr/>
+        </p:nvSpPr>
+        <p:spPr>
+          <a:xfrm>
+            <a:off x="827584" y="4581128"/>
+            <a:ext cx="7554250" cy="1872208"/>
+          </a:xfrm>
+          <a:prstGeom prst="rect">
+            <a:avLst/>
+          </a:prstGeom>
+          <a:noFill/>
+        </p:spPr>
+        <p:txBody>
+          <a:bodyPr wrap="none" rtlCol="0">
+            <a:noAutofit/>
+          </a:bodyPr>
+          <a:lstStyle/>
+          <a:p>
+            <a:r>
+              <a:rPr lang="de-DE" sz="2200" b="1" dirty="0" smtClean="0">
+                <a:latin typeface="AA Zuehlke" pitchFamily="2" charset="0"/>
+              </a:rPr>
+              <a:t>Business Rules</a:t>
+            </a:r>
+          </a:p>
+          <a:p>
+            <a:pPr marL="342900" indent="-342900">
+              <a:buFont typeface="Arial" panose="020B0604020202020204" pitchFamily="34" charset="0"/>
+              <a:buChar char="•"/>
+            </a:pPr>
+            <a:r>
+              <a:rPr lang="de-DE" sz="2000" dirty="0" smtClean="0">
+                <a:latin typeface="AA Zuehlke" pitchFamily="2" charset="0"/>
+              </a:rPr>
+              <a:t>Erste beiden Wörter mit Komma getrennt hinten anhängen</a:t>
+            </a:r>
+          </a:p>
+          <a:p>
+            <a:pPr marL="342900" indent="-342900">
+              <a:buFont typeface="Arial" panose="020B0604020202020204" pitchFamily="34" charset="0"/>
+              <a:buChar char="•"/>
+            </a:pPr>
+            <a:r>
+              <a:rPr lang="de-DE" sz="2000" dirty="0" smtClean="0">
+                <a:latin typeface="AA Zuehlke" pitchFamily="2" charset="0"/>
+              </a:rPr>
+              <a:t>Falles Eingabe mit Fragezeichen endet, „Hmmm…?“ anhängen</a:t>
+            </a:r>
+          </a:p>
+          <a:p>
+            <a:pPr marL="342900" indent="-342900">
+              <a:buFont typeface="Arial" panose="020B0604020202020204" pitchFamily="34" charset="0"/>
+              <a:buChar char="•"/>
+            </a:pPr>
+            <a:r>
+              <a:rPr lang="de-DE" sz="2000" dirty="0" smtClean="0">
+                <a:latin typeface="AA Zuehlke" pitchFamily="2" charset="0"/>
+              </a:rPr>
+              <a:t>„yes…“ hinten anhängen</a:t>
+            </a:r>
+            <a:endParaRPr lang="de-DE" sz="2000" dirty="0" smtClean="0">
+              <a:latin typeface="AA Zuehlke" pitchFamily="2" charset="0"/>
+            </a:endParaRPr>
+          </a:p>
+        </p:txBody>
+      </p:sp>
+      <p:pic>
+        <p:nvPicPr>
+          <p:cNvPr id="5" name="Content Placeholder 4"/>
+          <p:cNvPicPr>
+            <a:picLocks noGrp="1" noChangeAspect="1"/>
+          </p:cNvPicPr>
           <p:nvPr>
             <p:ph idx="1"/>
           </p:nvPr>
-        </p:nvSpPr>
-        <p:spPr/>
-        <p:txBody>
-          <a:bodyPr/>
-          <a:lstStyle/>
-          <a:p>
-            <a:endParaRPr lang="de-DE" dirty="0"/>
-          </a:p>
-        </p:txBody>
-      </p:sp>
-      <p:sp>
-        <p:nvSpPr>
-          <p:cNvPr id="4" name="Text Placeholder 3"/>
-          <p:cNvSpPr>
-            <a:spLocks noGrp="1"/>
-          </p:cNvSpPr>
-          <p:nvPr>
-            <p:ph type="body" sz="quarter" idx="13"/>
-          </p:nvPr>
-        </p:nvSpPr>
-        <p:spPr/>
-        <p:txBody>
-          <a:bodyPr/>
-          <a:lstStyle/>
-          <a:p>
-            <a:r>
-              <a:rPr lang="de-DE" dirty="0" smtClean="0"/>
-              <a:t>Eine Angular2 Anwendung mit REST-Backend</a:t>
-            </a:r>
-            <a:endParaRPr lang="de-DE" dirty="0"/>
-          </a:p>
-        </p:txBody>
-      </p:sp>
+        </p:nvPicPr>
+        <p:blipFill>
+          <a:blip r:embed="rId4" cstate="print">
+            <a:extLst>
+              <a:ext uri="{28A0092B-C50C-407E-A947-70E740481C1C}">
+                <a14:useLocalDpi xmlns:a14="http://schemas.microsoft.com/office/drawing/2010/main" val="0"/>
+              </a:ext>
+            </a:extLst>
+          </a:blip>
+          <a:stretch>
+            <a:fillRect/>
+          </a:stretch>
+        </p:blipFill>
+        <p:spPr>
+          <a:xfrm>
+            <a:off x="827584" y="836712"/>
+            <a:ext cx="3696010" cy="3640754"/>
+          </a:xfrm>
+        </p:spPr>
+      </p:pic>
     </p:spTree>
     <p:extLst>
       <p:ext uri="{BB962C8B-B14F-4D97-AF65-F5344CB8AC3E}">
@@ -18192,6 +18550,13 @@
   <p:clrMapOvr>
     <a:masterClrMapping/>
   </p:clrMapOvr>
+  <p:timing>
+    <p:tnLst>
+      <p:par>
+        <p:cTn id="1" dur="indefinite" restart="never" nodeType="tmRoot"/>
+      </p:par>
+    </p:tnLst>
+  </p:timing>
 </p:sld>
 </file>
 

--- a/Vortrag_KE2016_MAVE_SIA.pptx
+++ b/Vortrag_KE2016_MAVE_SIA.pptx
@@ -5,10 +5,10 @@
     <p:sldMasterId id="2147483648" r:id="rId1"/>
   </p:sldMasterIdLst>
   <p:notesMasterIdLst>
-    <p:notesMasterId r:id="rId18"/>
+    <p:notesMasterId r:id="rId20"/>
   </p:notesMasterIdLst>
   <p:handoutMasterIdLst>
-    <p:handoutMasterId r:id="rId19"/>
+    <p:handoutMasterId r:id="rId21"/>
   </p:handoutMasterIdLst>
   <p:sldIdLst>
     <p:sldId id="256" r:id="rId2"/>
@@ -20,25 +20,27 @@
     <p:sldId id="270" r:id="rId8"/>
     <p:sldId id="271" r:id="rId9"/>
     <p:sldId id="277" r:id="rId10"/>
-    <p:sldId id="272" r:id="rId11"/>
-    <p:sldId id="278" r:id="rId12"/>
-    <p:sldId id="273" r:id="rId13"/>
-    <p:sldId id="274" r:id="rId14"/>
-    <p:sldId id="275" r:id="rId15"/>
-    <p:sldId id="279" r:id="rId16"/>
-    <p:sldId id="276" r:id="rId17"/>
+    <p:sldId id="280" r:id="rId11"/>
+    <p:sldId id="281" r:id="rId12"/>
+    <p:sldId id="272" r:id="rId13"/>
+    <p:sldId id="278" r:id="rId14"/>
+    <p:sldId id="273" r:id="rId15"/>
+    <p:sldId id="274" r:id="rId16"/>
+    <p:sldId id="275" r:id="rId17"/>
+    <p:sldId id="279" r:id="rId18"/>
+    <p:sldId id="276" r:id="rId19"/>
   </p:sldIdLst>
   <p:sldSz cx="9144000" cy="6858000" type="screen4x3"/>
   <p:notesSz cx="6858000" cy="9144000"/>
   <p:embeddedFontLst>
     <p:embeddedFont>
       <p:font typeface="AA Zuehlke" panose="02000503060000020004" pitchFamily="2" charset="0"/>
-      <p:regular r:id="rId20"/>
-      <p:italic r:id="rId21"/>
+      <p:regular r:id="rId22"/>
+      <p:italic r:id="rId23"/>
     </p:embeddedFont>
   </p:embeddedFontLst>
   <p:custDataLst>
-    <p:tags r:id="rId22"/>
+    <p:tags r:id="rId24"/>
   </p:custDataLst>
   <p:defaultTextStyle>
     <a:defPPr>
@@ -9550,7 +9552,7 @@
               <a:rPr lang="de-DE" smtClean="0">
                 <a:latin typeface="AA Zuehlke" pitchFamily="2" charset="0"/>
               </a:rPr>
-              <a:t>20.05.2016</a:t>
+              <a:t>22.05.2016</a:t>
             </a:fld>
             <a:endParaRPr lang="de-DE">
               <a:latin typeface="AA Zuehlke" pitchFamily="2" charset="0"/>
@@ -9728,7 +9730,7 @@
             <a:fld id="{A6966AE6-B72D-4967-9CA3-8469D2863705}" type="datetimeFigureOut">
               <a:rPr lang="en-US" smtClean="0"/>
               <a:pPr/>
-              <a:t>5/20/2016</a:t>
+              <a:t>5/22/2016</a:t>
             </a:fld>
             <a:endParaRPr lang="en-US" dirty="0"/>
           </a:p>
@@ -10096,6 +10098,377 @@
 </p:notes>
 </file>
 
+<file path=ppt/notesSlides/notesSlide10.xml><?xml version="1.0" encoding="utf-8"?>
+<p:notes xmlns:a="http://schemas.openxmlformats.org/drawingml/2006/main" xmlns:r="http://schemas.openxmlformats.org/officeDocument/2006/relationships" xmlns:p="http://schemas.openxmlformats.org/presentationml/2006/main">
+  <p:cSld>
+    <p:spTree>
+      <p:nvGrpSpPr>
+        <p:cNvPr id="1" name=""/>
+        <p:cNvGrpSpPr/>
+        <p:nvPr/>
+      </p:nvGrpSpPr>
+      <p:grpSpPr>
+        <a:xfrm>
+          <a:off x="0" y="0"/>
+          <a:ext cx="0" cy="0"/>
+          <a:chOff x="0" y="0"/>
+          <a:chExt cx="0" cy="0"/>
+        </a:xfrm>
+      </p:grpSpPr>
+      <p:sp>
+        <p:nvSpPr>
+          <p:cNvPr id="2" name="Slide Image Placeholder 1"/>
+          <p:cNvSpPr>
+            <a:spLocks noGrp="1" noRot="1" noChangeAspect="1"/>
+          </p:cNvSpPr>
+          <p:nvPr>
+            <p:ph type="sldImg"/>
+          </p:nvPr>
+        </p:nvSpPr>
+        <p:spPr/>
+      </p:sp>
+      <p:sp>
+        <p:nvSpPr>
+          <p:cNvPr id="3" name="Notes Placeholder 2"/>
+          <p:cNvSpPr>
+            <a:spLocks noGrp="1"/>
+          </p:cNvSpPr>
+          <p:nvPr>
+            <p:ph type="body" idx="1"/>
+          </p:nvPr>
+        </p:nvSpPr>
+        <p:spPr/>
+        <p:txBody>
+          <a:bodyPr/>
+          <a:lstStyle/>
+          <a:p>
+            <a:pPr marL="0" marR="0" indent="0" algn="l" defTabSz="914400" rtl="0" eaLnBrk="1" fontAlgn="auto" latinLnBrk="0" hangingPunct="1">
+              <a:lnSpc>
+                <a:spcPct val="100000"/>
+              </a:lnSpc>
+              <a:spcBef>
+                <a:spcPts val="0"/>
+              </a:spcBef>
+              <a:spcAft>
+                <a:spcPts val="0"/>
+              </a:spcAft>
+              <a:buClrTx/>
+              <a:buSzTx/>
+              <a:buFont typeface="Arial" panose="020B0604020202020204" pitchFamily="34" charset="0"/>
+              <a:buNone/>
+              <a:tabLst/>
+              <a:defRPr/>
+            </a:pPr>
+            <a:r>
+              <a:rPr lang="de-DE" dirty="0" smtClean="0"/>
+              <a:t># Cucumber weiß out-of-the-box nicht wie Szenarien ausgeführt werden sollen. </a:t>
+            </a:r>
+          </a:p>
+          <a:p>
+            <a:pPr marL="0" marR="0" indent="0" algn="l" defTabSz="914400" rtl="0" eaLnBrk="1" fontAlgn="auto" latinLnBrk="0" hangingPunct="1">
+              <a:lnSpc>
+                <a:spcPct val="100000"/>
+              </a:lnSpc>
+              <a:spcBef>
+                <a:spcPts val="0"/>
+              </a:spcBef>
+              <a:spcAft>
+                <a:spcPts val="0"/>
+              </a:spcAft>
+              <a:buClrTx/>
+              <a:buSzTx/>
+              <a:buFont typeface="Arial" panose="020B0604020202020204" pitchFamily="34" charset="0"/>
+              <a:buNone/>
+              <a:tabLst/>
+              <a:defRPr/>
+            </a:pPr>
+            <a:r>
+              <a:rPr lang="de-DE" dirty="0" smtClean="0"/>
+              <a:t>#</a:t>
+            </a:r>
+            <a:r>
+              <a:rPr lang="de-DE" baseline="0" dirty="0" smtClean="0"/>
+              <a:t> </a:t>
+            </a:r>
+            <a:r>
+              <a:rPr lang="de-DE" dirty="0" smtClean="0"/>
+              <a:t>Dazu gibt es Step Definitions. Sie übersetzen Gherkin Steps in Aktionen, die mit dem SUT interagieren. </a:t>
+            </a:r>
+          </a:p>
+          <a:p>
+            <a:pPr marL="0" marR="0" indent="0" algn="l" defTabSz="914400" rtl="0" eaLnBrk="1" fontAlgn="auto" latinLnBrk="0" hangingPunct="1">
+              <a:lnSpc>
+                <a:spcPct val="100000"/>
+              </a:lnSpc>
+              <a:spcBef>
+                <a:spcPts val="0"/>
+              </a:spcBef>
+              <a:spcAft>
+                <a:spcPts val="0"/>
+              </a:spcAft>
+              <a:buClrTx/>
+              <a:buSzTx/>
+              <a:buFont typeface="Arial" panose="020B0604020202020204" pitchFamily="34" charset="0"/>
+              <a:buNone/>
+              <a:tabLst/>
+              <a:defRPr/>
+            </a:pPr>
+            <a:r>
+              <a:rPr lang="de-DE" dirty="0" smtClean="0"/>
+              <a:t># Wenn Cucumber einen Step in einem Szenario ausführt, sucht es nach einer passenden Step Definition und führt diese dann aus.</a:t>
+            </a:r>
+          </a:p>
+          <a:p>
+            <a:endParaRPr lang="de-DE" dirty="0"/>
+          </a:p>
+        </p:txBody>
+      </p:sp>
+      <p:sp>
+        <p:nvSpPr>
+          <p:cNvPr id="4" name="Slide Number Placeholder 3"/>
+          <p:cNvSpPr>
+            <a:spLocks noGrp="1"/>
+          </p:cNvSpPr>
+          <p:nvPr>
+            <p:ph type="sldNum" sz="quarter" idx="10"/>
+          </p:nvPr>
+        </p:nvSpPr>
+        <p:spPr/>
+        <p:txBody>
+          <a:bodyPr/>
+          <a:lstStyle/>
+          <a:p>
+            <a:fld id="{04E102C5-3B9C-48EE-BFF0-2E7AF2F2A1F4}" type="slidenum">
+              <a:rPr lang="en-US" smtClean="0"/>
+              <a:pPr/>
+              <a:t>11</a:t>
+            </a:fld>
+            <a:endParaRPr lang="en-US" dirty="0"/>
+          </a:p>
+        </p:txBody>
+      </p:sp>
+    </p:spTree>
+    <p:extLst>
+      <p:ext uri="{BB962C8B-B14F-4D97-AF65-F5344CB8AC3E}">
+        <p14:creationId xmlns:p14="http://schemas.microsoft.com/office/powerpoint/2010/main" val="4077483154"/>
+      </p:ext>
+    </p:extLst>
+  </p:cSld>
+  <p:clrMapOvr>
+    <a:masterClrMapping/>
+  </p:clrMapOvr>
+</p:notes>
+</file>
+
+<file path=ppt/notesSlides/notesSlide11.xml><?xml version="1.0" encoding="utf-8"?>
+<p:notes xmlns:a="http://schemas.openxmlformats.org/drawingml/2006/main" xmlns:r="http://schemas.openxmlformats.org/officeDocument/2006/relationships" xmlns:p="http://schemas.openxmlformats.org/presentationml/2006/main">
+  <p:cSld>
+    <p:spTree>
+      <p:nvGrpSpPr>
+        <p:cNvPr id="1" name=""/>
+        <p:cNvGrpSpPr/>
+        <p:nvPr/>
+      </p:nvGrpSpPr>
+      <p:grpSpPr>
+        <a:xfrm>
+          <a:off x="0" y="0"/>
+          <a:ext cx="0" cy="0"/>
+          <a:chOff x="0" y="0"/>
+          <a:chExt cx="0" cy="0"/>
+        </a:xfrm>
+      </p:grpSpPr>
+      <p:sp>
+        <p:nvSpPr>
+          <p:cNvPr id="2" name="Slide Image Placeholder 1"/>
+          <p:cNvSpPr>
+            <a:spLocks noGrp="1" noRot="1" noChangeAspect="1"/>
+          </p:cNvSpPr>
+          <p:nvPr>
+            <p:ph type="sldImg"/>
+          </p:nvPr>
+        </p:nvSpPr>
+        <p:spPr/>
+      </p:sp>
+      <p:sp>
+        <p:nvSpPr>
+          <p:cNvPr id="3" name="Notes Placeholder 2"/>
+          <p:cNvSpPr>
+            <a:spLocks noGrp="1"/>
+          </p:cNvSpPr>
+          <p:nvPr>
+            <p:ph type="body" idx="1"/>
+          </p:nvPr>
+        </p:nvSpPr>
+        <p:spPr/>
+        <p:txBody>
+          <a:bodyPr/>
+          <a:lstStyle/>
+          <a:p>
+            <a:r>
+              <a:rPr lang="de-DE" sz="1200" kern="1200" dirty="0" smtClean="0">
+                <a:solidFill>
+                  <a:schemeClr val="tx1"/>
+                </a:solidFill>
+                <a:effectLst/>
+                <a:latin typeface="AA Zuehlke" pitchFamily="2" charset="0"/>
+                <a:ea typeface="+mn-ea"/>
+                <a:cs typeface="+mn-cs"/>
+              </a:rPr>
+              <a:t>I love Yoda!  =&gt; Yoda, I love! yes...</a:t>
+            </a:r>
+          </a:p>
+          <a:p>
+            <a:r>
+              <a:rPr lang="de-DE" sz="1200" kern="1200" dirty="0" smtClean="0">
+                <a:solidFill>
+                  <a:schemeClr val="tx1"/>
+                </a:solidFill>
+                <a:effectLst/>
+                <a:latin typeface="AA Zuehlke" pitchFamily="2" charset="0"/>
+                <a:ea typeface="+mn-ea"/>
+                <a:cs typeface="+mn-cs"/>
+              </a:rPr>
+              <a:t>This is the fastest chat for humans and Yoda on earth, right?  =&gt; The fastest chat for humans and Yoda on earth, right, this is? Hmmm...? yes...</a:t>
+            </a:r>
+          </a:p>
+          <a:p>
+            <a:r>
+              <a:rPr lang="de-DE" sz="1200" kern="1200" dirty="0" smtClean="0">
+                <a:solidFill>
+                  <a:schemeClr val="tx1"/>
+                </a:solidFill>
+                <a:effectLst/>
+                <a:latin typeface="AA Zuehlke" pitchFamily="2" charset="0"/>
+                <a:ea typeface="+mn-ea"/>
+                <a:cs typeface="+mn-cs"/>
+              </a:rPr>
+              <a:t>Do you know what I am talking about?  =&gt; Know what I am talking about, do you? Hmmm...? yes...</a:t>
+            </a:r>
+          </a:p>
+        </p:txBody>
+      </p:sp>
+      <p:sp>
+        <p:nvSpPr>
+          <p:cNvPr id="4" name="Slide Number Placeholder 3"/>
+          <p:cNvSpPr>
+            <a:spLocks noGrp="1"/>
+          </p:cNvSpPr>
+          <p:nvPr>
+            <p:ph type="sldNum" sz="quarter" idx="10"/>
+          </p:nvPr>
+        </p:nvSpPr>
+        <p:spPr/>
+        <p:txBody>
+          <a:bodyPr/>
+          <a:lstStyle/>
+          <a:p>
+            <a:fld id="{04E102C5-3B9C-48EE-BFF0-2E7AF2F2A1F4}" type="slidenum">
+              <a:rPr lang="en-US" smtClean="0"/>
+              <a:pPr/>
+              <a:t>12</a:t>
+            </a:fld>
+            <a:endParaRPr lang="en-US" dirty="0"/>
+          </a:p>
+        </p:txBody>
+      </p:sp>
+    </p:spTree>
+    <p:extLst>
+      <p:ext uri="{BB962C8B-B14F-4D97-AF65-F5344CB8AC3E}">
+        <p14:creationId xmlns:p14="http://schemas.microsoft.com/office/powerpoint/2010/main" val="814403473"/>
+      </p:ext>
+    </p:extLst>
+  </p:cSld>
+  <p:clrMapOvr>
+    <a:masterClrMapping/>
+  </p:clrMapOvr>
+</p:notes>
+</file>
+
+<file path=ppt/notesSlides/notesSlide12.xml><?xml version="1.0" encoding="utf-8"?>
+<p:notes xmlns:a="http://schemas.openxmlformats.org/drawingml/2006/main" xmlns:r="http://schemas.openxmlformats.org/officeDocument/2006/relationships" xmlns:p="http://schemas.openxmlformats.org/presentationml/2006/main">
+  <p:cSld>
+    <p:spTree>
+      <p:nvGrpSpPr>
+        <p:cNvPr id="1" name=""/>
+        <p:cNvGrpSpPr/>
+        <p:nvPr/>
+      </p:nvGrpSpPr>
+      <p:grpSpPr>
+        <a:xfrm>
+          <a:off x="0" y="0"/>
+          <a:ext cx="0" cy="0"/>
+          <a:chOff x="0" y="0"/>
+          <a:chExt cx="0" cy="0"/>
+        </a:xfrm>
+      </p:grpSpPr>
+      <p:sp>
+        <p:nvSpPr>
+          <p:cNvPr id="2" name="Slide Image Placeholder 1"/>
+          <p:cNvSpPr>
+            <a:spLocks noGrp="1" noRot="1" noChangeAspect="1"/>
+          </p:cNvSpPr>
+          <p:nvPr>
+            <p:ph type="sldImg"/>
+          </p:nvPr>
+        </p:nvSpPr>
+        <p:spPr/>
+      </p:sp>
+      <p:sp>
+        <p:nvSpPr>
+          <p:cNvPr id="3" name="Notes Placeholder 2"/>
+          <p:cNvSpPr>
+            <a:spLocks noGrp="1"/>
+          </p:cNvSpPr>
+          <p:nvPr>
+            <p:ph type="body" idx="1"/>
+          </p:nvPr>
+        </p:nvSpPr>
+        <p:spPr/>
+        <p:txBody>
+          <a:bodyPr/>
+          <a:lstStyle/>
+          <a:p>
+            <a:endParaRPr lang="de-DE" dirty="0"/>
+          </a:p>
+        </p:txBody>
+      </p:sp>
+      <p:sp>
+        <p:nvSpPr>
+          <p:cNvPr id="4" name="Slide Number Placeholder 3"/>
+          <p:cNvSpPr>
+            <a:spLocks noGrp="1"/>
+          </p:cNvSpPr>
+          <p:nvPr>
+            <p:ph type="sldNum" sz="quarter" idx="10"/>
+          </p:nvPr>
+        </p:nvSpPr>
+        <p:spPr/>
+        <p:txBody>
+          <a:bodyPr/>
+          <a:lstStyle/>
+          <a:p>
+            <a:fld id="{04E102C5-3B9C-48EE-BFF0-2E7AF2F2A1F4}" type="slidenum">
+              <a:rPr lang="en-US" smtClean="0"/>
+              <a:pPr/>
+              <a:t>17</a:t>
+            </a:fld>
+            <a:endParaRPr lang="en-US" dirty="0"/>
+          </a:p>
+        </p:txBody>
+      </p:sp>
+    </p:spTree>
+    <p:extLst>
+      <p:ext uri="{BB962C8B-B14F-4D97-AF65-F5344CB8AC3E}">
+        <p14:creationId xmlns:p14="http://schemas.microsoft.com/office/powerpoint/2010/main" val="2374741640"/>
+      </p:ext>
+    </p:extLst>
+  </p:cSld>
+  <p:clrMapOvr>
+    <a:masterClrMapping/>
+  </p:clrMapOvr>
+</p:notes>
+</file>
+
 <file path=ppt/notesSlides/notesSlide2.xml><?xml version="1.0" encoding="utf-8"?>
 <p:notes xmlns:a="http://schemas.openxmlformats.org/drawingml/2006/main" xmlns:r="http://schemas.openxmlformats.org/officeDocument/2006/relationships" xmlns:p="http://schemas.openxmlformats.org/presentationml/2006/main">
   <p:cSld>
@@ -11172,11 +11545,7 @@
             </a:pPr>
             <a:r>
               <a:rPr lang="de-DE" baseline="0" dirty="0" smtClean="0"/>
-              <a:t>schnell zu </a:t>
-            </a:r>
-            <a:r>
-              <a:rPr lang="de-DE" baseline="0" dirty="0" smtClean="0"/>
-              <a:t>schreiben, leicht zu warten</a:t>
+              <a:t>schnell zu schreiben, leicht zu warten</a:t>
             </a:r>
           </a:p>
           <a:p>
@@ -11480,11 +11849,7 @@
             </a:pPr>
             <a:r>
               <a:rPr lang="de-DE" baseline="0" dirty="0" smtClean="0"/>
-              <a:t>gegen ausführbare Spezifikation mittels </a:t>
-            </a:r>
-            <a:r>
-              <a:rPr lang="de-DE" baseline="0" dirty="0" smtClean="0"/>
-              <a:t>TDD</a:t>
+              <a:t>gegen ausführbare Spezifikation mittels TDD</a:t>
             </a:r>
           </a:p>
           <a:p>
@@ -11496,7 +11861,6 @@
               <a:rPr lang="de-DE" baseline="0" dirty="0" smtClean="0"/>
               <a:t>Outside-In Development</a:t>
             </a:r>
-            <a:endParaRPr lang="de-DE" baseline="0" dirty="0" smtClean="0"/>
           </a:p>
           <a:p>
             <a:pPr marL="685800" lvl="1" indent="-228600">
@@ -11697,46 +12061,7 @@
           <a:bodyPr/>
           <a:lstStyle/>
           <a:p>
-            <a:r>
-              <a:rPr lang="de-DE" sz="1200" kern="1200" dirty="0" smtClean="0">
-                <a:solidFill>
-                  <a:schemeClr val="tx1"/>
-                </a:solidFill>
-                <a:effectLst/>
-                <a:latin typeface="AA Zuehlke" pitchFamily="2" charset="0"/>
-                <a:ea typeface="+mn-ea"/>
-                <a:cs typeface="+mn-cs"/>
-              </a:rPr>
-              <a:t>I love Yoda!  =&gt; Yoda, I love! yes...</a:t>
-            </a:r>
-          </a:p>
-          <a:p>
-            <a:r>
-              <a:rPr lang="de-DE" sz="1200" kern="1200" dirty="0" smtClean="0">
-                <a:solidFill>
-                  <a:schemeClr val="tx1"/>
-                </a:solidFill>
-                <a:effectLst/>
-                <a:latin typeface="AA Zuehlke" pitchFamily="2" charset="0"/>
-                <a:ea typeface="+mn-ea"/>
-                <a:cs typeface="+mn-cs"/>
-              </a:rPr>
-              <a:t>This is the fastest chat for humans and Yoda on earth, right?  =&gt; The fastest chat for humans and Yoda on earth, right, this is? Hmmm...? yes...</a:t>
-            </a:r>
-          </a:p>
-          <a:p>
-            <a:r>
-              <a:rPr lang="de-DE" sz="1200" kern="1200" dirty="0" smtClean="0">
-                <a:solidFill>
-                  <a:schemeClr val="tx1"/>
-                </a:solidFill>
-                <a:effectLst/>
-                <a:latin typeface="AA Zuehlke" pitchFamily="2" charset="0"/>
-                <a:ea typeface="+mn-ea"/>
-                <a:cs typeface="+mn-cs"/>
-              </a:rPr>
-              <a:t>Do you know what I am talking about?  =&gt; Know what I am talking about, do you? Hmmm...? yes...</a:t>
-            </a:r>
+            <a:endParaRPr lang="de-DE" dirty="0"/>
           </a:p>
         </p:txBody>
       </p:sp>
@@ -11758,7 +12083,7 @@
             <a:fld id="{04E102C5-3B9C-48EE-BFF0-2E7AF2F2A1F4}" type="slidenum">
               <a:rPr lang="en-US" smtClean="0"/>
               <a:pPr/>
-              <a:t>10</a:t>
+              <a:t>9</a:t>
             </a:fld>
             <a:endParaRPr lang="en-US" dirty="0"/>
           </a:p>
@@ -11767,7 +12092,238 @@
     </p:spTree>
     <p:extLst>
       <p:ext uri="{BB962C8B-B14F-4D97-AF65-F5344CB8AC3E}">
-        <p14:creationId xmlns:p14="http://schemas.microsoft.com/office/powerpoint/2010/main" val="814403473"/>
+        <p14:creationId xmlns:p14="http://schemas.microsoft.com/office/powerpoint/2010/main" val="3990966559"/>
+      </p:ext>
+    </p:extLst>
+  </p:cSld>
+  <p:clrMapOvr>
+    <a:masterClrMapping/>
+  </p:clrMapOvr>
+</p:notes>
+</file>
+
+<file path=ppt/notesSlides/notesSlide9.xml><?xml version="1.0" encoding="utf-8"?>
+<p:notes xmlns:a="http://schemas.openxmlformats.org/drawingml/2006/main" xmlns:r="http://schemas.openxmlformats.org/officeDocument/2006/relationships" xmlns:p="http://schemas.openxmlformats.org/presentationml/2006/main">
+  <p:cSld>
+    <p:spTree>
+      <p:nvGrpSpPr>
+        <p:cNvPr id="1" name=""/>
+        <p:cNvGrpSpPr/>
+        <p:nvPr/>
+      </p:nvGrpSpPr>
+      <p:grpSpPr>
+        <a:xfrm>
+          <a:off x="0" y="0"/>
+          <a:ext cx="0" cy="0"/>
+          <a:chOff x="0" y="0"/>
+          <a:chExt cx="0" cy="0"/>
+        </a:xfrm>
+      </p:grpSpPr>
+      <p:sp>
+        <p:nvSpPr>
+          <p:cNvPr id="2" name="Slide Image Placeholder 1"/>
+          <p:cNvSpPr>
+            <a:spLocks noGrp="1" noRot="1" noChangeAspect="1"/>
+          </p:cNvSpPr>
+          <p:nvPr>
+            <p:ph type="sldImg"/>
+          </p:nvPr>
+        </p:nvSpPr>
+        <p:spPr/>
+      </p:sp>
+      <p:sp>
+        <p:nvSpPr>
+          <p:cNvPr id="3" name="Notes Placeholder 2"/>
+          <p:cNvSpPr>
+            <a:spLocks noGrp="1"/>
+          </p:cNvSpPr>
+          <p:nvPr>
+            <p:ph type="body" idx="1"/>
+          </p:nvPr>
+        </p:nvSpPr>
+        <p:spPr/>
+        <p:txBody>
+          <a:bodyPr/>
+          <a:lstStyle/>
+          <a:p>
+            <a:r>
+              <a:rPr lang="de-DE" dirty="0" smtClean="0"/>
+              <a:t># Gherkin</a:t>
+            </a:r>
+            <a:endParaRPr lang="de-DE" baseline="0" dirty="0" smtClean="0"/>
+          </a:p>
+          <a:p>
+            <a:pPr marL="171450" indent="-171450">
+              <a:buFont typeface="Arial" panose="020B0604020202020204" pitchFamily="34" charset="0"/>
+              <a:buChar char="•"/>
+            </a:pPr>
+            <a:r>
+              <a:rPr lang="de-DE" baseline="0" dirty="0" smtClean="0"/>
+              <a:t>plain-text Englisch (60+ andere Sprachen) </a:t>
+            </a:r>
+          </a:p>
+          <a:p>
+            <a:pPr marL="171450" indent="-171450">
+              <a:buFont typeface="Arial" panose="020B0604020202020204" pitchFamily="34" charset="0"/>
+              <a:buChar char="•"/>
+            </a:pPr>
+            <a:r>
+              <a:rPr lang="de-DE" baseline="0" dirty="0" smtClean="0"/>
+              <a:t>wenige zusätzliche Strukturmittel</a:t>
+            </a:r>
+          </a:p>
+          <a:p>
+            <a:pPr marL="171450" indent="-171450">
+              <a:buFont typeface="Arial" panose="020B0604020202020204" pitchFamily="34" charset="0"/>
+              <a:buChar char="•"/>
+            </a:pPr>
+            <a:r>
+              <a:rPr lang="de-DE" baseline="0" dirty="0" smtClean="0"/>
+              <a:t>erlaubt prägnante Beschreibung von Beispielen um Bussiness Rules zu illustrieren</a:t>
+            </a:r>
+          </a:p>
+          <a:p>
+            <a:pPr marL="171450" indent="-171450">
+              <a:buFont typeface="Arial" panose="020B0604020202020204" pitchFamily="34" charset="0"/>
+              <a:buChar char="•"/>
+            </a:pPr>
+            <a:endParaRPr lang="de-DE" baseline="0" dirty="0" smtClean="0"/>
+          </a:p>
+          <a:p>
+            <a:pPr marL="0" indent="0">
+              <a:buFont typeface="Arial" panose="020B0604020202020204" pitchFamily="34" charset="0"/>
+              <a:buNone/>
+            </a:pPr>
+            <a:r>
+              <a:rPr lang="de-DE" baseline="0" dirty="0" smtClean="0"/>
+              <a:t># Szenario</a:t>
+            </a:r>
+          </a:p>
+          <a:p>
+            <a:pPr marL="171450" indent="-171450">
+              <a:buFont typeface="Arial" panose="020B0604020202020204" pitchFamily="34" charset="0"/>
+              <a:buChar char="•"/>
+            </a:pPr>
+            <a:r>
+              <a:rPr lang="de-DE" baseline="0" dirty="0" smtClean="0"/>
+              <a:t>Ist ein konkretes Beispiel, das eine Business Rule illustriert</a:t>
+            </a:r>
+          </a:p>
+          <a:p>
+            <a:pPr marL="171450" indent="-171450">
+              <a:buFont typeface="Arial" panose="020B0604020202020204" pitchFamily="34" charset="0"/>
+              <a:buChar char="•"/>
+            </a:pPr>
+            <a:r>
+              <a:rPr lang="de-DE" baseline="0" dirty="0" smtClean="0"/>
+              <a:t>Stellt neben Spezifikation und Dokumentation einen Test dar =&gt; alle Szenarien zusammen sind ausführbare Spezifikation</a:t>
+            </a:r>
+          </a:p>
+          <a:p>
+            <a:pPr marL="171450" indent="-171450">
+              <a:buFont typeface="Arial" panose="020B0604020202020204" pitchFamily="34" charset="0"/>
+              <a:buChar char="•"/>
+            </a:pPr>
+            <a:r>
+              <a:rPr lang="de-DE" baseline="0" dirty="0" smtClean="0"/>
+              <a:t>Szenarien folgen dem Pattern: Initialen Kontext beschreiben, Ereignis/Aktion beschreiben, Erwartetes Ergebnis beschreiben</a:t>
+            </a:r>
+          </a:p>
+          <a:p>
+            <a:pPr marL="171450" indent="-171450">
+              <a:buFont typeface="Arial" panose="020B0604020202020204" pitchFamily="34" charset="0"/>
+              <a:buChar char="•"/>
+            </a:pPr>
+            <a:endParaRPr lang="de-DE" baseline="0" dirty="0" smtClean="0"/>
+          </a:p>
+          <a:p>
+            <a:pPr marL="0" indent="0">
+              <a:buFont typeface="Arial" panose="020B0604020202020204" pitchFamily="34" charset="0"/>
+              <a:buNone/>
+            </a:pPr>
+            <a:r>
+              <a:rPr lang="de-DE" baseline="0" dirty="0" smtClean="0"/>
+              <a:t># Steps</a:t>
+            </a:r>
+          </a:p>
+          <a:p>
+            <a:pPr marL="171450" indent="-171450">
+              <a:buFont typeface="Arial" panose="020B0604020202020204" pitchFamily="34" charset="0"/>
+              <a:buChar char="•"/>
+            </a:pPr>
+            <a:r>
+              <a:rPr lang="de-DE" baseline="0" dirty="0" smtClean="0"/>
+              <a:t>Given beschreibt den initialten Kontext -&gt; System wird in wohl-definierten Zustand gebracht</a:t>
+            </a:r>
+          </a:p>
+          <a:p>
+            <a:pPr marL="171450" indent="-171450">
+              <a:buFont typeface="Arial" panose="020B0604020202020204" pitchFamily="34" charset="0"/>
+              <a:buChar char="•"/>
+            </a:pPr>
+            <a:r>
+              <a:rPr lang="de-DE" baseline="0" dirty="0" smtClean="0"/>
+              <a:t>When beschreibt Ereignis oder Aktion -&gt; durch anderes System oder Benutzer, nur einmal pro Scenario</a:t>
+            </a:r>
+          </a:p>
+          <a:p>
+            <a:pPr marL="171450" indent="-171450">
+              <a:buFont typeface="Arial" panose="020B0604020202020204" pitchFamily="34" charset="0"/>
+              <a:buChar char="•"/>
+            </a:pPr>
+            <a:r>
+              <a:rPr lang="de-DE" baseline="0" dirty="0" smtClean="0"/>
+              <a:t>Then beschreibt Ergebnis -&gt; in Step Definition Assertion verwenden, um tatsächliches und erwartetes Ergebnis zu vergleichen</a:t>
+            </a:r>
+          </a:p>
+          <a:p>
+            <a:pPr marL="171450" indent="-171450">
+              <a:buFont typeface="Arial" panose="020B0604020202020204" pitchFamily="34" charset="0"/>
+              <a:buChar char="•"/>
+            </a:pPr>
+            <a:endParaRPr lang="de-DE" baseline="0" dirty="0" smtClean="0"/>
+          </a:p>
+          <a:p>
+            <a:pPr marL="0" indent="0">
+              <a:buFont typeface="Arial" panose="020B0604020202020204" pitchFamily="34" charset="0"/>
+              <a:buNone/>
+            </a:pPr>
+            <a:r>
+              <a:rPr lang="de-DE" baseline="0" smtClean="0"/>
+              <a:t># noch nicht alle Sprachfeatures in Cucumber.js unterstützt</a:t>
+            </a:r>
+            <a:endParaRPr lang="de-DE" baseline="0" dirty="0" smtClean="0"/>
+          </a:p>
+        </p:txBody>
+      </p:sp>
+      <p:sp>
+        <p:nvSpPr>
+          <p:cNvPr id="4" name="Slide Number Placeholder 3"/>
+          <p:cNvSpPr>
+            <a:spLocks noGrp="1"/>
+          </p:cNvSpPr>
+          <p:nvPr>
+            <p:ph type="sldNum" sz="quarter" idx="10"/>
+          </p:nvPr>
+        </p:nvSpPr>
+        <p:spPr/>
+        <p:txBody>
+          <a:bodyPr/>
+          <a:lstStyle/>
+          <a:p>
+            <a:fld id="{04E102C5-3B9C-48EE-BFF0-2E7AF2F2A1F4}" type="slidenum">
+              <a:rPr lang="en-US" smtClean="0"/>
+              <a:pPr/>
+              <a:t>10</a:t>
+            </a:fld>
+            <a:endParaRPr lang="en-US" dirty="0"/>
+          </a:p>
+        </p:txBody>
+      </p:sp>
+    </p:spTree>
+    <p:extLst>
+      <p:ext uri="{BB962C8B-B14F-4D97-AF65-F5344CB8AC3E}">
+        <p14:creationId xmlns:p14="http://schemas.microsoft.com/office/powerpoint/2010/main" val="3286211352"/>
       </p:ext>
     </p:extLst>
   </p:cSld>
@@ -15411,44 +15967,162 @@
           <a:p>
             <a:r>
               <a:rPr lang="de-DE" dirty="0" smtClean="0"/>
-              <a:t>YodaChat</a:t>
+              <a:t>Cucumber (2)</a:t>
             </a:r>
             <a:endParaRPr lang="de-DE" dirty="0"/>
           </a:p>
         </p:txBody>
       </p:sp>
-      <p:pic>
-        <p:nvPicPr>
-          <p:cNvPr id="6" name="Content Placeholder 5"/>
-          <p:cNvPicPr>
-            <a:picLocks noGrp="1" noChangeAspect="1"/>
-          </p:cNvPicPr>
+      <p:sp>
+        <p:nvSpPr>
+          <p:cNvPr id="3" name="Content Placeholder 2"/>
+          <p:cNvSpPr>
+            <a:spLocks noGrp="1"/>
+          </p:cNvSpPr>
           <p:nvPr>
             <p:ph idx="1"/>
           </p:nvPr>
-        </p:nvPicPr>
-        <p:blipFill>
-          <a:blip r:embed="rId3">
-            <a:extLst>
-              <a:ext uri="{28A0092B-C50C-407E-A947-70E740481C1C}">
-                <a14:useLocalDpi xmlns:a14="http://schemas.microsoft.com/office/drawing/2010/main" val="0"/>
-              </a:ext>
-            </a:extLst>
-          </a:blip>
-          <a:stretch>
-            <a:fillRect/>
-          </a:stretch>
-        </p:blipFill>
-        <p:spPr>
-          <a:xfrm>
-            <a:off x="579436" y="1575486"/>
-            <a:ext cx="7961311" cy="4776787"/>
-          </a:xfrm>
-        </p:spPr>
-      </p:pic>
+        </p:nvSpPr>
+        <p:spPr/>
+        <p:txBody>
+          <a:bodyPr/>
+          <a:lstStyle/>
+          <a:p>
+            <a:pPr marL="342900" indent="-342900">
+              <a:buFont typeface="Arial" panose="020B0604020202020204" pitchFamily="34" charset="0"/>
+              <a:buChar char="•"/>
+            </a:pPr>
+            <a:r>
+              <a:rPr lang="de-DE" dirty="0" smtClean="0"/>
+              <a:t>Ausführbare Spezifikation wird in der Sprache Gherkin geschrieben</a:t>
+            </a:r>
+          </a:p>
+          <a:p>
+            <a:pPr marL="608013" lvl="1" indent="-342900">
+              <a:buFont typeface="Arial" panose="020B0604020202020204" pitchFamily="34" charset="0"/>
+              <a:buChar char="•"/>
+            </a:pPr>
+            <a:r>
+              <a:rPr lang="de-DE" dirty="0" smtClean="0"/>
+              <a:t>Features werden mit dem Schlüsselwort </a:t>
+            </a:r>
+            <a:r>
+              <a:rPr lang="de-DE" b="1" dirty="0" smtClean="0"/>
+              <a:t>Feature</a:t>
+            </a:r>
+            <a:r>
+              <a:rPr lang="de-DE" dirty="0" smtClean="0"/>
+              <a:t> eingeleitet, gefolgt von einem Namen, einer optionalen Beschreibung in Freitext und </a:t>
+            </a:r>
+            <a:r>
+              <a:rPr lang="de-DE" dirty="0"/>
+              <a:t>ein oder </a:t>
+            </a:r>
+            <a:r>
+              <a:rPr lang="de-DE" dirty="0" smtClean="0"/>
+              <a:t>mehrere Szenarien.</a:t>
+            </a:r>
+          </a:p>
+          <a:p>
+            <a:pPr marL="608013" lvl="1" indent="-342900">
+              <a:buFont typeface="Arial" panose="020B0604020202020204" pitchFamily="34" charset="0"/>
+              <a:buChar char="•"/>
+            </a:pPr>
+            <a:r>
+              <a:rPr lang="de-DE" dirty="0" smtClean="0"/>
+              <a:t>Szenarien werden mit dem Schlüsselwort</a:t>
+            </a:r>
+            <a:r>
+              <a:rPr lang="de-DE" b="1" dirty="0"/>
+              <a:t> Scenario</a:t>
+            </a:r>
+            <a:r>
+              <a:rPr lang="de-DE" dirty="0" smtClean="0"/>
+              <a:t> eingeleitet, gefolgt von einem Namen und mehreren Steps.</a:t>
+            </a:r>
+          </a:p>
+          <a:p>
+            <a:pPr marL="608013" lvl="1" indent="-342900">
+              <a:buFont typeface="Arial" panose="020B0604020202020204" pitchFamily="34" charset="0"/>
+              <a:buChar char="•"/>
+            </a:pPr>
+            <a:r>
+              <a:rPr lang="de-DE" dirty="0" smtClean="0"/>
+              <a:t>Steps</a:t>
+            </a:r>
+            <a:r>
+              <a:rPr lang="de-DE" dirty="0" smtClean="0"/>
+              <a:t> werden mit einem der Schlüsselwörter </a:t>
+            </a:r>
+            <a:r>
+              <a:rPr lang="de-DE" b="1" dirty="0" smtClean="0"/>
+              <a:t>Given</a:t>
+            </a:r>
+            <a:r>
+              <a:rPr lang="de-DE" dirty="0" smtClean="0"/>
+              <a:t>, </a:t>
+            </a:r>
+            <a:r>
+              <a:rPr lang="de-DE" b="1" dirty="0" smtClean="0"/>
+              <a:t>When</a:t>
+            </a:r>
+            <a:r>
+              <a:rPr lang="de-DE" dirty="0" smtClean="0"/>
+              <a:t>, </a:t>
+            </a:r>
+            <a:r>
+              <a:rPr lang="de-DE" b="1" dirty="0" smtClean="0"/>
+              <a:t>Then</a:t>
+            </a:r>
+            <a:r>
+              <a:rPr lang="de-DE" dirty="0" smtClean="0"/>
+              <a:t>, </a:t>
+            </a:r>
+            <a:r>
+              <a:rPr lang="de-DE" b="1" dirty="0" smtClean="0"/>
+              <a:t>And</a:t>
+            </a:r>
+            <a:r>
+              <a:rPr lang="de-DE" dirty="0" smtClean="0"/>
+              <a:t>, </a:t>
+            </a:r>
+            <a:r>
+              <a:rPr lang="de-DE" b="1" dirty="0" smtClean="0"/>
+              <a:t>But</a:t>
+            </a:r>
+            <a:r>
+              <a:rPr lang="de-DE" dirty="0" smtClean="0"/>
+              <a:t> eingeleitet, gefolgt von einer Step-Beschreibung in Freitext.</a:t>
+            </a:r>
+          </a:p>
+          <a:p>
+            <a:pPr lvl="1" indent="0">
+              <a:buNone/>
+            </a:pPr>
+            <a:endParaRPr lang="de-DE" dirty="0" smtClean="0"/>
+          </a:p>
+          <a:p>
+            <a:pPr marL="608013" lvl="1" indent="-342900">
+              <a:buFont typeface="Arial" panose="020B0604020202020204" pitchFamily="34" charset="0"/>
+              <a:buChar char="•"/>
+            </a:pPr>
+            <a:r>
+              <a:rPr lang="de-DE" dirty="0" smtClean="0"/>
+              <a:t>Weitere Sprach-Features: Background, Scenario Outline, Examples, Doc Strings, Data Tables, Tags, Comments</a:t>
+            </a:r>
+          </a:p>
+          <a:p>
+            <a:pPr marL="342900" indent="-342900">
+              <a:buFont typeface="Arial" panose="020B0604020202020204" pitchFamily="34" charset="0"/>
+              <a:buChar char="•"/>
+            </a:pPr>
+            <a:endParaRPr lang="de-DE" dirty="0"/>
+          </a:p>
+        </p:txBody>
+      </p:sp>
       <p:sp>
         <p:nvSpPr>
-          <p:cNvPr id="4" name="Text Placeholder 3"/>
+          <p:cNvPr id="6" name="Text Placeholder 5"/>
           <p:cNvSpPr>
             <a:spLocks noGrp="1"/>
           </p:cNvSpPr>
@@ -15463,7 +16137,7 @@
           <a:p>
             <a:r>
               <a:rPr lang="de-DE" dirty="0" smtClean="0"/>
-              <a:t>Spezifikation mit Beispielen in Cucumber</a:t>
+              <a:t>Gherkin</a:t>
             </a:r>
             <a:endParaRPr lang="de-DE" dirty="0"/>
           </a:p>
@@ -15472,7 +16146,7 @@
     </p:spTree>
     <p:extLst>
       <p:ext uri="{BB962C8B-B14F-4D97-AF65-F5344CB8AC3E}">
-        <p14:creationId xmlns:p14="http://schemas.microsoft.com/office/powerpoint/2010/main" val="2255896107"/>
+        <p14:creationId xmlns:p14="http://schemas.microsoft.com/office/powerpoint/2010/main" val="2417238740"/>
       </p:ext>
     </p:extLst>
   </p:cSld>
@@ -15523,7 +16197,7 @@
           <a:p>
             <a:r>
               <a:rPr lang="de-DE" dirty="0" smtClean="0"/>
-              <a:t>Protractor</a:t>
+              <a:t>Cucumber (3)</a:t>
             </a:r>
             <a:endParaRPr lang="de-DE" dirty="0"/>
           </a:p>
@@ -15544,6 +16218,63 @@
           <a:bodyPr/>
           <a:lstStyle/>
           <a:p>
+            <a:pPr marL="342900" indent="-342900">
+              <a:buFont typeface="Arial" panose="020B0604020202020204" pitchFamily="34" charset="0"/>
+              <a:buChar char="•"/>
+            </a:pPr>
+            <a:r>
+              <a:rPr lang="de-DE" dirty="0" smtClean="0"/>
+              <a:t>Eine </a:t>
+            </a:r>
+            <a:r>
+              <a:rPr lang="de-DE" dirty="0"/>
+              <a:t>Step Definition ist ein Stück Code zusammen mit einem verknüpften </a:t>
+            </a:r>
+            <a:r>
+              <a:rPr lang="de-DE" dirty="0" smtClean="0"/>
+              <a:t>Pattern (Regulärer Ausdruck). </a:t>
+            </a:r>
+          </a:p>
+          <a:p>
+            <a:pPr marL="608013" lvl="1" indent="-342900">
+              <a:buFont typeface="Arial" panose="020B0604020202020204" pitchFamily="34" charset="0"/>
+              <a:buChar char="•"/>
+            </a:pPr>
+            <a:r>
+              <a:rPr lang="de-DE" dirty="0" smtClean="0"/>
+              <a:t>Das </a:t>
+            </a:r>
+            <a:r>
+              <a:rPr lang="de-DE" dirty="0"/>
+              <a:t>Pattern </a:t>
+            </a:r>
+            <a:r>
+              <a:rPr lang="de-DE" dirty="0" smtClean="0"/>
+              <a:t>verknüpft die Step Definition mit allen passenden Steps.</a:t>
+            </a:r>
+          </a:p>
+          <a:p>
+            <a:pPr marL="608013" lvl="1" indent="-342900">
+              <a:buFont typeface="Arial" panose="020B0604020202020204" pitchFamily="34" charset="0"/>
+              <a:buChar char="•"/>
+            </a:pPr>
+            <a:r>
+              <a:rPr lang="de-DE" dirty="0" smtClean="0"/>
+              <a:t>Der Code wird ausgeführt wenn Cucumber auf einen passenden Gherkin Step stößt. </a:t>
+            </a:r>
+          </a:p>
+          <a:p>
+            <a:pPr marL="608013" lvl="1" indent="-342900">
+              <a:buFont typeface="Arial" panose="020B0604020202020204" pitchFamily="34" charset="0"/>
+              <a:buChar char="•"/>
+            </a:pPr>
+            <a:r>
+              <a:rPr lang="de-DE" dirty="0" smtClean="0"/>
+              <a:t>Dabei können über Capture Groups auch Parameter übergeben werden.</a:t>
+            </a:r>
+            <a:endParaRPr lang="de-DE" dirty="0"/>
+          </a:p>
+          <a:p>
             <a:endParaRPr lang="de-DE" dirty="0"/>
           </a:p>
         </p:txBody>
@@ -15563,14 +16294,183 @@
           <a:bodyPr/>
           <a:lstStyle/>
           <a:p>
+            <a:r>
+              <a:rPr lang="de-DE" dirty="0"/>
+              <a:t>Step Definitions</a:t>
+            </a:r>
+          </a:p>
+          <a:p>
             <a:endParaRPr lang="de-DE" dirty="0"/>
+          </a:p>
+        </p:txBody>
+      </p:sp>
+      <p:sp>
+        <p:nvSpPr>
+          <p:cNvPr id="7" name="TextBox 6"/>
+          <p:cNvSpPr txBox="1"/>
+          <p:nvPr/>
+        </p:nvSpPr>
+        <p:spPr>
+          <a:xfrm>
+            <a:off x="4518127" y="4829075"/>
+            <a:ext cx="4210656" cy="835221"/>
+          </a:xfrm>
+          <a:prstGeom prst="rect">
+            <a:avLst/>
+          </a:prstGeom>
+          <a:noFill/>
+          <a:ln>
+            <a:solidFill>
+              <a:schemeClr val="tx1"/>
+            </a:solidFill>
+          </a:ln>
+        </p:spPr>
+        <p:txBody>
+          <a:bodyPr wrap="none" rtlCol="0">
+            <a:noAutofit/>
+          </a:bodyPr>
+          <a:lstStyle/>
+          <a:p>
+            <a:r>
+              <a:rPr lang="de-DE" sz="2200" dirty="0" smtClean="0">
+                <a:solidFill>
+                  <a:schemeClr val="accent4"/>
+                </a:solidFill>
+                <a:latin typeface="AA Zuehlke" pitchFamily="2" charset="0"/>
+              </a:rPr>
+              <a:t>Scenario: </a:t>
+            </a:r>
+            <a:r>
+              <a:rPr lang="de-DE" sz="2200" dirty="0" smtClean="0">
+                <a:latin typeface="AA Zuehlke" pitchFamily="2" charset="0"/>
+              </a:rPr>
+              <a:t>Some cukes</a:t>
+            </a:r>
+          </a:p>
+          <a:p>
+            <a:r>
+              <a:rPr lang="de-DE" sz="2200" dirty="0">
+                <a:latin typeface="AA Zuehlke" pitchFamily="2" charset="0"/>
+              </a:rPr>
+              <a:t> </a:t>
+            </a:r>
+            <a:r>
+              <a:rPr lang="de-DE" sz="2200" dirty="0" smtClean="0">
+                <a:latin typeface="AA Zuehlke" pitchFamily="2" charset="0"/>
+              </a:rPr>
+              <a:t>   </a:t>
+            </a:r>
+            <a:r>
+              <a:rPr lang="de-DE" sz="2200" dirty="0" smtClean="0">
+                <a:solidFill>
+                  <a:schemeClr val="accent4"/>
+                </a:solidFill>
+                <a:latin typeface="AA Zuehlke" pitchFamily="2" charset="0"/>
+              </a:rPr>
+              <a:t>Given</a:t>
+            </a:r>
+            <a:r>
+              <a:rPr lang="de-DE" sz="2200" dirty="0" smtClean="0">
+                <a:latin typeface="AA Zuehlke" pitchFamily="2" charset="0"/>
+              </a:rPr>
+              <a:t> I have </a:t>
+            </a:r>
+            <a:r>
+              <a:rPr lang="de-DE" sz="2200" dirty="0" smtClean="0">
+                <a:solidFill>
+                  <a:schemeClr val="accent3"/>
+                </a:solidFill>
+                <a:latin typeface="AA Zuehlke" pitchFamily="2" charset="0"/>
+              </a:rPr>
+              <a:t>48</a:t>
+            </a:r>
+            <a:r>
+              <a:rPr lang="de-DE" sz="2200" dirty="0" smtClean="0">
+                <a:latin typeface="AA Zuehlke" pitchFamily="2" charset="0"/>
+              </a:rPr>
+              <a:t> cukes in my belly</a:t>
+            </a:r>
+            <a:endParaRPr lang="de-DE" sz="2200" dirty="0" smtClean="0">
+              <a:latin typeface="AA Zuehlke" pitchFamily="2" charset="0"/>
+            </a:endParaRPr>
+          </a:p>
+        </p:txBody>
+      </p:sp>
+      <p:sp>
+        <p:nvSpPr>
+          <p:cNvPr id="5" name="TextBox 4"/>
+          <p:cNvSpPr txBox="1"/>
+          <p:nvPr/>
+        </p:nvSpPr>
+        <p:spPr>
+          <a:xfrm>
+            <a:off x="1420240" y="5877923"/>
+            <a:ext cx="7308543" cy="420728"/>
+          </a:xfrm>
+          <a:prstGeom prst="rect">
+            <a:avLst/>
+          </a:prstGeom>
+          <a:noFill/>
+          <a:ln>
+            <a:solidFill>
+              <a:schemeClr val="tx1"/>
+            </a:solidFill>
+          </a:ln>
+        </p:spPr>
+        <p:txBody>
+          <a:bodyPr wrap="none" rtlCol="0">
+            <a:noAutofit/>
+          </a:bodyPr>
+          <a:lstStyle/>
+          <a:p>
+            <a:r>
+              <a:rPr lang="de-DE" sz="2200" dirty="0" smtClean="0">
+                <a:latin typeface="AA Zuehlke" pitchFamily="2" charset="0"/>
+              </a:rPr>
+              <a:t>Given(</a:t>
+            </a:r>
+            <a:r>
+              <a:rPr lang="de-DE" sz="2200" dirty="0" smtClean="0">
+                <a:solidFill>
+                  <a:schemeClr val="accent3"/>
+                </a:solidFill>
+                <a:latin typeface="AA Zuehlke" pitchFamily="2" charset="0"/>
+              </a:rPr>
+              <a:t>/^I have (\d+) cukes in my belly$/</a:t>
+            </a:r>
+            <a:r>
+              <a:rPr lang="de-DE" sz="2200" dirty="0" smtClean="0">
+                <a:latin typeface="AA Zuehlke" pitchFamily="2" charset="0"/>
+              </a:rPr>
+              <a:t>, </a:t>
+            </a:r>
+            <a:r>
+              <a:rPr lang="de-DE" sz="2200" dirty="0" smtClean="0">
+                <a:solidFill>
+                  <a:schemeClr val="accent4"/>
+                </a:solidFill>
+                <a:latin typeface="AA Zuehlke" pitchFamily="2" charset="0"/>
+              </a:rPr>
+              <a:t>function</a:t>
+            </a:r>
+            <a:r>
+              <a:rPr lang="de-DE" sz="2200" dirty="0" smtClean="0">
+                <a:latin typeface="AA Zuehlke" pitchFamily="2" charset="0"/>
+              </a:rPr>
+              <a:t> (cukes) {…}</a:t>
+            </a:r>
+          </a:p>
+          <a:p>
+            <a:endParaRPr lang="de-DE" sz="2200" dirty="0" smtClean="0">
+              <a:latin typeface="AA Zuehlke" pitchFamily="2" charset="0"/>
+            </a:endParaRPr>
           </a:p>
         </p:txBody>
       </p:sp>
     </p:spTree>
     <p:extLst>
       <p:ext uri="{BB962C8B-B14F-4D97-AF65-F5344CB8AC3E}">
-        <p14:creationId xmlns:p14="http://schemas.microsoft.com/office/powerpoint/2010/main" val="2884851122"/>
+        <p14:creationId xmlns:p14="http://schemas.microsoft.com/office/powerpoint/2010/main" val="5863595"/>
       </p:ext>
     </p:extLst>
   </p:cSld>
@@ -15638,7 +16538,7 @@
           </p:nvPr>
         </p:nvPicPr>
         <p:blipFill>
-          <a:blip r:embed="rId2">
+          <a:blip r:embed="rId3">
             <a:extLst>
               <a:ext uri="{28A0092B-C50C-407E-A947-70E740481C1C}">
                 <a14:useLocalDpi xmlns:a14="http://schemas.microsoft.com/office/drawing/2010/main" val="0"/>
@@ -15673,7 +16573,7 @@
           <a:p>
             <a:r>
               <a:rPr lang="de-DE" dirty="0" smtClean="0"/>
-              <a:t>Testautomatisierung mit Protractor</a:t>
+              <a:t>Spezifikation mit Beispielen in Cucumber</a:t>
             </a:r>
             <a:endParaRPr lang="de-DE" dirty="0"/>
           </a:p>
@@ -15682,7 +16582,7 @@
     </p:spTree>
     <p:extLst>
       <p:ext uri="{BB962C8B-B14F-4D97-AF65-F5344CB8AC3E}">
-        <p14:creationId xmlns:p14="http://schemas.microsoft.com/office/powerpoint/2010/main" val="2466512856"/>
+        <p14:creationId xmlns:p14="http://schemas.microsoft.com/office/powerpoint/2010/main" val="2255896107"/>
       </p:ext>
     </p:extLst>
   </p:cSld>
@@ -15733,7 +16633,7 @@
           <a:p>
             <a:r>
               <a:rPr lang="de-DE" dirty="0" smtClean="0"/>
-              <a:t>Page Object Pattern</a:t>
+              <a:t>Protractor</a:t>
             </a:r>
             <a:endParaRPr lang="de-DE" dirty="0"/>
           </a:p>
@@ -15749,105 +16649,18 @@
             <p:ph idx="1"/>
           </p:nvPr>
         </p:nvSpPr>
-        <p:spPr>
-          <a:ln>
-            <a:solidFill>
-              <a:schemeClr val="bg1"/>
-            </a:solidFill>
-          </a:ln>
-        </p:spPr>
-        <p:style>
-          <a:lnRef idx="2">
-            <a:schemeClr val="accent1"/>
-          </a:lnRef>
-          <a:fillRef idx="1">
-            <a:schemeClr val="lt1"/>
-          </a:fillRef>
-          <a:effectRef idx="0">
-            <a:schemeClr val="accent1"/>
-          </a:effectRef>
-          <a:fontRef idx="minor">
-            <a:schemeClr val="dk1"/>
-          </a:fontRef>
-        </p:style>
+        <p:spPr/>
         <p:txBody>
           <a:bodyPr/>
           <a:lstStyle/>
           <a:p>
-            <a:pPr marL="342900" indent="-342900">
-              <a:buFont typeface="Arial" panose="020B0604020202020204" pitchFamily="34" charset="0"/>
-              <a:buChar char="•"/>
-            </a:pPr>
-            <a:r>
-              <a:rPr lang="de-DE" dirty="0" smtClean="0"/>
-              <a:t>Definition &amp; Zweck</a:t>
-            </a:r>
-          </a:p>
-          <a:p>
-            <a:pPr marL="608013" lvl="1" indent="-342900">
-              <a:buFont typeface="Arial" panose="020B0604020202020204" pitchFamily="34" charset="0"/>
-              <a:buChar char="•"/>
-            </a:pPr>
-            <a:r>
-              <a:rPr lang="de-DE" dirty="0" smtClean="0"/>
-              <a:t>„Seiten“ unsere Webanwendung werden durch sogenannte Page Objects repräsentiert, wobei ein Page Object die Features einer „Seite“ kappselt</a:t>
-            </a:r>
-          </a:p>
-          <a:p>
-            <a:pPr marL="608013" lvl="1" indent="-342900">
-              <a:buFont typeface="Arial" panose="020B0604020202020204" pitchFamily="34" charset="0"/>
-              <a:buChar char="•"/>
-            </a:pPr>
-            <a:r>
-              <a:rPr lang="de-DE" dirty="0" smtClean="0"/>
-              <a:t>Page Objects dienen unseren Tests als Schnittstelle zu den „Seiten“ unserer zu testenden Anwendung </a:t>
-            </a:r>
-          </a:p>
-          <a:p>
-            <a:pPr marL="342900" indent="-342900">
-              <a:buFont typeface="Arial" panose="020B0604020202020204" pitchFamily="34" charset="0"/>
-              <a:buChar char="•"/>
-            </a:pPr>
-            <a:r>
-              <a:rPr lang="de-DE" dirty="0" smtClean="0"/>
-              <a:t>Vorteile</a:t>
-            </a:r>
-          </a:p>
-          <a:p>
-            <a:pPr marL="608013" lvl="1" indent="-342900">
-              <a:buFont typeface="Arial" panose="020B0604020202020204" pitchFamily="34" charset="0"/>
-              <a:buChar char="•"/>
-            </a:pPr>
-            <a:r>
-              <a:rPr lang="de-DE" dirty="0" smtClean="0"/>
-              <a:t>Weniger Codeduplikation</a:t>
-            </a:r>
-          </a:p>
-          <a:p>
-            <a:pPr marL="608013" lvl="1" indent="-342900">
-              <a:buFont typeface="Arial" panose="020B0604020202020204" pitchFamily="34" charset="0"/>
-              <a:buChar char="•"/>
-            </a:pPr>
-            <a:r>
-              <a:rPr lang="de-DE" dirty="0" smtClean="0"/>
-              <a:t>Tests sind lesbarer und robuster</a:t>
-            </a:r>
-          </a:p>
-          <a:p>
-            <a:pPr marL="608013" lvl="1" indent="-342900">
-              <a:buFont typeface="Arial" panose="020B0604020202020204" pitchFamily="34" charset="0"/>
-              <a:buChar char="•"/>
-            </a:pPr>
-            <a:r>
-              <a:rPr lang="de-DE" dirty="0" smtClean="0"/>
-              <a:t>Verbesserte Wartbarkeit der Tests</a:t>
-            </a:r>
+            <a:endParaRPr lang="de-DE" dirty="0"/>
           </a:p>
         </p:txBody>
       </p:sp>
       <p:sp>
         <p:nvSpPr>
-          <p:cNvPr id="4" name="Text Placeholder 3"/>
+          <p:cNvPr id="6" name="Text Placeholder 5"/>
           <p:cNvSpPr>
             <a:spLocks noGrp="1"/>
           </p:cNvSpPr>
@@ -15860,266 +16673,18 @@
           <a:bodyPr/>
           <a:lstStyle/>
           <a:p>
+            <a:r>
+              <a:rPr lang="de-DE" dirty="0" smtClean="0"/>
+              <a:t>End-to-end Test Framework für SPAs</a:t>
+            </a:r>
             <a:endParaRPr lang="de-DE" dirty="0"/>
-          </a:p>
-        </p:txBody>
-      </p:sp>
-      <p:sp>
-        <p:nvSpPr>
-          <p:cNvPr id="5" name="Rounded Rectangle 4"/>
-          <p:cNvSpPr/>
-          <p:nvPr/>
-        </p:nvSpPr>
-        <p:spPr>
-          <a:xfrm>
-            <a:off x="5701826" y="5758799"/>
-            <a:ext cx="2880320" cy="432007"/>
-          </a:xfrm>
-          <a:prstGeom prst="roundRect">
-            <a:avLst/>
-          </a:prstGeom>
-          <a:ln/>
-        </p:spPr>
-        <p:style>
-          <a:lnRef idx="2">
-            <a:schemeClr val="accent3"/>
-          </a:lnRef>
-          <a:fillRef idx="1">
-            <a:schemeClr val="lt1"/>
-          </a:fillRef>
-          <a:effectRef idx="0">
-            <a:schemeClr val="accent3"/>
-          </a:effectRef>
-          <a:fontRef idx="minor">
-            <a:schemeClr val="dk1"/>
-          </a:fontRef>
-        </p:style>
-        <p:txBody>
-          <a:bodyPr rtlCol="0" anchor="ctr"/>
-          <a:lstStyle/>
-          <a:p>
-            <a:pPr algn="ctr"/>
-            <a:r>
-              <a:rPr lang="de-DE" sz="2200" dirty="0" smtClean="0">
-                <a:latin typeface="AA Zuehlke" pitchFamily="2" charset="0"/>
-              </a:rPr>
-              <a:t>AUT</a:t>
-            </a:r>
-          </a:p>
-        </p:txBody>
-      </p:sp>
-      <p:sp>
-        <p:nvSpPr>
-          <p:cNvPr id="6" name="Rounded Rectangle 5"/>
-          <p:cNvSpPr/>
-          <p:nvPr/>
-        </p:nvSpPr>
-        <p:spPr>
-          <a:xfrm>
-            <a:off x="5724128" y="5259441"/>
-            <a:ext cx="2880320" cy="410381"/>
-          </a:xfrm>
-          <a:prstGeom prst="roundRect">
-            <a:avLst/>
-          </a:prstGeom>
-          <a:ln/>
-        </p:spPr>
-        <p:style>
-          <a:lnRef idx="2">
-            <a:schemeClr val="accent4"/>
-          </a:lnRef>
-          <a:fillRef idx="1">
-            <a:schemeClr val="lt1"/>
-          </a:fillRef>
-          <a:effectRef idx="0">
-            <a:schemeClr val="accent4"/>
-          </a:effectRef>
-          <a:fontRef idx="minor">
-            <a:schemeClr val="dk1"/>
-          </a:fontRef>
-        </p:style>
-        <p:txBody>
-          <a:bodyPr rtlCol="0" anchor="ctr"/>
-          <a:lstStyle/>
-          <a:p>
-            <a:pPr algn="ctr"/>
-            <a:r>
-              <a:rPr lang="de-DE" sz="2200" dirty="0" smtClean="0">
-                <a:latin typeface="AA Zuehlke" pitchFamily="2" charset="0"/>
-              </a:rPr>
-              <a:t>WebDriver</a:t>
-            </a:r>
-          </a:p>
-        </p:txBody>
-      </p:sp>
-      <p:sp>
-        <p:nvSpPr>
-          <p:cNvPr id="7" name="Rounded Rectangle 6"/>
-          <p:cNvSpPr/>
-          <p:nvPr/>
-        </p:nvSpPr>
-        <p:spPr>
-          <a:xfrm>
-            <a:off x="5724128" y="4221088"/>
-            <a:ext cx="2880320" cy="435452"/>
-          </a:xfrm>
-          <a:prstGeom prst="roundRect">
-            <a:avLst/>
-          </a:prstGeom>
-          <a:ln/>
-        </p:spPr>
-        <p:style>
-          <a:lnRef idx="2">
-            <a:schemeClr val="dk1"/>
-          </a:lnRef>
-          <a:fillRef idx="1">
-            <a:schemeClr val="lt1"/>
-          </a:fillRef>
-          <a:effectRef idx="0">
-            <a:schemeClr val="dk1"/>
-          </a:effectRef>
-          <a:fontRef idx="minor">
-            <a:schemeClr val="dk1"/>
-          </a:fontRef>
-        </p:style>
-        <p:txBody>
-          <a:bodyPr rtlCol="0" anchor="ctr"/>
-          <a:lstStyle/>
-          <a:p>
-            <a:pPr algn="ctr"/>
-            <a:r>
-              <a:rPr lang="de-DE" sz="2200" dirty="0" smtClean="0">
-                <a:latin typeface="AA Zuehlke" pitchFamily="2" charset="0"/>
-              </a:rPr>
-              <a:t>Test</a:t>
-            </a:r>
-          </a:p>
-        </p:txBody>
-      </p:sp>
-      <p:sp>
-        <p:nvSpPr>
-          <p:cNvPr id="8" name="Rounded Rectangle 7"/>
-          <p:cNvSpPr/>
-          <p:nvPr/>
-        </p:nvSpPr>
-        <p:spPr>
-          <a:xfrm>
-            <a:off x="5721551" y="4727547"/>
-            <a:ext cx="936104" cy="432048"/>
-          </a:xfrm>
-          <a:prstGeom prst="roundRect">
-            <a:avLst/>
-          </a:prstGeom>
-          <a:ln/>
-        </p:spPr>
-        <p:style>
-          <a:lnRef idx="2">
-            <a:schemeClr val="dk1"/>
-          </a:lnRef>
-          <a:fillRef idx="1">
-            <a:schemeClr val="lt1"/>
-          </a:fillRef>
-          <a:effectRef idx="0">
-            <a:schemeClr val="dk1"/>
-          </a:effectRef>
-          <a:fontRef idx="minor">
-            <a:schemeClr val="dk1"/>
-          </a:fontRef>
-        </p:style>
-        <p:txBody>
-          <a:bodyPr rtlCol="0" anchor="ctr"/>
-          <a:lstStyle/>
-          <a:p>
-            <a:pPr algn="ctr"/>
-            <a:r>
-              <a:rPr lang="de-DE" sz="2200" dirty="0" smtClean="0">
-                <a:latin typeface="AA Zuehlke" pitchFamily="2" charset="0"/>
-              </a:rPr>
-              <a:t>PO</a:t>
-            </a:r>
-          </a:p>
-        </p:txBody>
-      </p:sp>
-      <p:sp>
-        <p:nvSpPr>
-          <p:cNvPr id="10" name="Rounded Rectangle 9"/>
-          <p:cNvSpPr/>
-          <p:nvPr/>
-        </p:nvSpPr>
-        <p:spPr>
-          <a:xfrm>
-            <a:off x="7646042" y="4738416"/>
-            <a:ext cx="936104" cy="432048"/>
-          </a:xfrm>
-          <a:prstGeom prst="roundRect">
-            <a:avLst/>
-          </a:prstGeom>
-          <a:ln/>
-        </p:spPr>
-        <p:style>
-          <a:lnRef idx="2">
-            <a:schemeClr val="dk1"/>
-          </a:lnRef>
-          <a:fillRef idx="1">
-            <a:schemeClr val="lt1"/>
-          </a:fillRef>
-          <a:effectRef idx="0">
-            <a:schemeClr val="dk1"/>
-          </a:effectRef>
-          <a:fontRef idx="minor">
-            <a:schemeClr val="dk1"/>
-          </a:fontRef>
-        </p:style>
-        <p:txBody>
-          <a:bodyPr rtlCol="0" anchor="ctr"/>
-          <a:lstStyle/>
-          <a:p>
-            <a:pPr algn="ctr"/>
-            <a:r>
-              <a:rPr lang="de-DE" sz="2200" dirty="0" smtClean="0">
-                <a:latin typeface="AA Zuehlke" pitchFamily="2" charset="0"/>
-              </a:rPr>
-              <a:t>PO</a:t>
-            </a:r>
-          </a:p>
-        </p:txBody>
-      </p:sp>
-      <p:sp>
-        <p:nvSpPr>
-          <p:cNvPr id="11" name="TextBox 10"/>
-          <p:cNvSpPr txBox="1"/>
-          <p:nvPr/>
-        </p:nvSpPr>
-        <p:spPr>
-          <a:xfrm>
-            <a:off x="6684786" y="4671212"/>
-            <a:ext cx="914400" cy="464717"/>
-          </a:xfrm>
-          <a:prstGeom prst="rect">
-            <a:avLst/>
-          </a:prstGeom>
-          <a:noFill/>
-        </p:spPr>
-        <p:txBody>
-          <a:bodyPr wrap="none" rtlCol="0">
-            <a:noAutofit/>
-          </a:bodyPr>
-          <a:lstStyle/>
-          <a:p>
-            <a:pPr algn="ctr"/>
-            <a:r>
-              <a:rPr lang="de-DE" sz="2200" dirty="0" smtClean="0">
-                <a:latin typeface="AA Zuehlke" pitchFamily="2" charset="0"/>
-              </a:rPr>
-              <a:t>…</a:t>
-            </a:r>
           </a:p>
         </p:txBody>
       </p:sp>
     </p:spTree>
     <p:extLst>
       <p:ext uri="{BB962C8B-B14F-4D97-AF65-F5344CB8AC3E}">
-        <p14:creationId xmlns:p14="http://schemas.microsoft.com/office/powerpoint/2010/main" val="2506019560"/>
+        <p14:creationId xmlns:p14="http://schemas.microsoft.com/office/powerpoint/2010/main" val="2884851122"/>
       </p:ext>
     </p:extLst>
   </p:cSld>
@@ -16178,7 +16743,7 @@
       </p:sp>
       <p:pic>
         <p:nvPicPr>
-          <p:cNvPr id="5" name="Content Placeholder 4"/>
+          <p:cNvPr id="6" name="Content Placeholder 5"/>
           <p:cNvPicPr>
             <a:picLocks noGrp="1" noChangeAspect="1"/>
           </p:cNvPicPr>
@@ -16222,7 +16787,7 @@
           <a:p>
             <a:r>
               <a:rPr lang="de-DE" dirty="0" smtClean="0"/>
-              <a:t>Verwendung von Page Objects</a:t>
+              <a:t>Testautomatisierung mit Protractor</a:t>
             </a:r>
             <a:endParaRPr lang="de-DE" dirty="0"/>
           </a:p>
@@ -16231,7 +16796,7 @@
     </p:spTree>
     <p:extLst>
       <p:ext uri="{BB962C8B-B14F-4D97-AF65-F5344CB8AC3E}">
-        <p14:creationId xmlns:p14="http://schemas.microsoft.com/office/powerpoint/2010/main" val="2442149849"/>
+        <p14:creationId xmlns:p14="http://schemas.microsoft.com/office/powerpoint/2010/main" val="2466512856"/>
       </p:ext>
     </p:extLst>
   </p:cSld>
@@ -16281,6 +16846,555 @@
           <a:lstStyle/>
           <a:p>
             <a:r>
+              <a:rPr lang="de-DE" dirty="0" smtClean="0"/>
+              <a:t>Page Object Pattern</a:t>
+            </a:r>
+            <a:endParaRPr lang="de-DE" dirty="0"/>
+          </a:p>
+        </p:txBody>
+      </p:sp>
+      <p:sp>
+        <p:nvSpPr>
+          <p:cNvPr id="3" name="Content Placeholder 2"/>
+          <p:cNvSpPr>
+            <a:spLocks noGrp="1"/>
+          </p:cNvSpPr>
+          <p:nvPr>
+            <p:ph idx="1"/>
+          </p:nvPr>
+        </p:nvSpPr>
+        <p:spPr>
+          <a:ln>
+            <a:solidFill>
+              <a:schemeClr val="bg1"/>
+            </a:solidFill>
+          </a:ln>
+        </p:spPr>
+        <p:style>
+          <a:lnRef idx="2">
+            <a:schemeClr val="accent1"/>
+          </a:lnRef>
+          <a:fillRef idx="1">
+            <a:schemeClr val="lt1"/>
+          </a:fillRef>
+          <a:effectRef idx="0">
+            <a:schemeClr val="accent1"/>
+          </a:effectRef>
+          <a:fontRef idx="minor">
+            <a:schemeClr val="dk1"/>
+          </a:fontRef>
+        </p:style>
+        <p:txBody>
+          <a:bodyPr/>
+          <a:lstStyle/>
+          <a:p>
+            <a:pPr marL="342900" indent="-342900">
+              <a:buFont typeface="Arial" panose="020B0604020202020204" pitchFamily="34" charset="0"/>
+              <a:buChar char="•"/>
+            </a:pPr>
+            <a:r>
+              <a:rPr lang="de-DE" dirty="0" smtClean="0"/>
+              <a:t>Definition &amp; Zweck</a:t>
+            </a:r>
+          </a:p>
+          <a:p>
+            <a:pPr marL="608013" lvl="1" indent="-342900">
+              <a:buFont typeface="Arial" panose="020B0604020202020204" pitchFamily="34" charset="0"/>
+              <a:buChar char="•"/>
+            </a:pPr>
+            <a:r>
+              <a:rPr lang="de-DE" dirty="0" smtClean="0"/>
+              <a:t>„Seiten“ unsere Webanwendung werden durch sogenannte Page Objects repräsentiert, wobei ein Page Object die Features einer „Seite“ kappselt</a:t>
+            </a:r>
+          </a:p>
+          <a:p>
+            <a:pPr marL="608013" lvl="1" indent="-342900">
+              <a:buFont typeface="Arial" panose="020B0604020202020204" pitchFamily="34" charset="0"/>
+              <a:buChar char="•"/>
+            </a:pPr>
+            <a:r>
+              <a:rPr lang="de-DE" dirty="0" smtClean="0"/>
+              <a:t>Page Objects dienen unseren Tests als Schnittstelle zu den „Seiten“ unserer zu testenden Anwendung </a:t>
+            </a:r>
+          </a:p>
+          <a:p>
+            <a:pPr marL="342900" indent="-342900">
+              <a:buFont typeface="Arial" panose="020B0604020202020204" pitchFamily="34" charset="0"/>
+              <a:buChar char="•"/>
+            </a:pPr>
+            <a:r>
+              <a:rPr lang="de-DE" dirty="0" smtClean="0"/>
+              <a:t>Vorteile</a:t>
+            </a:r>
+          </a:p>
+          <a:p>
+            <a:pPr marL="608013" lvl="1" indent="-342900">
+              <a:buFont typeface="Arial" panose="020B0604020202020204" pitchFamily="34" charset="0"/>
+              <a:buChar char="•"/>
+            </a:pPr>
+            <a:r>
+              <a:rPr lang="de-DE" dirty="0" smtClean="0"/>
+              <a:t>Weniger Codeduplikation</a:t>
+            </a:r>
+          </a:p>
+          <a:p>
+            <a:pPr marL="608013" lvl="1" indent="-342900">
+              <a:buFont typeface="Arial" panose="020B0604020202020204" pitchFamily="34" charset="0"/>
+              <a:buChar char="•"/>
+            </a:pPr>
+            <a:r>
+              <a:rPr lang="de-DE" dirty="0" smtClean="0"/>
+              <a:t>Tests sind lesbarer und robuster</a:t>
+            </a:r>
+          </a:p>
+          <a:p>
+            <a:pPr marL="608013" lvl="1" indent="-342900">
+              <a:buFont typeface="Arial" panose="020B0604020202020204" pitchFamily="34" charset="0"/>
+              <a:buChar char="•"/>
+            </a:pPr>
+            <a:r>
+              <a:rPr lang="de-DE" dirty="0" smtClean="0"/>
+              <a:t>Verbesserte Wartbarkeit der Tests</a:t>
+            </a:r>
+          </a:p>
+        </p:txBody>
+      </p:sp>
+      <p:sp>
+        <p:nvSpPr>
+          <p:cNvPr id="4" name="Text Placeholder 3"/>
+          <p:cNvSpPr>
+            <a:spLocks noGrp="1"/>
+          </p:cNvSpPr>
+          <p:nvPr>
+            <p:ph type="body" sz="quarter" idx="13"/>
+          </p:nvPr>
+        </p:nvSpPr>
+        <p:spPr/>
+        <p:txBody>
+          <a:bodyPr/>
+          <a:lstStyle/>
+          <a:p>
+            <a:endParaRPr lang="de-DE" dirty="0"/>
+          </a:p>
+        </p:txBody>
+      </p:sp>
+      <p:sp>
+        <p:nvSpPr>
+          <p:cNvPr id="5" name="Rounded Rectangle 4"/>
+          <p:cNvSpPr/>
+          <p:nvPr/>
+        </p:nvSpPr>
+        <p:spPr>
+          <a:xfrm>
+            <a:off x="5701826" y="5758799"/>
+            <a:ext cx="2880320" cy="432007"/>
+          </a:xfrm>
+          <a:prstGeom prst="roundRect">
+            <a:avLst/>
+          </a:prstGeom>
+          <a:ln/>
+        </p:spPr>
+        <p:style>
+          <a:lnRef idx="2">
+            <a:schemeClr val="accent3"/>
+          </a:lnRef>
+          <a:fillRef idx="1">
+            <a:schemeClr val="lt1"/>
+          </a:fillRef>
+          <a:effectRef idx="0">
+            <a:schemeClr val="accent3"/>
+          </a:effectRef>
+          <a:fontRef idx="minor">
+            <a:schemeClr val="dk1"/>
+          </a:fontRef>
+        </p:style>
+        <p:txBody>
+          <a:bodyPr rtlCol="0" anchor="ctr"/>
+          <a:lstStyle/>
+          <a:p>
+            <a:pPr algn="ctr"/>
+            <a:r>
+              <a:rPr lang="de-DE" sz="2200" dirty="0" smtClean="0">
+                <a:latin typeface="AA Zuehlke" pitchFamily="2" charset="0"/>
+              </a:rPr>
+              <a:t>AUT</a:t>
+            </a:r>
+          </a:p>
+        </p:txBody>
+      </p:sp>
+      <p:sp>
+        <p:nvSpPr>
+          <p:cNvPr id="6" name="Rounded Rectangle 5"/>
+          <p:cNvSpPr/>
+          <p:nvPr/>
+        </p:nvSpPr>
+        <p:spPr>
+          <a:xfrm>
+            <a:off x="5724128" y="5259441"/>
+            <a:ext cx="2880320" cy="410381"/>
+          </a:xfrm>
+          <a:prstGeom prst="roundRect">
+            <a:avLst/>
+          </a:prstGeom>
+          <a:ln/>
+        </p:spPr>
+        <p:style>
+          <a:lnRef idx="2">
+            <a:schemeClr val="accent4"/>
+          </a:lnRef>
+          <a:fillRef idx="1">
+            <a:schemeClr val="lt1"/>
+          </a:fillRef>
+          <a:effectRef idx="0">
+            <a:schemeClr val="accent4"/>
+          </a:effectRef>
+          <a:fontRef idx="minor">
+            <a:schemeClr val="dk1"/>
+          </a:fontRef>
+        </p:style>
+        <p:txBody>
+          <a:bodyPr rtlCol="0" anchor="ctr"/>
+          <a:lstStyle/>
+          <a:p>
+            <a:pPr algn="ctr"/>
+            <a:r>
+              <a:rPr lang="de-DE" sz="2200" dirty="0" smtClean="0">
+                <a:latin typeface="AA Zuehlke" pitchFamily="2" charset="0"/>
+              </a:rPr>
+              <a:t>WebDriver</a:t>
+            </a:r>
+          </a:p>
+        </p:txBody>
+      </p:sp>
+      <p:sp>
+        <p:nvSpPr>
+          <p:cNvPr id="7" name="Rounded Rectangle 6"/>
+          <p:cNvSpPr/>
+          <p:nvPr/>
+        </p:nvSpPr>
+        <p:spPr>
+          <a:xfrm>
+            <a:off x="5724128" y="4221088"/>
+            <a:ext cx="2880320" cy="435452"/>
+          </a:xfrm>
+          <a:prstGeom prst="roundRect">
+            <a:avLst/>
+          </a:prstGeom>
+          <a:ln/>
+        </p:spPr>
+        <p:style>
+          <a:lnRef idx="2">
+            <a:schemeClr val="dk1"/>
+          </a:lnRef>
+          <a:fillRef idx="1">
+            <a:schemeClr val="lt1"/>
+          </a:fillRef>
+          <a:effectRef idx="0">
+            <a:schemeClr val="dk1"/>
+          </a:effectRef>
+          <a:fontRef idx="minor">
+            <a:schemeClr val="dk1"/>
+          </a:fontRef>
+        </p:style>
+        <p:txBody>
+          <a:bodyPr rtlCol="0" anchor="ctr"/>
+          <a:lstStyle/>
+          <a:p>
+            <a:pPr algn="ctr"/>
+            <a:r>
+              <a:rPr lang="de-DE" sz="2200" dirty="0" smtClean="0">
+                <a:latin typeface="AA Zuehlke" pitchFamily="2" charset="0"/>
+              </a:rPr>
+              <a:t>Test</a:t>
+            </a:r>
+          </a:p>
+        </p:txBody>
+      </p:sp>
+      <p:sp>
+        <p:nvSpPr>
+          <p:cNvPr id="8" name="Rounded Rectangle 7"/>
+          <p:cNvSpPr/>
+          <p:nvPr/>
+        </p:nvSpPr>
+        <p:spPr>
+          <a:xfrm>
+            <a:off x="5721551" y="4727547"/>
+            <a:ext cx="936104" cy="432048"/>
+          </a:xfrm>
+          <a:prstGeom prst="roundRect">
+            <a:avLst/>
+          </a:prstGeom>
+          <a:ln/>
+        </p:spPr>
+        <p:style>
+          <a:lnRef idx="2">
+            <a:schemeClr val="dk1"/>
+          </a:lnRef>
+          <a:fillRef idx="1">
+            <a:schemeClr val="lt1"/>
+          </a:fillRef>
+          <a:effectRef idx="0">
+            <a:schemeClr val="dk1"/>
+          </a:effectRef>
+          <a:fontRef idx="minor">
+            <a:schemeClr val="dk1"/>
+          </a:fontRef>
+        </p:style>
+        <p:txBody>
+          <a:bodyPr rtlCol="0" anchor="ctr"/>
+          <a:lstStyle/>
+          <a:p>
+            <a:pPr algn="ctr"/>
+            <a:r>
+              <a:rPr lang="de-DE" sz="2200" dirty="0" smtClean="0">
+                <a:latin typeface="AA Zuehlke" pitchFamily="2" charset="0"/>
+              </a:rPr>
+              <a:t>PO</a:t>
+            </a:r>
+          </a:p>
+        </p:txBody>
+      </p:sp>
+      <p:sp>
+        <p:nvSpPr>
+          <p:cNvPr id="10" name="Rounded Rectangle 9"/>
+          <p:cNvSpPr/>
+          <p:nvPr/>
+        </p:nvSpPr>
+        <p:spPr>
+          <a:xfrm>
+            <a:off x="7646042" y="4738416"/>
+            <a:ext cx="936104" cy="432048"/>
+          </a:xfrm>
+          <a:prstGeom prst="roundRect">
+            <a:avLst/>
+          </a:prstGeom>
+          <a:ln/>
+        </p:spPr>
+        <p:style>
+          <a:lnRef idx="2">
+            <a:schemeClr val="dk1"/>
+          </a:lnRef>
+          <a:fillRef idx="1">
+            <a:schemeClr val="lt1"/>
+          </a:fillRef>
+          <a:effectRef idx="0">
+            <a:schemeClr val="dk1"/>
+          </a:effectRef>
+          <a:fontRef idx="minor">
+            <a:schemeClr val="dk1"/>
+          </a:fontRef>
+        </p:style>
+        <p:txBody>
+          <a:bodyPr rtlCol="0" anchor="ctr"/>
+          <a:lstStyle/>
+          <a:p>
+            <a:pPr algn="ctr"/>
+            <a:r>
+              <a:rPr lang="de-DE" sz="2200" dirty="0" smtClean="0">
+                <a:latin typeface="AA Zuehlke" pitchFamily="2" charset="0"/>
+              </a:rPr>
+              <a:t>PO</a:t>
+            </a:r>
+          </a:p>
+        </p:txBody>
+      </p:sp>
+      <p:sp>
+        <p:nvSpPr>
+          <p:cNvPr id="11" name="TextBox 10"/>
+          <p:cNvSpPr txBox="1"/>
+          <p:nvPr/>
+        </p:nvSpPr>
+        <p:spPr>
+          <a:xfrm>
+            <a:off x="6684786" y="4671212"/>
+            <a:ext cx="914400" cy="464717"/>
+          </a:xfrm>
+          <a:prstGeom prst="rect">
+            <a:avLst/>
+          </a:prstGeom>
+          <a:noFill/>
+        </p:spPr>
+        <p:txBody>
+          <a:bodyPr wrap="none" rtlCol="0">
+            <a:noAutofit/>
+          </a:bodyPr>
+          <a:lstStyle/>
+          <a:p>
+            <a:pPr algn="ctr"/>
+            <a:r>
+              <a:rPr lang="de-DE" sz="2200" dirty="0" smtClean="0">
+                <a:latin typeface="AA Zuehlke" pitchFamily="2" charset="0"/>
+              </a:rPr>
+              <a:t>…</a:t>
+            </a:r>
+          </a:p>
+        </p:txBody>
+      </p:sp>
+    </p:spTree>
+    <p:extLst>
+      <p:ext uri="{BB962C8B-B14F-4D97-AF65-F5344CB8AC3E}">
+        <p14:creationId xmlns:p14="http://schemas.microsoft.com/office/powerpoint/2010/main" val="2506019560"/>
+      </p:ext>
+    </p:extLst>
+  </p:cSld>
+  <p:clrMapOvr>
+    <a:masterClrMapping/>
+  </p:clrMapOvr>
+  <p:timing>
+    <p:tnLst>
+      <p:par>
+        <p:cTn id="1" dur="indefinite" restart="never" nodeType="tmRoot"/>
+      </p:par>
+    </p:tnLst>
+  </p:timing>
+</p:sld>
+</file>
+
+<file path=ppt/slides/slide16.xml><?xml version="1.0" encoding="utf-8"?>
+<p:sld xmlns:a="http://schemas.openxmlformats.org/drawingml/2006/main" xmlns:r="http://schemas.openxmlformats.org/officeDocument/2006/relationships" xmlns:p="http://schemas.openxmlformats.org/presentationml/2006/main">
+  <p:cSld>
+    <p:spTree>
+      <p:nvGrpSpPr>
+        <p:cNvPr id="1" name=""/>
+        <p:cNvGrpSpPr/>
+        <p:nvPr/>
+      </p:nvGrpSpPr>
+      <p:grpSpPr>
+        <a:xfrm>
+          <a:off x="0" y="0"/>
+          <a:ext cx="0" cy="0"/>
+          <a:chOff x="0" y="0"/>
+          <a:chExt cx="0" cy="0"/>
+        </a:xfrm>
+      </p:grpSpPr>
+      <p:sp>
+        <p:nvSpPr>
+          <p:cNvPr id="2" name="Title 1"/>
+          <p:cNvSpPr>
+            <a:spLocks noGrp="1"/>
+          </p:cNvSpPr>
+          <p:nvPr>
+            <p:ph type="title"/>
+          </p:nvPr>
+        </p:nvSpPr>
+        <p:spPr/>
+        <p:txBody>
+          <a:bodyPr/>
+          <a:lstStyle/>
+          <a:p>
+            <a:r>
+              <a:rPr lang="de-DE" dirty="0" smtClean="0"/>
+              <a:t>YodaChat</a:t>
+            </a:r>
+            <a:endParaRPr lang="de-DE" dirty="0"/>
+          </a:p>
+        </p:txBody>
+      </p:sp>
+      <p:pic>
+        <p:nvPicPr>
+          <p:cNvPr id="5" name="Content Placeholder 4"/>
+          <p:cNvPicPr>
+            <a:picLocks noGrp="1" noChangeAspect="1"/>
+          </p:cNvPicPr>
+          <p:nvPr>
+            <p:ph idx="1"/>
+          </p:nvPr>
+        </p:nvPicPr>
+        <p:blipFill>
+          <a:blip r:embed="rId2">
+            <a:extLst>
+              <a:ext uri="{28A0092B-C50C-407E-A947-70E740481C1C}">
+                <a14:useLocalDpi xmlns:a14="http://schemas.microsoft.com/office/drawing/2010/main" val="0"/>
+              </a:ext>
+            </a:extLst>
+          </a:blip>
+          <a:stretch>
+            <a:fillRect/>
+          </a:stretch>
+        </p:blipFill>
+        <p:spPr>
+          <a:xfrm>
+            <a:off x="579436" y="1575486"/>
+            <a:ext cx="7961311" cy="4776787"/>
+          </a:xfrm>
+        </p:spPr>
+      </p:pic>
+      <p:sp>
+        <p:nvSpPr>
+          <p:cNvPr id="4" name="Text Placeholder 3"/>
+          <p:cNvSpPr>
+            <a:spLocks noGrp="1"/>
+          </p:cNvSpPr>
+          <p:nvPr>
+            <p:ph type="body" sz="quarter" idx="13"/>
+          </p:nvPr>
+        </p:nvSpPr>
+        <p:spPr/>
+        <p:txBody>
+          <a:bodyPr/>
+          <a:lstStyle/>
+          <a:p>
+            <a:r>
+              <a:rPr lang="de-DE" dirty="0" smtClean="0"/>
+              <a:t>Verwendung von Page Objects</a:t>
+            </a:r>
+            <a:endParaRPr lang="de-DE" dirty="0"/>
+          </a:p>
+        </p:txBody>
+      </p:sp>
+    </p:spTree>
+    <p:extLst>
+      <p:ext uri="{BB962C8B-B14F-4D97-AF65-F5344CB8AC3E}">
+        <p14:creationId xmlns:p14="http://schemas.microsoft.com/office/powerpoint/2010/main" val="2442149849"/>
+      </p:ext>
+    </p:extLst>
+  </p:cSld>
+  <p:clrMapOvr>
+    <a:masterClrMapping/>
+  </p:clrMapOvr>
+  <p:timing>
+    <p:tnLst>
+      <p:par>
+        <p:cTn id="1" dur="indefinite" restart="never" nodeType="tmRoot"/>
+      </p:par>
+    </p:tnLst>
+  </p:timing>
+</p:sld>
+</file>
+
+<file path=ppt/slides/slide17.xml><?xml version="1.0" encoding="utf-8"?>
+<p:sld xmlns:a="http://schemas.openxmlformats.org/drawingml/2006/main" xmlns:r="http://schemas.openxmlformats.org/officeDocument/2006/relationships" xmlns:p="http://schemas.openxmlformats.org/presentationml/2006/main">
+  <p:cSld>
+    <p:spTree>
+      <p:nvGrpSpPr>
+        <p:cNvPr id="1" name=""/>
+        <p:cNvGrpSpPr/>
+        <p:nvPr/>
+      </p:nvGrpSpPr>
+      <p:grpSpPr>
+        <a:xfrm>
+          <a:off x="0" y="0"/>
+          <a:ext cx="0" cy="0"/>
+          <a:chOff x="0" y="0"/>
+          <a:chExt cx="0" cy="0"/>
+        </a:xfrm>
+      </p:grpSpPr>
+      <p:sp>
+        <p:nvSpPr>
+          <p:cNvPr id="2" name="Title 1"/>
+          <p:cNvSpPr>
+            <a:spLocks noGrp="1"/>
+          </p:cNvSpPr>
+          <p:nvPr>
+            <p:ph type="title"/>
+          </p:nvPr>
+        </p:nvSpPr>
+        <p:spPr/>
+        <p:txBody>
+          <a:bodyPr/>
+          <a:lstStyle/>
+          <a:p>
+            <a:r>
               <a:rPr lang="de-DE" dirty="0"/>
               <a:t>YodaChat</a:t>
             </a:r>
@@ -16349,7 +17463,7 @@
 </p:sld>
 </file>
 
-<file path=ppt/slides/slide16.xml><?xml version="1.0" encoding="utf-8"?>
+<file path=ppt/slides/slide18.xml><?xml version="1.0" encoding="utf-8"?>
 <p:sld xmlns:a="http://schemas.openxmlformats.org/drawingml/2006/main" xmlns:r="http://schemas.openxmlformats.org/officeDocument/2006/relationships" xmlns:p="http://schemas.openxmlformats.org/presentationml/2006/main">
   <p:cSld>
     <p:spTree>
@@ -17630,13 +18744,13 @@
           <p:nvPr>
             <p:extLst>
               <p:ext uri="{D42A27DB-BD31-4B8C-83A1-F6EECF244321}">
-                <p14:modId xmlns:p14="http://schemas.microsoft.com/office/powerpoint/2010/main" val="90812780"/>
+                <p14:modId xmlns:p14="http://schemas.microsoft.com/office/powerpoint/2010/main" val="710183585"/>
               </p:ext>
             </p:extLst>
           </p:nvPr>
         </p:nvGraphicFramePr>
         <p:xfrm>
-          <a:off x="-673921" y="718205"/>
+          <a:off x="-414162" y="891383"/>
           <a:ext cx="3840088" cy="2824088"/>
         </p:xfrm>
         <a:graphic>
@@ -17653,7 +18767,7 @@
         </p:nvSpPr>
         <p:spPr>
           <a:xfrm>
-            <a:off x="3703478" y="1534999"/>
+            <a:off x="3823878" y="1678401"/>
             <a:ext cx="1632520" cy="1143000"/>
           </a:xfrm>
           <a:prstGeom prst="verticalScroll">
@@ -17718,7 +18832,7 @@
         </p:nvSpPr>
         <p:spPr>
           <a:xfrm>
-            <a:off x="5753757" y="1039089"/>
+            <a:off x="5874157" y="1182491"/>
             <a:ext cx="1231400" cy="390706"/>
           </a:xfrm>
           <a:prstGeom prst="rect">
@@ -17749,8 +18863,8 @@
         </p:nvSpPr>
         <p:spPr>
           <a:xfrm>
-            <a:off x="3852315" y="1036806"/>
-            <a:ext cx="914400" cy="914400"/>
+            <a:off x="3970016" y="870099"/>
+            <a:ext cx="1486381" cy="914400"/>
           </a:xfrm>
           <a:prstGeom prst="rect">
             <a:avLst/>
@@ -17767,8 +18881,19 @@
               <a:rPr lang="de-DE" sz="2200" dirty="0" smtClean="0">
                 <a:latin typeface="AA Zuehlke" pitchFamily="2" charset="0"/>
               </a:rPr>
-              <a:t>User Story</a:t>
-            </a:r>
+              <a:t>User Story / </a:t>
+            </a:r>
+          </a:p>
+          <a:p>
+            <a:r>
+              <a:rPr lang="de-DE" sz="2200" dirty="0" smtClean="0">
+                <a:latin typeface="AA Zuehlke" pitchFamily="2" charset="0"/>
+              </a:rPr>
+              <a:t>Feature</a:t>
+            </a:r>
+            <a:endParaRPr lang="de-DE" sz="2200" dirty="0" smtClean="0">
+              <a:latin typeface="AA Zuehlke" pitchFamily="2" charset="0"/>
+            </a:endParaRPr>
           </a:p>
         </p:txBody>
       </p:sp>
@@ -17780,7 +18905,7 @@
         </p:nvSpPr>
         <p:spPr>
           <a:xfrm flipV="1">
-            <a:off x="2427284" y="1832481"/>
+            <a:off x="2547684" y="1975883"/>
             <a:ext cx="660814" cy="372072"/>
           </a:xfrm>
           <a:prstGeom prst="rightArrow">
@@ -17823,7 +18948,7 @@
         </p:nvSpPr>
         <p:spPr>
           <a:xfrm>
-            <a:off x="5530932" y="1519634"/>
+            <a:off x="5651332" y="1663036"/>
             <a:ext cx="1489340" cy="1296144"/>
           </a:xfrm>
           <a:prstGeom prst="flowChartMultidocument">
@@ -18155,13 +19280,7 @@
               <a:rPr lang="de-DE" dirty="0" smtClean="0">
                 <a:latin typeface="AA Zuehlke" pitchFamily="2" charset="0"/>
               </a:rPr>
-              <a:t>Given</a:t>
-            </a:r>
-            <a:r>
-              <a:rPr lang="de-DE" dirty="0" smtClean="0">
-                <a:latin typeface="AA Zuehlke" pitchFamily="2" charset="0"/>
-              </a:rPr>
-              <a:t>(/^… $/, function () {</a:t>
+              <a:t>Given(/^… $/, function () {</a:t>
             </a:r>
           </a:p>
           <a:p>
@@ -18218,7 +19337,7 @@
         </p:nvSpPr>
         <p:spPr>
           <a:xfrm>
-            <a:off x="459039" y="1036806"/>
+            <a:off x="579439" y="1180208"/>
             <a:ext cx="914400" cy="914400"/>
           </a:xfrm>
           <a:prstGeom prst="rect">
@@ -18236,19 +19355,7 @@
               <a:rPr lang="de-DE" sz="2200" dirty="0" smtClean="0">
                 <a:latin typeface="AA Zuehlke" pitchFamily="2" charset="0"/>
               </a:rPr>
-              <a:t>Three</a:t>
-            </a:r>
-            <a:r>
-              <a:rPr lang="de-DE" sz="2200" dirty="0" smtClean="0">
-                <a:latin typeface="AA Zuehlke" pitchFamily="2" charset="0"/>
-              </a:rPr>
-              <a:t> </a:t>
-            </a:r>
-            <a:r>
-              <a:rPr lang="de-DE" sz="2200" dirty="0" smtClean="0">
-                <a:latin typeface="AA Zuehlke" pitchFamily="2" charset="0"/>
-              </a:rPr>
-              <a:t>Amigos</a:t>
+              <a:t>Three Amigos</a:t>
             </a:r>
           </a:p>
         </p:txBody>
@@ -18407,9 +19514,6 @@
               </a:rPr>
               <a:t>„yes…“ hinten anhängen</a:t>
             </a:r>
-            <a:endParaRPr lang="de-DE" sz="2000" dirty="0" smtClean="0">
-              <a:latin typeface="AA Zuehlke" pitchFamily="2" charset="0"/>
-            </a:endParaRPr>
           </a:p>
         </p:txBody>
       </p:sp>
@@ -18496,7 +19600,7 @@
           <a:p>
             <a:r>
               <a:rPr lang="de-DE" dirty="0" smtClean="0"/>
-              <a:t>Cucumber</a:t>
+              <a:t>Cucumber (1)</a:t>
             </a:r>
             <a:endParaRPr lang="de-DE" dirty="0"/>
           </a:p>
@@ -18517,6 +19621,49 @@
           <a:bodyPr/>
           <a:lstStyle/>
           <a:p>
+            <a:pPr marL="342900" indent="-342900">
+              <a:buFont typeface="Arial" panose="020B0604020202020204" pitchFamily="34" charset="0"/>
+              <a:buChar char="•"/>
+            </a:pPr>
+            <a:r>
+              <a:rPr lang="de-DE" dirty="0" smtClean="0"/>
+              <a:t>Werkzeug zur textuellen Spezifikation von Anforderungen an Software und zur automatisierten Überprüfung dieser Beschreibung auf ihre korrekte Implementierung</a:t>
+            </a:r>
+            <a:endParaRPr lang="de-DE" dirty="0" smtClean="0"/>
+          </a:p>
+          <a:p>
+            <a:pPr marL="342900" indent="-342900">
+              <a:buFont typeface="Arial" panose="020B0604020202020204" pitchFamily="34" charset="0"/>
+              <a:buChar char="•"/>
+            </a:pPr>
+            <a:r>
+              <a:rPr lang="de-DE" b="1" dirty="0" smtClean="0"/>
+              <a:t>Single Source of Truth</a:t>
+            </a:r>
+            <a:r>
+              <a:rPr lang="de-DE" dirty="0" smtClean="0"/>
+              <a:t>: Spezifiaktion und Testdokumentation in ein kohäsives Ganzes gemergt</a:t>
+            </a:r>
+          </a:p>
+          <a:p>
+            <a:pPr marL="342900" indent="-342900">
+              <a:buFont typeface="Arial" panose="020B0604020202020204" pitchFamily="34" charset="0"/>
+              <a:buChar char="•"/>
+            </a:pPr>
+            <a:r>
+              <a:rPr lang="de-DE" b="1" dirty="0" smtClean="0"/>
+              <a:t>Lebendige Spezifikation</a:t>
+            </a:r>
+            <a:r>
+              <a:rPr lang="de-DE" dirty="0" smtClean="0"/>
+              <a:t>: Immer aktuelle Spezifikation da diese automatisiert getestet wird</a:t>
+            </a:r>
+          </a:p>
+          <a:p>
+            <a:pPr marL="342900" indent="-342900">
+              <a:buFont typeface="Arial" panose="020B0604020202020204" pitchFamily="34" charset="0"/>
+              <a:buChar char="•"/>
+            </a:pPr>
             <a:endParaRPr lang="de-DE" dirty="0"/>
           </a:p>
         </p:txBody>
@@ -18531,15 +19678,65 @@
             <p:ph type="body" sz="quarter" idx="13"/>
           </p:nvPr>
         </p:nvSpPr>
-        <p:spPr/>
+        <p:spPr>
+          <a:xfrm>
+            <a:off x="564702" y="933885"/>
+            <a:ext cx="8412161" cy="645156"/>
+          </a:xfrm>
+        </p:spPr>
         <p:txBody>
           <a:bodyPr/>
           <a:lstStyle/>
           <a:p>
+            <a:r>
+              <a:rPr lang="de-DE" dirty="0" smtClean="0"/>
+              <a:t>Collaboration Tool</a:t>
+            </a:r>
             <a:endParaRPr lang="de-DE" dirty="0"/>
           </a:p>
         </p:txBody>
       </p:sp>
+      <p:pic>
+        <p:nvPicPr>
+          <p:cNvPr id="1030" name="Picture 6" descr="Cucumber Logo"/>
+          <p:cNvPicPr>
+            <a:picLocks noChangeAspect="1" noChangeArrowheads="1"/>
+          </p:cNvPicPr>
+          <p:nvPr/>
+        </p:nvPicPr>
+        <p:blipFill>
+          <a:blip r:embed="rId3" cstate="print">
+            <a:extLst>
+              <a:ext uri="{28A0092B-C50C-407E-A947-70E740481C1C}">
+                <a14:useLocalDpi xmlns:a14="http://schemas.microsoft.com/office/drawing/2010/main" val="0"/>
+              </a:ext>
+            </a:extLst>
+          </a:blip>
+          <a:srcRect/>
+          <a:stretch>
+            <a:fillRect/>
+          </a:stretch>
+        </p:blipFill>
+        <p:spPr bwMode="auto">
+          <a:xfrm>
+            <a:off x="4572000" y="4653136"/>
+            <a:ext cx="3210282" cy="1047767"/>
+          </a:xfrm>
+          <a:prstGeom prst="rect">
+            <a:avLst/>
+          </a:prstGeom>
+          <a:noFill/>
+          <a:extLst>
+            <a:ext uri="{909E8E84-426E-40DD-AFC4-6F175D3DCCD1}">
+              <a14:hiddenFill xmlns:a14="http://schemas.microsoft.com/office/drawing/2010/main">
+                <a:solidFill>
+                  <a:srgbClr val="FFFFFF"/>
+                </a:solidFill>
+              </a14:hiddenFill>
+            </a:ext>
+          </a:extLst>
+        </p:spPr>
+      </p:pic>
     </p:spTree>
     <p:extLst>
       <p:ext uri="{BB962C8B-B14F-4D97-AF65-F5344CB8AC3E}">

--- a/Vortrag_KE2016_MAVE_SIA.pptx
+++ b/Vortrag_KE2016_MAVE_SIA.pptx
@@ -9552,7 +9552,7 @@
               <a:rPr lang="de-DE" smtClean="0">
                 <a:latin typeface="AA Zuehlke" pitchFamily="2" charset="0"/>
               </a:rPr>
-              <a:t>22.05.2016</a:t>
+              <a:t>23.05.2016</a:t>
             </a:fld>
             <a:endParaRPr lang="de-DE">
               <a:latin typeface="AA Zuehlke" pitchFamily="2" charset="0"/>
@@ -9730,7 +9730,7 @@
             <a:fld id="{A6966AE6-B72D-4967-9CA3-8469D2863705}" type="datetimeFigureOut">
               <a:rPr lang="en-US" smtClean="0"/>
               <a:pPr/>
-              <a:t>5/22/2016</a:t>
+              <a:t>5/23/2016</a:t>
             </a:fld>
             <a:endParaRPr lang="en-US" dirty="0"/>
           </a:p>
@@ -16048,11 +16048,7 @@
             </a:pPr>
             <a:r>
               <a:rPr lang="de-DE" dirty="0" smtClean="0"/>
-              <a:t>Steps</a:t>
-            </a:r>
-            <a:r>
-              <a:rPr lang="de-DE" dirty="0" smtClean="0"/>
-              <a:t> werden mit einem der Schlüsselwörter </a:t>
+              <a:t>Steps werden mit einem der Schlüsselwörter </a:t>
             </a:r>
             <a:r>
               <a:rPr lang="de-DE" b="1" dirty="0" smtClean="0"/>
@@ -16390,9 +16386,6 @@
               </a:rPr>
               <a:t> cukes in my belly</a:t>
             </a:r>
-            <a:endParaRPr lang="de-DE" sz="2200" dirty="0" smtClean="0">
-              <a:latin typeface="AA Zuehlke" pitchFamily="2" charset="0"/>
-            </a:endParaRPr>
           </a:p>
         </p:txBody>
       </p:sp>
@@ -16649,38 +16642,840 @@
             <p:ph idx="1"/>
           </p:nvPr>
         </p:nvSpPr>
-        <p:spPr/>
+        <p:spPr>
+          <a:xfrm>
+            <a:off x="579439" y="933885"/>
+            <a:ext cx="8412161" cy="5447443"/>
+          </a:xfrm>
+        </p:spPr>
         <p:txBody>
           <a:bodyPr/>
           <a:lstStyle/>
           <a:p>
+            <a:pPr marL="342900" indent="-342900">
+              <a:buFont typeface="Arial" panose="020B0604020202020204" pitchFamily="34" charset="0"/>
+              <a:buChar char="•"/>
+            </a:pPr>
+            <a:r>
+              <a:rPr lang="de-DE" dirty="0" smtClean="0"/>
+              <a:t>Protractor ist ein End-to-end Testing Framwork für SPAs und integriert mächtige Werkzeuge und Technologien wie NodeJS, Selenium, WebDriver, Jasmine, Cucumber und Mocha</a:t>
+            </a:r>
+          </a:p>
+          <a:p>
+            <a:pPr marL="342900" indent="-342900">
+              <a:buFont typeface="Arial" panose="020B0604020202020204" pitchFamily="34" charset="0"/>
+              <a:buChar char="•"/>
+            </a:pPr>
             <a:endParaRPr lang="de-DE" dirty="0"/>
           </a:p>
         </p:txBody>
       </p:sp>
       <p:sp>
         <p:nvSpPr>
-          <p:cNvPr id="6" name="Text Placeholder 5"/>
-          <p:cNvSpPr>
-            <a:spLocks noGrp="1"/>
-          </p:cNvSpPr>
-          <p:nvPr>
-            <p:ph type="body" sz="quarter" idx="13"/>
-          </p:nvPr>
+          <p:cNvPr id="4" name="Rounded Rectangle 3"/>
+          <p:cNvSpPr/>
+          <p:nvPr/>
         </p:nvSpPr>
-        <p:spPr/>
+        <p:spPr>
+          <a:xfrm>
+            <a:off x="755576" y="2203906"/>
+            <a:ext cx="7776864" cy="2052118"/>
+          </a:xfrm>
+          <a:prstGeom prst="roundRect">
+            <a:avLst/>
+          </a:prstGeom>
+          <a:solidFill>
+            <a:schemeClr val="accent4">
+              <a:lumMod val="20000"/>
+              <a:lumOff val="80000"/>
+            </a:schemeClr>
+          </a:solidFill>
+          <a:ln/>
+        </p:spPr>
+        <p:style>
+          <a:lnRef idx="2">
+            <a:schemeClr val="dk1"/>
+          </a:lnRef>
+          <a:fillRef idx="1">
+            <a:schemeClr val="lt1"/>
+          </a:fillRef>
+          <a:effectRef idx="0">
+            <a:schemeClr val="dk1"/>
+          </a:effectRef>
+          <a:fontRef idx="minor">
+            <a:schemeClr val="dk1"/>
+          </a:fontRef>
+        </p:style>
         <p:txBody>
-          <a:bodyPr/>
+          <a:bodyPr rtlCol="0" anchor="ctr"/>
           <a:lstStyle/>
           <a:p>
-            <a:r>
-              <a:rPr lang="de-DE" dirty="0" smtClean="0"/>
-              <a:t>End-to-end Test Framework für SPAs</a:t>
-            </a:r>
-            <a:endParaRPr lang="de-DE" dirty="0"/>
+            <a:pPr algn="ctr"/>
+            <a:endParaRPr lang="de-DE" sz="2200" dirty="0" err="1" smtClean="0">
+              <a:latin typeface="AA Zuehlke" pitchFamily="2" charset="0"/>
+            </a:endParaRPr>
           </a:p>
         </p:txBody>
       </p:sp>
+      <p:sp>
+        <p:nvSpPr>
+          <p:cNvPr id="5" name="Rectangle 4"/>
+          <p:cNvSpPr/>
+          <p:nvPr/>
+        </p:nvSpPr>
+        <p:spPr>
+          <a:xfrm>
+            <a:off x="2604219" y="2471793"/>
+            <a:ext cx="1584176" cy="406883"/>
+          </a:xfrm>
+          <a:prstGeom prst="rect">
+            <a:avLst/>
+          </a:prstGeom>
+          <a:ln/>
+        </p:spPr>
+        <p:style>
+          <a:lnRef idx="2">
+            <a:schemeClr val="dk1"/>
+          </a:lnRef>
+          <a:fillRef idx="1">
+            <a:schemeClr val="lt1"/>
+          </a:fillRef>
+          <a:effectRef idx="0">
+            <a:schemeClr val="dk1"/>
+          </a:effectRef>
+          <a:fontRef idx="minor">
+            <a:schemeClr val="dk1"/>
+          </a:fontRef>
+        </p:style>
+        <p:txBody>
+          <a:bodyPr rtlCol="0" anchor="ctr"/>
+          <a:lstStyle/>
+          <a:p>
+            <a:pPr algn="ctr"/>
+            <a:r>
+              <a:rPr lang="de-DE" sz="2200" dirty="0" smtClean="0">
+                <a:latin typeface="AA Zuehlke" pitchFamily="2" charset="0"/>
+              </a:rPr>
+              <a:t>Cucumber</a:t>
+            </a:r>
+            <a:endParaRPr lang="de-DE" sz="2200" dirty="0" smtClean="0">
+              <a:latin typeface="AA Zuehlke" pitchFamily="2" charset="0"/>
+            </a:endParaRPr>
+          </a:p>
+        </p:txBody>
+      </p:sp>
+      <p:sp>
+        <p:nvSpPr>
+          <p:cNvPr id="7" name="Rectangle 6"/>
+          <p:cNvSpPr/>
+          <p:nvPr/>
+        </p:nvSpPr>
+        <p:spPr>
+          <a:xfrm>
+            <a:off x="4514632" y="2471793"/>
+            <a:ext cx="1440160" cy="406883"/>
+          </a:xfrm>
+          <a:prstGeom prst="rect">
+            <a:avLst/>
+          </a:prstGeom>
+          <a:ln/>
+        </p:spPr>
+        <p:style>
+          <a:lnRef idx="2">
+            <a:schemeClr val="dk1"/>
+          </a:lnRef>
+          <a:fillRef idx="1">
+            <a:schemeClr val="lt1"/>
+          </a:fillRef>
+          <a:effectRef idx="0">
+            <a:schemeClr val="dk1"/>
+          </a:effectRef>
+          <a:fontRef idx="minor">
+            <a:schemeClr val="dk1"/>
+          </a:fontRef>
+        </p:style>
+        <p:txBody>
+          <a:bodyPr rtlCol="0" anchor="ctr"/>
+          <a:lstStyle/>
+          <a:p>
+            <a:pPr algn="ctr"/>
+            <a:r>
+              <a:rPr lang="de-DE" sz="2200" dirty="0" smtClean="0">
+                <a:latin typeface="AA Zuehlke" pitchFamily="2" charset="0"/>
+              </a:rPr>
+              <a:t>Jasmine</a:t>
+            </a:r>
+            <a:endParaRPr lang="de-DE" sz="2200" dirty="0" smtClean="0">
+              <a:latin typeface="AA Zuehlke" pitchFamily="2" charset="0"/>
+            </a:endParaRPr>
+          </a:p>
+        </p:txBody>
+      </p:sp>
+      <p:sp>
+        <p:nvSpPr>
+          <p:cNvPr id="8" name="Rectangle 7"/>
+          <p:cNvSpPr/>
+          <p:nvPr/>
+        </p:nvSpPr>
+        <p:spPr>
+          <a:xfrm>
+            <a:off x="6267025" y="2471793"/>
+            <a:ext cx="1323546" cy="416918"/>
+          </a:xfrm>
+          <a:prstGeom prst="rect">
+            <a:avLst/>
+          </a:prstGeom>
+          <a:ln/>
+        </p:spPr>
+        <p:style>
+          <a:lnRef idx="2">
+            <a:schemeClr val="dk1"/>
+          </a:lnRef>
+          <a:fillRef idx="1">
+            <a:schemeClr val="lt1"/>
+          </a:fillRef>
+          <a:effectRef idx="0">
+            <a:schemeClr val="dk1"/>
+          </a:effectRef>
+          <a:fontRef idx="minor">
+            <a:schemeClr val="dk1"/>
+          </a:fontRef>
+        </p:style>
+        <p:txBody>
+          <a:bodyPr rtlCol="0" anchor="ctr"/>
+          <a:lstStyle/>
+          <a:p>
+            <a:pPr algn="ctr"/>
+            <a:r>
+              <a:rPr lang="de-DE" sz="2200" dirty="0" smtClean="0">
+                <a:latin typeface="AA Zuehlke" pitchFamily="2" charset="0"/>
+              </a:rPr>
+              <a:t>Mocha</a:t>
+            </a:r>
+            <a:endParaRPr lang="de-DE" sz="2200" dirty="0" smtClean="0">
+              <a:latin typeface="AA Zuehlke" pitchFamily="2" charset="0"/>
+            </a:endParaRPr>
+          </a:p>
+        </p:txBody>
+      </p:sp>
+      <p:sp>
+        <p:nvSpPr>
+          <p:cNvPr id="9" name="Rectangle 8"/>
+          <p:cNvSpPr/>
+          <p:nvPr/>
+        </p:nvSpPr>
+        <p:spPr>
+          <a:xfrm>
+            <a:off x="4168293" y="3609474"/>
+            <a:ext cx="2132838" cy="384126"/>
+          </a:xfrm>
+          <a:prstGeom prst="rect">
+            <a:avLst/>
+          </a:prstGeom>
+          <a:ln/>
+        </p:spPr>
+        <p:style>
+          <a:lnRef idx="2">
+            <a:schemeClr val="dk1"/>
+          </a:lnRef>
+          <a:fillRef idx="1">
+            <a:schemeClr val="lt1"/>
+          </a:fillRef>
+          <a:effectRef idx="0">
+            <a:schemeClr val="dk1"/>
+          </a:effectRef>
+          <a:fontRef idx="minor">
+            <a:schemeClr val="dk1"/>
+          </a:fontRef>
+        </p:style>
+        <p:txBody>
+          <a:bodyPr rtlCol="0" anchor="ctr"/>
+          <a:lstStyle/>
+          <a:p>
+            <a:pPr algn="ctr"/>
+            <a:r>
+              <a:rPr lang="de-DE" sz="2200" dirty="0" smtClean="0">
+                <a:latin typeface="AA Zuehlke" pitchFamily="2" charset="0"/>
+              </a:rPr>
+              <a:t>WebDriverJS</a:t>
+            </a:r>
+            <a:endParaRPr lang="de-DE" sz="2200" dirty="0" smtClean="0">
+              <a:latin typeface="AA Zuehlke" pitchFamily="2" charset="0"/>
+            </a:endParaRPr>
+          </a:p>
+        </p:txBody>
+      </p:sp>
+      <p:sp>
+        <p:nvSpPr>
+          <p:cNvPr id="10" name="Rectangle 9"/>
+          <p:cNvSpPr/>
+          <p:nvPr/>
+        </p:nvSpPr>
+        <p:spPr>
+          <a:xfrm>
+            <a:off x="4493513" y="3214343"/>
+            <a:ext cx="1420706" cy="390880"/>
+          </a:xfrm>
+          <a:prstGeom prst="rect">
+            <a:avLst/>
+          </a:prstGeom>
+          <a:ln/>
+        </p:spPr>
+        <p:style>
+          <a:lnRef idx="2">
+            <a:schemeClr val="dk1"/>
+          </a:lnRef>
+          <a:fillRef idx="1">
+            <a:schemeClr val="lt1"/>
+          </a:fillRef>
+          <a:effectRef idx="0">
+            <a:schemeClr val="dk1"/>
+          </a:effectRef>
+          <a:fontRef idx="minor">
+            <a:schemeClr val="dk1"/>
+          </a:fontRef>
+        </p:style>
+        <p:txBody>
+          <a:bodyPr rtlCol="0" anchor="ctr"/>
+          <a:lstStyle/>
+          <a:p>
+            <a:pPr algn="ctr"/>
+            <a:r>
+              <a:rPr lang="de-DE" sz="2200" dirty="0" smtClean="0">
+                <a:latin typeface="AA Zuehlke" pitchFamily="2" charset="0"/>
+              </a:rPr>
+              <a:t>Protractor</a:t>
+            </a:r>
+            <a:endParaRPr lang="de-DE" sz="2200" dirty="0" smtClean="0">
+              <a:latin typeface="AA Zuehlke" pitchFamily="2" charset="0"/>
+            </a:endParaRPr>
+          </a:p>
+        </p:txBody>
+      </p:sp>
+      <p:sp>
+        <p:nvSpPr>
+          <p:cNvPr id="11" name="TextBox 10"/>
+          <p:cNvSpPr txBox="1"/>
+          <p:nvPr/>
+        </p:nvSpPr>
+        <p:spPr>
+          <a:xfrm>
+            <a:off x="1022585" y="2386977"/>
+            <a:ext cx="914400" cy="914400"/>
+          </a:xfrm>
+          <a:prstGeom prst="rect">
+            <a:avLst/>
+          </a:prstGeom>
+          <a:noFill/>
+        </p:spPr>
+        <p:txBody>
+          <a:bodyPr wrap="none" rtlCol="0">
+            <a:noAutofit/>
+          </a:bodyPr>
+          <a:lstStyle/>
+          <a:p>
+            <a:r>
+              <a:rPr lang="de-DE" sz="2200" dirty="0" smtClean="0">
+                <a:latin typeface="AA Zuehlke" pitchFamily="2" charset="0"/>
+              </a:rPr>
+              <a:t>NodeJS</a:t>
+            </a:r>
+            <a:endParaRPr lang="de-DE" sz="2200" dirty="0" smtClean="0">
+              <a:latin typeface="AA Zuehlke" pitchFamily="2" charset="0"/>
+            </a:endParaRPr>
+          </a:p>
+        </p:txBody>
+      </p:sp>
+      <p:sp>
+        <p:nvSpPr>
+          <p:cNvPr id="12" name="Rectangle 11"/>
+          <p:cNvSpPr/>
+          <p:nvPr/>
+        </p:nvSpPr>
+        <p:spPr>
+          <a:xfrm>
+            <a:off x="1442510" y="4719171"/>
+            <a:ext cx="2232248" cy="432048"/>
+          </a:xfrm>
+          <a:prstGeom prst="rect">
+            <a:avLst/>
+          </a:prstGeom>
+          <a:ln/>
+        </p:spPr>
+        <p:style>
+          <a:lnRef idx="2">
+            <a:schemeClr val="dk1"/>
+          </a:lnRef>
+          <a:fillRef idx="1">
+            <a:schemeClr val="lt1"/>
+          </a:fillRef>
+          <a:effectRef idx="0">
+            <a:schemeClr val="dk1"/>
+          </a:effectRef>
+          <a:fontRef idx="minor">
+            <a:schemeClr val="dk1"/>
+          </a:fontRef>
+        </p:style>
+        <p:txBody>
+          <a:bodyPr rtlCol="0" anchor="ctr"/>
+          <a:lstStyle/>
+          <a:p>
+            <a:pPr algn="ctr"/>
+            <a:r>
+              <a:rPr lang="de-DE" sz="2200" dirty="0" smtClean="0">
+                <a:latin typeface="AA Zuehlke" pitchFamily="2" charset="0"/>
+              </a:rPr>
+              <a:t>Chrome Driver</a:t>
+            </a:r>
+            <a:endParaRPr lang="de-DE" sz="2200" dirty="0" smtClean="0">
+              <a:latin typeface="AA Zuehlke" pitchFamily="2" charset="0"/>
+            </a:endParaRPr>
+          </a:p>
+        </p:txBody>
+      </p:sp>
+      <p:sp>
+        <p:nvSpPr>
+          <p:cNvPr id="13" name="Rectangle 12"/>
+          <p:cNvSpPr/>
+          <p:nvPr/>
+        </p:nvSpPr>
+        <p:spPr>
+          <a:xfrm>
+            <a:off x="5653953" y="4662266"/>
+            <a:ext cx="2046132" cy="439147"/>
+          </a:xfrm>
+          <a:prstGeom prst="rect">
+            <a:avLst/>
+          </a:prstGeom>
+          <a:ln/>
+        </p:spPr>
+        <p:style>
+          <a:lnRef idx="2">
+            <a:schemeClr val="dk1"/>
+          </a:lnRef>
+          <a:fillRef idx="1">
+            <a:schemeClr val="lt1"/>
+          </a:fillRef>
+          <a:effectRef idx="0">
+            <a:schemeClr val="dk1"/>
+          </a:effectRef>
+          <a:fontRef idx="minor">
+            <a:schemeClr val="dk1"/>
+          </a:fontRef>
+        </p:style>
+        <p:txBody>
+          <a:bodyPr rtlCol="0" anchor="ctr"/>
+          <a:lstStyle/>
+          <a:p>
+            <a:pPr algn="ctr"/>
+            <a:r>
+              <a:rPr lang="de-DE" sz="2200" dirty="0" smtClean="0">
+                <a:latin typeface="AA Zuehlke" pitchFamily="2" charset="0"/>
+              </a:rPr>
+              <a:t>Selenium Driver</a:t>
+            </a:r>
+            <a:endParaRPr lang="de-DE" sz="2200" dirty="0" smtClean="0">
+              <a:latin typeface="AA Zuehlke" pitchFamily="2" charset="0"/>
+            </a:endParaRPr>
+          </a:p>
+        </p:txBody>
+      </p:sp>
+      <p:sp>
+        <p:nvSpPr>
+          <p:cNvPr id="14" name="Rectangle 13"/>
+          <p:cNvSpPr/>
+          <p:nvPr/>
+        </p:nvSpPr>
+        <p:spPr>
+          <a:xfrm>
+            <a:off x="5653952" y="5103116"/>
+            <a:ext cx="2046133" cy="432181"/>
+          </a:xfrm>
+          <a:prstGeom prst="rect">
+            <a:avLst/>
+          </a:prstGeom>
+          <a:ln/>
+        </p:spPr>
+        <p:style>
+          <a:lnRef idx="2">
+            <a:schemeClr val="dk1"/>
+          </a:lnRef>
+          <a:fillRef idx="1">
+            <a:schemeClr val="lt1"/>
+          </a:fillRef>
+          <a:effectRef idx="0">
+            <a:schemeClr val="dk1"/>
+          </a:effectRef>
+          <a:fontRef idx="minor">
+            <a:schemeClr val="dk1"/>
+          </a:fontRef>
+        </p:style>
+        <p:txBody>
+          <a:bodyPr rtlCol="0" anchor="ctr"/>
+          <a:lstStyle/>
+          <a:p>
+            <a:pPr algn="ctr"/>
+            <a:r>
+              <a:rPr lang="de-DE" sz="2200" dirty="0" smtClean="0">
+                <a:latin typeface="AA Zuehlke" pitchFamily="2" charset="0"/>
+              </a:rPr>
+              <a:t>Browser Driver</a:t>
+            </a:r>
+            <a:endParaRPr lang="de-DE" sz="2200" dirty="0" smtClean="0">
+              <a:latin typeface="AA Zuehlke" pitchFamily="2" charset="0"/>
+            </a:endParaRPr>
+          </a:p>
+        </p:txBody>
+      </p:sp>
+      <p:sp>
+        <p:nvSpPr>
+          <p:cNvPr id="15" name="Rectangle 14"/>
+          <p:cNvSpPr/>
+          <p:nvPr/>
+        </p:nvSpPr>
+        <p:spPr>
+          <a:xfrm>
+            <a:off x="3674758" y="5681924"/>
+            <a:ext cx="1535732" cy="366110"/>
+          </a:xfrm>
+          <a:prstGeom prst="rect">
+            <a:avLst/>
+          </a:prstGeom>
+          <a:ln/>
+        </p:spPr>
+        <p:style>
+          <a:lnRef idx="2">
+            <a:schemeClr val="dk1"/>
+          </a:lnRef>
+          <a:fillRef idx="1">
+            <a:schemeClr val="lt1"/>
+          </a:fillRef>
+          <a:effectRef idx="0">
+            <a:schemeClr val="dk1"/>
+          </a:effectRef>
+          <a:fontRef idx="minor">
+            <a:schemeClr val="dk1"/>
+          </a:fontRef>
+        </p:style>
+        <p:txBody>
+          <a:bodyPr rtlCol="0" anchor="ctr"/>
+          <a:lstStyle/>
+          <a:p>
+            <a:pPr algn="ctr"/>
+            <a:r>
+              <a:rPr lang="de-DE" sz="2200" dirty="0" smtClean="0">
+                <a:latin typeface="AA Zuehlke" pitchFamily="2" charset="0"/>
+              </a:rPr>
+              <a:t>Browser</a:t>
+            </a:r>
+            <a:endParaRPr lang="de-DE" sz="2200" dirty="0" smtClean="0">
+              <a:latin typeface="AA Zuehlke" pitchFamily="2" charset="0"/>
+            </a:endParaRPr>
+          </a:p>
+        </p:txBody>
+      </p:sp>
+      <p:sp>
+        <p:nvSpPr>
+          <p:cNvPr id="16" name="Rectangle 15"/>
+          <p:cNvSpPr/>
+          <p:nvPr/>
+        </p:nvSpPr>
+        <p:spPr>
+          <a:xfrm>
+            <a:off x="3423439" y="6048035"/>
+            <a:ext cx="2038371" cy="382458"/>
+          </a:xfrm>
+          <a:prstGeom prst="rect">
+            <a:avLst/>
+          </a:prstGeom>
+          <a:ln/>
+        </p:spPr>
+        <p:style>
+          <a:lnRef idx="2">
+            <a:schemeClr val="dk1"/>
+          </a:lnRef>
+          <a:fillRef idx="1">
+            <a:schemeClr val="lt1"/>
+          </a:fillRef>
+          <a:effectRef idx="0">
+            <a:schemeClr val="dk1"/>
+          </a:effectRef>
+          <a:fontRef idx="minor">
+            <a:schemeClr val="dk1"/>
+          </a:fontRef>
+        </p:style>
+        <p:txBody>
+          <a:bodyPr rtlCol="0" anchor="ctr"/>
+          <a:lstStyle/>
+          <a:p>
+            <a:pPr algn="ctr"/>
+            <a:r>
+              <a:rPr lang="de-DE" sz="2200" dirty="0" smtClean="0">
+                <a:latin typeface="AA Zuehlke" pitchFamily="2" charset="0"/>
+              </a:rPr>
+              <a:t>SPA</a:t>
+            </a:r>
+            <a:endParaRPr lang="de-DE" sz="2200" dirty="0" smtClean="0">
+              <a:latin typeface="AA Zuehlke" pitchFamily="2" charset="0"/>
+            </a:endParaRPr>
+          </a:p>
+        </p:txBody>
+      </p:sp>
+      <p:cxnSp>
+        <p:nvCxnSpPr>
+          <p:cNvPr id="18" name="Straight Arrow Connector 17"/>
+          <p:cNvCxnSpPr>
+            <a:endCxn id="13" idx="0"/>
+          </p:cNvCxnSpPr>
+          <p:nvPr/>
+        </p:nvCxnSpPr>
+        <p:spPr>
+          <a:xfrm>
+            <a:off x="6677019" y="4248343"/>
+            <a:ext cx="0" cy="413923"/>
+          </a:xfrm>
+          <a:prstGeom prst="straightConnector1">
+            <a:avLst/>
+          </a:prstGeom>
+          <a:ln>
+            <a:headEnd type="triangle"/>
+            <a:tailEnd type="triangle"/>
+          </a:ln>
+        </p:spPr>
+        <p:style>
+          <a:lnRef idx="1">
+            <a:schemeClr val="dk1"/>
+          </a:lnRef>
+          <a:fillRef idx="0">
+            <a:schemeClr val="dk1"/>
+          </a:fillRef>
+          <a:effectRef idx="0">
+            <a:schemeClr val="dk1"/>
+          </a:effectRef>
+          <a:fontRef idx="minor">
+            <a:schemeClr val="tx1"/>
+          </a:fontRef>
+        </p:style>
+      </p:cxnSp>
+      <p:cxnSp>
+        <p:nvCxnSpPr>
+          <p:cNvPr id="20" name="Straight Arrow Connector 19"/>
+          <p:cNvCxnSpPr>
+            <a:stCxn id="8" idx="2"/>
+            <a:endCxn id="10" idx="3"/>
+          </p:cNvCxnSpPr>
+          <p:nvPr/>
+        </p:nvCxnSpPr>
+        <p:spPr>
+          <a:xfrm flipH="1">
+            <a:off x="5914219" y="2888711"/>
+            <a:ext cx="1014579" cy="521072"/>
+          </a:xfrm>
+          <a:prstGeom prst="straightConnector1">
+            <a:avLst/>
+          </a:prstGeom>
+          <a:ln>
+            <a:headEnd type="triangle"/>
+            <a:tailEnd type="triangle"/>
+          </a:ln>
+        </p:spPr>
+        <p:style>
+          <a:lnRef idx="1">
+            <a:schemeClr val="dk1"/>
+          </a:lnRef>
+          <a:fillRef idx="0">
+            <a:schemeClr val="dk1"/>
+          </a:fillRef>
+          <a:effectRef idx="0">
+            <a:schemeClr val="dk1"/>
+          </a:effectRef>
+          <a:fontRef idx="minor">
+            <a:schemeClr val="tx1"/>
+          </a:fontRef>
+        </p:style>
+      </p:cxnSp>
+      <p:cxnSp>
+        <p:nvCxnSpPr>
+          <p:cNvPr id="21" name="Straight Arrow Connector 20"/>
+          <p:cNvCxnSpPr>
+            <a:endCxn id="12" idx="0"/>
+          </p:cNvCxnSpPr>
+          <p:nvPr/>
+        </p:nvCxnSpPr>
+        <p:spPr>
+          <a:xfrm>
+            <a:off x="2558634" y="4256024"/>
+            <a:ext cx="0" cy="463147"/>
+          </a:xfrm>
+          <a:prstGeom prst="straightConnector1">
+            <a:avLst/>
+          </a:prstGeom>
+          <a:ln>
+            <a:headEnd type="triangle"/>
+            <a:tailEnd type="triangle"/>
+          </a:ln>
+        </p:spPr>
+        <p:style>
+          <a:lnRef idx="1">
+            <a:schemeClr val="dk1"/>
+          </a:lnRef>
+          <a:fillRef idx="0">
+            <a:schemeClr val="dk1"/>
+          </a:fillRef>
+          <a:effectRef idx="0">
+            <a:schemeClr val="dk1"/>
+          </a:effectRef>
+          <a:fontRef idx="minor">
+            <a:schemeClr val="tx1"/>
+          </a:fontRef>
+        </p:style>
+      </p:cxnSp>
+      <p:cxnSp>
+        <p:nvCxnSpPr>
+          <p:cNvPr id="22" name="Straight Arrow Connector 21"/>
+          <p:cNvCxnSpPr>
+            <a:stCxn id="5" idx="2"/>
+          </p:cNvCxnSpPr>
+          <p:nvPr/>
+        </p:nvCxnSpPr>
+        <p:spPr>
+          <a:xfrm>
+            <a:off x="3396307" y="2878676"/>
+            <a:ext cx="1097205" cy="531107"/>
+          </a:xfrm>
+          <a:prstGeom prst="straightConnector1">
+            <a:avLst/>
+          </a:prstGeom>
+          <a:ln>
+            <a:headEnd type="triangle"/>
+            <a:tailEnd type="triangle"/>
+          </a:ln>
+        </p:spPr>
+        <p:style>
+          <a:lnRef idx="1">
+            <a:schemeClr val="dk1"/>
+          </a:lnRef>
+          <a:fillRef idx="0">
+            <a:schemeClr val="dk1"/>
+          </a:fillRef>
+          <a:effectRef idx="0">
+            <a:schemeClr val="dk1"/>
+          </a:effectRef>
+          <a:fontRef idx="minor">
+            <a:schemeClr val="tx1"/>
+          </a:fontRef>
+        </p:style>
+      </p:cxnSp>
+      <p:cxnSp>
+        <p:nvCxnSpPr>
+          <p:cNvPr id="23" name="Straight Arrow Connector 22"/>
+          <p:cNvCxnSpPr>
+            <a:endCxn id="10" idx="0"/>
+          </p:cNvCxnSpPr>
+          <p:nvPr/>
+        </p:nvCxnSpPr>
+        <p:spPr>
+          <a:xfrm flipH="1">
+            <a:off x="5203866" y="2903259"/>
+            <a:ext cx="6529" cy="311084"/>
+          </a:xfrm>
+          <a:prstGeom prst="straightConnector1">
+            <a:avLst/>
+          </a:prstGeom>
+          <a:ln>
+            <a:headEnd type="triangle"/>
+            <a:tailEnd type="triangle"/>
+          </a:ln>
+        </p:spPr>
+        <p:style>
+          <a:lnRef idx="1">
+            <a:schemeClr val="dk1"/>
+          </a:lnRef>
+          <a:fillRef idx="0">
+            <a:schemeClr val="dk1"/>
+          </a:fillRef>
+          <a:effectRef idx="0">
+            <a:schemeClr val="dk1"/>
+          </a:effectRef>
+          <a:fontRef idx="minor">
+            <a:schemeClr val="tx1"/>
+          </a:fontRef>
+        </p:style>
+      </p:cxnSp>
+      <p:cxnSp>
+        <p:nvCxnSpPr>
+          <p:cNvPr id="24" name="Straight Arrow Connector 23"/>
+          <p:cNvCxnSpPr>
+            <a:stCxn id="12" idx="2"/>
+            <a:endCxn id="15" idx="1"/>
+          </p:cNvCxnSpPr>
+          <p:nvPr/>
+        </p:nvCxnSpPr>
+        <p:spPr>
+          <a:xfrm>
+            <a:off x="2558634" y="5151219"/>
+            <a:ext cx="1116124" cy="713760"/>
+          </a:xfrm>
+          <a:prstGeom prst="straightConnector1">
+            <a:avLst/>
+          </a:prstGeom>
+          <a:ln>
+            <a:headEnd type="triangle"/>
+            <a:tailEnd type="triangle"/>
+          </a:ln>
+        </p:spPr>
+        <p:style>
+          <a:lnRef idx="1">
+            <a:schemeClr val="dk1"/>
+          </a:lnRef>
+          <a:fillRef idx="0">
+            <a:schemeClr val="dk1"/>
+          </a:fillRef>
+          <a:effectRef idx="0">
+            <a:schemeClr val="dk1"/>
+          </a:effectRef>
+          <a:fontRef idx="minor">
+            <a:schemeClr val="tx1"/>
+          </a:fontRef>
+        </p:style>
+      </p:cxnSp>
+      <p:cxnSp>
+        <p:nvCxnSpPr>
+          <p:cNvPr id="25" name="Straight Arrow Connector 24"/>
+          <p:cNvCxnSpPr>
+            <a:stCxn id="14" idx="2"/>
+            <a:endCxn id="15" idx="3"/>
+          </p:cNvCxnSpPr>
+          <p:nvPr/>
+        </p:nvCxnSpPr>
+        <p:spPr>
+          <a:xfrm flipH="1">
+            <a:off x="5210490" y="5535297"/>
+            <a:ext cx="1466529" cy="329682"/>
+          </a:xfrm>
+          <a:prstGeom prst="straightConnector1">
+            <a:avLst/>
+          </a:prstGeom>
+          <a:ln>
+            <a:headEnd type="triangle"/>
+            <a:tailEnd type="triangle"/>
+          </a:ln>
+        </p:spPr>
+        <p:style>
+          <a:lnRef idx="1">
+            <a:schemeClr val="dk1"/>
+          </a:lnRef>
+          <a:fillRef idx="0">
+            <a:schemeClr val="dk1"/>
+          </a:fillRef>
+          <a:effectRef idx="0">
+            <a:schemeClr val="dk1"/>
+          </a:effectRef>
+          <a:fontRef idx="minor">
+            <a:schemeClr val="tx1"/>
+          </a:fontRef>
+        </p:style>
+      </p:cxnSp>
     </p:spTree>
     <p:extLst>
       <p:ext uri="{BB962C8B-B14F-4D97-AF65-F5344CB8AC3E}">
@@ -17014,11 +17809,20 @@
           <a:p>
             <a:pPr algn="ctr"/>
             <a:r>
+              <a:rPr lang="de-DE" sz="2200" dirty="0">
+                <a:latin typeface="AA Zuehlke" pitchFamily="2" charset="0"/>
+              </a:rPr>
+              <a:t>S</a:t>
+            </a:r>
+            <a:r>
               <a:rPr lang="de-DE" sz="2200" dirty="0" smtClean="0">
                 <a:latin typeface="AA Zuehlke" pitchFamily="2" charset="0"/>
               </a:rPr>
-              <a:t>AUT</a:t>
-            </a:r>
+              <a:t>UT</a:t>
+            </a:r>
+            <a:endParaRPr lang="de-DE" sz="2200" dirty="0" smtClean="0">
+              <a:latin typeface="AA Zuehlke" pitchFamily="2" charset="0"/>
+            </a:endParaRPr>
           </a:p>
         </p:txBody>
       </p:sp>
@@ -17061,8 +17865,11 @@
               <a:rPr lang="de-DE" sz="2200" dirty="0" smtClean="0">
                 <a:latin typeface="AA Zuehlke" pitchFamily="2" charset="0"/>
               </a:rPr>
-              <a:t>WebDriver</a:t>
-            </a:r>
+              <a:t>Protractor</a:t>
+            </a:r>
+            <a:endParaRPr lang="de-DE" sz="2200" dirty="0" smtClean="0">
+              <a:latin typeface="AA Zuehlke" pitchFamily="2" charset="0"/>
+            </a:endParaRPr>
           </a:p>
         </p:txBody>
       </p:sp>
@@ -17105,8 +17912,11 @@
               <a:rPr lang="de-DE" sz="2200" dirty="0" smtClean="0">
                 <a:latin typeface="AA Zuehlke" pitchFamily="2" charset="0"/>
               </a:rPr>
-              <a:t>Test</a:t>
-            </a:r>
+              <a:t>Step-Definition</a:t>
+            </a:r>
+            <a:endParaRPr lang="de-DE" sz="2200" dirty="0" smtClean="0">
+              <a:latin typeface="AA Zuehlke" pitchFamily="2" charset="0"/>
+            </a:endParaRPr>
           </a:p>
         </p:txBody>
       </p:sp>
@@ -18891,9 +19701,6 @@
               </a:rPr>
               <a:t>Feature</a:t>
             </a:r>
-            <a:endParaRPr lang="de-DE" sz="2200" dirty="0" smtClean="0">
-              <a:latin typeface="AA Zuehlke" pitchFamily="2" charset="0"/>
-            </a:endParaRPr>
           </a:p>
         </p:txBody>
       </p:sp>
@@ -19629,7 +20436,6 @@
               <a:rPr lang="de-DE" dirty="0" smtClean="0"/>
               <a:t>Werkzeug zur textuellen Spezifikation von Anforderungen an Software und zur automatisierten Überprüfung dieser Beschreibung auf ihre korrekte Implementierung</a:t>
             </a:r>
-            <a:endParaRPr lang="de-DE" dirty="0" smtClean="0"/>
           </a:p>
           <a:p>
             <a:pPr marL="342900" indent="-342900">

--- a/Vortrag_KE2016_MAVE_SIA.pptx
+++ b/Vortrag_KE2016_MAVE_SIA.pptx
@@ -10428,6 +10428,101 @@
           <a:bodyPr/>
           <a:lstStyle/>
           <a:p>
+            <a:pPr marL="0" lvl="0" indent="0">
+              <a:buFont typeface="Arial" panose="020B0604020202020204" pitchFamily="34" charset="0"/>
+              <a:buNone/>
+            </a:pPr>
+            <a:r>
+              <a:rPr lang="de-DE" baseline="0" dirty="0" smtClean="0"/>
+              <a:t># Beschreibung in 3-Ebenen nach Gojko Adzic: Business Rule Level, UI Workflow Level (was macht User in UI), Technical Acitvity Level (technische Schritte)</a:t>
+            </a:r>
+          </a:p>
+          <a:p>
+            <a:endParaRPr lang="de-DE" dirty="0"/>
+          </a:p>
+        </p:txBody>
+      </p:sp>
+      <p:sp>
+        <p:nvSpPr>
+          <p:cNvPr id="4" name="Slide Number Placeholder 3"/>
+          <p:cNvSpPr>
+            <a:spLocks noGrp="1"/>
+          </p:cNvSpPr>
+          <p:nvPr>
+            <p:ph type="sldNum" sz="quarter" idx="10"/>
+          </p:nvPr>
+        </p:nvSpPr>
+        <p:spPr/>
+        <p:txBody>
+          <a:bodyPr/>
+          <a:lstStyle/>
+          <a:p>
+            <a:fld id="{04E102C5-3B9C-48EE-BFF0-2E7AF2F2A1F4}" type="slidenum">
+              <a:rPr lang="en-US" smtClean="0"/>
+              <a:pPr/>
+              <a:t>15</a:t>
+            </a:fld>
+            <a:endParaRPr lang="en-US" dirty="0"/>
+          </a:p>
+        </p:txBody>
+      </p:sp>
+    </p:spTree>
+    <p:extLst>
+      <p:ext uri="{BB962C8B-B14F-4D97-AF65-F5344CB8AC3E}">
+        <p14:creationId xmlns:p14="http://schemas.microsoft.com/office/powerpoint/2010/main" val="1578605502"/>
+      </p:ext>
+    </p:extLst>
+  </p:cSld>
+  <p:clrMapOvr>
+    <a:masterClrMapping/>
+  </p:clrMapOvr>
+</p:notes>
+</file>
+
+<file path=ppt/notesSlides/notesSlide13.xml><?xml version="1.0" encoding="utf-8"?>
+<p:notes xmlns:a="http://schemas.openxmlformats.org/drawingml/2006/main" xmlns:r="http://schemas.openxmlformats.org/officeDocument/2006/relationships" xmlns:p="http://schemas.openxmlformats.org/presentationml/2006/main">
+  <p:cSld>
+    <p:spTree>
+      <p:nvGrpSpPr>
+        <p:cNvPr id="1" name=""/>
+        <p:cNvGrpSpPr/>
+        <p:nvPr/>
+      </p:nvGrpSpPr>
+      <p:grpSpPr>
+        <a:xfrm>
+          <a:off x="0" y="0"/>
+          <a:ext cx="0" cy="0"/>
+          <a:chOff x="0" y="0"/>
+          <a:chExt cx="0" cy="0"/>
+        </a:xfrm>
+      </p:grpSpPr>
+      <p:sp>
+        <p:nvSpPr>
+          <p:cNvPr id="2" name="Slide Image Placeholder 1"/>
+          <p:cNvSpPr>
+            <a:spLocks noGrp="1" noRot="1" noChangeAspect="1"/>
+          </p:cNvSpPr>
+          <p:nvPr>
+            <p:ph type="sldImg"/>
+          </p:nvPr>
+        </p:nvSpPr>
+        <p:spPr/>
+      </p:sp>
+      <p:sp>
+        <p:nvSpPr>
+          <p:cNvPr id="3" name="Notes Placeholder 2"/>
+          <p:cNvSpPr>
+            <a:spLocks noGrp="1"/>
+          </p:cNvSpPr>
+          <p:nvPr>
+            <p:ph type="body" idx="1"/>
+          </p:nvPr>
+        </p:nvSpPr>
+        <p:spPr/>
+        <p:txBody>
+          <a:bodyPr/>
+          <a:lstStyle/>
+          <a:p>
             <a:endParaRPr lang="de-DE" dirty="0"/>
           </a:p>
         </p:txBody>
@@ -11643,23 +11738,62 @@
             </a:r>
           </a:p>
           <a:p>
-            <a:pPr marL="171450" lvl="0" indent="-171450">
+            <a:pPr marL="171450" marR="0" lvl="0" indent="-171450" algn="l" defTabSz="914400" rtl="0" eaLnBrk="1" fontAlgn="auto" latinLnBrk="0" hangingPunct="1">
+              <a:lnSpc>
+                <a:spcPct val="100000"/>
+              </a:lnSpc>
+              <a:spcBef>
+                <a:spcPts val="0"/>
+              </a:spcBef>
+              <a:spcAft>
+                <a:spcPts val="0"/>
+              </a:spcAft>
+              <a:buClrTx/>
+              <a:buSzTx/>
               <a:buFont typeface="Arial" panose="020B0604020202020204" pitchFamily="34" charset="0"/>
               <a:buChar char="•"/>
+              <a:tabLst/>
+              <a:defRPr/>
             </a:pPr>
             <a:r>
               <a:rPr lang="de-DE" baseline="0" dirty="0" smtClean="0"/>
-              <a:t>Tests sind oft brüchig (UI Änderungen) und schlecht wartbar, aber Testfälle im geeigneten Detaillevel für Business Stakeholder spezifizierbar</a:t>
-            </a:r>
-          </a:p>
-          <a:p>
-            <a:pPr marL="171450" lvl="0" indent="-171450">
+              <a:t>Testfälle im geeigneten Detaillevel für Business Stakeholder spezifizierbar, Tests </a:t>
+            </a:r>
+            <a:r>
+              <a:rPr lang="de-DE" baseline="0" dirty="0" smtClean="0"/>
+              <a:t>sind oft brüchig (UI Änderungen) und schlecht wartbar</a:t>
+            </a:r>
+            <a:r>
+              <a:rPr lang="de-DE" baseline="0" smtClean="0"/>
+              <a:t>, </a:t>
+            </a:r>
+            <a:endParaRPr lang="de-DE" baseline="0" smtClean="0"/>
+          </a:p>
+          <a:p>
+            <a:pPr marL="171450" marR="0" lvl="0" indent="-171450" algn="l" defTabSz="914400" rtl="0" eaLnBrk="1" fontAlgn="auto" latinLnBrk="0" hangingPunct="1">
+              <a:lnSpc>
+                <a:spcPct val="100000"/>
+              </a:lnSpc>
+              <a:spcBef>
+                <a:spcPts val="0"/>
+              </a:spcBef>
+              <a:spcAft>
+                <a:spcPts val="0"/>
+              </a:spcAft>
+              <a:buClrTx/>
+              <a:buSzTx/>
               <a:buFont typeface="Arial" panose="020B0604020202020204" pitchFamily="34" charset="0"/>
               <a:buChar char="•"/>
+              <a:tabLst/>
+              <a:defRPr/>
             </a:pPr>
             <a:r>
+              <a:rPr lang="de-DE" baseline="0" smtClean="0"/>
+              <a:t>=&gt; </a:t>
+            </a:r>
+            <a:r>
               <a:rPr lang="de-DE" baseline="0" dirty="0" smtClean="0"/>
-              <a:t>=&gt; Beschreibung in 3-Ebenen nach Gojko Adzic: Business Rule Level, UI Workflow Level (was macht User in UI), Technical Acitvity Level (technische Schritte)</a:t>
+              <a:t>Beschreibung in 3-Ebenen nach Gojko Adzic: Business Rule Level, UI Workflow Level (was macht User in UI), Technical Acitvity Level (technische Schritte)</a:t>
             </a:r>
           </a:p>
         </p:txBody>
@@ -11886,8 +12020,21 @@
             </a:pPr>
             <a:r>
               <a:rPr lang="de-DE" baseline="0" dirty="0" smtClean="0"/>
-              <a:t># Continuous Validation =&gt; lebendige Dokumentation, automatisierte Akzeptanztests die fest verdrahtet mit Spec sind</a:t>
-            </a:r>
+              <a:t># Continuous Validation =&gt; </a:t>
+            </a:r>
+            <a:r>
+              <a:rPr lang="de-DE" baseline="0" dirty="0" smtClean="0"/>
+              <a:t>automatisierte </a:t>
+            </a:r>
+            <a:r>
+              <a:rPr lang="de-DE" baseline="0" dirty="0" smtClean="0"/>
+              <a:t>Akzeptanztests die fest verdrahtet mit Spec </a:t>
+            </a:r>
+            <a:r>
+              <a:rPr lang="de-DE" baseline="0" dirty="0" smtClean="0"/>
+              <a:t>sind =&gt; lebendige Dokumentation</a:t>
+            </a:r>
+            <a:endParaRPr lang="de-DE" baseline="0" dirty="0" smtClean="0"/>
           </a:p>
         </p:txBody>
       </p:sp>
@@ -12289,10 +12436,9 @@
               <a:buNone/>
             </a:pPr>
             <a:r>
-              <a:rPr lang="de-DE" baseline="0" smtClean="0"/>
+              <a:rPr lang="de-DE" baseline="0" dirty="0" smtClean="0"/>
               <a:t># noch nicht alle Sprachfeatures in Cucumber.js unterstützt</a:t>
             </a:r>
-            <a:endParaRPr lang="de-DE" baseline="0" dirty="0" smtClean="0"/>
           </a:p>
         </p:txBody>
       </p:sp>
@@ -16758,9 +16904,6 @@
               </a:rPr>
               <a:t>Cucumber</a:t>
             </a:r>
-            <a:endParaRPr lang="de-DE" sz="2200" dirty="0" smtClean="0">
-              <a:latin typeface="AA Zuehlke" pitchFamily="2" charset="0"/>
-            </a:endParaRPr>
           </a:p>
         </p:txBody>
       </p:sp>
@@ -16805,9 +16948,6 @@
               </a:rPr>
               <a:t>Jasmine</a:t>
             </a:r>
-            <a:endParaRPr lang="de-DE" sz="2200" dirty="0" smtClean="0">
-              <a:latin typeface="AA Zuehlke" pitchFamily="2" charset="0"/>
-            </a:endParaRPr>
           </a:p>
         </p:txBody>
       </p:sp>
@@ -16852,9 +16992,6 @@
               </a:rPr>
               <a:t>Mocha</a:t>
             </a:r>
-            <a:endParaRPr lang="de-DE" sz="2200" dirty="0" smtClean="0">
-              <a:latin typeface="AA Zuehlke" pitchFamily="2" charset="0"/>
-            </a:endParaRPr>
           </a:p>
         </p:txBody>
       </p:sp>
@@ -16899,9 +17036,6 @@
               </a:rPr>
               <a:t>WebDriverJS</a:t>
             </a:r>
-            <a:endParaRPr lang="de-DE" sz="2200" dirty="0" smtClean="0">
-              <a:latin typeface="AA Zuehlke" pitchFamily="2" charset="0"/>
-            </a:endParaRPr>
           </a:p>
         </p:txBody>
       </p:sp>
@@ -16946,9 +17080,6 @@
               </a:rPr>
               <a:t>Protractor</a:t>
             </a:r>
-            <a:endParaRPr lang="de-DE" sz="2200" dirty="0" smtClean="0">
-              <a:latin typeface="AA Zuehlke" pitchFamily="2" charset="0"/>
-            </a:endParaRPr>
           </a:p>
         </p:txBody>
       </p:sp>
@@ -16980,9 +17111,6 @@
               </a:rPr>
               <a:t>NodeJS</a:t>
             </a:r>
-            <a:endParaRPr lang="de-DE" sz="2200" dirty="0" smtClean="0">
-              <a:latin typeface="AA Zuehlke" pitchFamily="2" charset="0"/>
-            </a:endParaRPr>
           </a:p>
         </p:txBody>
       </p:sp>
@@ -17027,9 +17155,6 @@
               </a:rPr>
               <a:t>Chrome Driver</a:t>
             </a:r>
-            <a:endParaRPr lang="de-DE" sz="2200" dirty="0" smtClean="0">
-              <a:latin typeface="AA Zuehlke" pitchFamily="2" charset="0"/>
-            </a:endParaRPr>
           </a:p>
         </p:txBody>
       </p:sp>
@@ -17074,9 +17199,6 @@
               </a:rPr>
               <a:t>Selenium Driver</a:t>
             </a:r>
-            <a:endParaRPr lang="de-DE" sz="2200" dirty="0" smtClean="0">
-              <a:latin typeface="AA Zuehlke" pitchFamily="2" charset="0"/>
-            </a:endParaRPr>
           </a:p>
         </p:txBody>
       </p:sp>
@@ -17121,9 +17243,6 @@
               </a:rPr>
               <a:t>Browser Driver</a:t>
             </a:r>
-            <a:endParaRPr lang="de-DE" sz="2200" dirty="0" smtClean="0">
-              <a:latin typeface="AA Zuehlke" pitchFamily="2" charset="0"/>
-            </a:endParaRPr>
           </a:p>
         </p:txBody>
       </p:sp>
@@ -17168,9 +17287,6 @@
               </a:rPr>
               <a:t>Browser</a:t>
             </a:r>
-            <a:endParaRPr lang="de-DE" sz="2200" dirty="0" smtClean="0">
-              <a:latin typeface="AA Zuehlke" pitchFamily="2" charset="0"/>
-            </a:endParaRPr>
           </a:p>
         </p:txBody>
       </p:sp>
@@ -17215,9 +17331,6 @@
               </a:rPr>
               <a:t>SPA</a:t>
             </a:r>
-            <a:endParaRPr lang="de-DE" sz="2200" dirty="0" smtClean="0">
-              <a:latin typeface="AA Zuehlke" pitchFamily="2" charset="0"/>
-            </a:endParaRPr>
           </a:p>
         </p:txBody>
       </p:sp>
@@ -17820,9 +17933,6 @@
               </a:rPr>
               <a:t>UT</a:t>
             </a:r>
-            <a:endParaRPr lang="de-DE" sz="2200" dirty="0" smtClean="0">
-              <a:latin typeface="AA Zuehlke" pitchFamily="2" charset="0"/>
-            </a:endParaRPr>
           </a:p>
         </p:txBody>
       </p:sp>
@@ -17867,9 +17977,6 @@
               </a:rPr>
               <a:t>Protractor</a:t>
             </a:r>
-            <a:endParaRPr lang="de-DE" sz="2200" dirty="0" smtClean="0">
-              <a:latin typeface="AA Zuehlke" pitchFamily="2" charset="0"/>
-            </a:endParaRPr>
           </a:p>
         </p:txBody>
       </p:sp>
@@ -17914,9 +18021,6 @@
               </a:rPr>
               <a:t>Step-Definition</a:t>
             </a:r>
-            <a:endParaRPr lang="de-DE" sz="2200" dirty="0" smtClean="0">
-              <a:latin typeface="AA Zuehlke" pitchFamily="2" charset="0"/>
-            </a:endParaRPr>
           </a:p>
         </p:txBody>
       </p:sp>

--- a/Vortrag_KE2016_MAVE_SIA.pptx
+++ b/Vortrag_KE2016_MAVE_SIA.pptx
@@ -5,10 +5,10 @@
     <p:sldMasterId id="2147483648" r:id="rId1"/>
   </p:sldMasterIdLst>
   <p:notesMasterIdLst>
-    <p:notesMasterId r:id="rId25"/>
+    <p:notesMasterId r:id="rId28"/>
   </p:notesMasterIdLst>
   <p:handoutMasterIdLst>
-    <p:handoutMasterId r:id="rId26"/>
+    <p:handoutMasterId r:id="rId29"/>
   </p:handoutMasterIdLst>
   <p:sldIdLst>
     <p:sldId id="256" r:id="rId2"/>
@@ -24,28 +24,31 @@
     <p:sldId id="283" r:id="rId12"/>
     <p:sldId id="277" r:id="rId13"/>
     <p:sldId id="281" r:id="rId14"/>
-    <p:sldId id="291" r:id="rId15"/>
-    <p:sldId id="272" r:id="rId16"/>
-    <p:sldId id="278" r:id="rId17"/>
-    <p:sldId id="288" r:id="rId18"/>
-    <p:sldId id="273" r:id="rId19"/>
-    <p:sldId id="274" r:id="rId20"/>
-    <p:sldId id="275" r:id="rId21"/>
-    <p:sldId id="279" r:id="rId22"/>
-    <p:sldId id="276" r:id="rId23"/>
-    <p:sldId id="289" r:id="rId24"/>
+    <p:sldId id="272" r:id="rId15"/>
+    <p:sldId id="293" r:id="rId16"/>
+    <p:sldId id="291" r:id="rId17"/>
+    <p:sldId id="294" r:id="rId18"/>
+    <p:sldId id="278" r:id="rId19"/>
+    <p:sldId id="288" r:id="rId20"/>
+    <p:sldId id="273" r:id="rId21"/>
+    <p:sldId id="274" r:id="rId22"/>
+    <p:sldId id="292" r:id="rId23"/>
+    <p:sldId id="275" r:id="rId24"/>
+    <p:sldId id="279" r:id="rId25"/>
+    <p:sldId id="276" r:id="rId26"/>
+    <p:sldId id="289" r:id="rId27"/>
   </p:sldIdLst>
   <p:sldSz cx="9144000" cy="6858000" type="screen4x3"/>
   <p:notesSz cx="6858000" cy="9144000"/>
   <p:embeddedFontLst>
     <p:embeddedFont>
       <p:font typeface="AA Zuehlke" panose="02000503060000020004" pitchFamily="2" charset="0"/>
-      <p:regular r:id="rId27"/>
-      <p:italic r:id="rId28"/>
+      <p:regular r:id="rId30"/>
+      <p:italic r:id="rId31"/>
     </p:embeddedFont>
   </p:embeddedFontLst>
   <p:custDataLst>
-    <p:tags r:id="rId29"/>
+    <p:tags r:id="rId32"/>
   </p:custDataLst>
   <p:defaultTextStyle>
     <a:defPPr>
@@ -6870,7 +6873,7 @@
               <a:rPr lang="de-DE" smtClean="0">
                 <a:latin typeface="AA Zuehlke" pitchFamily="2" charset="0"/>
               </a:rPr>
-              <a:t>06.06.2016</a:t>
+              <a:t>09.06.2016</a:t>
             </a:fld>
             <a:endParaRPr lang="de-DE">
               <a:latin typeface="AA Zuehlke" pitchFamily="2" charset="0"/>
@@ -7048,7 +7051,7 @@
             <a:fld id="{A6966AE6-B72D-4967-9CA3-8469D2863705}" type="datetimeFigureOut">
               <a:rPr lang="en-US" smtClean="0"/>
               <a:pPr/>
-              <a:t>6/6/2016</a:t>
+              <a:t>6/9/2016</a:t>
             </a:fld>
             <a:endParaRPr lang="en-US" dirty="0"/>
           </a:p>
@@ -8062,84 +8065,15 @@
           <a:bodyPr/>
           <a:lstStyle/>
           <a:p>
-            <a:pPr marL="0" marR="0" indent="0" algn="l" defTabSz="914400" rtl="0" eaLnBrk="1" fontAlgn="auto" latinLnBrk="0" hangingPunct="1">
-              <a:lnSpc>
-                <a:spcPct val="100000"/>
-              </a:lnSpc>
-              <a:spcBef>
-                <a:spcPts val="0"/>
-              </a:spcBef>
-              <a:spcAft>
-                <a:spcPts val="0"/>
-              </a:spcAft>
-              <a:buClrTx/>
-              <a:buSzTx/>
-              <a:buFont typeface="Arial" panose="020B0604020202020204" pitchFamily="34" charset="0"/>
-              <a:buNone/>
-              <a:tabLst/>
-              <a:defRPr/>
-            </a:pPr>
-            <a:r>
-              <a:rPr lang="de-DE" dirty="0" smtClean="0"/>
-              <a:t># Cucumber weiß out-of-the-box nicht wie Szenarien ausgeführt werden sollen. </a:t>
-            </a:r>
-          </a:p>
-          <a:p>
-            <a:pPr marL="0" marR="0" indent="0" algn="l" defTabSz="914400" rtl="0" eaLnBrk="1" fontAlgn="auto" latinLnBrk="0" hangingPunct="1">
-              <a:lnSpc>
-                <a:spcPct val="100000"/>
-              </a:lnSpc>
-              <a:spcBef>
-                <a:spcPts val="0"/>
-              </a:spcBef>
-              <a:spcAft>
-                <a:spcPts val="0"/>
-              </a:spcAft>
-              <a:buClrTx/>
-              <a:buSzTx/>
-              <a:buFont typeface="Arial" panose="020B0604020202020204" pitchFamily="34" charset="0"/>
-              <a:buNone/>
-              <a:tabLst/>
-              <a:defRPr/>
-            </a:pPr>
-            <a:r>
-              <a:rPr lang="de-DE" dirty="0" smtClean="0"/>
-              <a:t>#</a:t>
-            </a:r>
-            <a:r>
-              <a:rPr lang="de-DE" baseline="0" dirty="0" smtClean="0"/>
-              <a:t> </a:t>
-            </a:r>
-            <a:r>
-              <a:rPr lang="de-DE" dirty="0" smtClean="0"/>
-              <a:t>Dazu gibt es Step Definitions. Sie übersetzen Gherkin Steps in Aktionen, die mit dem SUT interagieren. </a:t>
-            </a:r>
-          </a:p>
-          <a:p>
-            <a:pPr marL="0" marR="0" indent="0" algn="l" defTabSz="914400" rtl="0" eaLnBrk="1" fontAlgn="auto" latinLnBrk="0" hangingPunct="1">
-              <a:lnSpc>
-                <a:spcPct val="100000"/>
-              </a:lnSpc>
-              <a:spcBef>
-                <a:spcPts val="0"/>
-              </a:spcBef>
-              <a:spcAft>
-                <a:spcPts val="0"/>
-              </a:spcAft>
-              <a:buClrTx/>
-              <a:buSzTx/>
-              <a:buFont typeface="Arial" panose="020B0604020202020204" pitchFamily="34" charset="0"/>
-              <a:buNone/>
-              <a:tabLst/>
-              <a:defRPr/>
-            </a:pPr>
-            <a:r>
-              <a:rPr lang="de-DE" dirty="0" smtClean="0"/>
-              <a:t># Wenn Cucumber einen Step in einem Szenario ausführt, sucht es nach einer passenden Step Definition und führt diese dann aus.</a:t>
-            </a:r>
-          </a:p>
-          <a:p>
-            <a:endParaRPr lang="de-DE" dirty="0"/>
+            <a:endParaRPr lang="de-DE" sz="1200" kern="1200" dirty="0" smtClean="0">
+              <a:solidFill>
+                <a:schemeClr val="tx1"/>
+              </a:solidFill>
+              <a:effectLst/>
+              <a:latin typeface="AA Zuehlke" pitchFamily="2" charset="0"/>
+              <a:ea typeface="+mn-ea"/>
+              <a:cs typeface="+mn-cs"/>
+            </a:endParaRPr>
           </a:p>
         </p:txBody>
       </p:sp>
@@ -8170,7 +8104,7 @@
     </p:spTree>
     <p:extLst>
       <p:ext uri="{BB962C8B-B14F-4D97-AF65-F5344CB8AC3E}">
-        <p14:creationId xmlns:p14="http://schemas.microsoft.com/office/powerpoint/2010/main" val="605734195"/>
+        <p14:creationId xmlns:p14="http://schemas.microsoft.com/office/powerpoint/2010/main" val="814403473"/>
       </p:ext>
     </p:extLst>
   </p:cSld>
@@ -8224,15 +8158,17 @@
           <a:bodyPr/>
           <a:lstStyle/>
           <a:p>
-            <a:endParaRPr lang="de-DE" sz="1200" kern="1200" dirty="0" smtClean="0">
-              <a:solidFill>
-                <a:schemeClr val="tx1"/>
-              </a:solidFill>
-              <a:effectLst/>
-              <a:latin typeface="AA Zuehlke" pitchFamily="2" charset="0"/>
-              <a:ea typeface="+mn-ea"/>
-              <a:cs typeface="+mn-cs"/>
-            </a:endParaRPr>
+            <a:pPr marL="0" lvl="0" indent="0">
+              <a:buFont typeface="Arial" panose="020B0604020202020204" pitchFamily="34" charset="0"/>
+              <a:buNone/>
+            </a:pPr>
+            <a:r>
+              <a:rPr lang="de-DE" baseline="0" dirty="0" smtClean="0"/>
+              <a:t># Beschreibung in 3-Ebenen nach Gojko Adzic: Business Rule Level, UI Workflow Level (was macht User in UI), Technical Acitvity Level (technische Schritte)</a:t>
+            </a:r>
+          </a:p>
+          <a:p>
+            <a:endParaRPr lang="de-DE" dirty="0"/>
           </a:p>
         </p:txBody>
       </p:sp>
@@ -8263,7 +8199,7 @@
     </p:spTree>
     <p:extLst>
       <p:ext uri="{BB962C8B-B14F-4D97-AF65-F5344CB8AC3E}">
-        <p14:creationId xmlns:p14="http://schemas.microsoft.com/office/powerpoint/2010/main" val="814403473"/>
+        <p14:creationId xmlns:p14="http://schemas.microsoft.com/office/powerpoint/2010/main" val="871661485"/>
       </p:ext>
     </p:extLst>
   </p:cSld>
@@ -8317,45 +8253,83 @@
           <a:bodyPr/>
           <a:lstStyle/>
           <a:p>
-            <a:r>
-              <a:rPr lang="de-DE" dirty="0" err="1" smtClean="0"/>
-              <a:t>Cucumber</a:t>
-            </a:r>
+            <a:pPr marL="0" marR="0" indent="0" algn="l" defTabSz="914400" rtl="0" eaLnBrk="1" fontAlgn="auto" latinLnBrk="0" hangingPunct="1">
+              <a:lnSpc>
+                <a:spcPct val="100000"/>
+              </a:lnSpc>
+              <a:spcBef>
+                <a:spcPts val="0"/>
+              </a:spcBef>
+              <a:spcAft>
+                <a:spcPts val="0"/>
+              </a:spcAft>
+              <a:buClrTx/>
+              <a:buSzTx/>
+              <a:buFont typeface="Arial" panose="020B0604020202020204" pitchFamily="34" charset="0"/>
+              <a:buNone/>
+              <a:tabLst/>
+              <a:defRPr/>
+            </a:pPr>
             <a:r>
               <a:rPr lang="de-DE" dirty="0" smtClean="0"/>
-              <a:t>: </a:t>
-            </a:r>
-            <a:r>
-              <a:rPr lang="de-DE" dirty="0" err="1" smtClean="0"/>
-              <a:t>Specification</a:t>
+              <a:t># Cucumber weiß out-of-the-box nicht wie Szenarien ausgeführt werden sollen. </a:t>
+            </a:r>
+          </a:p>
+          <a:p>
+            <a:pPr marL="0" marR="0" indent="0" algn="l" defTabSz="914400" rtl="0" eaLnBrk="1" fontAlgn="auto" latinLnBrk="0" hangingPunct="1">
+              <a:lnSpc>
+                <a:spcPct val="100000"/>
+              </a:lnSpc>
+              <a:spcBef>
+                <a:spcPts val="0"/>
+              </a:spcBef>
+              <a:spcAft>
+                <a:spcPts val="0"/>
+              </a:spcAft>
+              <a:buClrTx/>
+              <a:buSzTx/>
+              <a:buFont typeface="Arial" panose="020B0604020202020204" pitchFamily="34" charset="0"/>
+              <a:buNone/>
+              <a:tabLst/>
+              <a:defRPr/>
+            </a:pPr>
+            <a:r>
+              <a:rPr lang="de-DE" dirty="0" smtClean="0"/>
+              <a:t>#</a:t>
             </a:r>
             <a:r>
               <a:rPr lang="de-DE" baseline="0" dirty="0" smtClean="0"/>
               <a:t> </a:t>
             </a:r>
             <a:r>
-              <a:rPr lang="de-DE" baseline="0" dirty="0" err="1" smtClean="0"/>
-              <a:t>by</a:t>
-            </a:r>
-            <a:r>
-              <a:rPr lang="de-DE" baseline="0" dirty="0" smtClean="0"/>
-              <a:t> </a:t>
-            </a:r>
-            <a:r>
-              <a:rPr lang="de-DE" baseline="0" dirty="0" err="1" smtClean="0"/>
-              <a:t>Example</a:t>
-            </a:r>
-            <a:endParaRPr lang="de-DE" baseline="0" dirty="0" smtClean="0"/>
+              <a:rPr lang="de-DE" dirty="0" smtClean="0"/>
+              <a:t>Dazu gibt es Step Definitions. Sie übersetzen Gherkin Steps in Aktionen, die mit dem SUT interagieren. </a:t>
+            </a:r>
           </a:p>
           <a:p>
-            <a:r>
-              <a:rPr lang="de-DE" baseline="0" dirty="0" err="1" smtClean="0"/>
-              <a:t>Chai</a:t>
-            </a:r>
-            <a:r>
-              <a:rPr lang="de-DE" baseline="0" dirty="0" smtClean="0"/>
-              <a:t>: Assertion-Framework</a:t>
-            </a:r>
+            <a:pPr marL="0" marR="0" indent="0" algn="l" defTabSz="914400" rtl="0" eaLnBrk="1" fontAlgn="auto" latinLnBrk="0" hangingPunct="1">
+              <a:lnSpc>
+                <a:spcPct val="100000"/>
+              </a:lnSpc>
+              <a:spcBef>
+                <a:spcPts val="0"/>
+              </a:spcBef>
+              <a:spcAft>
+                <a:spcPts val="0"/>
+              </a:spcAft>
+              <a:buClrTx/>
+              <a:buSzTx/>
+              <a:buFont typeface="Arial" panose="020B0604020202020204" pitchFamily="34" charset="0"/>
+              <a:buNone/>
+              <a:tabLst/>
+              <a:defRPr/>
+            </a:pPr>
+            <a:r>
+              <a:rPr lang="de-DE" dirty="0" smtClean="0"/>
+              <a:t># Wenn Cucumber einen Step in einem Szenario ausführt, sucht es nach einer passenden Step Definition und führt diese dann aus.</a:t>
+            </a:r>
+          </a:p>
+          <a:p>
             <a:endParaRPr lang="de-DE" dirty="0"/>
           </a:p>
         </p:txBody>
@@ -8387,6 +8361,225 @@
     </p:spTree>
     <p:extLst>
       <p:ext uri="{BB962C8B-B14F-4D97-AF65-F5344CB8AC3E}">
+        <p14:creationId xmlns:p14="http://schemas.microsoft.com/office/powerpoint/2010/main" val="605734195"/>
+      </p:ext>
+    </p:extLst>
+  </p:cSld>
+  <p:clrMapOvr>
+    <a:masterClrMapping/>
+  </p:clrMapOvr>
+</p:notes>
+</file>
+
+<file path=ppt/notesSlides/notesSlide16.xml><?xml version="1.0" encoding="utf-8"?>
+<p:notes xmlns:a="http://schemas.openxmlformats.org/drawingml/2006/main" xmlns:r="http://schemas.openxmlformats.org/officeDocument/2006/relationships" xmlns:p="http://schemas.openxmlformats.org/presentationml/2006/main">
+  <p:cSld>
+    <p:spTree>
+      <p:nvGrpSpPr>
+        <p:cNvPr id="1" name=""/>
+        <p:cNvGrpSpPr/>
+        <p:nvPr/>
+      </p:nvGrpSpPr>
+      <p:grpSpPr>
+        <a:xfrm>
+          <a:off x="0" y="0"/>
+          <a:ext cx="0" cy="0"/>
+          <a:chOff x="0" y="0"/>
+          <a:chExt cx="0" cy="0"/>
+        </a:xfrm>
+      </p:grpSpPr>
+      <p:sp>
+        <p:nvSpPr>
+          <p:cNvPr id="2" name="Slide Image Placeholder 1"/>
+          <p:cNvSpPr>
+            <a:spLocks noGrp="1" noRot="1" noChangeAspect="1"/>
+          </p:cNvSpPr>
+          <p:nvPr>
+            <p:ph type="sldImg"/>
+          </p:nvPr>
+        </p:nvSpPr>
+        <p:spPr/>
+      </p:sp>
+      <p:sp>
+        <p:nvSpPr>
+          <p:cNvPr id="3" name="Notes Placeholder 2"/>
+          <p:cNvSpPr>
+            <a:spLocks noGrp="1"/>
+          </p:cNvSpPr>
+          <p:nvPr>
+            <p:ph type="body" idx="1"/>
+          </p:nvPr>
+        </p:nvSpPr>
+        <p:spPr/>
+        <p:txBody>
+          <a:bodyPr/>
+          <a:lstStyle/>
+          <a:p>
+            <a:pPr marL="0" lvl="0" indent="0">
+              <a:buFont typeface="Arial" panose="020B0604020202020204" pitchFamily="34" charset="0"/>
+              <a:buNone/>
+            </a:pPr>
+            <a:r>
+              <a:rPr lang="de-DE" baseline="0" dirty="0" smtClean="0"/>
+              <a:t># Beschreibung in 3-Ebenen nach Gojko Adzic: Business Rule Level, UI Workflow Level (was macht User in UI), Technical Acitvity Level (technische Schritte)</a:t>
+            </a:r>
+          </a:p>
+          <a:p>
+            <a:endParaRPr lang="de-DE" dirty="0"/>
+          </a:p>
+        </p:txBody>
+      </p:sp>
+      <p:sp>
+        <p:nvSpPr>
+          <p:cNvPr id="4" name="Slide Number Placeholder 3"/>
+          <p:cNvSpPr>
+            <a:spLocks noGrp="1"/>
+          </p:cNvSpPr>
+          <p:nvPr>
+            <p:ph type="sldNum" sz="quarter" idx="10"/>
+          </p:nvPr>
+        </p:nvSpPr>
+        <p:spPr/>
+        <p:txBody>
+          <a:bodyPr/>
+          <a:lstStyle/>
+          <a:p>
+            <a:fld id="{04E102C5-3B9C-48EE-BFF0-2E7AF2F2A1F4}" type="slidenum">
+              <a:rPr lang="en-US" smtClean="0"/>
+              <a:pPr/>
+              <a:t>17</a:t>
+            </a:fld>
+            <a:endParaRPr lang="en-US" dirty="0"/>
+          </a:p>
+        </p:txBody>
+      </p:sp>
+    </p:spTree>
+    <p:extLst>
+      <p:ext uri="{BB962C8B-B14F-4D97-AF65-F5344CB8AC3E}">
+        <p14:creationId xmlns:p14="http://schemas.microsoft.com/office/powerpoint/2010/main" val="3040765641"/>
+      </p:ext>
+    </p:extLst>
+  </p:cSld>
+  <p:clrMapOvr>
+    <a:masterClrMapping/>
+  </p:clrMapOvr>
+</p:notes>
+</file>
+
+<file path=ppt/notesSlides/notesSlide17.xml><?xml version="1.0" encoding="utf-8"?>
+<p:notes xmlns:a="http://schemas.openxmlformats.org/drawingml/2006/main" xmlns:r="http://schemas.openxmlformats.org/officeDocument/2006/relationships" xmlns:p="http://schemas.openxmlformats.org/presentationml/2006/main">
+  <p:cSld>
+    <p:spTree>
+      <p:nvGrpSpPr>
+        <p:cNvPr id="1" name=""/>
+        <p:cNvGrpSpPr/>
+        <p:nvPr/>
+      </p:nvGrpSpPr>
+      <p:grpSpPr>
+        <a:xfrm>
+          <a:off x="0" y="0"/>
+          <a:ext cx="0" cy="0"/>
+          <a:chOff x="0" y="0"/>
+          <a:chExt cx="0" cy="0"/>
+        </a:xfrm>
+      </p:grpSpPr>
+      <p:sp>
+        <p:nvSpPr>
+          <p:cNvPr id="2" name="Slide Image Placeholder 1"/>
+          <p:cNvSpPr>
+            <a:spLocks noGrp="1" noRot="1" noChangeAspect="1"/>
+          </p:cNvSpPr>
+          <p:nvPr>
+            <p:ph type="sldImg"/>
+          </p:nvPr>
+        </p:nvSpPr>
+        <p:spPr/>
+      </p:sp>
+      <p:sp>
+        <p:nvSpPr>
+          <p:cNvPr id="3" name="Notes Placeholder 2"/>
+          <p:cNvSpPr>
+            <a:spLocks noGrp="1"/>
+          </p:cNvSpPr>
+          <p:nvPr>
+            <p:ph type="body" idx="1"/>
+          </p:nvPr>
+        </p:nvSpPr>
+        <p:spPr/>
+        <p:txBody>
+          <a:bodyPr/>
+          <a:lstStyle/>
+          <a:p>
+            <a:r>
+              <a:rPr lang="de-DE" dirty="0" err="1" smtClean="0"/>
+              <a:t>Cucumber</a:t>
+            </a:r>
+            <a:r>
+              <a:rPr lang="de-DE" dirty="0" smtClean="0"/>
+              <a:t>: </a:t>
+            </a:r>
+            <a:r>
+              <a:rPr lang="de-DE" dirty="0" err="1" smtClean="0"/>
+              <a:t>Specification</a:t>
+            </a:r>
+            <a:r>
+              <a:rPr lang="de-DE" baseline="0" dirty="0" smtClean="0"/>
+              <a:t> </a:t>
+            </a:r>
+            <a:r>
+              <a:rPr lang="de-DE" baseline="0" dirty="0" err="1" smtClean="0"/>
+              <a:t>by</a:t>
+            </a:r>
+            <a:r>
+              <a:rPr lang="de-DE" baseline="0" dirty="0" smtClean="0"/>
+              <a:t> </a:t>
+            </a:r>
+            <a:r>
+              <a:rPr lang="de-DE" baseline="0" dirty="0" err="1" smtClean="0"/>
+              <a:t>Example</a:t>
+            </a:r>
+            <a:endParaRPr lang="de-DE" baseline="0" dirty="0" smtClean="0"/>
+          </a:p>
+          <a:p>
+            <a:r>
+              <a:rPr lang="de-DE" baseline="0" dirty="0" err="1" smtClean="0"/>
+              <a:t>Chai</a:t>
+            </a:r>
+            <a:r>
+              <a:rPr lang="de-DE" baseline="0" dirty="0" smtClean="0"/>
+              <a:t>: Assertion-Framework</a:t>
+            </a:r>
+            <a:endParaRPr lang="de-DE" dirty="0"/>
+          </a:p>
+        </p:txBody>
+      </p:sp>
+      <p:sp>
+        <p:nvSpPr>
+          <p:cNvPr id="4" name="Slide Number Placeholder 3"/>
+          <p:cNvSpPr>
+            <a:spLocks noGrp="1"/>
+          </p:cNvSpPr>
+          <p:nvPr>
+            <p:ph type="sldNum" sz="quarter" idx="10"/>
+          </p:nvPr>
+        </p:nvSpPr>
+        <p:spPr/>
+        <p:txBody>
+          <a:bodyPr/>
+          <a:lstStyle/>
+          <a:p>
+            <a:fld id="{04E102C5-3B9C-48EE-BFF0-2E7AF2F2A1F4}" type="slidenum">
+              <a:rPr lang="en-US" smtClean="0"/>
+              <a:pPr/>
+              <a:t>18</a:t>
+            </a:fld>
+            <a:endParaRPr lang="en-US" dirty="0"/>
+          </a:p>
+        </p:txBody>
+      </p:sp>
+    </p:spTree>
+    <p:extLst>
+      <p:ext uri="{BB962C8B-B14F-4D97-AF65-F5344CB8AC3E}">
         <p14:creationId xmlns:p14="http://schemas.microsoft.com/office/powerpoint/2010/main" val="1225644276"/>
       </p:ext>
     </p:extLst>
@@ -8397,7 +8590,7 @@
 </p:notes>
 </file>
 
-<file path=ppt/notesSlides/notesSlide16.xml><?xml version="1.0" encoding="utf-8"?>
+<file path=ppt/notesSlides/notesSlide18.xml><?xml version="1.0" encoding="utf-8"?>
 <p:notes xmlns:a="http://schemas.openxmlformats.org/drawingml/2006/main" xmlns:r="http://schemas.openxmlformats.org/officeDocument/2006/relationships" xmlns:p="http://schemas.openxmlformats.org/presentationml/2006/main">
   <p:cSld>
     <p:spTree>
@@ -8465,7 +8658,7 @@
             <a:fld id="{04E102C5-3B9C-48EE-BFF0-2E7AF2F2A1F4}" type="slidenum">
               <a:rPr lang="en-US" smtClean="0"/>
               <a:pPr/>
-              <a:t>17</a:t>
+              <a:t>19</a:t>
             </a:fld>
             <a:endParaRPr lang="en-US" dirty="0"/>
           </a:p>
@@ -8484,7 +8677,7 @@
 </p:notes>
 </file>
 
-<file path=ppt/notesSlides/notesSlide17.xml><?xml version="1.0" encoding="utf-8"?>
+<file path=ppt/notesSlides/notesSlide19.xml><?xml version="1.0" encoding="utf-8"?>
 <p:notes xmlns:a="http://schemas.openxmlformats.org/drawingml/2006/main" xmlns:r="http://schemas.openxmlformats.org/officeDocument/2006/relationships" xmlns:p="http://schemas.openxmlformats.org/presentationml/2006/main">
   <p:cSld>
     <p:spTree>
@@ -8560,7 +8753,7 @@
             <a:fld id="{04E102C5-3B9C-48EE-BFF0-2E7AF2F2A1F4}" type="slidenum">
               <a:rPr lang="en-US" smtClean="0"/>
               <a:pPr/>
-              <a:t>19</a:t>
+              <a:t>21</a:t>
             </a:fld>
             <a:endParaRPr lang="en-US" dirty="0"/>
           </a:p>
@@ -8579,7 +8772,273 @@
 </p:notes>
 </file>
 
-<file path=ppt/notesSlides/notesSlide18.xml><?xml version="1.0" encoding="utf-8"?>
+<file path=ppt/notesSlides/notesSlide2.xml><?xml version="1.0" encoding="utf-8"?>
+<p:notes xmlns:a="http://schemas.openxmlformats.org/drawingml/2006/main" xmlns:r="http://schemas.openxmlformats.org/officeDocument/2006/relationships" xmlns:p="http://schemas.openxmlformats.org/presentationml/2006/main">
+  <p:cSld>
+    <p:spTree>
+      <p:nvGrpSpPr>
+        <p:cNvPr id="1" name=""/>
+        <p:cNvGrpSpPr/>
+        <p:nvPr/>
+      </p:nvGrpSpPr>
+      <p:grpSpPr>
+        <a:xfrm>
+          <a:off x="0" y="0"/>
+          <a:ext cx="0" cy="0"/>
+          <a:chOff x="0" y="0"/>
+          <a:chExt cx="0" cy="0"/>
+        </a:xfrm>
+      </p:grpSpPr>
+      <p:sp>
+        <p:nvSpPr>
+          <p:cNvPr id="2" name="Slide Image Placeholder 1"/>
+          <p:cNvSpPr>
+            <a:spLocks noGrp="1" noRot="1" noChangeAspect="1"/>
+          </p:cNvSpPr>
+          <p:nvPr>
+            <p:ph type="sldImg"/>
+          </p:nvPr>
+        </p:nvSpPr>
+        <p:spPr/>
+      </p:sp>
+      <p:sp>
+        <p:nvSpPr>
+          <p:cNvPr id="3" name="Notes Placeholder 2"/>
+          <p:cNvSpPr>
+            <a:spLocks noGrp="1"/>
+          </p:cNvSpPr>
+          <p:nvPr>
+            <p:ph type="body" idx="1"/>
+          </p:nvPr>
+        </p:nvSpPr>
+        <p:spPr/>
+        <p:txBody>
+          <a:bodyPr/>
+          <a:lstStyle/>
+          <a:p>
+            <a:r>
+              <a:rPr lang="de-DE" dirty="0" smtClean="0"/>
+              <a:t>Context (10‘)</a:t>
+            </a:r>
+          </a:p>
+          <a:p>
+            <a:r>
+              <a:rPr lang="de-DE" baseline="0" dirty="0" smtClean="0"/>
+              <a:t>  </a:t>
+            </a:r>
+            <a:r>
+              <a:rPr lang="de-DE" dirty="0" smtClean="0"/>
+              <a:t>- Testing Pyramide / Akzeptanztests (2‘)</a:t>
+            </a:r>
+          </a:p>
+          <a:p>
+            <a:r>
+              <a:rPr lang="de-DE" baseline="0" dirty="0" smtClean="0"/>
+              <a:t>  </a:t>
+            </a:r>
+            <a:r>
+              <a:rPr lang="de-DE" dirty="0" smtClean="0"/>
+              <a:t>- SPAs (2‘)</a:t>
+            </a:r>
+          </a:p>
+          <a:p>
+            <a:r>
+              <a:rPr lang="de-DE" baseline="0" dirty="0" smtClean="0"/>
+              <a:t>  </a:t>
+            </a:r>
+            <a:r>
+              <a:rPr lang="de-DE" dirty="0" smtClean="0"/>
+              <a:t>- Specification</a:t>
+            </a:r>
+            <a:r>
+              <a:rPr lang="de-DE" baseline="0" dirty="0" smtClean="0"/>
+              <a:t> By Example (6‘)</a:t>
+            </a:r>
+          </a:p>
+          <a:p>
+            <a:endParaRPr lang="de-DE" baseline="0" dirty="0" smtClean="0"/>
+          </a:p>
+          <a:p>
+            <a:r>
+              <a:rPr lang="de-DE" baseline="0" dirty="0" smtClean="0"/>
+              <a:t>Technologien (30‘)</a:t>
+            </a:r>
+          </a:p>
+          <a:p>
+            <a:r>
+              <a:rPr lang="de-DE" baseline="0" dirty="0" smtClean="0"/>
+              <a:t>  - Anwendung (SPA) mit Angular 1,2, Aurelia mit Rest-BE (3‘)</a:t>
+            </a:r>
+          </a:p>
+          <a:p>
+            <a:r>
+              <a:rPr lang="de-DE" baseline="0" dirty="0" smtClean="0"/>
+              <a:t>  - Protractor für UI-Access / Chai als Assertion Framework? / Sinon als Mock-Framework? Oder Fake-BE / Fixed responses (17‘)</a:t>
+            </a:r>
+          </a:p>
+          <a:p>
+            <a:r>
+              <a:rPr lang="de-DE" baseline="0" dirty="0" smtClean="0"/>
+              <a:t>  - Best practices (Page objects / Layering) (5‘)</a:t>
+            </a:r>
+          </a:p>
+          <a:p>
+            <a:r>
+              <a:rPr lang="de-DE" baseline="0" dirty="0" smtClean="0"/>
+              <a:t>  - Cucumber (SBE) -&gt; wie setze ich das sinnvoll ein? (5‘)</a:t>
+            </a:r>
+          </a:p>
+          <a:p>
+            <a:endParaRPr lang="de-DE" baseline="0" dirty="0" smtClean="0"/>
+          </a:p>
+          <a:p>
+            <a:r>
+              <a:rPr lang="de-DE" baseline="0" dirty="0" smtClean="0"/>
+              <a:t>Zusammenfassung / Fazit (5‘)</a:t>
+            </a:r>
+            <a:endParaRPr lang="de-DE" dirty="0" smtClean="0"/>
+          </a:p>
+          <a:p>
+            <a:r>
+              <a:rPr lang="de-DE" dirty="0" smtClean="0"/>
+              <a:t>	</a:t>
+            </a:r>
+          </a:p>
+        </p:txBody>
+      </p:sp>
+      <p:sp>
+        <p:nvSpPr>
+          <p:cNvPr id="4" name="Slide Number Placeholder 3"/>
+          <p:cNvSpPr>
+            <a:spLocks noGrp="1"/>
+          </p:cNvSpPr>
+          <p:nvPr>
+            <p:ph type="sldNum" sz="quarter" idx="10"/>
+          </p:nvPr>
+        </p:nvSpPr>
+        <p:spPr/>
+        <p:txBody>
+          <a:bodyPr/>
+          <a:lstStyle/>
+          <a:p>
+            <a:fld id="{04E102C5-3B9C-48EE-BFF0-2E7AF2F2A1F4}" type="slidenum">
+              <a:rPr lang="en-US" smtClean="0"/>
+              <a:pPr/>
+              <a:t>2</a:t>
+            </a:fld>
+            <a:endParaRPr lang="en-US" dirty="0"/>
+          </a:p>
+        </p:txBody>
+      </p:sp>
+    </p:spTree>
+    <p:extLst>
+      <p:ext uri="{BB962C8B-B14F-4D97-AF65-F5344CB8AC3E}">
+        <p14:creationId xmlns:p14="http://schemas.microsoft.com/office/powerpoint/2010/main" val="3367425025"/>
+      </p:ext>
+    </p:extLst>
+  </p:cSld>
+  <p:clrMapOvr>
+    <a:masterClrMapping/>
+  </p:clrMapOvr>
+</p:notes>
+</file>
+
+<file path=ppt/notesSlides/notesSlide20.xml><?xml version="1.0" encoding="utf-8"?>
+<p:notes xmlns:a="http://schemas.openxmlformats.org/drawingml/2006/main" xmlns:r="http://schemas.openxmlformats.org/officeDocument/2006/relationships" xmlns:p="http://schemas.openxmlformats.org/presentationml/2006/main">
+  <p:cSld>
+    <p:spTree>
+      <p:nvGrpSpPr>
+        <p:cNvPr id="1" name=""/>
+        <p:cNvGrpSpPr/>
+        <p:nvPr/>
+      </p:nvGrpSpPr>
+      <p:grpSpPr>
+        <a:xfrm>
+          <a:off x="0" y="0"/>
+          <a:ext cx="0" cy="0"/>
+          <a:chOff x="0" y="0"/>
+          <a:chExt cx="0" cy="0"/>
+        </a:xfrm>
+      </p:grpSpPr>
+      <p:sp>
+        <p:nvSpPr>
+          <p:cNvPr id="2" name="Slide Image Placeholder 1"/>
+          <p:cNvSpPr>
+            <a:spLocks noGrp="1" noRot="1" noChangeAspect="1"/>
+          </p:cNvSpPr>
+          <p:nvPr>
+            <p:ph type="sldImg"/>
+          </p:nvPr>
+        </p:nvSpPr>
+        <p:spPr/>
+      </p:sp>
+      <p:sp>
+        <p:nvSpPr>
+          <p:cNvPr id="3" name="Notes Placeholder 2"/>
+          <p:cNvSpPr>
+            <a:spLocks noGrp="1"/>
+          </p:cNvSpPr>
+          <p:nvPr>
+            <p:ph type="body" idx="1"/>
+          </p:nvPr>
+        </p:nvSpPr>
+        <p:spPr/>
+        <p:txBody>
+          <a:bodyPr/>
+          <a:lstStyle/>
+          <a:p>
+            <a:pPr marL="0" lvl="0" indent="0">
+              <a:buFont typeface="Arial" panose="020B0604020202020204" pitchFamily="34" charset="0"/>
+              <a:buNone/>
+            </a:pPr>
+            <a:r>
+              <a:rPr lang="de-DE" baseline="0" dirty="0" smtClean="0"/>
+              <a:t># Beschreibung in 3-Ebenen nach Gojko Adzic: Business Rule Level, UI Workflow Level (was macht User in UI), Technical Acitvity Level (technische Schritte)</a:t>
+            </a:r>
+          </a:p>
+          <a:p>
+            <a:endParaRPr lang="de-DE" dirty="0"/>
+          </a:p>
+        </p:txBody>
+      </p:sp>
+      <p:sp>
+        <p:nvSpPr>
+          <p:cNvPr id="4" name="Slide Number Placeholder 3"/>
+          <p:cNvSpPr>
+            <a:spLocks noGrp="1"/>
+          </p:cNvSpPr>
+          <p:nvPr>
+            <p:ph type="sldNum" sz="quarter" idx="10"/>
+          </p:nvPr>
+        </p:nvSpPr>
+        <p:spPr/>
+        <p:txBody>
+          <a:bodyPr/>
+          <a:lstStyle/>
+          <a:p>
+            <a:fld id="{04E102C5-3B9C-48EE-BFF0-2E7AF2F2A1F4}" type="slidenum">
+              <a:rPr lang="en-US" smtClean="0"/>
+              <a:pPr/>
+              <a:t>22</a:t>
+            </a:fld>
+            <a:endParaRPr lang="en-US" dirty="0"/>
+          </a:p>
+        </p:txBody>
+      </p:sp>
+    </p:spTree>
+    <p:extLst>
+      <p:ext uri="{BB962C8B-B14F-4D97-AF65-F5344CB8AC3E}">
+        <p14:creationId xmlns:p14="http://schemas.microsoft.com/office/powerpoint/2010/main" val="1840752923"/>
+      </p:ext>
+    </p:extLst>
+  </p:cSld>
+  <p:clrMapOvr>
+    <a:masterClrMapping/>
+  </p:clrMapOvr>
+</p:notes>
+</file>
+
+<file path=ppt/notesSlides/notesSlide21.xml><?xml version="1.0" encoding="utf-8"?>
 <p:notes xmlns:a="http://schemas.openxmlformats.org/drawingml/2006/main" xmlns:r="http://schemas.openxmlformats.org/officeDocument/2006/relationships" xmlns:p="http://schemas.openxmlformats.org/presentationml/2006/main">
   <p:cSld>
     <p:spTree>
@@ -8645,7 +9104,7 @@
             <a:fld id="{04E102C5-3B9C-48EE-BFF0-2E7AF2F2A1F4}" type="slidenum">
               <a:rPr lang="en-US" smtClean="0"/>
               <a:pPr/>
-              <a:t>21</a:t>
+              <a:t>24</a:t>
             </a:fld>
             <a:endParaRPr lang="en-US" dirty="0"/>
           </a:p>
@@ -8655,177 +9114,6 @@
     <p:extLst>
       <p:ext uri="{BB962C8B-B14F-4D97-AF65-F5344CB8AC3E}">
         <p14:creationId xmlns:p14="http://schemas.microsoft.com/office/powerpoint/2010/main" val="2374741640"/>
-      </p:ext>
-    </p:extLst>
-  </p:cSld>
-  <p:clrMapOvr>
-    <a:masterClrMapping/>
-  </p:clrMapOvr>
-</p:notes>
-</file>
-
-<file path=ppt/notesSlides/notesSlide2.xml><?xml version="1.0" encoding="utf-8"?>
-<p:notes xmlns:a="http://schemas.openxmlformats.org/drawingml/2006/main" xmlns:r="http://schemas.openxmlformats.org/officeDocument/2006/relationships" xmlns:p="http://schemas.openxmlformats.org/presentationml/2006/main">
-  <p:cSld>
-    <p:spTree>
-      <p:nvGrpSpPr>
-        <p:cNvPr id="1" name=""/>
-        <p:cNvGrpSpPr/>
-        <p:nvPr/>
-      </p:nvGrpSpPr>
-      <p:grpSpPr>
-        <a:xfrm>
-          <a:off x="0" y="0"/>
-          <a:ext cx="0" cy="0"/>
-          <a:chOff x="0" y="0"/>
-          <a:chExt cx="0" cy="0"/>
-        </a:xfrm>
-      </p:grpSpPr>
-      <p:sp>
-        <p:nvSpPr>
-          <p:cNvPr id="2" name="Slide Image Placeholder 1"/>
-          <p:cNvSpPr>
-            <a:spLocks noGrp="1" noRot="1" noChangeAspect="1"/>
-          </p:cNvSpPr>
-          <p:nvPr>
-            <p:ph type="sldImg"/>
-          </p:nvPr>
-        </p:nvSpPr>
-        <p:spPr/>
-      </p:sp>
-      <p:sp>
-        <p:nvSpPr>
-          <p:cNvPr id="3" name="Notes Placeholder 2"/>
-          <p:cNvSpPr>
-            <a:spLocks noGrp="1"/>
-          </p:cNvSpPr>
-          <p:nvPr>
-            <p:ph type="body" idx="1"/>
-          </p:nvPr>
-        </p:nvSpPr>
-        <p:spPr/>
-        <p:txBody>
-          <a:bodyPr/>
-          <a:lstStyle/>
-          <a:p>
-            <a:r>
-              <a:rPr lang="de-DE" dirty="0" smtClean="0"/>
-              <a:t>Context (10‘)</a:t>
-            </a:r>
-          </a:p>
-          <a:p>
-            <a:r>
-              <a:rPr lang="de-DE" baseline="0" dirty="0" smtClean="0"/>
-              <a:t>  </a:t>
-            </a:r>
-            <a:r>
-              <a:rPr lang="de-DE" dirty="0" smtClean="0"/>
-              <a:t>- Testing Pyramide / Akzeptanztests (2‘)</a:t>
-            </a:r>
-          </a:p>
-          <a:p>
-            <a:r>
-              <a:rPr lang="de-DE" baseline="0" dirty="0" smtClean="0"/>
-              <a:t>  </a:t>
-            </a:r>
-            <a:r>
-              <a:rPr lang="de-DE" dirty="0" smtClean="0"/>
-              <a:t>- SPAs (2‘)</a:t>
-            </a:r>
-          </a:p>
-          <a:p>
-            <a:r>
-              <a:rPr lang="de-DE" baseline="0" dirty="0" smtClean="0"/>
-              <a:t>  </a:t>
-            </a:r>
-            <a:r>
-              <a:rPr lang="de-DE" dirty="0" smtClean="0"/>
-              <a:t>- Specification</a:t>
-            </a:r>
-            <a:r>
-              <a:rPr lang="de-DE" baseline="0" dirty="0" smtClean="0"/>
-              <a:t> By Example (6‘)</a:t>
-            </a:r>
-          </a:p>
-          <a:p>
-            <a:endParaRPr lang="de-DE" baseline="0" dirty="0" smtClean="0"/>
-          </a:p>
-          <a:p>
-            <a:r>
-              <a:rPr lang="de-DE" baseline="0" dirty="0" smtClean="0"/>
-              <a:t>Technologien (30‘)</a:t>
-            </a:r>
-          </a:p>
-          <a:p>
-            <a:r>
-              <a:rPr lang="de-DE" baseline="0" dirty="0" smtClean="0"/>
-              <a:t>  - Anwendung (SPA) mit Angular 1,2, Aurelia mit Rest-BE (3‘)</a:t>
-            </a:r>
-          </a:p>
-          <a:p>
-            <a:r>
-              <a:rPr lang="de-DE" baseline="0" dirty="0" smtClean="0"/>
-              <a:t>  - Protractor für UI-Access / Chai als Assertion Framework? / Sinon als Mock-Framework? Oder Fake-BE / Fixed responses (17‘)</a:t>
-            </a:r>
-          </a:p>
-          <a:p>
-            <a:r>
-              <a:rPr lang="de-DE" baseline="0" dirty="0" smtClean="0"/>
-              <a:t>  - Best practices (Page objects / Layering) (5‘)</a:t>
-            </a:r>
-          </a:p>
-          <a:p>
-            <a:r>
-              <a:rPr lang="de-DE" baseline="0" dirty="0" smtClean="0"/>
-              <a:t>  - Cucumber (SBE) -&gt; wie setze ich das sinnvoll ein? (5‘)</a:t>
-            </a:r>
-          </a:p>
-          <a:p>
-            <a:endParaRPr lang="de-DE" baseline="0" dirty="0" smtClean="0"/>
-          </a:p>
-          <a:p>
-            <a:r>
-              <a:rPr lang="de-DE" baseline="0" dirty="0" smtClean="0"/>
-              <a:t>Zusammenfassung / Fazit (5‘)</a:t>
-            </a:r>
-            <a:endParaRPr lang="de-DE" dirty="0" smtClean="0"/>
-          </a:p>
-          <a:p>
-            <a:r>
-              <a:rPr lang="de-DE" dirty="0" smtClean="0"/>
-              <a:t>	</a:t>
-            </a:r>
-          </a:p>
-        </p:txBody>
-      </p:sp>
-      <p:sp>
-        <p:nvSpPr>
-          <p:cNvPr id="4" name="Slide Number Placeholder 3"/>
-          <p:cNvSpPr>
-            <a:spLocks noGrp="1"/>
-          </p:cNvSpPr>
-          <p:nvPr>
-            <p:ph type="sldNum" sz="quarter" idx="10"/>
-          </p:nvPr>
-        </p:nvSpPr>
-        <p:spPr/>
-        <p:txBody>
-          <a:bodyPr/>
-          <a:lstStyle/>
-          <a:p>
-            <a:fld id="{04E102C5-3B9C-48EE-BFF0-2E7AF2F2A1F4}" type="slidenum">
-              <a:rPr lang="en-US" smtClean="0"/>
-              <a:pPr/>
-              <a:t>2</a:t>
-            </a:fld>
-            <a:endParaRPr lang="en-US" dirty="0"/>
-          </a:p>
-        </p:txBody>
-      </p:sp>
-    </p:spTree>
-    <p:extLst>
-      <p:ext uri="{BB962C8B-B14F-4D97-AF65-F5344CB8AC3E}">
-        <p14:creationId xmlns:p14="http://schemas.microsoft.com/office/powerpoint/2010/main" val="3367425025"/>
       </p:ext>
     </p:extLst>
   </p:cSld>
@@ -10201,7 +10489,7 @@
       </p:sp>
       <p:pic>
         <p:nvPicPr>
-          <p:cNvPr id="6" name="Picture 5"/>
+          <p:cNvPr id="5" name="Picture 4"/>
           <p:cNvPicPr>
             <a:picLocks noChangeAspect="1"/>
           </p:cNvPicPr>
@@ -10470,7 +10758,7 @@
       </p:sp>
       <p:pic>
         <p:nvPicPr>
-          <p:cNvPr id="7" name="Picture 6"/>
+          <p:cNvPr id="6" name="Picture 5"/>
           <p:cNvPicPr>
             <a:picLocks noChangeAspect="1"/>
           </p:cNvPicPr>
@@ -10609,7 +10897,7 @@
       </p:sp>
       <p:pic>
         <p:nvPicPr>
-          <p:cNvPr id="7" name="Picture 6"/>
+          <p:cNvPr id="6" name="Picture 5"/>
           <p:cNvPicPr>
             <a:picLocks noChangeAspect="1"/>
           </p:cNvPicPr>
@@ -12056,7 +12344,7 @@
       </p:sp>
       <p:pic>
         <p:nvPicPr>
-          <p:cNvPr id="7" name="Picture 6"/>
+          <p:cNvPr id="6" name="Picture 5"/>
           <p:cNvPicPr>
             <a:picLocks noChangeAspect="1"/>
           </p:cNvPicPr>
@@ -13180,6 +13468,14 @@
               </a:rPr>
               <a:t>© Zühlke 2016</a:t>
             </a:r>
+            <a:endParaRPr lang="de-CH" sz="700" kern="1200" noProof="1" smtClean="0">
+              <a:solidFill>
+                <a:srgbClr val="4D4D4D"/>
+              </a:solidFill>
+              <a:latin typeface="AA Zuehlke" pitchFamily="2" charset="0"/>
+              <a:ea typeface="+mn-ea"/>
+              <a:cs typeface="+mn-cs"/>
+            </a:endParaRPr>
           </a:p>
         </p:txBody>
       </p:sp>
@@ -13223,7 +13519,7 @@
             <a:pPr lvl="0"/>
             <a:r>
               <a:rPr lang="de-DE" smtClean="0"/>
-              <a:t>Automatisierte Akzeptanztests bei Single-Page Anwendungen | Marcus Vetter, Simon Acker, Christian Eder</a:t>
+              <a:t>Automatisierte Akzeptanztests bei Single-Page Applications | Marcus Vetter, Simon Acker, Christian Eder</a:t>
             </a:r>
             <a:endParaRPr lang="de-CH" dirty="0" smtClean="0"/>
           </a:p>
@@ -13269,7 +13565,7 @@
             <a:pPr lvl="0"/>
             <a:r>
               <a:rPr lang="de-CH" smtClean="0"/>
-              <a:t>3. Juni 2016</a:t>
+              <a:t>16. Juni 2016</a:t>
             </a:r>
             <a:endParaRPr lang="de-CH" dirty="0" smtClean="0"/>
           </a:p>
@@ -13317,7 +13613,7 @@
               <a:rPr lang="de-CH" smtClean="0"/>
               <a:t>Folie </a:t>
             </a:r>
-            <a:fld id="{960EF978-E6CD-4C38-BEB4-5785FCDA054B}" type="slidenum">
+            <a:fld id="{C692F191-E45D-4F93-9DD9-2DC36027F9BC}" type="slidenum">
               <a:rPr lang="de-CH" smtClean="0"/>
               <a:t>‹#›</a:t>
             </a:fld>
@@ -13673,7 +13969,7 @@
             </a:br>
             <a:r>
               <a:rPr lang="de-DE" sz="3200" dirty="0" smtClean="0"/>
-              <a:t>Single-Page-</a:t>
+              <a:t>Single-Page </a:t>
             </a:r>
             <a:r>
               <a:rPr lang="de-DE" sz="3200" dirty="0" err="1" smtClean="0"/>
@@ -13696,21 +13992,22 @@
             </p:custDataLst>
           </p:nvPr>
         </p:nvPicPr>
-        <p:blipFill rotWithShape="1">
-          <a:blip r:embed="rId4">
+        <p:blipFill>
+          <a:blip r:embed="rId4" cstate="print">
             <a:extLst>
               <a:ext uri="{28A0092B-C50C-407E-A947-70E740481C1C}">
                 <a14:useLocalDpi xmlns:a14="http://schemas.microsoft.com/office/drawing/2010/main" val="0"/>
               </a:ext>
             </a:extLst>
           </a:blip>
-          <a:srcRect l="31093" r="13115" b="6505"/>
-          <a:stretch/>
+          <a:stretch>
+            <a:fillRect/>
+          </a:stretch>
         </p:blipFill>
         <p:spPr>
           <a:xfrm>
-            <a:off x="899592" y="1614503"/>
-            <a:ext cx="3983481" cy="2524357"/>
+            <a:off x="1343665" y="1628800"/>
+            <a:ext cx="3541758" cy="2509332"/>
           </a:xfrm>
         </p:spPr>
       </p:pic>
@@ -13722,7 +14019,7 @@
         </p:nvGrpSpPr>
         <p:grpSpPr>
           <a:xfrm>
-            <a:off x="6564605" y="1624723"/>
+            <a:off x="6566955" y="1622365"/>
             <a:ext cx="1146380" cy="1148768"/>
             <a:chOff x="6564605" y="1624723"/>
             <a:chExt cx="1146380" cy="1148768"/>
@@ -13890,7 +14187,7 @@
         </p:nvGrpSpPr>
         <p:grpSpPr>
           <a:xfrm>
-            <a:off x="5152728" y="2991208"/>
+            <a:off x="5155078" y="2988850"/>
             <a:ext cx="1146380" cy="1148768"/>
             <a:chOff x="6564605" y="2983825"/>
             <a:chExt cx="1146380" cy="1148768"/>
@@ -14067,7 +14364,7 @@
         </p:nvGrpSpPr>
         <p:grpSpPr>
           <a:xfrm>
-            <a:off x="5152728" y="1631158"/>
+            <a:off x="5155078" y="1628800"/>
             <a:ext cx="1146380" cy="1147652"/>
             <a:chOff x="7937794" y="1624723"/>
             <a:chExt cx="1146380" cy="1147652"/>
@@ -14210,7 +14507,7 @@
         </p:nvGrpSpPr>
         <p:grpSpPr>
           <a:xfrm>
-            <a:off x="6564516" y="3001961"/>
+            <a:off x="6566866" y="2999603"/>
             <a:ext cx="1146468" cy="1153554"/>
             <a:chOff x="7958092" y="2991208"/>
             <a:chExt cx="1146468" cy="1153554"/>
@@ -14735,11 +15032,7 @@
             </a:r>
             <a:r>
               <a:rPr lang="de-DE" b="1" dirty="0" smtClean="0"/>
-              <a:t> </a:t>
-            </a:r>
-            <a:r>
-              <a:rPr lang="de-DE" b="1" dirty="0" smtClean="0"/>
-              <a:t>Tool</a:t>
+              <a:t> Tool</a:t>
             </a:r>
           </a:p>
           <a:p>
@@ -14793,11 +15086,7 @@
             </a:r>
             <a:r>
               <a:rPr lang="de-DE" dirty="0" smtClean="0"/>
-              <a:t> </a:t>
-            </a:r>
-            <a:r>
-              <a:rPr lang="de-DE" dirty="0" smtClean="0"/>
-              <a:t>zur textuellen Spezifikation von Anforderungen an Software</a:t>
+              <a:t> zur textuellen Spezifikation von Anforderungen an Software</a:t>
             </a:r>
           </a:p>
           <a:p>
@@ -14844,11 +15133,7 @@
             </a:pPr>
             <a:r>
               <a:rPr lang="de-DE" dirty="0" smtClean="0"/>
-              <a:t>Lebendige </a:t>
-            </a:r>
-            <a:r>
-              <a:rPr lang="de-DE" dirty="0" smtClean="0"/>
-              <a:t>Spezifikation</a:t>
+              <a:t>Lebendige Spezifikation</a:t>
             </a:r>
           </a:p>
           <a:p>
@@ -16423,11 +16708,11 @@
   <p:clrMapOvr>
     <a:masterClrMapping/>
   </p:clrMapOvr>
-  <mc:AlternateContent xmlns:mc="http://schemas.openxmlformats.org/markup-compatibility/2006">
-    <mc:Choice xmlns:p14="http://schemas.microsoft.com/office/powerpoint/2010/main" Requires="p14">
+  <mc:AlternateContent xmlns:mc="http://schemas.openxmlformats.org/markup-compatibility/2006" xmlns:p14="http://schemas.microsoft.com/office/powerpoint/2010/main">
+    <mc:Choice Requires="p14">
       <p:transition p14:dur="0"/>
     </mc:Choice>
-    <mc:Fallback>
+    <mc:Fallback xmlns="">
       <p:transition/>
     </mc:Fallback>
   </mc:AlternateContent>
@@ -16755,6 +17040,773 @@
       </p:grpSpPr>
       <p:sp>
         <p:nvSpPr>
+          <p:cNvPr id="2" name="Title 1"/>
+          <p:cNvSpPr>
+            <a:spLocks noGrp="1"/>
+          </p:cNvSpPr>
+          <p:nvPr>
+            <p:ph type="title"/>
+          </p:nvPr>
+        </p:nvSpPr>
+        <p:spPr/>
+        <p:txBody>
+          <a:bodyPr/>
+          <a:lstStyle/>
+          <a:p>
+            <a:r>
+              <a:rPr lang="de-DE" dirty="0" smtClean="0"/>
+              <a:t>YodaChat</a:t>
+            </a:r>
+            <a:endParaRPr lang="de-DE" dirty="0"/>
+          </a:p>
+        </p:txBody>
+      </p:sp>
+      <p:pic>
+        <p:nvPicPr>
+          <p:cNvPr id="6" name="Content Placeholder 5"/>
+          <p:cNvPicPr>
+            <a:picLocks noGrp="1" noChangeAspect="1"/>
+          </p:cNvPicPr>
+          <p:nvPr>
+            <p:ph idx="1"/>
+          </p:nvPr>
+        </p:nvPicPr>
+        <p:blipFill>
+          <a:blip r:embed="rId3">
+            <a:extLst>
+              <a:ext uri="{28A0092B-C50C-407E-A947-70E740481C1C}">
+                <a14:useLocalDpi xmlns:a14="http://schemas.microsoft.com/office/drawing/2010/main" val="0"/>
+              </a:ext>
+            </a:extLst>
+          </a:blip>
+          <a:stretch>
+            <a:fillRect/>
+          </a:stretch>
+        </p:blipFill>
+        <p:spPr>
+          <a:xfrm>
+            <a:off x="579436" y="1575486"/>
+            <a:ext cx="7961311" cy="4776787"/>
+          </a:xfrm>
+        </p:spPr>
+      </p:pic>
+      <p:sp>
+        <p:nvSpPr>
+          <p:cNvPr id="4" name="Text Placeholder 3"/>
+          <p:cNvSpPr>
+            <a:spLocks noGrp="1"/>
+          </p:cNvSpPr>
+          <p:nvPr>
+            <p:ph type="body" sz="quarter" idx="13"/>
+          </p:nvPr>
+        </p:nvSpPr>
+        <p:spPr/>
+        <p:txBody>
+          <a:bodyPr/>
+          <a:lstStyle/>
+          <a:p>
+            <a:r>
+              <a:rPr lang="de-DE" dirty="0" smtClean="0"/>
+              <a:t>Spezifikation mit Beispielen in Cucumber</a:t>
+            </a:r>
+            <a:endParaRPr lang="de-DE" dirty="0"/>
+          </a:p>
+        </p:txBody>
+      </p:sp>
+      <p:pic>
+        <p:nvPicPr>
+          <p:cNvPr id="5" name="Picture 4"/>
+          <p:cNvPicPr>
+            <a:picLocks noChangeAspect="1"/>
+          </p:cNvPicPr>
+          <p:nvPr/>
+        </p:nvPicPr>
+        <p:blipFill>
+          <a:blip r:embed="rId4" cstate="print">
+            <a:extLst>
+              <a:ext uri="{28A0092B-C50C-407E-A947-70E740481C1C}">
+                <a14:useLocalDpi xmlns:a14="http://schemas.microsoft.com/office/drawing/2010/main" val="0"/>
+              </a:ext>
+            </a:extLst>
+          </a:blip>
+          <a:stretch>
+            <a:fillRect/>
+          </a:stretch>
+        </p:blipFill>
+        <p:spPr>
+          <a:xfrm rot="726189">
+            <a:off x="7571430" y="360391"/>
+            <a:ext cx="903578" cy="722862"/>
+          </a:xfrm>
+          <a:prstGeom prst="rect">
+            <a:avLst/>
+          </a:prstGeom>
+          <a:solidFill>
+            <a:srgbClr val="FFFFFF">
+              <a:shade val="85000"/>
+            </a:srgbClr>
+          </a:solidFill>
+          <a:ln w="38100" cap="sq">
+            <a:solidFill>
+              <a:srgbClr val="FFFFFF"/>
+            </a:solidFill>
+            <a:miter lim="800000"/>
+          </a:ln>
+          <a:effectLst>
+            <a:outerShdw blurRad="65000" dist="50800" dir="12900000" kx="195000" ky="145000" algn="tl" rotWithShape="0">
+              <a:srgbClr val="000000">
+                <a:alpha val="30000"/>
+              </a:srgbClr>
+            </a:outerShdw>
+          </a:effectLst>
+          <a:scene3d>
+            <a:camera prst="orthographicFront">
+              <a:rot lat="0" lon="0" rev="360000"/>
+            </a:camera>
+            <a:lightRig rig="twoPt" dir="t">
+              <a:rot lat="0" lon="0" rev="7200000"/>
+            </a:lightRig>
+          </a:scene3d>
+          <a:sp3d contourW="12700">
+            <a:bevelT w="25400" h="19050"/>
+            <a:contourClr>
+              <a:srgbClr val="969696"/>
+            </a:contourClr>
+          </a:sp3d>
+        </p:spPr>
+      </p:pic>
+    </p:spTree>
+    <p:extLst>
+      <p:ext uri="{BB962C8B-B14F-4D97-AF65-F5344CB8AC3E}">
+        <p14:creationId xmlns:p14="http://schemas.microsoft.com/office/powerpoint/2010/main" val="2255896107"/>
+      </p:ext>
+    </p:extLst>
+  </p:cSld>
+  <p:clrMapOvr>
+    <a:masterClrMapping/>
+  </p:clrMapOvr>
+  <p:timing>
+    <p:tnLst>
+      <p:par>
+        <p:cTn id="1" dur="indefinite" restart="never" nodeType="tmRoot"/>
+      </p:par>
+    </p:tnLst>
+  </p:timing>
+</p:sld>
+</file>
+
+<file path=ppt/slides/slide15.xml><?xml version="1.0" encoding="utf-8"?>
+<p:sld xmlns:a="http://schemas.openxmlformats.org/drawingml/2006/main" xmlns:r="http://schemas.openxmlformats.org/officeDocument/2006/relationships" xmlns:p="http://schemas.openxmlformats.org/presentationml/2006/main">
+  <p:cSld>
+    <p:spTree>
+      <p:nvGrpSpPr>
+        <p:cNvPr id="1" name=""/>
+        <p:cNvGrpSpPr/>
+        <p:nvPr/>
+      </p:nvGrpSpPr>
+      <p:grpSpPr>
+        <a:xfrm>
+          <a:off x="0" y="0"/>
+          <a:ext cx="0" cy="0"/>
+          <a:chOff x="0" y="0"/>
+          <a:chExt cx="0" cy="0"/>
+        </a:xfrm>
+      </p:grpSpPr>
+      <p:grpSp>
+        <p:nvGrpSpPr>
+          <p:cNvPr id="23" name="Group 22"/>
+          <p:cNvGrpSpPr/>
+          <p:nvPr/>
+        </p:nvGrpSpPr>
+        <p:grpSpPr>
+          <a:xfrm>
+            <a:off x="816993" y="2402682"/>
+            <a:ext cx="7200800" cy="792088"/>
+            <a:chOff x="919317" y="5013176"/>
+            <a:chExt cx="7200800" cy="792088"/>
+          </a:xfrm>
+        </p:grpSpPr>
+        <p:sp>
+          <p:nvSpPr>
+            <p:cNvPr id="5" name="Rounded Rectangle 4"/>
+            <p:cNvSpPr/>
+            <p:nvPr/>
+          </p:nvSpPr>
+          <p:spPr>
+            <a:xfrm>
+              <a:off x="919317" y="5013176"/>
+              <a:ext cx="7200800" cy="792088"/>
+            </a:xfrm>
+            <a:prstGeom prst="roundRect">
+              <a:avLst/>
+            </a:prstGeom>
+            <a:ln/>
+          </p:spPr>
+          <p:style>
+            <a:lnRef idx="2">
+              <a:schemeClr val="accent1"/>
+            </a:lnRef>
+            <a:fillRef idx="1">
+              <a:schemeClr val="lt1"/>
+            </a:fillRef>
+            <a:effectRef idx="0">
+              <a:schemeClr val="accent1"/>
+            </a:effectRef>
+            <a:fontRef idx="minor">
+              <a:schemeClr val="dk1"/>
+            </a:fontRef>
+          </p:style>
+          <p:txBody>
+            <a:bodyPr rtlCol="0" anchor="ctr"/>
+            <a:lstStyle/>
+            <a:p>
+              <a:pPr algn="ctr"/>
+              <a:r>
+                <a:rPr lang="de-DE" sz="2800" dirty="0" smtClean="0">
+                  <a:latin typeface="AA Zuehlke" pitchFamily="2" charset="0"/>
+                </a:rPr>
+                <a:t>System </a:t>
+              </a:r>
+              <a:r>
+                <a:rPr lang="de-DE" sz="2800" dirty="0" err="1" smtClean="0">
+                  <a:latin typeface="AA Zuehlke" pitchFamily="2" charset="0"/>
+                </a:rPr>
+                <a:t>under</a:t>
+              </a:r>
+              <a:r>
+                <a:rPr lang="de-DE" sz="2800" dirty="0" smtClean="0">
+                  <a:latin typeface="AA Zuehlke" pitchFamily="2" charset="0"/>
+                </a:rPr>
+                <a:t> </a:t>
+              </a:r>
+              <a:r>
+                <a:rPr lang="de-DE" sz="2800" dirty="0" err="1" smtClean="0">
+                  <a:latin typeface="AA Zuehlke" pitchFamily="2" charset="0"/>
+                </a:rPr>
+                <a:t>test</a:t>
+              </a:r>
+              <a:endParaRPr lang="de-DE" sz="2800" dirty="0" smtClean="0">
+                <a:latin typeface="AA Zuehlke" pitchFamily="2" charset="0"/>
+              </a:endParaRPr>
+            </a:p>
+          </p:txBody>
+        </p:sp>
+        <p:pic>
+          <p:nvPicPr>
+            <p:cNvPr id="15" name="Picture 14"/>
+            <p:cNvPicPr>
+              <a:picLocks noChangeAspect="1"/>
+            </p:cNvPicPr>
+            <p:nvPr/>
+          </p:nvPicPr>
+          <p:blipFill>
+            <a:blip r:embed="rId3" cstate="print">
+              <a:extLst>
+                <a:ext uri="{28A0092B-C50C-407E-A947-70E740481C1C}">
+                  <a14:useLocalDpi xmlns:a14="http://schemas.microsoft.com/office/drawing/2010/main" val="0"/>
+                </a:ext>
+              </a:extLst>
+            </a:blip>
+            <a:stretch>
+              <a:fillRect/>
+            </a:stretch>
+          </p:blipFill>
+          <p:spPr>
+            <a:xfrm>
+              <a:off x="6913525" y="5149587"/>
+              <a:ext cx="485123" cy="527307"/>
+            </a:xfrm>
+            <a:prstGeom prst="rect">
+              <a:avLst/>
+            </a:prstGeom>
+          </p:spPr>
+        </p:pic>
+        <p:pic>
+          <p:nvPicPr>
+            <p:cNvPr id="19" name="Picture 18"/>
+            <p:cNvPicPr>
+              <a:picLocks noChangeAspect="1"/>
+            </p:cNvPicPr>
+            <p:nvPr/>
+          </p:nvPicPr>
+          <p:blipFill>
+            <a:blip r:embed="rId4" cstate="print">
+              <a:extLst>
+                <a:ext uri="{28A0092B-C50C-407E-A947-70E740481C1C}">
+                  <a14:useLocalDpi xmlns:a14="http://schemas.microsoft.com/office/drawing/2010/main" val="0"/>
+                </a:ext>
+              </a:extLst>
+            </a:blip>
+            <a:stretch>
+              <a:fillRect/>
+            </a:stretch>
+          </p:blipFill>
+          <p:spPr>
+            <a:xfrm>
+              <a:off x="7518995" y="5174437"/>
+              <a:ext cx="484090" cy="484090"/>
+            </a:xfrm>
+            <a:prstGeom prst="rect">
+              <a:avLst/>
+            </a:prstGeom>
+          </p:spPr>
+        </p:pic>
+      </p:grpSp>
+      <p:sp>
+        <p:nvSpPr>
+          <p:cNvPr id="2" name="Title 1"/>
+          <p:cNvSpPr>
+            <a:spLocks noGrp="1"/>
+          </p:cNvSpPr>
+          <p:nvPr>
+            <p:ph type="title"/>
+          </p:nvPr>
+        </p:nvSpPr>
+        <p:spPr/>
+        <p:txBody>
+          <a:bodyPr/>
+          <a:lstStyle/>
+          <a:p>
+            <a:r>
+              <a:rPr lang="de-DE" dirty="0" err="1" smtClean="0"/>
+              <a:t>Acceptance</a:t>
+            </a:r>
+            <a:r>
+              <a:rPr lang="de-DE" dirty="0" smtClean="0"/>
+              <a:t> </a:t>
+            </a:r>
+            <a:r>
+              <a:rPr lang="de-DE" dirty="0" err="1" smtClean="0"/>
+              <a:t>Testing</a:t>
+            </a:r>
+            <a:r>
+              <a:rPr lang="de-DE" dirty="0" smtClean="0"/>
+              <a:t> Stack – </a:t>
+            </a:r>
+            <a:r>
+              <a:rPr lang="de-DE" dirty="0" err="1" smtClean="0"/>
+              <a:t>Step</a:t>
+            </a:r>
+            <a:r>
+              <a:rPr lang="de-DE" dirty="0" smtClean="0"/>
+              <a:t> </a:t>
+            </a:r>
+            <a:r>
+              <a:rPr lang="de-DE" dirty="0" err="1" smtClean="0"/>
+              <a:t>Definitions</a:t>
+            </a:r>
+            <a:endParaRPr lang="de-DE" dirty="0"/>
+          </a:p>
+        </p:txBody>
+      </p:sp>
+      <p:grpSp>
+        <p:nvGrpSpPr>
+          <p:cNvPr id="20" name="Group 19"/>
+          <p:cNvGrpSpPr/>
+          <p:nvPr/>
+        </p:nvGrpSpPr>
+        <p:grpSpPr>
+          <a:xfrm>
+            <a:off x="827584" y="1484784"/>
+            <a:ext cx="7198222" cy="790808"/>
+            <a:chOff x="921895" y="1828024"/>
+            <a:chExt cx="7198222" cy="790808"/>
+          </a:xfrm>
+        </p:grpSpPr>
+        <p:sp>
+          <p:nvSpPr>
+            <p:cNvPr id="12" name="Rounded Rectangle 11"/>
+            <p:cNvSpPr/>
+            <p:nvPr/>
+          </p:nvSpPr>
+          <p:spPr>
+            <a:xfrm>
+              <a:off x="921895" y="1828024"/>
+              <a:ext cx="7198222" cy="790808"/>
+            </a:xfrm>
+            <a:prstGeom prst="roundRect">
+              <a:avLst/>
+            </a:prstGeom>
+            <a:ln/>
+          </p:spPr>
+          <p:style>
+            <a:lnRef idx="2">
+              <a:schemeClr val="accent3"/>
+            </a:lnRef>
+            <a:fillRef idx="1">
+              <a:schemeClr val="lt1"/>
+            </a:fillRef>
+            <a:effectRef idx="0">
+              <a:schemeClr val="accent3"/>
+            </a:effectRef>
+            <a:fontRef idx="minor">
+              <a:schemeClr val="dk1"/>
+            </a:fontRef>
+          </p:style>
+          <p:txBody>
+            <a:bodyPr rtlCol="0" anchor="ctr"/>
+            <a:lstStyle/>
+            <a:p>
+              <a:pPr algn="ctr"/>
+              <a:r>
+                <a:rPr lang="de-DE" sz="2800" dirty="0" smtClean="0">
+                  <a:latin typeface="AA Zuehlke" pitchFamily="2" charset="0"/>
+                </a:rPr>
+                <a:t>Features</a:t>
+              </a:r>
+              <a:endParaRPr lang="de-DE" sz="2800" dirty="0" smtClean="0">
+                <a:latin typeface="AA Zuehlke" pitchFamily="2" charset="0"/>
+              </a:endParaRPr>
+            </a:p>
+          </p:txBody>
+        </p:sp>
+        <p:pic>
+          <p:nvPicPr>
+            <p:cNvPr id="13" name="Picture 6" descr="Cucumber Logo"/>
+            <p:cNvPicPr>
+              <a:picLocks noChangeAspect="1" noChangeArrowheads="1"/>
+            </p:cNvPicPr>
+            <p:nvPr/>
+          </p:nvPicPr>
+          <p:blipFill>
+            <a:blip r:embed="rId5" cstate="print">
+              <a:extLst>
+                <a:ext uri="{28A0092B-C50C-407E-A947-70E740481C1C}">
+                  <a14:useLocalDpi xmlns:a14="http://schemas.microsoft.com/office/drawing/2010/main" val="0"/>
+                </a:ext>
+              </a:extLst>
+            </a:blip>
+            <a:srcRect/>
+            <a:stretch>
+              <a:fillRect/>
+            </a:stretch>
+          </p:blipFill>
+          <p:spPr bwMode="auto">
+            <a:xfrm>
+              <a:off x="6914914" y="2026337"/>
+              <a:ext cx="1205203" cy="393353"/>
+            </a:xfrm>
+            <a:prstGeom prst="rect">
+              <a:avLst/>
+            </a:prstGeom>
+            <a:noFill/>
+            <a:extLst>
+              <a:ext uri="{909E8E84-426E-40DD-AFC4-6F175D3DCCD1}">
+                <a14:hiddenFill xmlns:a14="http://schemas.microsoft.com/office/drawing/2010/main">
+                  <a:solidFill>
+                    <a:srgbClr val="FFFFFF"/>
+                  </a:solidFill>
+                </a14:hiddenFill>
+              </a:ext>
+            </a:extLst>
+          </p:spPr>
+        </p:pic>
+      </p:grpSp>
+      <p:grpSp>
+        <p:nvGrpSpPr>
+          <p:cNvPr id="18" name="Group 17"/>
+          <p:cNvGrpSpPr/>
+          <p:nvPr/>
+        </p:nvGrpSpPr>
+        <p:grpSpPr>
+          <a:xfrm>
+            <a:off x="819571" y="2403962"/>
+            <a:ext cx="7198222" cy="790808"/>
+            <a:chOff x="921895" y="2889741"/>
+            <a:chExt cx="7198222" cy="790808"/>
+          </a:xfrm>
+        </p:grpSpPr>
+        <p:sp>
+          <p:nvSpPr>
+            <p:cNvPr id="24" name="Rounded Rectangle 23"/>
+            <p:cNvSpPr/>
+            <p:nvPr/>
+          </p:nvSpPr>
+          <p:spPr>
+            <a:xfrm>
+              <a:off x="921895" y="2889741"/>
+              <a:ext cx="7198222" cy="790808"/>
+            </a:xfrm>
+            <a:prstGeom prst="roundRect">
+              <a:avLst/>
+            </a:prstGeom>
+            <a:ln/>
+          </p:spPr>
+          <p:style>
+            <a:lnRef idx="2">
+              <a:schemeClr val="accent3"/>
+            </a:lnRef>
+            <a:fillRef idx="1">
+              <a:schemeClr val="lt1"/>
+            </a:fillRef>
+            <a:effectRef idx="0">
+              <a:schemeClr val="accent3"/>
+            </a:effectRef>
+            <a:fontRef idx="minor">
+              <a:schemeClr val="dk1"/>
+            </a:fontRef>
+          </p:style>
+          <p:txBody>
+            <a:bodyPr rtlCol="0" anchor="ctr"/>
+            <a:lstStyle/>
+            <a:p>
+              <a:pPr algn="ctr"/>
+              <a:r>
+                <a:rPr lang="de-DE" sz="2800" dirty="0" err="1" smtClean="0">
+                  <a:latin typeface="AA Zuehlke" pitchFamily="2" charset="0"/>
+                </a:rPr>
+                <a:t>Step</a:t>
+              </a:r>
+              <a:r>
+                <a:rPr lang="de-DE" sz="2800" dirty="0" smtClean="0">
+                  <a:latin typeface="AA Zuehlke" pitchFamily="2" charset="0"/>
+                </a:rPr>
+                <a:t> </a:t>
+              </a:r>
+              <a:r>
+                <a:rPr lang="de-DE" sz="2800" dirty="0" err="1">
+                  <a:latin typeface="AA Zuehlke" pitchFamily="2" charset="0"/>
+                </a:rPr>
+                <a:t>d</a:t>
+              </a:r>
+              <a:r>
+                <a:rPr lang="de-DE" sz="2800" dirty="0" err="1" smtClean="0">
+                  <a:latin typeface="AA Zuehlke" pitchFamily="2" charset="0"/>
+                </a:rPr>
+                <a:t>efinitions</a:t>
+              </a:r>
+              <a:endParaRPr lang="de-DE" sz="2800" dirty="0" smtClean="0">
+                <a:latin typeface="AA Zuehlke" pitchFamily="2" charset="0"/>
+              </a:endParaRPr>
+            </a:p>
+          </p:txBody>
+        </p:sp>
+        <p:pic>
+          <p:nvPicPr>
+            <p:cNvPr id="25" name="Picture 6" descr="Cucumber Logo"/>
+            <p:cNvPicPr>
+              <a:picLocks noChangeAspect="1" noChangeArrowheads="1"/>
+            </p:cNvPicPr>
+            <p:nvPr/>
+          </p:nvPicPr>
+          <p:blipFill>
+            <a:blip r:embed="rId5" cstate="print">
+              <a:extLst>
+                <a:ext uri="{28A0092B-C50C-407E-A947-70E740481C1C}">
+                  <a14:useLocalDpi xmlns:a14="http://schemas.microsoft.com/office/drawing/2010/main" val="0"/>
+                </a:ext>
+              </a:extLst>
+            </a:blip>
+            <a:srcRect/>
+            <a:stretch>
+              <a:fillRect/>
+            </a:stretch>
+          </p:blipFill>
+          <p:spPr bwMode="auto">
+            <a:xfrm>
+              <a:off x="6914914" y="3088468"/>
+              <a:ext cx="1205203" cy="393353"/>
+            </a:xfrm>
+            <a:prstGeom prst="rect">
+              <a:avLst/>
+            </a:prstGeom>
+            <a:noFill/>
+            <a:extLst>
+              <a:ext uri="{909E8E84-426E-40DD-AFC4-6F175D3DCCD1}">
+                <a14:hiddenFill xmlns:a14="http://schemas.microsoft.com/office/drawing/2010/main">
+                  <a:solidFill>
+                    <a:srgbClr val="FFFFFF"/>
+                  </a:solidFill>
+                </a14:hiddenFill>
+              </a:ext>
+            </a:extLst>
+          </p:spPr>
+        </p:pic>
+      </p:grpSp>
+    </p:spTree>
+    <p:extLst>
+      <p:ext uri="{BB962C8B-B14F-4D97-AF65-F5344CB8AC3E}">
+        <p14:creationId xmlns:p14="http://schemas.microsoft.com/office/powerpoint/2010/main" val="3020307594"/>
+      </p:ext>
+    </p:extLst>
+  </p:cSld>
+  <p:clrMapOvr>
+    <a:masterClrMapping/>
+  </p:clrMapOvr>
+  <p:timing>
+    <p:tnLst>
+      <p:par>
+        <p:cTn id="1" dur="indefinite" restart="never" nodeType="tmRoot">
+          <p:childTnLst>
+            <p:seq concurrent="1" nextAc="seek">
+              <p:cTn id="2" dur="indefinite" nodeType="mainSeq">
+                <p:childTnLst>
+                  <p:par>
+                    <p:cTn id="3" fill="hold">
+                      <p:stCondLst>
+                        <p:cond delay="indefinite"/>
+                      </p:stCondLst>
+                      <p:childTnLst>
+                        <p:par>
+                          <p:cTn id="4" fill="hold">
+                            <p:stCondLst>
+                              <p:cond delay="0"/>
+                            </p:stCondLst>
+                            <p:childTnLst>
+                              <p:par>
+                                <p:cTn id="5" presetID="42" presetClass="path" presetSubtype="0" accel="50000" decel="50000" fill="hold" nodeType="clickEffect">
+                                  <p:stCondLst>
+                                    <p:cond delay="0"/>
+                                  </p:stCondLst>
+                                  <p:childTnLst>
+                                    <p:animMotion origin="layout" path="M 2.77778E-7 -1.85185E-6 L 0.00104 0.13796 " pathEditMode="relative" rAng="0" ptsTypes="AA">
+                                      <p:cBhvr>
+                                        <p:cTn id="6" dur="1000" fill="hold"/>
+                                        <p:tgtEl>
+                                          <p:spTgt spid="23"/>
+                                        </p:tgtEl>
+                                        <p:attrNameLst>
+                                          <p:attrName>ppt_x</p:attrName>
+                                          <p:attrName>ppt_y</p:attrName>
+                                        </p:attrNameLst>
+                                      </p:cBhvr>
+                                      <p:rCtr x="52" y="6898"/>
+                                    </p:animMotion>
+                                  </p:childTnLst>
+                                </p:cTn>
+                              </p:par>
+                            </p:childTnLst>
+                          </p:cTn>
+                        </p:par>
+                        <p:par>
+                          <p:cTn id="7" fill="hold">
+                            <p:stCondLst>
+                              <p:cond delay="1000"/>
+                            </p:stCondLst>
+                            <p:childTnLst>
+                              <p:par>
+                                <p:cTn id="8" presetID="2" presetClass="entr" presetSubtype="8" fill="hold" nodeType="afterEffect">
+                                  <p:stCondLst>
+                                    <p:cond delay="0"/>
+                                  </p:stCondLst>
+                                  <p:childTnLst>
+                                    <p:set>
+                                      <p:cBhvr>
+                                        <p:cTn id="9" dur="1" fill="hold">
+                                          <p:stCondLst>
+                                            <p:cond delay="0"/>
+                                          </p:stCondLst>
+                                        </p:cTn>
+                                        <p:tgtEl>
+                                          <p:spTgt spid="18"/>
+                                        </p:tgtEl>
+                                        <p:attrNameLst>
+                                          <p:attrName>style.visibility</p:attrName>
+                                        </p:attrNameLst>
+                                      </p:cBhvr>
+                                      <p:to>
+                                        <p:strVal val="visible"/>
+                                      </p:to>
+                                    </p:set>
+                                    <p:anim calcmode="lin" valueType="num">
+                                      <p:cBhvr additive="base">
+                                        <p:cTn id="10" dur="1000" fill="hold"/>
+                                        <p:tgtEl>
+                                          <p:spTgt spid="18"/>
+                                        </p:tgtEl>
+                                        <p:attrNameLst>
+                                          <p:attrName>ppt_x</p:attrName>
+                                        </p:attrNameLst>
+                                      </p:cBhvr>
+                                      <p:tavLst>
+                                        <p:tav tm="0">
+                                          <p:val>
+                                            <p:strVal val="0-#ppt_w/2"/>
+                                          </p:val>
+                                        </p:tav>
+                                        <p:tav tm="100000">
+                                          <p:val>
+                                            <p:strVal val="#ppt_x"/>
+                                          </p:val>
+                                        </p:tav>
+                                      </p:tavLst>
+                                    </p:anim>
+                                    <p:anim calcmode="lin" valueType="num">
+                                      <p:cBhvr additive="base">
+                                        <p:cTn id="11" dur="1000" fill="hold"/>
+                                        <p:tgtEl>
+                                          <p:spTgt spid="18"/>
+                                        </p:tgtEl>
+                                        <p:attrNameLst>
+                                          <p:attrName>ppt_y</p:attrName>
+                                        </p:attrNameLst>
+                                      </p:cBhvr>
+                                      <p:tavLst>
+                                        <p:tav tm="0">
+                                          <p:val>
+                                            <p:strVal val="#ppt_y"/>
+                                          </p:val>
+                                        </p:tav>
+                                        <p:tav tm="100000">
+                                          <p:val>
+                                            <p:strVal val="#ppt_y"/>
+                                          </p:val>
+                                        </p:tav>
+                                      </p:tavLst>
+                                    </p:anim>
+                                  </p:childTnLst>
+                                </p:cTn>
+                              </p:par>
+                            </p:childTnLst>
+                          </p:cTn>
+                        </p:par>
+                      </p:childTnLst>
+                    </p:cTn>
+                  </p:par>
+                </p:childTnLst>
+              </p:cTn>
+              <p:prevCondLst>
+                <p:cond evt="onPrev" delay="0">
+                  <p:tgtEl>
+                    <p:sldTgt/>
+                  </p:tgtEl>
+                </p:cond>
+              </p:prevCondLst>
+              <p:nextCondLst>
+                <p:cond evt="onNext" delay="0">
+                  <p:tgtEl>
+                    <p:sldTgt/>
+                  </p:tgtEl>
+                </p:cond>
+              </p:nextCondLst>
+            </p:seq>
+          </p:childTnLst>
+        </p:cTn>
+      </p:par>
+    </p:tnLst>
+  </p:timing>
+</p:sld>
+</file>
+
+<file path=ppt/slides/slide16.xml><?xml version="1.0" encoding="utf-8"?>
+<p:sld xmlns:a="http://schemas.openxmlformats.org/drawingml/2006/main" xmlns:r="http://schemas.openxmlformats.org/officeDocument/2006/relationships" xmlns:p="http://schemas.openxmlformats.org/presentationml/2006/main">
+  <p:cSld>
+    <p:spTree>
+      <p:nvGrpSpPr>
+        <p:cNvPr id="1" name=""/>
+        <p:cNvGrpSpPr/>
+        <p:nvPr/>
+      </p:nvGrpSpPr>
+      <p:grpSpPr>
+        <a:xfrm>
+          <a:off x="0" y="0"/>
+          <a:ext cx="0" cy="0"/>
+          <a:chOff x="0" y="0"/>
+          <a:chExt cx="0" cy="0"/>
+        </a:xfrm>
+      </p:grpSpPr>
+      <p:sp>
+        <p:nvSpPr>
           <p:cNvPr id="12" name="Rectangle 11"/>
           <p:cNvSpPr/>
           <p:nvPr/>
@@ -18989,11 +20041,11 @@
   <p:clrMapOvr>
     <a:masterClrMapping/>
   </p:clrMapOvr>
-  <mc:AlternateContent xmlns:mc="http://schemas.openxmlformats.org/markup-compatibility/2006">
-    <mc:Choice xmlns:p14="http://schemas.microsoft.com/office/powerpoint/2010/main" Requires="p14">
+  <mc:AlternateContent xmlns:mc="http://schemas.openxmlformats.org/markup-compatibility/2006" xmlns:p14="http://schemas.microsoft.com/office/powerpoint/2010/main">
+    <mc:Choice Requires="p14">
       <p:transition p14:dur="0"/>
     </mc:Choice>
-    <mc:Fallback>
+    <mc:Fallback xmlns="">
       <p:transition/>
     </mc:Fallback>
   </mc:AlternateContent>
@@ -19018,14 +20070,102 @@
                             </p:stCondLst>
                             <p:childTnLst>
                               <p:par>
-                                <p:cTn id="5" presetID="42" presetClass="path" presetSubtype="0" accel="50000" decel="50000" fill="hold" grpId="0" nodeType="clickEffect">
+                                <p:cTn id="5" presetID="10" presetClass="entr" presetSubtype="0" fill="hold" grpId="1" nodeType="clickEffect">
+                                  <p:stCondLst>
+                                    <p:cond delay="0"/>
+                                  </p:stCondLst>
+                                  <p:childTnLst>
+                                    <p:set>
+                                      <p:cBhvr>
+                                        <p:cTn id="6" dur="1" fill="hold">
+                                          <p:stCondLst>
+                                            <p:cond delay="0"/>
+                                          </p:stCondLst>
+                                        </p:cTn>
+                                        <p:tgtEl>
+                                          <p:spTgt spid="13"/>
+                                        </p:tgtEl>
+                                        <p:attrNameLst>
+                                          <p:attrName>style.visibility</p:attrName>
+                                        </p:attrNameLst>
+                                      </p:cBhvr>
+                                      <p:to>
+                                        <p:strVal val="visible"/>
+                                      </p:to>
+                                    </p:set>
+                                    <p:animEffect transition="in" filter="fade">
+                                      <p:cBhvr>
+                                        <p:cTn id="7" dur="500"/>
+                                        <p:tgtEl>
+                                          <p:spTgt spid="13"/>
+                                        </p:tgtEl>
+                                      </p:cBhvr>
+                                    </p:animEffect>
+                                  </p:childTnLst>
+                                </p:cTn>
+                              </p:par>
+                              <p:par>
+                                <p:cTn id="8" presetID="10" presetClass="entr" presetSubtype="0" fill="hold" grpId="1" nodeType="withEffect">
+                                  <p:stCondLst>
+                                    <p:cond delay="0"/>
+                                  </p:stCondLst>
+                                  <p:childTnLst>
+                                    <p:set>
+                                      <p:cBhvr>
+                                        <p:cTn id="9" dur="1" fill="hold">
+                                          <p:stCondLst>
+                                            <p:cond delay="0"/>
+                                          </p:stCondLst>
+                                        </p:cTn>
+                                        <p:tgtEl>
+                                          <p:spTgt spid="2"/>
+                                        </p:tgtEl>
+                                        <p:attrNameLst>
+                                          <p:attrName>style.visibility</p:attrName>
+                                        </p:attrNameLst>
+                                      </p:cBhvr>
+                                      <p:to>
+                                        <p:strVal val="visible"/>
+                                      </p:to>
+                                    </p:set>
+                                    <p:animEffect transition="in" filter="fade">
+                                      <p:cBhvr>
+                                        <p:cTn id="10" dur="500"/>
+                                        <p:tgtEl>
+                                          <p:spTgt spid="2"/>
+                                        </p:tgtEl>
+                                      </p:cBhvr>
+                                    </p:animEffect>
+                                  </p:childTnLst>
+                                </p:cTn>
+                              </p:par>
+                            </p:childTnLst>
+                          </p:cTn>
+                        </p:par>
+                      </p:childTnLst>
+                    </p:cTn>
+                  </p:par>
+                  <p:par>
+                    <p:cTn id="11" fill="hold">
+                      <p:stCondLst>
+                        <p:cond delay="indefinite"/>
+                      </p:stCondLst>
+                      <p:childTnLst>
+                        <p:par>
+                          <p:cTn id="12" fill="hold">
+                            <p:stCondLst>
+                              <p:cond delay="0"/>
+                            </p:stCondLst>
+                            <p:childTnLst>
+                              <p:par>
+                                <p:cTn id="13" presetID="42" presetClass="path" presetSubtype="0" accel="50000" decel="50000" fill="hold" grpId="0" nodeType="clickEffect">
                                   <p:stCondLst>
                                     <p:cond delay="0"/>
                                   </p:stCondLst>
                                   <p:childTnLst>
                                     <p:animMotion origin="layout" path="M 2.77778E-6 -1.11111E-6 L -0.00035 -0.28935 " pathEditMode="relative" rAng="0" ptsTypes="AA">
                                       <p:cBhvr>
-                                        <p:cTn id="6" dur="2000" fill="hold"/>
+                                        <p:cTn id="14" dur="1000" fill="hold"/>
                                         <p:tgtEl>
                                           <p:spTgt spid="10"/>
                                         </p:tgtEl>
@@ -19040,14 +20180,14 @@
                                 </p:cTn>
                               </p:par>
                               <p:par>
-                                <p:cTn id="7" presetID="10" presetClass="exit" presetSubtype="0" fill="hold" grpId="0" nodeType="withEffect">
+                                <p:cTn id="15" presetID="10" presetClass="exit" presetSubtype="0" fill="hold" grpId="0" nodeType="withEffect">
                                   <p:stCondLst>
                                     <p:cond delay="0"/>
                                   </p:stCondLst>
                                   <p:childTnLst>
                                     <p:animEffect transition="out" filter="fade">
                                       <p:cBhvr>
-                                        <p:cTn id="8" dur="500"/>
+                                        <p:cTn id="16" dur="500"/>
                                         <p:tgtEl>
                                           <p:spTgt spid="13"/>
                                         </p:tgtEl>
@@ -19055,7 +20195,7 @@
                                     </p:animEffect>
                                     <p:set>
                                       <p:cBhvr>
-                                        <p:cTn id="9" dur="1" fill="hold">
+                                        <p:cTn id="17" dur="1" fill="hold">
                                           <p:stCondLst>
                                             <p:cond delay="499"/>
                                           </p:stCondLst>
@@ -19075,14 +20215,14 @@
                                 </p:cTn>
                               </p:par>
                               <p:par>
-                                <p:cTn id="10" presetID="10" presetClass="exit" presetSubtype="0" fill="hold" grpId="0" nodeType="withEffect">
+                                <p:cTn id="18" presetID="10" presetClass="exit" presetSubtype="0" fill="hold" grpId="0" nodeType="withEffect">
                                   <p:stCondLst>
                                     <p:cond delay="0"/>
                                   </p:stCondLst>
                                   <p:childTnLst>
                                     <p:animEffect transition="out" filter="fade">
                                       <p:cBhvr>
-                                        <p:cTn id="11" dur="500"/>
+                                        <p:cTn id="19" dur="500"/>
                                         <p:tgtEl>
                                           <p:spTgt spid="2"/>
                                         </p:tgtEl>
@@ -19090,7 +20230,7 @@
                                     </p:animEffect>
                                     <p:set>
                                       <p:cBhvr>
-                                        <p:cTn id="12" dur="1" fill="hold">
+                                        <p:cTn id="20" dur="1" fill="hold">
                                           <p:stCondLst>
                                             <p:cond delay="499"/>
                                           </p:stCondLst>
@@ -19110,14 +20250,14 @@
                                 </p:cTn>
                               </p:par>
                               <p:par>
-                                <p:cTn id="13" presetID="10" presetClass="exit" presetSubtype="0" fill="hold" grpId="0" nodeType="withEffect">
+                                <p:cTn id="21" presetID="10" presetClass="exit" presetSubtype="0" fill="hold" grpId="0" nodeType="withEffect">
                                   <p:stCondLst>
                                     <p:cond delay="0"/>
                                   </p:stCondLst>
                                   <p:childTnLst>
                                     <p:animEffect transition="out" filter="fade">
                                       <p:cBhvr>
-                                        <p:cTn id="14" dur="500"/>
+                                        <p:cTn id="22" dur="500"/>
                                         <p:tgtEl>
                                           <p:spTgt spid="7"/>
                                         </p:tgtEl>
@@ -19125,7 +20265,7 @@
                                     </p:animEffect>
                                     <p:set>
                                       <p:cBhvr>
-                                        <p:cTn id="15" dur="1" fill="hold">
+                                        <p:cTn id="23" dur="1" fill="hold">
                                           <p:stCondLst>
                                             <p:cond delay="499"/>
                                           </p:stCondLst>
@@ -19145,14 +20285,14 @@
                                 </p:cTn>
                               </p:par>
                               <p:par>
-                                <p:cTn id="16" presetID="10" presetClass="exit" presetSubtype="0" fill="hold" grpId="0" nodeType="withEffect">
+                                <p:cTn id="24" presetID="10" presetClass="exit" presetSubtype="0" fill="hold" grpId="0" nodeType="withEffect">
                                   <p:stCondLst>
                                     <p:cond delay="0"/>
                                   </p:stCondLst>
                                   <p:childTnLst>
                                     <p:animEffect transition="out" filter="fade">
                                       <p:cBhvr>
-                                        <p:cTn id="17" dur="500"/>
+                                        <p:cTn id="25" dur="500"/>
                                         <p:tgtEl>
                                           <p:spTgt spid="9"/>
                                         </p:tgtEl>
@@ -19160,7 +20300,7 @@
                                     </p:animEffect>
                                     <p:set>
                                       <p:cBhvr>
-                                        <p:cTn id="18" dur="1" fill="hold">
+                                        <p:cTn id="26" dur="1" fill="hold">
                                           <p:stCondLst>
                                             <p:cond delay="499"/>
                                           </p:stCondLst>
@@ -19180,14 +20320,14 @@
                                 </p:cTn>
                               </p:par>
                               <p:par>
-                                <p:cTn id="19" presetID="10" presetClass="exit" presetSubtype="0" fill="hold" grpId="0" nodeType="withEffect">
+                                <p:cTn id="27" presetID="10" presetClass="exit" presetSubtype="0" fill="hold" grpId="0" nodeType="withEffect">
                                   <p:stCondLst>
                                     <p:cond delay="0"/>
                                   </p:stCondLst>
                                   <p:childTnLst>
                                     <p:animEffect transition="out" filter="fade">
                                       <p:cBhvr>
-                                        <p:cTn id="20" dur="500"/>
+                                        <p:cTn id="28" dur="500"/>
                                         <p:tgtEl>
                                           <p:spTgt spid="11"/>
                                         </p:tgtEl>
@@ -19195,7 +20335,7 @@
                                     </p:animEffect>
                                     <p:set>
                                       <p:cBhvr>
-                                        <p:cTn id="21" dur="1" fill="hold">
+                                        <p:cTn id="29" dur="1" fill="hold">
                                           <p:stCondLst>
                                             <p:cond delay="499"/>
                                           </p:stCondLst>
@@ -19215,14 +20355,14 @@
                                 </p:cTn>
                               </p:par>
                               <p:par>
-                                <p:cTn id="22" presetID="10" presetClass="exit" presetSubtype="0" fill="hold" grpId="0" nodeType="withEffect">
+                                <p:cTn id="30" presetID="10" presetClass="exit" presetSubtype="0" fill="hold" grpId="0" nodeType="withEffect">
                                   <p:stCondLst>
                                     <p:cond delay="0"/>
                                   </p:stCondLst>
                                   <p:childTnLst>
                                     <p:animEffect transition="out" filter="fade">
                                       <p:cBhvr>
-                                        <p:cTn id="23" dur="500"/>
+                                        <p:cTn id="31" dur="500"/>
                                         <p:tgtEl>
                                           <p:spTgt spid="12"/>
                                         </p:tgtEl>
@@ -19230,7 +20370,7 @@
                                     </p:animEffect>
                                     <p:set>
                                       <p:cBhvr>
-                                        <p:cTn id="24" dur="1" fill="hold">
+                                        <p:cTn id="32" dur="1" fill="hold">
                                           <p:stCondLst>
                                             <p:cond delay="499"/>
                                           </p:stCondLst>
@@ -19253,20 +20393,20 @@
                           </p:cTn>
                         </p:par>
                         <p:par>
-                          <p:cTn id="25" fill="hold">
+                          <p:cTn id="33" fill="hold">
                             <p:stCondLst>
-                              <p:cond delay="2000"/>
+                              <p:cond delay="1000"/>
                             </p:stCondLst>
                             <p:childTnLst>
                               <p:par>
-                                <p:cTn id="26" presetID="10" presetClass="entr" presetSubtype="0" fill="hold" grpId="0" nodeType="afterEffect">
+                                <p:cTn id="34" presetID="10" presetClass="entr" presetSubtype="0" fill="hold" grpId="0" nodeType="afterEffect">
                                   <p:stCondLst>
                                     <p:cond delay="0"/>
                                   </p:stCondLst>
                                   <p:childTnLst>
                                     <p:set>
                                       <p:cBhvr>
-                                        <p:cTn id="27" dur="1" fill="hold">
+                                        <p:cTn id="35" dur="1" fill="hold">
                                           <p:stCondLst>
                                             <p:cond delay="0"/>
                                           </p:stCondLst>
@@ -19284,7 +20424,7 @@
                                     </p:set>
                                     <p:animEffect transition="in" filter="fade">
                                       <p:cBhvr>
-                                        <p:cTn id="28" dur="500"/>
+                                        <p:cTn id="36" dur="500"/>
                                         <p:tgtEl>
                                           <p:spTgt spid="14"/>
                                         </p:tgtEl>
@@ -19294,14 +20434,14 @@
                                 </p:cTn>
                               </p:par>
                               <p:par>
-                                <p:cTn id="29" presetID="10" presetClass="entr" presetSubtype="0" fill="hold" nodeType="withEffect">
+                                <p:cTn id="37" presetID="10" presetClass="entr" presetSubtype="0" fill="hold" nodeType="withEffect">
                                   <p:stCondLst>
                                     <p:cond delay="0"/>
                                   </p:stCondLst>
                                   <p:childTnLst>
                                     <p:set>
                                       <p:cBhvr>
-                                        <p:cTn id="30" dur="1" fill="hold">
+                                        <p:cTn id="38" dur="1" fill="hold">
                                           <p:stCondLst>
                                             <p:cond delay="0"/>
                                           </p:stCondLst>
@@ -19319,7 +20459,7 @@
                                     </p:set>
                                     <p:animEffect transition="in" filter="fade">
                                       <p:cBhvr>
-                                        <p:cTn id="31" dur="500"/>
+                                        <p:cTn id="39" dur="500"/>
                                         <p:tgtEl>
                                           <p:spTgt spid="47"/>
                                         </p:tgtEl>
@@ -19361,7 +20501,9 @@
       <p:bldP spid="9" grpId="0" animBg="1"/>
       <p:bldP spid="7" grpId="0" animBg="1"/>
       <p:bldP spid="2" grpId="0" animBg="1"/>
+      <p:bldP spid="2" grpId="1" animBg="1"/>
       <p:bldP spid="13" grpId="0" animBg="1"/>
+      <p:bldP spid="13" grpId="1" animBg="1"/>
       <p:bldP spid="10" grpId="0"/>
       <p:bldP spid="14" grpId="0"/>
     </p:bldLst>
@@ -19369,7 +20511,7 @@
 </p:sld>
 </file>
 
-<file path=ppt/slides/slide15.xml><?xml version="1.0" encoding="utf-8"?>
+<file path=ppt/slides/slide17.xml><?xml version="1.0" encoding="utf-8"?>
 <p:sld xmlns:a="http://schemas.openxmlformats.org/drawingml/2006/main" xmlns:r="http://schemas.openxmlformats.org/officeDocument/2006/relationships" xmlns:p="http://schemas.openxmlformats.org/presentationml/2006/main">
   <p:cSld>
     <p:spTree>
@@ -19402,131 +20544,486 @@
           <a:lstStyle/>
           <a:p>
             <a:r>
+              <a:rPr lang="de-DE" dirty="0" err="1" smtClean="0"/>
+              <a:t>Acceptance</a:t>
+            </a:r>
+            <a:r>
               <a:rPr lang="de-DE" dirty="0" smtClean="0"/>
-              <a:t>YodaChat</a:t>
+              <a:t> </a:t>
+            </a:r>
+            <a:r>
+              <a:rPr lang="de-DE" dirty="0" err="1" smtClean="0"/>
+              <a:t>Testing</a:t>
+            </a:r>
+            <a:r>
+              <a:rPr lang="de-DE" dirty="0" smtClean="0"/>
+              <a:t> Stack – </a:t>
+            </a:r>
+            <a:r>
+              <a:rPr lang="de-DE" dirty="0" err="1" smtClean="0"/>
+              <a:t>Protractor</a:t>
             </a:r>
             <a:endParaRPr lang="de-DE" dirty="0"/>
           </a:p>
         </p:txBody>
       </p:sp>
-      <p:pic>
-        <p:nvPicPr>
-          <p:cNvPr id="6" name="Content Placeholder 5"/>
-          <p:cNvPicPr>
-            <a:picLocks noGrp="1" noChangeAspect="1"/>
-          </p:cNvPicPr>
-          <p:nvPr>
-            <p:ph idx="1"/>
-          </p:nvPr>
-        </p:nvPicPr>
-        <p:blipFill>
-          <a:blip r:embed="rId3">
+      <p:grpSp>
+        <p:nvGrpSpPr>
+          <p:cNvPr id="20" name="Group 19"/>
+          <p:cNvGrpSpPr/>
+          <p:nvPr/>
+        </p:nvGrpSpPr>
+        <p:grpSpPr>
+          <a:xfrm>
+            <a:off x="827584" y="1484784"/>
+            <a:ext cx="7198222" cy="790808"/>
+            <a:chOff x="921895" y="1828024"/>
+            <a:chExt cx="7198222" cy="790808"/>
+          </a:xfrm>
+        </p:grpSpPr>
+        <p:sp>
+          <p:nvSpPr>
+            <p:cNvPr id="12" name="Rounded Rectangle 11"/>
+            <p:cNvSpPr/>
+            <p:nvPr/>
+          </p:nvSpPr>
+          <p:spPr>
+            <a:xfrm>
+              <a:off x="921895" y="1828024"/>
+              <a:ext cx="7198222" cy="790808"/>
+            </a:xfrm>
+            <a:prstGeom prst="roundRect">
+              <a:avLst/>
+            </a:prstGeom>
+            <a:ln/>
+          </p:spPr>
+          <p:style>
+            <a:lnRef idx="2">
+              <a:schemeClr val="accent3"/>
+            </a:lnRef>
+            <a:fillRef idx="1">
+              <a:schemeClr val="lt1"/>
+            </a:fillRef>
+            <a:effectRef idx="0">
+              <a:schemeClr val="accent3"/>
+            </a:effectRef>
+            <a:fontRef idx="minor">
+              <a:schemeClr val="dk1"/>
+            </a:fontRef>
+          </p:style>
+          <p:txBody>
+            <a:bodyPr rtlCol="0" anchor="ctr"/>
+            <a:lstStyle/>
+            <a:p>
+              <a:pPr algn="ctr"/>
+              <a:r>
+                <a:rPr lang="de-DE" sz="2800" dirty="0" smtClean="0">
+                  <a:latin typeface="AA Zuehlke" pitchFamily="2" charset="0"/>
+                </a:rPr>
+                <a:t>Features</a:t>
+              </a:r>
+              <a:endParaRPr lang="de-DE" sz="2800" dirty="0" smtClean="0">
+                <a:latin typeface="AA Zuehlke" pitchFamily="2" charset="0"/>
+              </a:endParaRPr>
+            </a:p>
+          </p:txBody>
+        </p:sp>
+        <p:pic>
+          <p:nvPicPr>
+            <p:cNvPr id="13" name="Picture 6" descr="Cucumber Logo"/>
+            <p:cNvPicPr>
+              <a:picLocks noChangeAspect="1" noChangeArrowheads="1"/>
+            </p:cNvPicPr>
+            <p:nvPr/>
+          </p:nvPicPr>
+          <p:blipFill>
+            <a:blip r:embed="rId3" cstate="print">
+              <a:extLst>
+                <a:ext uri="{28A0092B-C50C-407E-A947-70E740481C1C}">
+                  <a14:useLocalDpi xmlns:a14="http://schemas.microsoft.com/office/drawing/2010/main" val="0"/>
+                </a:ext>
+              </a:extLst>
+            </a:blip>
+            <a:srcRect/>
+            <a:stretch>
+              <a:fillRect/>
+            </a:stretch>
+          </p:blipFill>
+          <p:spPr bwMode="auto">
+            <a:xfrm>
+              <a:off x="6914914" y="2026337"/>
+              <a:ext cx="1205203" cy="393353"/>
+            </a:xfrm>
+            <a:prstGeom prst="rect">
+              <a:avLst/>
+            </a:prstGeom>
+            <a:noFill/>
             <a:extLst>
-              <a:ext uri="{28A0092B-C50C-407E-A947-70E740481C1C}">
-                <a14:useLocalDpi xmlns:a14="http://schemas.microsoft.com/office/drawing/2010/main" val="0"/>
+              <a:ext uri="{909E8E84-426E-40DD-AFC4-6F175D3DCCD1}">
+                <a14:hiddenFill xmlns:a14="http://schemas.microsoft.com/office/drawing/2010/main">
+                  <a:solidFill>
+                    <a:srgbClr val="FFFFFF"/>
+                  </a:solidFill>
+                </a14:hiddenFill>
               </a:ext>
             </a:extLst>
-          </a:blip>
-          <a:stretch>
-            <a:fillRect/>
-          </a:stretch>
-        </p:blipFill>
-        <p:spPr>
+          </p:spPr>
+        </p:pic>
+      </p:grpSp>
+      <p:grpSp>
+        <p:nvGrpSpPr>
+          <p:cNvPr id="22" name="Group 21"/>
+          <p:cNvGrpSpPr/>
+          <p:nvPr/>
+        </p:nvGrpSpPr>
+        <p:grpSpPr>
           <a:xfrm>
-            <a:off x="579436" y="1575486"/>
-            <a:ext cx="7961311" cy="4776787"/>
+            <a:off x="819571" y="2403962"/>
+            <a:ext cx="7198222" cy="790808"/>
+            <a:chOff x="921895" y="2889741"/>
+            <a:chExt cx="7198222" cy="790808"/>
           </a:xfrm>
-        </p:spPr>
-      </p:pic>
-      <p:sp>
-        <p:nvSpPr>
-          <p:cNvPr id="4" name="Text Placeholder 3"/>
-          <p:cNvSpPr>
-            <a:spLocks noGrp="1"/>
-          </p:cNvSpPr>
-          <p:nvPr>
-            <p:ph type="body" sz="quarter" idx="13"/>
-          </p:nvPr>
-        </p:nvSpPr>
-        <p:spPr/>
-        <p:txBody>
-          <a:bodyPr/>
-          <a:lstStyle/>
-          <a:p>
-            <a:r>
-              <a:rPr lang="de-DE" dirty="0" smtClean="0"/>
-              <a:t>Spezifikation mit Beispielen in Cucumber</a:t>
-            </a:r>
-            <a:endParaRPr lang="de-DE" dirty="0"/>
-          </a:p>
-        </p:txBody>
-      </p:sp>
-      <p:pic>
-        <p:nvPicPr>
-          <p:cNvPr id="5" name="Picture 4"/>
-          <p:cNvPicPr>
-            <a:picLocks noChangeAspect="1"/>
-          </p:cNvPicPr>
-          <p:nvPr/>
-        </p:nvPicPr>
-        <p:blipFill>
-          <a:blip r:embed="rId4" cstate="print">
+        </p:grpSpPr>
+        <p:sp>
+          <p:nvSpPr>
+            <p:cNvPr id="7" name="Rounded Rectangle 6"/>
+            <p:cNvSpPr/>
+            <p:nvPr/>
+          </p:nvSpPr>
+          <p:spPr>
+            <a:xfrm>
+              <a:off x="921895" y="2889741"/>
+              <a:ext cx="7198222" cy="790808"/>
+            </a:xfrm>
+            <a:prstGeom prst="roundRect">
+              <a:avLst/>
+            </a:prstGeom>
+            <a:ln/>
+          </p:spPr>
+          <p:style>
+            <a:lnRef idx="2">
+              <a:schemeClr val="accent3"/>
+            </a:lnRef>
+            <a:fillRef idx="1">
+              <a:schemeClr val="lt1"/>
+            </a:fillRef>
+            <a:effectRef idx="0">
+              <a:schemeClr val="accent3"/>
+            </a:effectRef>
+            <a:fontRef idx="minor">
+              <a:schemeClr val="dk1"/>
+            </a:fontRef>
+          </p:style>
+          <p:txBody>
+            <a:bodyPr rtlCol="0" anchor="ctr"/>
+            <a:lstStyle/>
+            <a:p>
+              <a:pPr algn="ctr"/>
+              <a:r>
+                <a:rPr lang="de-DE" sz="2800" dirty="0" err="1" smtClean="0">
+                  <a:latin typeface="AA Zuehlke" pitchFamily="2" charset="0"/>
+                </a:rPr>
+                <a:t>Step</a:t>
+              </a:r>
+              <a:r>
+                <a:rPr lang="de-DE" sz="2800" dirty="0" smtClean="0">
+                  <a:latin typeface="AA Zuehlke" pitchFamily="2" charset="0"/>
+                </a:rPr>
+                <a:t> </a:t>
+              </a:r>
+              <a:r>
+                <a:rPr lang="de-DE" sz="2800" dirty="0" err="1">
+                  <a:latin typeface="AA Zuehlke" pitchFamily="2" charset="0"/>
+                </a:rPr>
+                <a:t>d</a:t>
+              </a:r>
+              <a:r>
+                <a:rPr lang="de-DE" sz="2800" dirty="0" err="1" smtClean="0">
+                  <a:latin typeface="AA Zuehlke" pitchFamily="2" charset="0"/>
+                </a:rPr>
+                <a:t>efinitions</a:t>
+              </a:r>
+              <a:endParaRPr lang="de-DE" sz="2800" dirty="0" smtClean="0">
+                <a:latin typeface="AA Zuehlke" pitchFamily="2" charset="0"/>
+              </a:endParaRPr>
+            </a:p>
+          </p:txBody>
+        </p:sp>
+        <p:pic>
+          <p:nvPicPr>
+            <p:cNvPr id="16" name="Picture 6" descr="Cucumber Logo"/>
+            <p:cNvPicPr>
+              <a:picLocks noChangeAspect="1" noChangeArrowheads="1"/>
+            </p:cNvPicPr>
+            <p:nvPr/>
+          </p:nvPicPr>
+          <p:blipFill>
+            <a:blip r:embed="rId3" cstate="print">
+              <a:extLst>
+                <a:ext uri="{28A0092B-C50C-407E-A947-70E740481C1C}">
+                  <a14:useLocalDpi xmlns:a14="http://schemas.microsoft.com/office/drawing/2010/main" val="0"/>
+                </a:ext>
+              </a:extLst>
+            </a:blip>
+            <a:srcRect/>
+            <a:stretch>
+              <a:fillRect/>
+            </a:stretch>
+          </p:blipFill>
+          <p:spPr bwMode="auto">
+            <a:xfrm>
+              <a:off x="6914914" y="3088468"/>
+              <a:ext cx="1205203" cy="393353"/>
+            </a:xfrm>
+            <a:prstGeom prst="rect">
+              <a:avLst/>
+            </a:prstGeom>
+            <a:noFill/>
             <a:extLst>
-              <a:ext uri="{28A0092B-C50C-407E-A947-70E740481C1C}">
-                <a14:useLocalDpi xmlns:a14="http://schemas.microsoft.com/office/drawing/2010/main" val="0"/>
+              <a:ext uri="{909E8E84-426E-40DD-AFC4-6F175D3DCCD1}">
+                <a14:hiddenFill xmlns:a14="http://schemas.microsoft.com/office/drawing/2010/main">
+                  <a:solidFill>
+                    <a:srgbClr val="FFFFFF"/>
+                  </a:solidFill>
+                </a14:hiddenFill>
               </a:ext>
             </a:extLst>
-          </a:blip>
-          <a:stretch>
-            <a:fillRect/>
-          </a:stretch>
-        </p:blipFill>
-        <p:spPr>
-          <a:xfrm rot="726189">
-            <a:off x="7571430" y="360391"/>
-            <a:ext cx="903578" cy="722862"/>
+          </p:spPr>
+        </p:pic>
+      </p:grpSp>
+      <p:grpSp>
+        <p:nvGrpSpPr>
+          <p:cNvPr id="23" name="Group 22"/>
+          <p:cNvGrpSpPr/>
+          <p:nvPr/>
+        </p:nvGrpSpPr>
+        <p:grpSpPr>
+          <a:xfrm>
+            <a:off x="827584" y="3323140"/>
+            <a:ext cx="7200800" cy="792088"/>
+            <a:chOff x="919317" y="5013176"/>
+            <a:chExt cx="7200800" cy="792088"/>
           </a:xfrm>
-          <a:prstGeom prst="rect">
-            <a:avLst/>
-          </a:prstGeom>
-          <a:solidFill>
-            <a:srgbClr val="FFFFFF">
-              <a:shade val="85000"/>
-            </a:srgbClr>
-          </a:solidFill>
-          <a:ln w="38100" cap="sq">
-            <a:solidFill>
-              <a:srgbClr val="FFFFFF"/>
-            </a:solidFill>
-            <a:miter lim="800000"/>
-          </a:ln>
-          <a:effectLst>
-            <a:outerShdw blurRad="65000" dist="50800" dir="12900000" kx="195000" ky="145000" algn="tl" rotWithShape="0">
-              <a:srgbClr val="000000">
-                <a:alpha val="30000"/>
-              </a:srgbClr>
-            </a:outerShdw>
-          </a:effectLst>
-          <a:scene3d>
-            <a:camera prst="orthographicFront">
-              <a:rot lat="0" lon="0" rev="360000"/>
-            </a:camera>
-            <a:lightRig rig="twoPt" dir="t">
-              <a:rot lat="0" lon="0" rev="7200000"/>
-            </a:lightRig>
-          </a:scene3d>
-          <a:sp3d contourW="12700">
-            <a:bevelT w="25400" h="19050"/>
-            <a:contourClr>
-              <a:srgbClr val="969696"/>
-            </a:contourClr>
-          </a:sp3d>
-        </p:spPr>
-      </p:pic>
+        </p:grpSpPr>
+        <p:sp>
+          <p:nvSpPr>
+            <p:cNvPr id="5" name="Rounded Rectangle 4"/>
+            <p:cNvSpPr/>
+            <p:nvPr/>
+          </p:nvSpPr>
+          <p:spPr>
+            <a:xfrm>
+              <a:off x="919317" y="5013176"/>
+              <a:ext cx="7200800" cy="792088"/>
+            </a:xfrm>
+            <a:prstGeom prst="roundRect">
+              <a:avLst/>
+            </a:prstGeom>
+            <a:ln/>
+          </p:spPr>
+          <p:style>
+            <a:lnRef idx="2">
+              <a:schemeClr val="accent1"/>
+            </a:lnRef>
+            <a:fillRef idx="1">
+              <a:schemeClr val="lt1"/>
+            </a:fillRef>
+            <a:effectRef idx="0">
+              <a:schemeClr val="accent1"/>
+            </a:effectRef>
+            <a:fontRef idx="minor">
+              <a:schemeClr val="dk1"/>
+            </a:fontRef>
+          </p:style>
+          <p:txBody>
+            <a:bodyPr rtlCol="0" anchor="ctr"/>
+            <a:lstStyle/>
+            <a:p>
+              <a:pPr algn="ctr"/>
+              <a:r>
+                <a:rPr lang="de-DE" sz="2800" dirty="0" smtClean="0">
+                  <a:latin typeface="AA Zuehlke" pitchFamily="2" charset="0"/>
+                </a:rPr>
+                <a:t>System </a:t>
+              </a:r>
+              <a:r>
+                <a:rPr lang="de-DE" sz="2800" dirty="0" err="1" smtClean="0">
+                  <a:latin typeface="AA Zuehlke" pitchFamily="2" charset="0"/>
+                </a:rPr>
+                <a:t>under</a:t>
+              </a:r>
+              <a:r>
+                <a:rPr lang="de-DE" sz="2800" dirty="0" smtClean="0">
+                  <a:latin typeface="AA Zuehlke" pitchFamily="2" charset="0"/>
+                </a:rPr>
+                <a:t> </a:t>
+              </a:r>
+              <a:r>
+                <a:rPr lang="de-DE" sz="2800" dirty="0" err="1" smtClean="0">
+                  <a:latin typeface="AA Zuehlke" pitchFamily="2" charset="0"/>
+                </a:rPr>
+                <a:t>test</a:t>
+              </a:r>
+              <a:endParaRPr lang="de-DE" sz="2800" dirty="0" smtClean="0">
+                <a:latin typeface="AA Zuehlke" pitchFamily="2" charset="0"/>
+              </a:endParaRPr>
+            </a:p>
+          </p:txBody>
+        </p:sp>
+        <p:pic>
+          <p:nvPicPr>
+            <p:cNvPr id="15" name="Picture 14"/>
+            <p:cNvPicPr>
+              <a:picLocks noChangeAspect="1"/>
+            </p:cNvPicPr>
+            <p:nvPr/>
+          </p:nvPicPr>
+          <p:blipFill>
+            <a:blip r:embed="rId4" cstate="print">
+              <a:extLst>
+                <a:ext uri="{28A0092B-C50C-407E-A947-70E740481C1C}">
+                  <a14:useLocalDpi xmlns:a14="http://schemas.microsoft.com/office/drawing/2010/main" val="0"/>
+                </a:ext>
+              </a:extLst>
+            </a:blip>
+            <a:stretch>
+              <a:fillRect/>
+            </a:stretch>
+          </p:blipFill>
+          <p:spPr>
+            <a:xfrm>
+              <a:off x="6913525" y="5149587"/>
+              <a:ext cx="485123" cy="527307"/>
+            </a:xfrm>
+            <a:prstGeom prst="rect">
+              <a:avLst/>
+            </a:prstGeom>
+          </p:spPr>
+        </p:pic>
+        <p:pic>
+          <p:nvPicPr>
+            <p:cNvPr id="19" name="Picture 18"/>
+            <p:cNvPicPr>
+              <a:picLocks noChangeAspect="1"/>
+            </p:cNvPicPr>
+            <p:nvPr/>
+          </p:nvPicPr>
+          <p:blipFill>
+            <a:blip r:embed="rId5" cstate="print">
+              <a:extLst>
+                <a:ext uri="{28A0092B-C50C-407E-A947-70E740481C1C}">
+                  <a14:useLocalDpi xmlns:a14="http://schemas.microsoft.com/office/drawing/2010/main" val="0"/>
+                </a:ext>
+              </a:extLst>
+            </a:blip>
+            <a:stretch>
+              <a:fillRect/>
+            </a:stretch>
+          </p:blipFill>
+          <p:spPr>
+            <a:xfrm>
+              <a:off x="7518995" y="5174437"/>
+              <a:ext cx="484090" cy="484090"/>
+            </a:xfrm>
+            <a:prstGeom prst="rect">
+              <a:avLst/>
+            </a:prstGeom>
+          </p:spPr>
+        </p:pic>
+      </p:grpSp>
+      <p:grpSp>
+        <p:nvGrpSpPr>
+          <p:cNvPr id="18" name="Group 17"/>
+          <p:cNvGrpSpPr/>
+          <p:nvPr/>
+        </p:nvGrpSpPr>
+        <p:grpSpPr>
+          <a:xfrm>
+            <a:off x="827584" y="3323140"/>
+            <a:ext cx="7198223" cy="792088"/>
+            <a:chOff x="929907" y="3952287"/>
+            <a:chExt cx="7198223" cy="792088"/>
+          </a:xfrm>
+        </p:grpSpPr>
+        <p:sp>
+          <p:nvSpPr>
+            <p:cNvPr id="24" name="Rounded Rectangle 23"/>
+            <p:cNvSpPr/>
+            <p:nvPr/>
+          </p:nvSpPr>
+          <p:spPr>
+            <a:xfrm>
+              <a:off x="929907" y="3952287"/>
+              <a:ext cx="7198223" cy="792088"/>
+            </a:xfrm>
+            <a:prstGeom prst="roundRect">
+              <a:avLst/>
+            </a:prstGeom>
+            <a:ln/>
+          </p:spPr>
+          <p:style>
+            <a:lnRef idx="2">
+              <a:schemeClr val="accent4"/>
+            </a:lnRef>
+            <a:fillRef idx="1">
+              <a:schemeClr val="lt1"/>
+            </a:fillRef>
+            <a:effectRef idx="0">
+              <a:schemeClr val="accent4"/>
+            </a:effectRef>
+            <a:fontRef idx="minor">
+              <a:schemeClr val="dk1"/>
+            </a:fontRef>
+          </p:style>
+          <p:txBody>
+            <a:bodyPr rtlCol="0" anchor="ctr"/>
+            <a:lstStyle/>
+            <a:p>
+              <a:pPr algn="ctr"/>
+              <a:r>
+                <a:rPr lang="de-DE" sz="2800" dirty="0" smtClean="0">
+                  <a:latin typeface="AA Zuehlke" pitchFamily="2" charset="0"/>
+                </a:rPr>
+                <a:t>Protractor</a:t>
+              </a:r>
+            </a:p>
+          </p:txBody>
+        </p:sp>
+        <p:pic>
+          <p:nvPicPr>
+            <p:cNvPr id="25" name="Picture 24"/>
+            <p:cNvPicPr>
+              <a:picLocks noChangeAspect="1"/>
+            </p:cNvPicPr>
+            <p:nvPr/>
+          </p:nvPicPr>
+          <p:blipFill>
+            <a:blip r:embed="rId6" cstate="print">
+              <a:extLst>
+                <a:ext uri="{28A0092B-C50C-407E-A947-70E740481C1C}">
+                  <a14:useLocalDpi xmlns:a14="http://schemas.microsoft.com/office/drawing/2010/main" val="0"/>
+                </a:ext>
+              </a:extLst>
+            </a:blip>
+            <a:stretch>
+              <a:fillRect/>
+            </a:stretch>
+          </p:blipFill>
+          <p:spPr>
+            <a:xfrm>
+              <a:off x="6838174" y="4221088"/>
+              <a:ext cx="1178098" cy="265626"/>
+            </a:xfrm>
+            <a:prstGeom prst="rect">
+              <a:avLst/>
+            </a:prstGeom>
+          </p:spPr>
+        </p:pic>
+      </p:grpSp>
     </p:spTree>
     <p:extLst>
       <p:ext uri="{BB962C8B-B14F-4D97-AF65-F5344CB8AC3E}">
-        <p14:creationId xmlns:p14="http://schemas.microsoft.com/office/powerpoint/2010/main" val="2255896107"/>
+        <p14:creationId xmlns:p14="http://schemas.microsoft.com/office/powerpoint/2010/main" val="3909449807"/>
       </p:ext>
     </p:extLst>
   </p:cSld>
@@ -19536,14 +21033,159 @@
   <p:timing>
     <p:tnLst>
       <p:par>
-        <p:cTn id="1" dur="indefinite" restart="never" nodeType="tmRoot"/>
+        <p:cTn id="1" dur="indefinite" restart="never" nodeType="tmRoot">
+          <p:childTnLst>
+            <p:seq concurrent="1" nextAc="seek">
+              <p:cTn id="2" dur="indefinite" nodeType="mainSeq">
+                <p:childTnLst>
+                  <p:par>
+                    <p:cTn id="3" fill="hold">
+                      <p:stCondLst>
+                        <p:cond delay="indefinite"/>
+                      </p:stCondLst>
+                      <p:childTnLst>
+                        <p:par>
+                          <p:cTn id="4" fill="hold">
+                            <p:stCondLst>
+                              <p:cond delay="0"/>
+                            </p:stCondLst>
+                            <p:childTnLst>
+                              <p:par>
+                                <p:cTn id="5" presetID="42" presetClass="path" presetSubtype="0" accel="50000" decel="50000" fill="hold" nodeType="clickEffect">
+                                  <p:stCondLst>
+                                    <p:cond delay="0"/>
+                                  </p:stCondLst>
+                                  <p:childTnLst>
+                                    <p:animMotion origin="layout" path="M -1.38889E-6 3.7037E-7 L -1.38889E-6 0.13796 " pathEditMode="relative" rAng="0" ptsTypes="AA">
+                                      <p:cBhvr>
+                                        <p:cTn id="6" dur="1000" fill="hold"/>
+                                        <p:tgtEl>
+                                          <p:spTgt spid="23"/>
+                                        </p:tgtEl>
+                                        <p:attrNameLst>
+                                          <p:attrName>ppt_x</p:attrName>
+                                          <p:attrName>ppt_y</p:attrName>
+                                        </p:attrNameLst>
+                                      </p:cBhvr>
+                                      <p:rCtr x="0" y="6898"/>
+                                    </p:animMotion>
+                                  </p:childTnLst>
+                                </p:cTn>
+                              </p:par>
+                            </p:childTnLst>
+                          </p:cTn>
+                        </p:par>
+                        <p:par>
+                          <p:cTn id="7" fill="hold">
+                            <p:stCondLst>
+                              <p:cond delay="1000"/>
+                            </p:stCondLst>
+                            <p:childTnLst>
+                              <p:par>
+                                <p:cTn id="8" presetID="2" presetClass="entr" presetSubtype="8" fill="hold" nodeType="afterEffect">
+                                  <p:stCondLst>
+                                    <p:cond delay="0"/>
+                                  </p:stCondLst>
+                                  <p:childTnLst>
+                                    <p:set>
+                                      <p:cBhvr>
+                                        <p:cTn id="9" dur="1" fill="hold">
+                                          <p:stCondLst>
+                                            <p:cond delay="0"/>
+                                          </p:stCondLst>
+                                        </p:cTn>
+                                        <p:tgtEl>
+                                          <p:spTgt spid="18"/>
+                                        </p:tgtEl>
+                                        <p:attrNameLst>
+                                          <p:attrName>style.visibility</p:attrName>
+                                        </p:attrNameLst>
+                                      </p:cBhvr>
+                                      <p:to>
+                                        <p:strVal val="visible"/>
+                                      </p:to>
+                                    </p:set>
+                                    <p:anim calcmode="lin" valueType="num">
+                                      <p:cBhvr additive="base">
+                                        <p:cTn id="10" dur="1000" fill="hold"/>
+                                        <p:tgtEl>
+                                          <p:spTgt spid="18"/>
+                                        </p:tgtEl>
+                                        <p:attrNameLst>
+                                          <p:attrName>ppt_x</p:attrName>
+                                        </p:attrNameLst>
+                                      </p:cBhvr>
+                                      <p:tavLst>
+                                        <p:tav tm="0">
+                                          <p:val>
+                                            <p:strVal val="0-#ppt_w/2"/>
+                                          </p:val>
+                                        </p:tav>
+                                        <p:tav tm="100000">
+                                          <p:val>
+                                            <p:strVal val="#ppt_x"/>
+                                          </p:val>
+                                        </p:tav>
+                                      </p:tavLst>
+                                    </p:anim>
+                                    <p:anim calcmode="lin" valueType="num">
+                                      <p:cBhvr additive="base">
+                                        <p:cTn id="11" dur="1000" fill="hold"/>
+                                        <p:tgtEl>
+                                          <p:spTgt spid="18"/>
+                                        </p:tgtEl>
+                                        <p:attrNameLst>
+                                          <p:attrName>ppt_y</p:attrName>
+                                        </p:attrNameLst>
+                                      </p:cBhvr>
+                                      <p:tavLst>
+                                        <p:tav tm="0">
+                                          <p:val>
+                                            <p:strVal val="#ppt_y"/>
+                                          </p:val>
+                                        </p:tav>
+                                        <p:tav tm="100000">
+                                          <p:val>
+                                            <p:strVal val="#ppt_y"/>
+                                          </p:val>
+                                        </p:tav>
+                                      </p:tavLst>
+                                    </p:anim>
+                                  </p:childTnLst>
+                                </p:cTn>
+                              </p:par>
+                            </p:childTnLst>
+                          </p:cTn>
+                        </p:par>
+                      </p:childTnLst>
+                    </p:cTn>
+                  </p:par>
+                </p:childTnLst>
+              </p:cTn>
+              <p:prevCondLst>
+                <p:cond evt="onPrev" delay="0">
+                  <p:tgtEl>
+                    <p:sldTgt/>
+                  </p:tgtEl>
+                </p:cond>
+              </p:prevCondLst>
+              <p:nextCondLst>
+                <p:cond evt="onNext" delay="0">
+                  <p:tgtEl>
+                    <p:sldTgt/>
+                  </p:tgtEl>
+                </p:cond>
+              </p:nextCondLst>
+            </p:seq>
+          </p:childTnLst>
+        </p:cTn>
       </p:par>
     </p:tnLst>
   </p:timing>
 </p:sld>
 </file>
 
-<file path=ppt/slides/slide16.xml><?xml version="1.0" encoding="utf-8"?>
+<file path=ppt/slides/slide18.xml><?xml version="1.0" encoding="utf-8"?>
 <p:sld xmlns:a="http://schemas.openxmlformats.org/drawingml/2006/main" xmlns:r="http://schemas.openxmlformats.org/officeDocument/2006/relationships" xmlns:p="http://schemas.openxmlformats.org/presentationml/2006/main">
   <p:cSld>
     <p:spTree>
@@ -19672,15 +21314,7 @@
             </a:r>
             <a:r>
               <a:rPr lang="de-DE" dirty="0" smtClean="0"/>
-              <a:t>Framework </a:t>
-            </a:r>
-            <a:r>
-              <a:rPr lang="de-DE" dirty="0" smtClean="0"/>
-              <a:t>für </a:t>
-            </a:r>
-            <a:r>
-              <a:rPr lang="de-DE" dirty="0" smtClean="0"/>
-              <a:t>SPAs</a:t>
+              <a:t>Framework für SPAs</a:t>
             </a:r>
           </a:p>
           <a:p>
@@ -19690,11 +21324,7 @@
             </a:pPr>
             <a:r>
               <a:rPr lang="de-DE" dirty="0" smtClean="0"/>
-              <a:t>Integriert </a:t>
-            </a:r>
-            <a:r>
-              <a:rPr lang="de-DE" dirty="0" smtClean="0"/>
-              <a:t>mächtige Werkzeuge und Technologien wie NodeJS, Selenium, WebDriver, Jasmine, </a:t>
+              <a:t>Integriert mächtige Werkzeuge und Technologien wie NodeJS, Selenium, WebDriver, Jasmine, </a:t>
             </a:r>
             <a:r>
               <a:rPr lang="de-DE" dirty="0" err="1" smtClean="0"/>
@@ -20258,7 +21888,7 @@
 </p:sld>
 </file>
 
-<file path=ppt/slides/slide17.xml><?xml version="1.0" encoding="utf-8"?>
+<file path=ppt/slides/slide19.xml><?xml version="1.0" encoding="utf-8"?>
 <p:sld xmlns:a="http://schemas.openxmlformats.org/drawingml/2006/main" xmlns:r="http://schemas.openxmlformats.org/officeDocument/2006/relationships" xmlns:p="http://schemas.openxmlformats.org/presentationml/2006/main">
   <p:cSld>
     <p:spTree>
@@ -21145,7 +22775,174 @@
 </p:sld>
 </file>
 
-<file path=ppt/slides/slide18.xml><?xml version="1.0" encoding="utf-8"?>
+<file path=ppt/slides/slide2.xml><?xml version="1.0" encoding="utf-8"?>
+<p:sld xmlns:a="http://schemas.openxmlformats.org/drawingml/2006/main" xmlns:r="http://schemas.openxmlformats.org/officeDocument/2006/relationships" xmlns:p="http://schemas.openxmlformats.org/presentationml/2006/main">
+  <p:cSld>
+    <p:spTree>
+      <p:nvGrpSpPr>
+        <p:cNvPr id="1" name=""/>
+        <p:cNvGrpSpPr/>
+        <p:nvPr/>
+      </p:nvGrpSpPr>
+      <p:grpSpPr>
+        <a:xfrm>
+          <a:off x="0" y="0"/>
+          <a:ext cx="0" cy="0"/>
+          <a:chOff x="0" y="0"/>
+          <a:chExt cx="0" cy="0"/>
+        </a:xfrm>
+      </p:grpSpPr>
+      <p:sp>
+        <p:nvSpPr>
+          <p:cNvPr id="2" name="Title 1"/>
+          <p:cNvSpPr>
+            <a:spLocks noGrp="1"/>
+          </p:cNvSpPr>
+          <p:nvPr>
+            <p:ph type="title"/>
+          </p:nvPr>
+        </p:nvSpPr>
+        <p:spPr/>
+        <p:txBody>
+          <a:bodyPr/>
+          <a:lstStyle/>
+          <a:p>
+            <a:r>
+              <a:rPr lang="de-DE" dirty="0" smtClean="0"/>
+              <a:t>Agenda</a:t>
+            </a:r>
+            <a:endParaRPr lang="de-DE" dirty="0"/>
+          </a:p>
+        </p:txBody>
+      </p:sp>
+      <p:sp>
+        <p:nvSpPr>
+          <p:cNvPr id="3" name="Content Placeholder 2"/>
+          <p:cNvSpPr>
+            <a:spLocks noGrp="1"/>
+          </p:cNvSpPr>
+          <p:nvPr>
+            <p:ph idx="1"/>
+          </p:nvPr>
+        </p:nvSpPr>
+        <p:spPr/>
+        <p:txBody>
+          <a:bodyPr/>
+          <a:lstStyle/>
+          <a:p>
+            <a:pPr marL="342900" indent="-342900">
+              <a:buFont typeface="Arial" panose="020B0604020202020204" pitchFamily="34" charset="0"/>
+              <a:buChar char="•"/>
+            </a:pPr>
+            <a:r>
+              <a:rPr lang="de-DE" b="1" dirty="0" smtClean="0"/>
+              <a:t>Kontext und Begriffe</a:t>
+            </a:r>
+          </a:p>
+          <a:p>
+            <a:pPr marL="608013" lvl="1" indent="-342900">
+              <a:buFont typeface="Arial" panose="020B0604020202020204" pitchFamily="34" charset="0"/>
+              <a:buChar char="•"/>
+            </a:pPr>
+            <a:r>
+              <a:rPr lang="de-DE" sz="2000" dirty="0" smtClean="0"/>
+              <a:t>Single-Page </a:t>
+            </a:r>
+            <a:r>
+              <a:rPr lang="de-DE" sz="2000" dirty="0" err="1" smtClean="0"/>
+              <a:t>Application</a:t>
+            </a:r>
+            <a:r>
+              <a:rPr lang="de-DE" sz="2000" dirty="0" smtClean="0"/>
+              <a:t>, Testpyramide und Specification By Example</a:t>
+            </a:r>
+          </a:p>
+          <a:p>
+            <a:pPr lvl="1" indent="0">
+              <a:buNone/>
+            </a:pPr>
+            <a:endParaRPr lang="de-DE" sz="1800" dirty="0" smtClean="0"/>
+          </a:p>
+          <a:p>
+            <a:pPr marL="342900" indent="-342900">
+              <a:buFont typeface="Arial" panose="020B0604020202020204" pitchFamily="34" charset="0"/>
+              <a:buChar char="•"/>
+            </a:pPr>
+            <a:r>
+              <a:rPr lang="de-DE" b="1" dirty="0" smtClean="0"/>
+              <a:t>Technologien zur Kollaboration und Testautomatisierung</a:t>
+            </a:r>
+          </a:p>
+          <a:p>
+            <a:pPr marL="608013" lvl="1" indent="-342900">
+              <a:buFont typeface="Arial" panose="020B0604020202020204" pitchFamily="34" charset="0"/>
+              <a:buChar char="•"/>
+            </a:pPr>
+            <a:r>
+              <a:rPr lang="de-DE" sz="2000" dirty="0" smtClean="0"/>
+              <a:t>YodaChat: Angular2-App mit REST-Backend</a:t>
+            </a:r>
+          </a:p>
+          <a:p>
+            <a:pPr marL="608013" lvl="1" indent="-342900">
+              <a:buFont typeface="Arial" panose="020B0604020202020204" pitchFamily="34" charset="0"/>
+              <a:buChar char="•"/>
+            </a:pPr>
+            <a:r>
+              <a:rPr lang="de-DE" sz="2000" dirty="0" smtClean="0"/>
+              <a:t>Akzeptanztests mit Cucumber</a:t>
+            </a:r>
+          </a:p>
+          <a:p>
+            <a:pPr marL="608013" lvl="1" indent="-342900">
+              <a:buFont typeface="Arial" panose="020B0604020202020204" pitchFamily="34" charset="0"/>
+              <a:buChar char="•"/>
+            </a:pPr>
+            <a:r>
+              <a:rPr lang="de-DE" sz="2000" dirty="0" smtClean="0"/>
+              <a:t>Testautomatisierung mit Protractor</a:t>
+            </a:r>
+          </a:p>
+          <a:p>
+            <a:pPr lvl="1" indent="0">
+              <a:buNone/>
+            </a:pPr>
+            <a:endParaRPr lang="de-DE" sz="1800" dirty="0" smtClean="0"/>
+          </a:p>
+          <a:p>
+            <a:pPr marL="342900" indent="-342900">
+              <a:buFont typeface="Arial" panose="020B0604020202020204" pitchFamily="34" charset="0"/>
+              <a:buChar char="•"/>
+            </a:pPr>
+            <a:r>
+              <a:rPr lang="de-DE" b="1" dirty="0" smtClean="0"/>
+              <a:t>Zusammenfassung und Fazit</a:t>
+            </a:r>
+            <a:endParaRPr lang="de-DE" b="1" dirty="0"/>
+          </a:p>
+        </p:txBody>
+      </p:sp>
+    </p:spTree>
+    <p:extLst>
+      <p:ext uri="{BB962C8B-B14F-4D97-AF65-F5344CB8AC3E}">
+        <p14:creationId xmlns:p14="http://schemas.microsoft.com/office/powerpoint/2010/main" val="2884851122"/>
+      </p:ext>
+    </p:extLst>
+  </p:cSld>
+  <p:clrMapOvr>
+    <a:masterClrMapping/>
+  </p:clrMapOvr>
+  <p:timing>
+    <p:tnLst>
+      <p:par>
+        <p:cTn id="1" dur="indefinite" restart="never" nodeType="tmRoot"/>
+      </p:par>
+    </p:tnLst>
+  </p:timing>
+</p:sld>
+</file>
+
+<file path=ppt/slides/slide20.xml><?xml version="1.0" encoding="utf-8"?>
 <p:sld xmlns:a="http://schemas.openxmlformats.org/drawingml/2006/main" xmlns:r="http://schemas.openxmlformats.org/officeDocument/2006/relationships" xmlns:p="http://schemas.openxmlformats.org/presentationml/2006/main">
   <p:cSld>
     <p:spTree>
@@ -21329,7 +23126,777 @@
 </p:sld>
 </file>
 
-<file path=ppt/slides/slide19.xml><?xml version="1.0" encoding="utf-8"?>
+<file path=ppt/slides/slide21.xml><?xml version="1.0" encoding="utf-8"?>
+<p:sld xmlns:a="http://schemas.openxmlformats.org/drawingml/2006/main" xmlns:r="http://schemas.openxmlformats.org/officeDocument/2006/relationships" xmlns:p="http://schemas.openxmlformats.org/presentationml/2006/main">
+  <p:cSld>
+    <p:spTree>
+      <p:nvGrpSpPr>
+        <p:cNvPr id="1" name=""/>
+        <p:cNvGrpSpPr/>
+        <p:nvPr/>
+      </p:nvGrpSpPr>
+      <p:grpSpPr>
+        <a:xfrm>
+          <a:off x="0" y="0"/>
+          <a:ext cx="0" cy="0"/>
+          <a:chOff x="0" y="0"/>
+          <a:chExt cx="0" cy="0"/>
+        </a:xfrm>
+      </p:grpSpPr>
+      <p:sp>
+        <p:nvSpPr>
+          <p:cNvPr id="2" name="Title 1"/>
+          <p:cNvSpPr>
+            <a:spLocks noGrp="1"/>
+          </p:cNvSpPr>
+          <p:nvPr>
+            <p:ph type="title"/>
+          </p:nvPr>
+        </p:nvSpPr>
+        <p:spPr/>
+        <p:txBody>
+          <a:bodyPr/>
+          <a:lstStyle/>
+          <a:p>
+            <a:r>
+              <a:rPr lang="de-DE" dirty="0" err="1"/>
+              <a:t>Acceptance</a:t>
+            </a:r>
+            <a:r>
+              <a:rPr lang="de-DE" dirty="0"/>
+              <a:t> </a:t>
+            </a:r>
+            <a:r>
+              <a:rPr lang="de-DE" dirty="0" err="1"/>
+              <a:t>Testing</a:t>
+            </a:r>
+            <a:r>
+              <a:rPr lang="de-DE" dirty="0"/>
+              <a:t> </a:t>
+            </a:r>
+            <a:r>
+              <a:rPr lang="de-DE" dirty="0" smtClean="0"/>
+              <a:t>Stack </a:t>
+            </a:r>
+            <a:r>
+              <a:rPr lang="de-DE" dirty="0"/>
+              <a:t>–</a:t>
+            </a:r>
+            <a:r>
+              <a:rPr lang="de-DE" dirty="0" smtClean="0"/>
+              <a:t> </a:t>
+            </a:r>
+            <a:r>
+              <a:rPr lang="de-DE" dirty="0" smtClean="0"/>
+              <a:t>Page </a:t>
+            </a:r>
+            <a:r>
+              <a:rPr lang="de-DE" dirty="0" err="1" smtClean="0"/>
+              <a:t>Object</a:t>
+            </a:r>
+            <a:r>
+              <a:rPr lang="de-DE" dirty="0" smtClean="0"/>
+              <a:t> </a:t>
+            </a:r>
+            <a:r>
+              <a:rPr lang="de-DE" dirty="0" smtClean="0"/>
+              <a:t>Pattern</a:t>
+            </a:r>
+            <a:endParaRPr lang="de-DE" dirty="0"/>
+          </a:p>
+        </p:txBody>
+      </p:sp>
+      <p:grpSp>
+        <p:nvGrpSpPr>
+          <p:cNvPr id="20" name="Group 19"/>
+          <p:cNvGrpSpPr/>
+          <p:nvPr/>
+        </p:nvGrpSpPr>
+        <p:grpSpPr>
+          <a:xfrm>
+            <a:off x="827584" y="1484784"/>
+            <a:ext cx="7198222" cy="790808"/>
+            <a:chOff x="921895" y="1828024"/>
+            <a:chExt cx="7198222" cy="790808"/>
+          </a:xfrm>
+        </p:grpSpPr>
+        <p:sp>
+          <p:nvSpPr>
+            <p:cNvPr id="12" name="Rounded Rectangle 11"/>
+            <p:cNvSpPr/>
+            <p:nvPr/>
+          </p:nvSpPr>
+          <p:spPr>
+            <a:xfrm>
+              <a:off x="921895" y="1828024"/>
+              <a:ext cx="7198222" cy="790808"/>
+            </a:xfrm>
+            <a:prstGeom prst="roundRect">
+              <a:avLst/>
+            </a:prstGeom>
+            <a:ln/>
+          </p:spPr>
+          <p:style>
+            <a:lnRef idx="2">
+              <a:schemeClr val="accent3"/>
+            </a:lnRef>
+            <a:fillRef idx="1">
+              <a:schemeClr val="lt1"/>
+            </a:fillRef>
+            <a:effectRef idx="0">
+              <a:schemeClr val="accent3"/>
+            </a:effectRef>
+            <a:fontRef idx="minor">
+              <a:schemeClr val="dk1"/>
+            </a:fontRef>
+          </p:style>
+          <p:txBody>
+            <a:bodyPr rtlCol="0" anchor="ctr"/>
+            <a:lstStyle/>
+            <a:p>
+              <a:pPr algn="ctr"/>
+              <a:r>
+                <a:rPr lang="de-DE" sz="2800" dirty="0" smtClean="0">
+                  <a:latin typeface="AA Zuehlke" pitchFamily="2" charset="0"/>
+                </a:rPr>
+                <a:t>Features</a:t>
+              </a:r>
+              <a:endParaRPr lang="de-DE" sz="2800" dirty="0" smtClean="0">
+                <a:latin typeface="AA Zuehlke" pitchFamily="2" charset="0"/>
+              </a:endParaRPr>
+            </a:p>
+          </p:txBody>
+        </p:sp>
+        <p:pic>
+          <p:nvPicPr>
+            <p:cNvPr id="13" name="Picture 6" descr="Cucumber Logo"/>
+            <p:cNvPicPr>
+              <a:picLocks noChangeAspect="1" noChangeArrowheads="1"/>
+            </p:cNvPicPr>
+            <p:nvPr/>
+          </p:nvPicPr>
+          <p:blipFill>
+            <a:blip r:embed="rId3" cstate="print">
+              <a:extLst>
+                <a:ext uri="{28A0092B-C50C-407E-A947-70E740481C1C}">
+                  <a14:useLocalDpi xmlns:a14="http://schemas.microsoft.com/office/drawing/2010/main" val="0"/>
+                </a:ext>
+              </a:extLst>
+            </a:blip>
+            <a:srcRect/>
+            <a:stretch>
+              <a:fillRect/>
+            </a:stretch>
+          </p:blipFill>
+          <p:spPr bwMode="auto">
+            <a:xfrm>
+              <a:off x="6914914" y="2026337"/>
+              <a:ext cx="1205203" cy="393353"/>
+            </a:xfrm>
+            <a:prstGeom prst="rect">
+              <a:avLst/>
+            </a:prstGeom>
+            <a:noFill/>
+            <a:extLst>
+              <a:ext uri="{909E8E84-426E-40DD-AFC4-6F175D3DCCD1}">
+                <a14:hiddenFill xmlns:a14="http://schemas.microsoft.com/office/drawing/2010/main">
+                  <a:solidFill>
+                    <a:srgbClr val="FFFFFF"/>
+                  </a:solidFill>
+                </a14:hiddenFill>
+              </a:ext>
+            </a:extLst>
+          </p:spPr>
+        </p:pic>
+      </p:grpSp>
+      <p:grpSp>
+        <p:nvGrpSpPr>
+          <p:cNvPr id="22" name="Group 21"/>
+          <p:cNvGrpSpPr/>
+          <p:nvPr/>
+        </p:nvGrpSpPr>
+        <p:grpSpPr>
+          <a:xfrm>
+            <a:off x="819571" y="2403962"/>
+            <a:ext cx="7198222" cy="790808"/>
+            <a:chOff x="921895" y="2889741"/>
+            <a:chExt cx="7198222" cy="790808"/>
+          </a:xfrm>
+        </p:grpSpPr>
+        <p:sp>
+          <p:nvSpPr>
+            <p:cNvPr id="7" name="Rounded Rectangle 6"/>
+            <p:cNvSpPr/>
+            <p:nvPr/>
+          </p:nvSpPr>
+          <p:spPr>
+            <a:xfrm>
+              <a:off x="921895" y="2889741"/>
+              <a:ext cx="7198222" cy="790808"/>
+            </a:xfrm>
+            <a:prstGeom prst="roundRect">
+              <a:avLst/>
+            </a:prstGeom>
+            <a:ln/>
+          </p:spPr>
+          <p:style>
+            <a:lnRef idx="2">
+              <a:schemeClr val="accent3"/>
+            </a:lnRef>
+            <a:fillRef idx="1">
+              <a:schemeClr val="lt1"/>
+            </a:fillRef>
+            <a:effectRef idx="0">
+              <a:schemeClr val="accent3"/>
+            </a:effectRef>
+            <a:fontRef idx="minor">
+              <a:schemeClr val="dk1"/>
+            </a:fontRef>
+          </p:style>
+          <p:txBody>
+            <a:bodyPr rtlCol="0" anchor="ctr"/>
+            <a:lstStyle/>
+            <a:p>
+              <a:pPr algn="ctr"/>
+              <a:r>
+                <a:rPr lang="de-DE" sz="2800" dirty="0" err="1" smtClean="0">
+                  <a:latin typeface="AA Zuehlke" pitchFamily="2" charset="0"/>
+                </a:rPr>
+                <a:t>Step</a:t>
+              </a:r>
+              <a:r>
+                <a:rPr lang="de-DE" sz="2800" dirty="0" smtClean="0">
+                  <a:latin typeface="AA Zuehlke" pitchFamily="2" charset="0"/>
+                </a:rPr>
+                <a:t> </a:t>
+              </a:r>
+              <a:r>
+                <a:rPr lang="de-DE" sz="2800" dirty="0" err="1">
+                  <a:latin typeface="AA Zuehlke" pitchFamily="2" charset="0"/>
+                </a:rPr>
+                <a:t>d</a:t>
+              </a:r>
+              <a:r>
+                <a:rPr lang="de-DE" sz="2800" dirty="0" err="1" smtClean="0">
+                  <a:latin typeface="AA Zuehlke" pitchFamily="2" charset="0"/>
+                </a:rPr>
+                <a:t>efinitions</a:t>
+              </a:r>
+              <a:endParaRPr lang="de-DE" sz="2800" dirty="0" smtClean="0">
+                <a:latin typeface="AA Zuehlke" pitchFamily="2" charset="0"/>
+              </a:endParaRPr>
+            </a:p>
+          </p:txBody>
+        </p:sp>
+        <p:pic>
+          <p:nvPicPr>
+            <p:cNvPr id="16" name="Picture 6" descr="Cucumber Logo"/>
+            <p:cNvPicPr>
+              <a:picLocks noChangeAspect="1" noChangeArrowheads="1"/>
+            </p:cNvPicPr>
+            <p:nvPr/>
+          </p:nvPicPr>
+          <p:blipFill>
+            <a:blip r:embed="rId3" cstate="print">
+              <a:extLst>
+                <a:ext uri="{28A0092B-C50C-407E-A947-70E740481C1C}">
+                  <a14:useLocalDpi xmlns:a14="http://schemas.microsoft.com/office/drawing/2010/main" val="0"/>
+                </a:ext>
+              </a:extLst>
+            </a:blip>
+            <a:srcRect/>
+            <a:stretch>
+              <a:fillRect/>
+            </a:stretch>
+          </p:blipFill>
+          <p:spPr bwMode="auto">
+            <a:xfrm>
+              <a:off x="6914914" y="3088468"/>
+              <a:ext cx="1205203" cy="393353"/>
+            </a:xfrm>
+            <a:prstGeom prst="rect">
+              <a:avLst/>
+            </a:prstGeom>
+            <a:noFill/>
+            <a:extLst>
+              <a:ext uri="{909E8E84-426E-40DD-AFC4-6F175D3DCCD1}">
+                <a14:hiddenFill xmlns:a14="http://schemas.microsoft.com/office/drawing/2010/main">
+                  <a:solidFill>
+                    <a:srgbClr val="FFFFFF"/>
+                  </a:solidFill>
+                </a14:hiddenFill>
+              </a:ext>
+            </a:extLst>
+          </p:spPr>
+        </p:pic>
+      </p:grpSp>
+      <p:grpSp>
+        <p:nvGrpSpPr>
+          <p:cNvPr id="21" name="Group 20"/>
+          <p:cNvGrpSpPr/>
+          <p:nvPr/>
+        </p:nvGrpSpPr>
+        <p:grpSpPr>
+          <a:xfrm>
+            <a:off x="827584" y="3323140"/>
+            <a:ext cx="7198223" cy="792088"/>
+            <a:chOff x="929907" y="3952287"/>
+            <a:chExt cx="7198223" cy="792088"/>
+          </a:xfrm>
+        </p:grpSpPr>
+        <p:sp>
+          <p:nvSpPr>
+            <p:cNvPr id="6" name="Rounded Rectangle 5"/>
+            <p:cNvSpPr/>
+            <p:nvPr/>
+          </p:nvSpPr>
+          <p:spPr>
+            <a:xfrm>
+              <a:off x="929907" y="3952287"/>
+              <a:ext cx="7198223" cy="792088"/>
+            </a:xfrm>
+            <a:prstGeom prst="roundRect">
+              <a:avLst/>
+            </a:prstGeom>
+            <a:ln/>
+          </p:spPr>
+          <p:style>
+            <a:lnRef idx="2">
+              <a:schemeClr val="accent4"/>
+            </a:lnRef>
+            <a:fillRef idx="1">
+              <a:schemeClr val="lt1"/>
+            </a:fillRef>
+            <a:effectRef idx="0">
+              <a:schemeClr val="accent4"/>
+            </a:effectRef>
+            <a:fontRef idx="minor">
+              <a:schemeClr val="dk1"/>
+            </a:fontRef>
+          </p:style>
+          <p:txBody>
+            <a:bodyPr rtlCol="0" anchor="ctr"/>
+            <a:lstStyle/>
+            <a:p>
+              <a:pPr algn="ctr"/>
+              <a:r>
+                <a:rPr lang="de-DE" sz="2800" dirty="0" smtClean="0">
+                  <a:latin typeface="AA Zuehlke" pitchFamily="2" charset="0"/>
+                </a:rPr>
+                <a:t>Protractor</a:t>
+              </a:r>
+            </a:p>
+          </p:txBody>
+        </p:sp>
+        <p:pic>
+          <p:nvPicPr>
+            <p:cNvPr id="17" name="Picture 16"/>
+            <p:cNvPicPr>
+              <a:picLocks noChangeAspect="1"/>
+            </p:cNvPicPr>
+            <p:nvPr/>
+          </p:nvPicPr>
+          <p:blipFill>
+            <a:blip r:embed="rId4" cstate="print">
+              <a:extLst>
+                <a:ext uri="{28A0092B-C50C-407E-A947-70E740481C1C}">
+                  <a14:useLocalDpi xmlns:a14="http://schemas.microsoft.com/office/drawing/2010/main" val="0"/>
+                </a:ext>
+              </a:extLst>
+            </a:blip>
+            <a:stretch>
+              <a:fillRect/>
+            </a:stretch>
+          </p:blipFill>
+          <p:spPr>
+            <a:xfrm>
+              <a:off x="6838174" y="4221088"/>
+              <a:ext cx="1178098" cy="265626"/>
+            </a:xfrm>
+            <a:prstGeom prst="rect">
+              <a:avLst/>
+            </a:prstGeom>
+          </p:spPr>
+        </p:pic>
+      </p:grpSp>
+      <p:grpSp>
+        <p:nvGrpSpPr>
+          <p:cNvPr id="23" name="Group 22"/>
+          <p:cNvGrpSpPr/>
+          <p:nvPr/>
+        </p:nvGrpSpPr>
+        <p:grpSpPr>
+          <a:xfrm>
+            <a:off x="826295" y="4242318"/>
+            <a:ext cx="7200800" cy="792088"/>
+            <a:chOff x="919317" y="5013176"/>
+            <a:chExt cx="7200800" cy="792088"/>
+          </a:xfrm>
+        </p:grpSpPr>
+        <p:sp>
+          <p:nvSpPr>
+            <p:cNvPr id="5" name="Rounded Rectangle 4"/>
+            <p:cNvSpPr/>
+            <p:nvPr/>
+          </p:nvSpPr>
+          <p:spPr>
+            <a:xfrm>
+              <a:off x="919317" y="5013176"/>
+              <a:ext cx="7200800" cy="792088"/>
+            </a:xfrm>
+            <a:prstGeom prst="roundRect">
+              <a:avLst/>
+            </a:prstGeom>
+            <a:ln/>
+          </p:spPr>
+          <p:style>
+            <a:lnRef idx="2">
+              <a:schemeClr val="accent1"/>
+            </a:lnRef>
+            <a:fillRef idx="1">
+              <a:schemeClr val="lt1"/>
+            </a:fillRef>
+            <a:effectRef idx="0">
+              <a:schemeClr val="accent1"/>
+            </a:effectRef>
+            <a:fontRef idx="minor">
+              <a:schemeClr val="dk1"/>
+            </a:fontRef>
+          </p:style>
+          <p:txBody>
+            <a:bodyPr rtlCol="0" anchor="ctr"/>
+            <a:lstStyle/>
+            <a:p>
+              <a:pPr algn="ctr"/>
+              <a:r>
+                <a:rPr lang="de-DE" sz="2800" dirty="0" smtClean="0">
+                  <a:latin typeface="AA Zuehlke" pitchFamily="2" charset="0"/>
+                </a:rPr>
+                <a:t>System </a:t>
+              </a:r>
+              <a:r>
+                <a:rPr lang="de-DE" sz="2800" dirty="0" err="1" smtClean="0">
+                  <a:latin typeface="AA Zuehlke" pitchFamily="2" charset="0"/>
+                </a:rPr>
+                <a:t>under</a:t>
+              </a:r>
+              <a:r>
+                <a:rPr lang="de-DE" sz="2800" dirty="0" smtClean="0">
+                  <a:latin typeface="AA Zuehlke" pitchFamily="2" charset="0"/>
+                </a:rPr>
+                <a:t> </a:t>
+              </a:r>
+              <a:r>
+                <a:rPr lang="de-DE" sz="2800" dirty="0" err="1" smtClean="0">
+                  <a:latin typeface="AA Zuehlke" pitchFamily="2" charset="0"/>
+                </a:rPr>
+                <a:t>test</a:t>
+              </a:r>
+              <a:endParaRPr lang="de-DE" sz="2800" dirty="0" smtClean="0">
+                <a:latin typeface="AA Zuehlke" pitchFamily="2" charset="0"/>
+              </a:endParaRPr>
+            </a:p>
+          </p:txBody>
+        </p:sp>
+        <p:pic>
+          <p:nvPicPr>
+            <p:cNvPr id="15" name="Picture 14"/>
+            <p:cNvPicPr>
+              <a:picLocks noChangeAspect="1"/>
+            </p:cNvPicPr>
+            <p:nvPr/>
+          </p:nvPicPr>
+          <p:blipFill>
+            <a:blip r:embed="rId5" cstate="print">
+              <a:extLst>
+                <a:ext uri="{28A0092B-C50C-407E-A947-70E740481C1C}">
+                  <a14:useLocalDpi xmlns:a14="http://schemas.microsoft.com/office/drawing/2010/main" val="0"/>
+                </a:ext>
+              </a:extLst>
+            </a:blip>
+            <a:stretch>
+              <a:fillRect/>
+            </a:stretch>
+          </p:blipFill>
+          <p:spPr>
+            <a:xfrm>
+              <a:off x="6913525" y="5149587"/>
+              <a:ext cx="485123" cy="527307"/>
+            </a:xfrm>
+            <a:prstGeom prst="rect">
+              <a:avLst/>
+            </a:prstGeom>
+          </p:spPr>
+        </p:pic>
+        <p:pic>
+          <p:nvPicPr>
+            <p:cNvPr id="19" name="Picture 18"/>
+            <p:cNvPicPr>
+              <a:picLocks noChangeAspect="1"/>
+            </p:cNvPicPr>
+            <p:nvPr/>
+          </p:nvPicPr>
+          <p:blipFill>
+            <a:blip r:embed="rId6" cstate="print">
+              <a:extLst>
+                <a:ext uri="{28A0092B-C50C-407E-A947-70E740481C1C}">
+                  <a14:useLocalDpi xmlns:a14="http://schemas.microsoft.com/office/drawing/2010/main" val="0"/>
+                </a:ext>
+              </a:extLst>
+            </a:blip>
+            <a:stretch>
+              <a:fillRect/>
+            </a:stretch>
+          </p:blipFill>
+          <p:spPr>
+            <a:xfrm>
+              <a:off x="7518995" y="5174437"/>
+              <a:ext cx="484090" cy="484090"/>
+            </a:xfrm>
+            <a:prstGeom prst="rect">
+              <a:avLst/>
+            </a:prstGeom>
+          </p:spPr>
+        </p:pic>
+      </p:grpSp>
+      <p:sp>
+        <p:nvSpPr>
+          <p:cNvPr id="25" name="Rounded Rectangle 24"/>
+          <p:cNvSpPr/>
+          <p:nvPr/>
+        </p:nvSpPr>
+        <p:spPr>
+          <a:xfrm>
+            <a:off x="827584" y="3331181"/>
+            <a:ext cx="7198222" cy="790808"/>
+          </a:xfrm>
+          <a:prstGeom prst="roundRect">
+            <a:avLst/>
+          </a:prstGeom>
+          <a:ln/>
+        </p:spPr>
+        <p:style>
+          <a:lnRef idx="2">
+            <a:schemeClr val="dk1"/>
+          </a:lnRef>
+          <a:fillRef idx="1">
+            <a:schemeClr val="lt1"/>
+          </a:fillRef>
+          <a:effectRef idx="0">
+            <a:schemeClr val="dk1"/>
+          </a:effectRef>
+          <a:fontRef idx="minor">
+            <a:schemeClr val="dk1"/>
+          </a:fontRef>
+        </p:style>
+        <p:txBody>
+          <a:bodyPr rtlCol="0" anchor="ctr"/>
+          <a:lstStyle/>
+          <a:p>
+            <a:pPr algn="ctr"/>
+            <a:r>
+              <a:rPr lang="de-DE" sz="2800" dirty="0" smtClean="0">
+                <a:latin typeface="AA Zuehlke" pitchFamily="2" charset="0"/>
+              </a:rPr>
+              <a:t>Page Objects</a:t>
+            </a:r>
+            <a:endParaRPr lang="de-DE" sz="2800" dirty="0" smtClean="0">
+              <a:latin typeface="AA Zuehlke" pitchFamily="2" charset="0"/>
+            </a:endParaRPr>
+          </a:p>
+        </p:txBody>
+      </p:sp>
+    </p:spTree>
+    <p:extLst>
+      <p:ext uri="{BB962C8B-B14F-4D97-AF65-F5344CB8AC3E}">
+        <p14:creationId xmlns:p14="http://schemas.microsoft.com/office/powerpoint/2010/main" val="2506019560"/>
+      </p:ext>
+    </p:extLst>
+  </p:cSld>
+  <p:clrMapOvr>
+    <a:masterClrMapping/>
+  </p:clrMapOvr>
+  <p:timing>
+    <p:tnLst>
+      <p:par>
+        <p:cTn id="1" dur="indefinite" restart="never" nodeType="tmRoot">
+          <p:childTnLst>
+            <p:seq concurrent="1" nextAc="seek">
+              <p:cTn id="2" dur="indefinite" nodeType="mainSeq">
+                <p:childTnLst>
+                  <p:par>
+                    <p:cTn id="3" fill="hold">
+                      <p:stCondLst>
+                        <p:cond delay="indefinite"/>
+                      </p:stCondLst>
+                      <p:childTnLst>
+                        <p:par>
+                          <p:cTn id="4" fill="hold">
+                            <p:stCondLst>
+                              <p:cond delay="0"/>
+                            </p:stCondLst>
+                            <p:childTnLst>
+                              <p:par>
+                                <p:cTn id="5" presetID="42" presetClass="path" presetSubtype="0" accel="50000" decel="50000" fill="hold" nodeType="clickEffect">
+                                  <p:stCondLst>
+                                    <p:cond delay="0"/>
+                                  </p:stCondLst>
+                                  <p:childTnLst>
+                                    <p:animMotion origin="layout" path="M 2.22222E-6 3.7037E-7 L 0.00017 0.13796 " pathEditMode="relative" rAng="0" ptsTypes="AA">
+                                      <p:cBhvr>
+                                        <p:cTn id="6" dur="1000" fill="hold"/>
+                                        <p:tgtEl>
+                                          <p:spTgt spid="21"/>
+                                        </p:tgtEl>
+                                        <p:attrNameLst>
+                                          <p:attrName>ppt_x</p:attrName>
+                                          <p:attrName>ppt_y</p:attrName>
+                                        </p:attrNameLst>
+                                      </p:cBhvr>
+                                      <p:rCtr x="0" y="6898"/>
+                                    </p:animMotion>
+                                  </p:childTnLst>
+                                </p:cTn>
+                              </p:par>
+                              <p:par>
+                                <p:cTn id="7" presetID="42" presetClass="path" presetSubtype="0" accel="50000" decel="50000" fill="hold" nodeType="withEffect">
+                                  <p:stCondLst>
+                                    <p:cond delay="0"/>
+                                  </p:stCondLst>
+                                  <p:childTnLst>
+                                    <p:animMotion origin="layout" path="M 2.22222E-6 2.59259E-6 L 0.00017 0.13796 " pathEditMode="relative" rAng="0" ptsTypes="AA">
+                                      <p:cBhvr>
+                                        <p:cTn id="8" dur="1000" fill="hold"/>
+                                        <p:tgtEl>
+                                          <p:spTgt spid="23"/>
+                                        </p:tgtEl>
+                                        <p:attrNameLst>
+                                          <p:attrName>ppt_x</p:attrName>
+                                          <p:attrName>ppt_y</p:attrName>
+                                        </p:attrNameLst>
+                                      </p:cBhvr>
+                                      <p:rCtr x="0" y="6898"/>
+                                    </p:animMotion>
+                                  </p:childTnLst>
+                                </p:cTn>
+                              </p:par>
+                            </p:childTnLst>
+                          </p:cTn>
+                        </p:par>
+                        <p:par>
+                          <p:cTn id="9" fill="hold">
+                            <p:stCondLst>
+                              <p:cond delay="1000"/>
+                            </p:stCondLst>
+                            <p:childTnLst>
+                              <p:par>
+                                <p:cTn id="10" presetID="2" presetClass="entr" presetSubtype="8" fill="hold" grpId="0" nodeType="afterEffect">
+                                  <p:stCondLst>
+                                    <p:cond delay="0"/>
+                                  </p:stCondLst>
+                                  <p:childTnLst>
+                                    <p:set>
+                                      <p:cBhvr>
+                                        <p:cTn id="11" dur="1" fill="hold">
+                                          <p:stCondLst>
+                                            <p:cond delay="0"/>
+                                          </p:stCondLst>
+                                        </p:cTn>
+                                        <p:tgtEl>
+                                          <p:spTgt spid="25"/>
+                                        </p:tgtEl>
+                                        <p:attrNameLst>
+                                          <p:attrName>style.visibility</p:attrName>
+                                        </p:attrNameLst>
+                                      </p:cBhvr>
+                                      <p:to>
+                                        <p:strVal val="visible"/>
+                                      </p:to>
+                                    </p:set>
+                                    <p:anim calcmode="lin" valueType="num">
+                                      <p:cBhvr additive="base">
+                                        <p:cTn id="12" dur="1000" fill="hold"/>
+                                        <p:tgtEl>
+                                          <p:spTgt spid="25"/>
+                                        </p:tgtEl>
+                                        <p:attrNameLst>
+                                          <p:attrName>ppt_x</p:attrName>
+                                        </p:attrNameLst>
+                                      </p:cBhvr>
+                                      <p:tavLst>
+                                        <p:tav tm="0">
+                                          <p:val>
+                                            <p:strVal val="0-#ppt_w/2"/>
+                                          </p:val>
+                                        </p:tav>
+                                        <p:tav tm="100000">
+                                          <p:val>
+                                            <p:strVal val="#ppt_x"/>
+                                          </p:val>
+                                        </p:tav>
+                                      </p:tavLst>
+                                    </p:anim>
+                                    <p:anim calcmode="lin" valueType="num">
+                                      <p:cBhvr additive="base">
+                                        <p:cTn id="13" dur="1000" fill="hold"/>
+                                        <p:tgtEl>
+                                          <p:spTgt spid="25"/>
+                                        </p:tgtEl>
+                                        <p:attrNameLst>
+                                          <p:attrName>ppt_y</p:attrName>
+                                        </p:attrNameLst>
+                                      </p:cBhvr>
+                                      <p:tavLst>
+                                        <p:tav tm="0">
+                                          <p:val>
+                                            <p:strVal val="#ppt_y"/>
+                                          </p:val>
+                                        </p:tav>
+                                        <p:tav tm="100000">
+                                          <p:val>
+                                            <p:strVal val="#ppt_y"/>
+                                          </p:val>
+                                        </p:tav>
+                                      </p:tavLst>
+                                    </p:anim>
+                                  </p:childTnLst>
+                                </p:cTn>
+                              </p:par>
+                            </p:childTnLst>
+                          </p:cTn>
+                        </p:par>
+                      </p:childTnLst>
+                    </p:cTn>
+                  </p:par>
+                </p:childTnLst>
+              </p:cTn>
+              <p:prevCondLst>
+                <p:cond evt="onPrev" delay="0">
+                  <p:tgtEl>
+                    <p:sldTgt/>
+                  </p:tgtEl>
+                </p:cond>
+              </p:prevCondLst>
+              <p:nextCondLst>
+                <p:cond evt="onNext" delay="0">
+                  <p:tgtEl>
+                    <p:sldTgt/>
+                  </p:tgtEl>
+                </p:cond>
+              </p:nextCondLst>
+            </p:seq>
+          </p:childTnLst>
+        </p:cTn>
+      </p:par>
+    </p:tnLst>
+    <p:bldLst>
+      <p:bldP spid="25" grpId="0" animBg="1"/>
+    </p:bldLst>
+  </p:timing>
+</p:sld>
+</file>
+
+<file path=ppt/slides/slide22.xml><?xml version="1.0" encoding="utf-8"?>
 <p:sld xmlns:a="http://schemas.openxmlformats.org/drawingml/2006/main" xmlns:r="http://schemas.openxmlformats.org/officeDocument/2006/relationships" xmlns:p="http://schemas.openxmlformats.org/presentationml/2006/main">
   <p:cSld>
     <p:spTree>
@@ -21512,268 +24079,10 @@
           </a:p>
         </p:txBody>
       </p:sp>
-      <p:sp>
-        <p:nvSpPr>
-          <p:cNvPr id="5" name="Rounded Rectangle 4"/>
-          <p:cNvSpPr/>
-          <p:nvPr/>
-        </p:nvSpPr>
-        <p:spPr>
-          <a:xfrm>
-            <a:off x="5701826" y="5758799"/>
-            <a:ext cx="2880320" cy="432007"/>
-          </a:xfrm>
-          <a:prstGeom prst="roundRect">
-            <a:avLst/>
-          </a:prstGeom>
-          <a:ln/>
-        </p:spPr>
-        <p:style>
-          <a:lnRef idx="2">
-            <a:schemeClr val="accent3"/>
-          </a:lnRef>
-          <a:fillRef idx="1">
-            <a:schemeClr val="lt1"/>
-          </a:fillRef>
-          <a:effectRef idx="0">
-            <a:schemeClr val="accent3"/>
-          </a:effectRef>
-          <a:fontRef idx="minor">
-            <a:schemeClr val="dk1"/>
-          </a:fontRef>
-        </p:style>
-        <p:txBody>
-          <a:bodyPr rtlCol="0" anchor="ctr"/>
-          <a:lstStyle/>
-          <a:p>
-            <a:pPr algn="ctr"/>
-            <a:r>
-              <a:rPr lang="de-DE" sz="2200" dirty="0">
-                <a:latin typeface="AA Zuehlke" pitchFamily="2" charset="0"/>
-              </a:rPr>
-              <a:t>S</a:t>
-            </a:r>
-            <a:r>
-              <a:rPr lang="de-DE" sz="2200" dirty="0" smtClean="0">
-                <a:latin typeface="AA Zuehlke" pitchFamily="2" charset="0"/>
-              </a:rPr>
-              <a:t>UT</a:t>
-            </a:r>
-          </a:p>
-        </p:txBody>
-      </p:sp>
-      <p:sp>
-        <p:nvSpPr>
-          <p:cNvPr id="6" name="Rounded Rectangle 5"/>
-          <p:cNvSpPr/>
-          <p:nvPr/>
-        </p:nvSpPr>
-        <p:spPr>
-          <a:xfrm>
-            <a:off x="5724128" y="5259441"/>
-            <a:ext cx="2880320" cy="410381"/>
-          </a:xfrm>
-          <a:prstGeom prst="roundRect">
-            <a:avLst/>
-          </a:prstGeom>
-          <a:ln/>
-        </p:spPr>
-        <p:style>
-          <a:lnRef idx="2">
-            <a:schemeClr val="accent4"/>
-          </a:lnRef>
-          <a:fillRef idx="1">
-            <a:schemeClr val="lt1"/>
-          </a:fillRef>
-          <a:effectRef idx="0">
-            <a:schemeClr val="accent4"/>
-          </a:effectRef>
-          <a:fontRef idx="minor">
-            <a:schemeClr val="dk1"/>
-          </a:fontRef>
-        </p:style>
-        <p:txBody>
-          <a:bodyPr rtlCol="0" anchor="ctr"/>
-          <a:lstStyle/>
-          <a:p>
-            <a:pPr algn="ctr"/>
-            <a:r>
-              <a:rPr lang="de-DE" sz="2200" dirty="0" smtClean="0">
-                <a:latin typeface="AA Zuehlke" pitchFamily="2" charset="0"/>
-              </a:rPr>
-              <a:t>Protractor</a:t>
-            </a:r>
-          </a:p>
-        </p:txBody>
-      </p:sp>
-      <p:sp>
-        <p:nvSpPr>
-          <p:cNvPr id="7" name="Rounded Rectangle 6"/>
-          <p:cNvSpPr/>
-          <p:nvPr/>
-        </p:nvSpPr>
-        <p:spPr>
-          <a:xfrm>
-            <a:off x="5724128" y="4221088"/>
-            <a:ext cx="2880320" cy="435452"/>
-          </a:xfrm>
-          <a:prstGeom prst="roundRect">
-            <a:avLst/>
-          </a:prstGeom>
-          <a:ln/>
-        </p:spPr>
-        <p:style>
-          <a:lnRef idx="2">
-            <a:schemeClr val="dk1"/>
-          </a:lnRef>
-          <a:fillRef idx="1">
-            <a:schemeClr val="lt1"/>
-          </a:fillRef>
-          <a:effectRef idx="0">
-            <a:schemeClr val="dk1"/>
-          </a:effectRef>
-          <a:fontRef idx="minor">
-            <a:schemeClr val="dk1"/>
-          </a:fontRef>
-        </p:style>
-        <p:txBody>
-          <a:bodyPr rtlCol="0" anchor="ctr"/>
-          <a:lstStyle/>
-          <a:p>
-            <a:pPr algn="ctr"/>
-            <a:r>
-              <a:rPr lang="de-DE" sz="2200" dirty="0" smtClean="0">
-                <a:latin typeface="AA Zuehlke" pitchFamily="2" charset="0"/>
-              </a:rPr>
-              <a:t>Step-Definition</a:t>
-            </a:r>
-          </a:p>
-        </p:txBody>
-      </p:sp>
-      <p:sp>
-        <p:nvSpPr>
-          <p:cNvPr id="8" name="Rounded Rectangle 7"/>
-          <p:cNvSpPr/>
-          <p:nvPr/>
-        </p:nvSpPr>
-        <p:spPr>
-          <a:xfrm>
-            <a:off x="5721551" y="4727547"/>
-            <a:ext cx="936104" cy="432048"/>
-          </a:xfrm>
-          <a:prstGeom prst="roundRect">
-            <a:avLst/>
-          </a:prstGeom>
-          <a:ln/>
-        </p:spPr>
-        <p:style>
-          <a:lnRef idx="2">
-            <a:schemeClr val="dk1"/>
-          </a:lnRef>
-          <a:fillRef idx="1">
-            <a:schemeClr val="lt1"/>
-          </a:fillRef>
-          <a:effectRef idx="0">
-            <a:schemeClr val="dk1"/>
-          </a:effectRef>
-          <a:fontRef idx="minor">
-            <a:schemeClr val="dk1"/>
-          </a:fontRef>
-        </p:style>
-        <p:txBody>
-          <a:bodyPr rtlCol="0" anchor="ctr"/>
-          <a:lstStyle/>
-          <a:p>
-            <a:pPr algn="ctr"/>
-            <a:r>
-              <a:rPr lang="de-DE" sz="2200" dirty="0" smtClean="0">
-                <a:latin typeface="AA Zuehlke" pitchFamily="2" charset="0"/>
-              </a:rPr>
-              <a:t>PO</a:t>
-            </a:r>
-          </a:p>
-        </p:txBody>
-      </p:sp>
-      <p:sp>
-        <p:nvSpPr>
-          <p:cNvPr id="10" name="Rounded Rectangle 9"/>
-          <p:cNvSpPr/>
-          <p:nvPr/>
-        </p:nvSpPr>
-        <p:spPr>
-          <a:xfrm>
-            <a:off x="7646042" y="4738416"/>
-            <a:ext cx="936104" cy="432048"/>
-          </a:xfrm>
-          <a:prstGeom prst="roundRect">
-            <a:avLst/>
-          </a:prstGeom>
-          <a:ln/>
-        </p:spPr>
-        <p:style>
-          <a:lnRef idx="2">
-            <a:schemeClr val="dk1"/>
-          </a:lnRef>
-          <a:fillRef idx="1">
-            <a:schemeClr val="lt1"/>
-          </a:fillRef>
-          <a:effectRef idx="0">
-            <a:schemeClr val="dk1"/>
-          </a:effectRef>
-          <a:fontRef idx="minor">
-            <a:schemeClr val="dk1"/>
-          </a:fontRef>
-        </p:style>
-        <p:txBody>
-          <a:bodyPr rtlCol="0" anchor="ctr"/>
-          <a:lstStyle/>
-          <a:p>
-            <a:pPr algn="ctr"/>
-            <a:r>
-              <a:rPr lang="de-DE" sz="2200" dirty="0" smtClean="0">
-                <a:latin typeface="AA Zuehlke" pitchFamily="2" charset="0"/>
-              </a:rPr>
-              <a:t>PO</a:t>
-            </a:r>
-          </a:p>
-        </p:txBody>
-      </p:sp>
-      <p:sp>
-        <p:nvSpPr>
-          <p:cNvPr id="11" name="TextBox 10"/>
-          <p:cNvSpPr txBox="1"/>
-          <p:nvPr/>
-        </p:nvSpPr>
-        <p:spPr>
-          <a:xfrm>
-            <a:off x="6684786" y="4671212"/>
-            <a:ext cx="914400" cy="584532"/>
-          </a:xfrm>
-          <a:prstGeom prst="rect">
-            <a:avLst/>
-          </a:prstGeom>
-          <a:noFill/>
-        </p:spPr>
-        <p:txBody>
-          <a:bodyPr wrap="none" rtlCol="0">
-            <a:noAutofit/>
-          </a:bodyPr>
-          <a:lstStyle/>
-          <a:p>
-            <a:pPr algn="ctr"/>
-            <a:r>
-              <a:rPr lang="de-DE" sz="2200" dirty="0" smtClean="0">
-                <a:latin typeface="AA Zuehlke" pitchFamily="2" charset="0"/>
-              </a:rPr>
-              <a:t>…</a:t>
-            </a:r>
-          </a:p>
-        </p:txBody>
-      </p:sp>
     </p:spTree>
     <p:extLst>
       <p:ext uri="{BB962C8B-B14F-4D97-AF65-F5344CB8AC3E}">
-        <p14:creationId xmlns:p14="http://schemas.microsoft.com/office/powerpoint/2010/main" val="2506019560"/>
+        <p14:creationId xmlns:p14="http://schemas.microsoft.com/office/powerpoint/2010/main" val="4234173403"/>
       </p:ext>
     </p:extLst>
   </p:cSld>
@@ -21790,201 +24099,7 @@
 </p:sld>
 </file>
 
-<file path=ppt/slides/slide2.xml><?xml version="1.0" encoding="utf-8"?>
-<p:sld xmlns:a="http://schemas.openxmlformats.org/drawingml/2006/main" xmlns:r="http://schemas.openxmlformats.org/officeDocument/2006/relationships" xmlns:p="http://schemas.openxmlformats.org/presentationml/2006/main">
-  <p:cSld>
-    <p:spTree>
-      <p:nvGrpSpPr>
-        <p:cNvPr id="1" name=""/>
-        <p:cNvGrpSpPr/>
-        <p:nvPr/>
-      </p:nvGrpSpPr>
-      <p:grpSpPr>
-        <a:xfrm>
-          <a:off x="0" y="0"/>
-          <a:ext cx="0" cy="0"/>
-          <a:chOff x="0" y="0"/>
-          <a:chExt cx="0" cy="0"/>
-        </a:xfrm>
-      </p:grpSpPr>
-      <p:sp>
-        <p:nvSpPr>
-          <p:cNvPr id="2" name="Title 1"/>
-          <p:cNvSpPr>
-            <a:spLocks noGrp="1"/>
-          </p:cNvSpPr>
-          <p:nvPr>
-            <p:ph type="title"/>
-          </p:nvPr>
-        </p:nvSpPr>
-        <p:spPr/>
-        <p:txBody>
-          <a:bodyPr/>
-          <a:lstStyle/>
-          <a:p>
-            <a:r>
-              <a:rPr lang="de-DE" dirty="0" smtClean="0"/>
-              <a:t>Agenda</a:t>
-            </a:r>
-            <a:endParaRPr lang="de-DE" dirty="0"/>
-          </a:p>
-        </p:txBody>
-      </p:sp>
-      <p:sp>
-        <p:nvSpPr>
-          <p:cNvPr id="3" name="Content Placeholder 2"/>
-          <p:cNvSpPr>
-            <a:spLocks noGrp="1"/>
-          </p:cNvSpPr>
-          <p:nvPr>
-            <p:ph idx="1"/>
-          </p:nvPr>
-        </p:nvSpPr>
-        <p:spPr/>
-        <p:txBody>
-          <a:bodyPr/>
-          <a:lstStyle/>
-          <a:p>
-            <a:pPr marL="342900" indent="-342900">
-              <a:buFont typeface="Arial" panose="020B0604020202020204" pitchFamily="34" charset="0"/>
-              <a:buChar char="•"/>
-            </a:pPr>
-            <a:r>
-              <a:rPr lang="de-DE" b="1" dirty="0" smtClean="0"/>
-              <a:t>Kontext und Begriffe</a:t>
-            </a:r>
-          </a:p>
-          <a:p>
-            <a:pPr marL="608013" lvl="1" indent="-342900">
-              <a:buFont typeface="Arial" panose="020B0604020202020204" pitchFamily="34" charset="0"/>
-              <a:buChar char="•"/>
-            </a:pPr>
-            <a:r>
-              <a:rPr lang="de-DE" sz="2000" dirty="0" smtClean="0"/>
-              <a:t>Single-Page-</a:t>
-            </a:r>
-            <a:r>
-              <a:rPr lang="de-DE" sz="2000" dirty="0" err="1" smtClean="0"/>
-              <a:t>Application</a:t>
-            </a:r>
-            <a:r>
-              <a:rPr lang="de-DE" sz="2000" dirty="0" smtClean="0"/>
-              <a:t>, </a:t>
-            </a:r>
-            <a:r>
-              <a:rPr lang="de-DE" sz="2000" dirty="0" smtClean="0"/>
-              <a:t>Testpyramide und Specification By Example</a:t>
-            </a:r>
-          </a:p>
-          <a:p>
-            <a:pPr lvl="1" indent="0">
-              <a:buNone/>
-            </a:pPr>
-            <a:endParaRPr lang="de-DE" sz="1800" dirty="0" smtClean="0"/>
-          </a:p>
-          <a:p>
-            <a:pPr marL="342900" indent="-342900">
-              <a:buFont typeface="Arial" panose="020B0604020202020204" pitchFamily="34" charset="0"/>
-              <a:buChar char="•"/>
-            </a:pPr>
-            <a:r>
-              <a:rPr lang="de-DE" b="1" dirty="0" smtClean="0"/>
-              <a:t>Technologien </a:t>
-            </a:r>
-            <a:r>
-              <a:rPr lang="de-DE" b="1" dirty="0" smtClean="0"/>
-              <a:t>zur Kollaboration und Testautomatisierung</a:t>
-            </a:r>
-          </a:p>
-          <a:p>
-            <a:pPr marL="608013" lvl="1" indent="-342900">
-              <a:buFont typeface="Arial" panose="020B0604020202020204" pitchFamily="34" charset="0"/>
-              <a:buChar char="•"/>
-            </a:pPr>
-            <a:r>
-              <a:rPr lang="de-DE" sz="2000" dirty="0" smtClean="0"/>
-              <a:t>YodaChat: Angular2-App mit REST-Backend</a:t>
-            </a:r>
-          </a:p>
-          <a:p>
-            <a:pPr marL="608013" lvl="1" indent="-342900">
-              <a:buFont typeface="Arial" panose="020B0604020202020204" pitchFamily="34" charset="0"/>
-              <a:buChar char="•"/>
-            </a:pPr>
-            <a:r>
-              <a:rPr lang="de-DE" sz="2000" dirty="0" smtClean="0"/>
-              <a:t>Akzeptanztests mit Cucumber</a:t>
-            </a:r>
-          </a:p>
-          <a:p>
-            <a:pPr marL="608013" lvl="1" indent="-342900">
-              <a:buFont typeface="Arial" panose="020B0604020202020204" pitchFamily="34" charset="0"/>
-              <a:buChar char="•"/>
-            </a:pPr>
-            <a:r>
-              <a:rPr lang="de-DE" sz="2000" dirty="0" smtClean="0"/>
-              <a:t>Testautomatisierung mit Protractor</a:t>
-            </a:r>
-          </a:p>
-          <a:p>
-            <a:pPr lvl="1" indent="0">
-              <a:buNone/>
-            </a:pPr>
-            <a:endParaRPr lang="de-DE" sz="1800" dirty="0" smtClean="0"/>
-          </a:p>
-          <a:p>
-            <a:pPr marL="342900" indent="-342900">
-              <a:buFont typeface="Arial" panose="020B0604020202020204" pitchFamily="34" charset="0"/>
-              <a:buChar char="•"/>
-            </a:pPr>
-            <a:r>
-              <a:rPr lang="de-DE" b="1" dirty="0" smtClean="0"/>
-              <a:t>Zusammenfassung und Fazit</a:t>
-            </a:r>
-            <a:endParaRPr lang="de-DE" b="1" dirty="0"/>
-          </a:p>
-        </p:txBody>
-      </p:sp>
-      <p:sp>
-        <p:nvSpPr>
-          <p:cNvPr id="6" name="Text Placeholder 5"/>
-          <p:cNvSpPr>
-            <a:spLocks noGrp="1"/>
-          </p:cNvSpPr>
-          <p:nvPr>
-            <p:ph type="body" sz="quarter" idx="13"/>
-          </p:nvPr>
-        </p:nvSpPr>
-        <p:spPr/>
-        <p:txBody>
-          <a:bodyPr/>
-          <a:lstStyle/>
-          <a:p>
-            <a:endParaRPr lang="de-DE" dirty="0"/>
-          </a:p>
-        </p:txBody>
-      </p:sp>
-    </p:spTree>
-    <p:extLst>
-      <p:ext uri="{BB962C8B-B14F-4D97-AF65-F5344CB8AC3E}">
-        <p14:creationId xmlns:p14="http://schemas.microsoft.com/office/powerpoint/2010/main" val="2884851122"/>
-      </p:ext>
-    </p:extLst>
-  </p:cSld>
-  <p:clrMapOvr>
-    <a:masterClrMapping/>
-  </p:clrMapOvr>
-  <p:timing>
-    <p:tnLst>
-      <p:par>
-        <p:cTn id="1" dur="indefinite" restart="never" nodeType="tmRoot"/>
-      </p:par>
-    </p:tnLst>
-  </p:timing>
-</p:sld>
-</file>
-
-<file path=ppt/slides/slide20.xml><?xml version="1.0" encoding="utf-8"?>
+<file path=ppt/slides/slide23.xml><?xml version="1.0" encoding="utf-8"?>
 <p:sld xmlns:a="http://schemas.openxmlformats.org/drawingml/2006/main" xmlns:r="http://schemas.openxmlformats.org/officeDocument/2006/relationships" xmlns:p="http://schemas.openxmlformats.org/presentationml/2006/main">
   <p:cSld>
     <p:spTree>
@@ -22187,7 +24302,7 @@
 </p:sld>
 </file>
 
-<file path=ppt/slides/slide21.xml><?xml version="1.0" encoding="utf-8"?>
+<file path=ppt/slides/slide24.xml><?xml version="1.0" encoding="utf-8"?>
 <p:sld xmlns:a="http://schemas.openxmlformats.org/drawingml/2006/main" xmlns:r="http://schemas.openxmlformats.org/officeDocument/2006/relationships" xmlns:p="http://schemas.openxmlformats.org/presentationml/2006/main">
   <p:cSld>
     <p:spTree>
@@ -22480,7 +24595,7 @@
 </p:sld>
 </file>
 
-<file path=ppt/slides/slide22.xml><?xml version="1.0" encoding="utf-8"?>
+<file path=ppt/slides/slide25.xml><?xml version="1.0" encoding="utf-8"?>
 <p:sld xmlns:a="http://schemas.openxmlformats.org/drawingml/2006/main" xmlns:r="http://schemas.openxmlformats.org/officeDocument/2006/relationships" xmlns:p="http://schemas.openxmlformats.org/presentationml/2006/main">
   <p:cSld>
     <p:spTree>
@@ -22951,7 +25066,7 @@
             </a:r>
             <a:r>
               <a:rPr lang="de-DE" b="1" dirty="0" smtClean="0"/>
-              <a:t>Single-Page-</a:t>
+              <a:t>Single-Page </a:t>
             </a:r>
             <a:r>
               <a:rPr lang="de-DE" b="1" dirty="0" err="1" smtClean="0"/>
@@ -22963,19 +25078,14 @@
             </a:r>
             <a:r>
               <a:rPr lang="de-DE" dirty="0" smtClean="0"/>
-              <a:t>erleben </a:t>
-            </a:r>
-            <a:r>
+              <a:t>erleben wir eine</a:t>
+            </a:r>
+            <a:br>
               <a:rPr lang="de-DE" dirty="0" smtClean="0"/>
-              <a:t>wir eine </a:t>
-            </a:r>
-            <a:r>
-              <a:rPr lang="de-DE" dirty="0"/>
-              <a:t>P</a:t>
-            </a:r>
+            </a:br>
             <a:r>
               <a:rPr lang="de-DE" dirty="0" smtClean="0"/>
-              <a:t>rofessionalisierung in der Webentwicklung</a:t>
+              <a:t>Professionalisierung in der Webentwicklung</a:t>
             </a:r>
           </a:p>
           <a:p>
@@ -22989,7 +25099,14 @@
             </a:r>
             <a:r>
               <a:rPr lang="de-DE" b="1" dirty="0" smtClean="0"/>
-              <a:t>automatisierte Akzeptanztests </a:t>
+              <a:t>automatisierte</a:t>
+            </a:r>
+            <a:br>
+              <a:rPr lang="de-DE" b="1" dirty="0" smtClean="0"/>
+            </a:br>
+            <a:r>
+              <a:rPr lang="de-DE" b="1" dirty="0" smtClean="0"/>
+              <a:t>Akzeptanztests </a:t>
             </a:r>
             <a:r>
               <a:rPr lang="de-DE" dirty="0" smtClean="0"/>
@@ -23112,13 +25229,11 @@
       </p:sp>
       <p:pic>
         <p:nvPicPr>
-          <p:cNvPr id="5" name="Content Placeholder 4"/>
+          <p:cNvPr id="7" name="Picture 6"/>
           <p:cNvPicPr>
-            <a:picLocks noGrp="1" noChangeAspect="1"/>
+            <a:picLocks noChangeAspect="1"/>
           </p:cNvPicPr>
-          <p:nvPr>
-            <p:ph idx="1"/>
-          </p:nvPr>
+          <p:nvPr/>
         </p:nvPicPr>
         <p:blipFill>
           <a:blip r:embed="rId2" cstate="print">
@@ -23134,8 +25249,8 @@
         </p:blipFill>
         <p:spPr>
           <a:xfrm>
-            <a:off x="7001260" y="220993"/>
-            <a:ext cx="1683582" cy="1953504"/>
+            <a:off x="6448442" y="404664"/>
+            <a:ext cx="2313578" cy="2603178"/>
           </a:xfrm>
           <a:prstGeom prst="rect">
             <a:avLst/>
@@ -23162,7 +25277,7 @@
 </p:sld>
 </file>
 
-<file path=ppt/slides/slide23.xml><?xml version="1.0" encoding="utf-8"?>
+<file path=ppt/slides/slide26.xml><?xml version="1.0" encoding="utf-8"?>
 <p:sld xmlns:a="http://schemas.openxmlformats.org/drawingml/2006/main" xmlns:r="http://schemas.openxmlformats.org/officeDocument/2006/relationships" xmlns:p="http://schemas.openxmlformats.org/presentationml/2006/main">
   <p:cSld>
     <p:spTree>
@@ -35275,11 +37390,7 @@
           <a:p>
             <a:r>
               <a:rPr lang="de-DE" dirty="0" smtClean="0"/>
-              <a:t>Single-Pag</a:t>
-            </a:r>
-            <a:r>
-              <a:rPr lang="de-DE" dirty="0" smtClean="0"/>
-              <a:t>e-</a:t>
+              <a:t>Single-Page </a:t>
             </a:r>
             <a:r>
               <a:rPr lang="de-DE" dirty="0" err="1" smtClean="0"/>
@@ -35359,15 +37470,7 @@
             </a:pPr>
             <a:r>
               <a:rPr lang="de-DE" sz="2000" dirty="0" smtClean="0"/>
-              <a:t>Reduktion der Page Reloads durch </a:t>
-            </a:r>
-            <a:r>
-              <a:rPr lang="de-DE" sz="2000" dirty="0" smtClean="0"/>
-              <a:t>asynchrones </a:t>
-            </a:r>
-            <a:r>
-              <a:rPr lang="de-DE" sz="2000" dirty="0" smtClean="0"/>
-              <a:t>Handling von Benutzerinteraktionen</a:t>
+              <a:t>Reduktion der Page Reloads durch asynchrones Handling von Benutzerinteraktionen</a:t>
             </a:r>
           </a:p>
           <a:p>
@@ -35387,7 +37490,7 @@
             </a:pPr>
             <a:r>
               <a:rPr lang="de-DE" b="1" dirty="0" smtClean="0"/>
-              <a:t>Single-Page-</a:t>
+              <a:t>Single-Page </a:t>
             </a:r>
             <a:r>
               <a:rPr lang="de-DE" b="1" dirty="0" err="1" smtClean="0"/>
@@ -35395,11 +37498,11 @@
             </a:r>
             <a:r>
               <a:rPr lang="de-DE" b="1" dirty="0" smtClean="0"/>
-              <a:t> (SPA</a:t>
+              <a:t> </a:t>
             </a:r>
             <a:r>
               <a:rPr lang="de-DE" b="1" dirty="0" smtClean="0"/>
-              <a:t>)</a:t>
+              <a:t>(SPA)</a:t>
             </a:r>
           </a:p>
           <a:p>
@@ -35923,30 +38026,19 @@
           <a:prstGeom prst="triangle">
             <a:avLst/>
           </a:prstGeom>
-          <a:gradFill flip="none" rotWithShape="1">
-            <a:gsLst>
-              <a:gs pos="0">
-                <a:schemeClr val="bg1">
-                  <a:lumMod val="95000"/>
-                </a:schemeClr>
-              </a:gs>
-              <a:gs pos="50000">
-                <a:schemeClr val="accent5">
-                  <a:tint val="44500"/>
-                  <a:satMod val="160000"/>
-                </a:schemeClr>
-              </a:gs>
-              <a:gs pos="100000">
-                <a:schemeClr val="bg1">
-                  <a:lumMod val="75000"/>
-                </a:schemeClr>
-              </a:gs>
-            </a:gsLst>
-            <a:lin ang="5400000" scaled="0"/>
-            <a:tileRect/>
-          </a:gradFill>
+          <a:solidFill>
+            <a:schemeClr val="accent1">
+              <a:lumMod val="60000"/>
+              <a:lumOff val="40000"/>
+            </a:schemeClr>
+          </a:solidFill>
           <a:ln>
-            <a:noFill/>
+            <a:solidFill>
+              <a:schemeClr val="accent1">
+                <a:lumMod val="60000"/>
+                <a:lumOff val="40000"/>
+              </a:schemeClr>
+            </a:solidFill>
           </a:ln>
           <a:effectLst>
             <a:reflection blurRad="6350" stA="50000" endA="295" endPos="92000" dist="101600" dir="5400000" sy="-100000" algn="bl" rotWithShape="0"/>
@@ -36006,7 +38098,14 @@
           <a:prstGeom prst="line">
             <a:avLst/>
           </a:prstGeom>
-          <a:ln/>
+          <a:ln>
+            <a:solidFill>
+              <a:schemeClr val="accent1">
+                <a:lumMod val="60000"/>
+                <a:lumOff val="40000"/>
+              </a:schemeClr>
+            </a:solidFill>
+          </a:ln>
         </p:spPr>
         <p:style>
           <a:lnRef idx="2">
@@ -36210,7 +38309,14 @@
           <a:prstGeom prst="line">
             <a:avLst/>
           </a:prstGeom>
-          <a:ln/>
+          <a:ln>
+            <a:solidFill>
+              <a:schemeClr val="accent1">
+                <a:lumMod val="60000"/>
+                <a:lumOff val="40000"/>
+              </a:schemeClr>
+            </a:solidFill>
+          </a:ln>
         </p:spPr>
         <p:style>
           <a:lnRef idx="2">
@@ -36468,30 +38574,19 @@
           <a:prstGeom prst="triangle">
             <a:avLst/>
           </a:prstGeom>
-          <a:gradFill flip="none" rotWithShape="1">
-            <a:gsLst>
-              <a:gs pos="0">
-                <a:schemeClr val="bg1">
-                  <a:lumMod val="95000"/>
-                </a:schemeClr>
-              </a:gs>
-              <a:gs pos="50000">
-                <a:schemeClr val="accent5">
-                  <a:tint val="44500"/>
-                  <a:satMod val="160000"/>
-                </a:schemeClr>
-              </a:gs>
-              <a:gs pos="100000">
-                <a:schemeClr val="bg1">
-                  <a:lumMod val="75000"/>
-                </a:schemeClr>
-              </a:gs>
-            </a:gsLst>
-            <a:lin ang="5400000" scaled="0"/>
-            <a:tileRect/>
-          </a:gradFill>
+          <a:solidFill>
+            <a:schemeClr val="accent1">
+              <a:lumMod val="60000"/>
+              <a:lumOff val="40000"/>
+            </a:schemeClr>
+          </a:solidFill>
           <a:ln>
-            <a:noFill/>
+            <a:solidFill>
+              <a:schemeClr val="accent1">
+                <a:lumMod val="60000"/>
+                <a:lumOff val="40000"/>
+              </a:schemeClr>
+            </a:solidFill>
           </a:ln>
           <a:effectLst>
             <a:reflection blurRad="6350" stA="50000" endA="295" endPos="92000" dist="101600" dir="5400000" sy="-100000" algn="bl" rotWithShape="0"/>
@@ -36551,7 +38646,14 @@
           <a:prstGeom prst="line">
             <a:avLst/>
           </a:prstGeom>
-          <a:ln/>
+          <a:ln>
+            <a:solidFill>
+              <a:schemeClr val="accent1">
+                <a:lumMod val="60000"/>
+                <a:lumOff val="40000"/>
+              </a:schemeClr>
+            </a:solidFill>
+          </a:ln>
         </p:spPr>
         <p:style>
           <a:lnRef idx="2">
@@ -36755,7 +38857,14 @@
           <a:prstGeom prst="line">
             <a:avLst/>
           </a:prstGeom>
-          <a:ln/>
+          <a:ln>
+            <a:solidFill>
+              <a:schemeClr val="accent1">
+                <a:lumMod val="60000"/>
+                <a:lumOff val="40000"/>
+              </a:schemeClr>
+            </a:solidFill>
+          </a:ln>
         </p:spPr>
         <p:style>
           <a:lnRef idx="2">
@@ -37250,30 +39359,19 @@
           <a:prstGeom prst="triangle">
             <a:avLst/>
           </a:prstGeom>
-          <a:gradFill flip="none" rotWithShape="1">
-            <a:gsLst>
-              <a:gs pos="0">
-                <a:schemeClr val="bg1">
-                  <a:lumMod val="95000"/>
-                </a:schemeClr>
-              </a:gs>
-              <a:gs pos="50000">
-                <a:schemeClr val="accent5">
-                  <a:tint val="44500"/>
-                  <a:satMod val="160000"/>
-                </a:schemeClr>
-              </a:gs>
-              <a:gs pos="100000">
-                <a:schemeClr val="bg1">
-                  <a:lumMod val="75000"/>
-                </a:schemeClr>
-              </a:gs>
-            </a:gsLst>
-            <a:lin ang="5400000" scaled="0"/>
-            <a:tileRect/>
-          </a:gradFill>
+          <a:solidFill>
+            <a:schemeClr val="accent1">
+              <a:lumMod val="60000"/>
+              <a:lumOff val="40000"/>
+            </a:schemeClr>
+          </a:solidFill>
           <a:ln>
-            <a:noFill/>
+            <a:solidFill>
+              <a:schemeClr val="accent1">
+                <a:lumMod val="60000"/>
+                <a:lumOff val="40000"/>
+              </a:schemeClr>
+            </a:solidFill>
           </a:ln>
           <a:effectLst>
             <a:reflection blurRad="6350" stA="9000" endPos="92000" dist="101600" dir="5400000" sy="-100000" algn="bl" rotWithShape="0"/>
@@ -37333,7 +39431,14 @@
           <a:prstGeom prst="line">
             <a:avLst/>
           </a:prstGeom>
-          <a:ln/>
+          <a:ln>
+            <a:solidFill>
+              <a:schemeClr val="accent1">
+                <a:lumMod val="60000"/>
+                <a:lumOff val="40000"/>
+              </a:schemeClr>
+            </a:solidFill>
+          </a:ln>
         </p:spPr>
         <p:style>
           <a:lnRef idx="2">
@@ -37537,7 +39642,14 @@
           <a:prstGeom prst="line">
             <a:avLst/>
           </a:prstGeom>
-          <a:ln/>
+          <a:ln>
+            <a:solidFill>
+              <a:schemeClr val="accent1">
+                <a:lumMod val="60000"/>
+                <a:lumOff val="40000"/>
+              </a:schemeClr>
+            </a:solidFill>
+          </a:ln>
         </p:spPr>
         <p:style>
           <a:lnRef idx="2">
@@ -38282,78 +40394,13 @@
       </p:graphicFrame>
       <p:sp>
         <p:nvSpPr>
-          <p:cNvPr id="16" name="Vertical Scroll 15"/>
-          <p:cNvSpPr/>
-          <p:nvPr/>
-        </p:nvSpPr>
-        <p:spPr>
-          <a:xfrm>
-            <a:off x="3823878" y="1678401"/>
-            <a:ext cx="1632520" cy="1143000"/>
-          </a:xfrm>
-          <a:prstGeom prst="verticalScroll">
-            <a:avLst/>
-          </a:prstGeom>
-          <a:solidFill>
-            <a:schemeClr val="accent2">
-              <a:lumMod val="20000"/>
-              <a:lumOff val="80000"/>
-            </a:schemeClr>
-          </a:solidFill>
-          <a:ln/>
-        </p:spPr>
-        <p:style>
-          <a:lnRef idx="2">
-            <a:schemeClr val="dk1"/>
-          </a:lnRef>
-          <a:fillRef idx="1">
-            <a:schemeClr val="lt1"/>
-          </a:fillRef>
-          <a:effectRef idx="0">
-            <a:schemeClr val="dk1"/>
-          </a:effectRef>
-          <a:fontRef idx="minor">
-            <a:schemeClr val="dk1"/>
-          </a:fontRef>
-        </p:style>
-        <p:txBody>
-          <a:bodyPr rtlCol="0" anchor="ctr"/>
-          <a:lstStyle/>
-          <a:p>
-            <a:r>
-              <a:rPr lang="de-DE" sz="1600" dirty="0" smtClean="0">
-                <a:latin typeface="AA Zuehlke" pitchFamily="2" charset="0"/>
-              </a:rPr>
-              <a:t>In order to …</a:t>
-            </a:r>
-          </a:p>
-          <a:p>
-            <a:r>
-              <a:rPr lang="de-DE" sz="1600" dirty="0" smtClean="0">
-                <a:latin typeface="AA Zuehlke" pitchFamily="2" charset="0"/>
-              </a:rPr>
-              <a:t>As …</a:t>
-            </a:r>
-          </a:p>
-          <a:p>
-            <a:r>
-              <a:rPr lang="de-DE" sz="1600" dirty="0" smtClean="0">
-                <a:latin typeface="AA Zuehlke" pitchFamily="2" charset="0"/>
-              </a:rPr>
-              <a:t>I want to …</a:t>
-            </a:r>
-          </a:p>
-        </p:txBody>
-      </p:sp>
-      <p:sp>
-        <p:nvSpPr>
           <p:cNvPr id="20" name="TextBox 19"/>
           <p:cNvSpPr txBox="1"/>
           <p:nvPr/>
         </p:nvSpPr>
         <p:spPr>
           <a:xfrm>
-            <a:off x="5874157" y="1182491"/>
+            <a:off x="5884775" y="919186"/>
             <a:ext cx="1231400" cy="390706"/>
           </a:xfrm>
           <a:prstGeom prst="rect">
@@ -38423,7 +40470,7 @@
         </p:nvSpPr>
         <p:spPr>
           <a:xfrm flipV="1">
-            <a:off x="2547684" y="1975883"/>
+            <a:off x="2688877" y="2257640"/>
             <a:ext cx="660814" cy="372072"/>
           </a:xfrm>
           <a:prstGeom prst="rightArrow">
@@ -38460,78 +40507,13 @@
       </p:sp>
       <p:sp>
         <p:nvSpPr>
-          <p:cNvPr id="26" name="Flowchart: Multidocument 25"/>
-          <p:cNvSpPr/>
-          <p:nvPr/>
-        </p:nvSpPr>
-        <p:spPr>
-          <a:xfrm>
-            <a:off x="5651332" y="1663036"/>
-            <a:ext cx="1489340" cy="1296144"/>
-          </a:xfrm>
-          <a:prstGeom prst="flowChartMultidocument">
-            <a:avLst/>
-          </a:prstGeom>
-          <a:solidFill>
-            <a:schemeClr val="accent2">
-              <a:lumMod val="20000"/>
-              <a:lumOff val="80000"/>
-            </a:schemeClr>
-          </a:solidFill>
-          <a:ln/>
-        </p:spPr>
-        <p:style>
-          <a:lnRef idx="2">
-            <a:schemeClr val="dk1"/>
-          </a:lnRef>
-          <a:fillRef idx="1">
-            <a:schemeClr val="lt1"/>
-          </a:fillRef>
-          <a:effectRef idx="0">
-            <a:schemeClr val="dk1"/>
-          </a:effectRef>
-          <a:fontRef idx="minor">
-            <a:schemeClr val="dk1"/>
-          </a:fontRef>
-        </p:style>
-        <p:txBody>
-          <a:bodyPr rtlCol="0" anchor="ctr"/>
-          <a:lstStyle/>
-          <a:p>
-            <a:r>
-              <a:rPr lang="de-DE" sz="1600" dirty="0" smtClean="0">
-                <a:latin typeface="AA Zuehlke" pitchFamily="2" charset="0"/>
-              </a:rPr>
-              <a:t>Given…</a:t>
-            </a:r>
-          </a:p>
-          <a:p>
-            <a:r>
-              <a:rPr lang="de-DE" sz="1600" dirty="0" smtClean="0">
-                <a:latin typeface="AA Zuehlke" pitchFamily="2" charset="0"/>
-              </a:rPr>
-              <a:t>When …</a:t>
-            </a:r>
-          </a:p>
-          <a:p>
-            <a:r>
-              <a:rPr lang="de-DE" sz="1600" dirty="0" smtClean="0">
-                <a:latin typeface="AA Zuehlke" pitchFamily="2" charset="0"/>
-              </a:rPr>
-              <a:t>Then …</a:t>
-            </a:r>
-          </a:p>
-        </p:txBody>
-      </p:sp>
-      <p:sp>
-        <p:nvSpPr>
           <p:cNvPr id="27" name="Right Arrow 26"/>
           <p:cNvSpPr/>
           <p:nvPr/>
         </p:nvSpPr>
         <p:spPr>
           <a:xfrm rot="8632996" flipV="1">
-            <a:off x="3472084" y="3471058"/>
+            <a:off x="3030086" y="3671966"/>
             <a:ext cx="660814" cy="372072"/>
           </a:xfrm>
           <a:prstGeom prst="rightArrow">
@@ -38560,9 +40542,7 @@
           <a:lstStyle/>
           <a:p>
             <a:pPr algn="ctr"/>
-            <a:endParaRPr lang="de-DE" sz="2200" dirty="0" err="1" smtClean="0">
-              <a:latin typeface="AA Zuehlke" pitchFamily="2" charset="0"/>
-            </a:endParaRPr>
+            <a:endParaRPr lang="de-DE" dirty="0" err="1"/>
           </a:p>
         </p:txBody>
       </p:sp>
@@ -38674,13 +40654,13 @@
           <p:nvPr>
             <p:extLst>
               <p:ext uri="{D42A27DB-BD31-4B8C-83A1-F6EECF244321}">
-                <p14:modId xmlns:p14="http://schemas.microsoft.com/office/powerpoint/2010/main" val="2589357063"/>
+                <p14:modId xmlns:p14="http://schemas.microsoft.com/office/powerpoint/2010/main" val="1084246366"/>
               </p:ext>
             </p:extLst>
           </p:nvPr>
         </p:nvGraphicFramePr>
         <p:xfrm>
-          <a:off x="5046128" y="3312058"/>
+          <a:off x="4463061" y="3765468"/>
           <a:ext cx="4074828" cy="2808311"/>
         </p:xfrm>
         <a:graphic>
@@ -38720,6 +40700,416 @@
           </a:p>
         </p:txBody>
       </p:sp>
+      <p:grpSp>
+        <p:nvGrpSpPr>
+          <p:cNvPr id="11" name="Group 10"/>
+          <p:cNvGrpSpPr/>
+          <p:nvPr/>
+        </p:nvGrpSpPr>
+        <p:grpSpPr>
+          <a:xfrm>
+            <a:off x="3999823" y="1753672"/>
+            <a:ext cx="1301271" cy="1677384"/>
+            <a:chOff x="3990809" y="1634673"/>
+            <a:chExt cx="1301271" cy="1677384"/>
+          </a:xfrm>
+        </p:grpSpPr>
+        <p:sp>
+          <p:nvSpPr>
+            <p:cNvPr id="6" name="Flowchart: Process 5"/>
+            <p:cNvSpPr/>
+            <p:nvPr/>
+          </p:nvSpPr>
+          <p:spPr>
+            <a:xfrm>
+              <a:off x="3990809" y="1637918"/>
+              <a:ext cx="1301271" cy="1674139"/>
+            </a:xfrm>
+            <a:prstGeom prst="flowChartProcess">
+              <a:avLst/>
+            </a:prstGeom>
+            <a:ln/>
+          </p:spPr>
+          <p:style>
+            <a:lnRef idx="2">
+              <a:schemeClr val="dk1"/>
+            </a:lnRef>
+            <a:fillRef idx="1">
+              <a:schemeClr val="lt1"/>
+            </a:fillRef>
+            <a:effectRef idx="0">
+              <a:schemeClr val="dk1"/>
+            </a:effectRef>
+            <a:fontRef idx="minor">
+              <a:schemeClr val="dk1"/>
+            </a:fontRef>
+          </p:style>
+          <p:txBody>
+            <a:bodyPr rtlCol="0" anchor="ctr"/>
+            <a:lstStyle/>
+            <a:p>
+              <a:r>
+                <a:rPr lang="de-DE" sz="1600" dirty="0">
+                  <a:solidFill>
+                    <a:schemeClr val="dk1"/>
+                  </a:solidFill>
+                  <a:latin typeface="AA Zuehlke" pitchFamily="2" charset="0"/>
+                </a:rPr>
+                <a:t>In </a:t>
+              </a:r>
+              <a:r>
+                <a:rPr lang="de-DE" sz="1600" dirty="0" err="1">
+                  <a:solidFill>
+                    <a:schemeClr val="dk1"/>
+                  </a:solidFill>
+                  <a:latin typeface="AA Zuehlke" pitchFamily="2" charset="0"/>
+                </a:rPr>
+                <a:t>order</a:t>
+              </a:r>
+              <a:r>
+                <a:rPr lang="de-DE" sz="1600" dirty="0">
+                  <a:solidFill>
+                    <a:schemeClr val="dk1"/>
+                  </a:solidFill>
+                  <a:latin typeface="AA Zuehlke" pitchFamily="2" charset="0"/>
+                </a:rPr>
+                <a:t> </a:t>
+              </a:r>
+              <a:r>
+                <a:rPr lang="de-DE" sz="1600" dirty="0" err="1">
+                  <a:solidFill>
+                    <a:schemeClr val="dk1"/>
+                  </a:solidFill>
+                  <a:latin typeface="AA Zuehlke" pitchFamily="2" charset="0"/>
+                </a:rPr>
+                <a:t>to</a:t>
+              </a:r>
+              <a:r>
+                <a:rPr lang="de-DE" sz="1600" dirty="0">
+                  <a:solidFill>
+                    <a:schemeClr val="dk1"/>
+                  </a:solidFill>
+                  <a:latin typeface="AA Zuehlke" pitchFamily="2" charset="0"/>
+                </a:rPr>
+                <a:t> …</a:t>
+              </a:r>
+            </a:p>
+            <a:p>
+              <a:r>
+                <a:rPr lang="de-DE" sz="1600" dirty="0">
+                  <a:solidFill>
+                    <a:schemeClr val="dk1"/>
+                  </a:solidFill>
+                  <a:latin typeface="AA Zuehlke" pitchFamily="2" charset="0"/>
+                </a:rPr>
+                <a:t>As …</a:t>
+              </a:r>
+            </a:p>
+            <a:p>
+              <a:r>
+                <a:rPr lang="de-DE" sz="1600" dirty="0">
+                  <a:solidFill>
+                    <a:schemeClr val="dk1"/>
+                  </a:solidFill>
+                  <a:latin typeface="AA Zuehlke" pitchFamily="2" charset="0"/>
+                </a:rPr>
+                <a:t>I </a:t>
+              </a:r>
+              <a:r>
+                <a:rPr lang="de-DE" sz="1600" dirty="0" err="1">
+                  <a:solidFill>
+                    <a:schemeClr val="dk1"/>
+                  </a:solidFill>
+                  <a:latin typeface="AA Zuehlke" pitchFamily="2" charset="0"/>
+                </a:rPr>
+                <a:t>want</a:t>
+              </a:r>
+              <a:r>
+                <a:rPr lang="de-DE" sz="1600" dirty="0">
+                  <a:solidFill>
+                    <a:schemeClr val="dk1"/>
+                  </a:solidFill>
+                  <a:latin typeface="AA Zuehlke" pitchFamily="2" charset="0"/>
+                </a:rPr>
+                <a:t> </a:t>
+              </a:r>
+              <a:r>
+                <a:rPr lang="de-DE" sz="1600" dirty="0" err="1">
+                  <a:solidFill>
+                    <a:schemeClr val="dk1"/>
+                  </a:solidFill>
+                  <a:latin typeface="AA Zuehlke" pitchFamily="2" charset="0"/>
+                </a:rPr>
+                <a:t>to</a:t>
+              </a:r>
+              <a:r>
+                <a:rPr lang="de-DE" sz="1600" dirty="0">
+                  <a:solidFill>
+                    <a:schemeClr val="dk1"/>
+                  </a:solidFill>
+                  <a:latin typeface="AA Zuehlke" pitchFamily="2" charset="0"/>
+                </a:rPr>
+                <a:t> …</a:t>
+              </a:r>
+            </a:p>
+          </p:txBody>
+        </p:sp>
+        <p:cxnSp>
+          <p:nvCxnSpPr>
+            <p:cNvPr id="8" name="Straight Connector 7"/>
+            <p:cNvCxnSpPr/>
+            <p:nvPr/>
+          </p:nvCxnSpPr>
+          <p:spPr>
+            <a:xfrm flipV="1">
+              <a:off x="3999824" y="1634673"/>
+              <a:ext cx="210152" cy="210150"/>
+            </a:xfrm>
+            <a:prstGeom prst="line">
+              <a:avLst/>
+            </a:prstGeom>
+            <a:ln w="28575"/>
+          </p:spPr>
+          <p:style>
+            <a:lnRef idx="1">
+              <a:schemeClr val="dk1"/>
+            </a:lnRef>
+            <a:fillRef idx="0">
+              <a:schemeClr val="dk1"/>
+            </a:fillRef>
+            <a:effectRef idx="0">
+              <a:schemeClr val="dk1"/>
+            </a:effectRef>
+            <a:fontRef idx="minor">
+              <a:schemeClr val="tx1"/>
+            </a:fontRef>
+          </p:style>
+        </p:cxnSp>
+      </p:grpSp>
+      <p:grpSp>
+        <p:nvGrpSpPr>
+          <p:cNvPr id="9" name="Group 8"/>
+          <p:cNvGrpSpPr/>
+          <p:nvPr/>
+        </p:nvGrpSpPr>
+        <p:grpSpPr>
+          <a:xfrm>
+            <a:off x="5860471" y="1479350"/>
+            <a:ext cx="1620158" cy="1948459"/>
+            <a:chOff x="5851457" y="1360351"/>
+            <a:chExt cx="1620158" cy="1948459"/>
+          </a:xfrm>
+        </p:grpSpPr>
+        <p:sp>
+          <p:nvSpPr>
+            <p:cNvPr id="28" name="Flowchart: Process 27"/>
+            <p:cNvSpPr/>
+            <p:nvPr/>
+          </p:nvSpPr>
+          <p:spPr>
+            <a:xfrm>
+              <a:off x="6170344" y="1360351"/>
+              <a:ext cx="1301271" cy="1674139"/>
+            </a:xfrm>
+            <a:prstGeom prst="flowChartProcess">
+              <a:avLst/>
+            </a:prstGeom>
+            <a:ln/>
+          </p:spPr>
+          <p:style>
+            <a:lnRef idx="2">
+              <a:schemeClr val="dk1"/>
+            </a:lnRef>
+            <a:fillRef idx="1">
+              <a:schemeClr val="lt1"/>
+            </a:fillRef>
+            <a:effectRef idx="0">
+              <a:schemeClr val="dk1"/>
+            </a:effectRef>
+            <a:fontRef idx="minor">
+              <a:schemeClr val="dk1"/>
+            </a:fontRef>
+          </p:style>
+          <p:txBody>
+            <a:bodyPr rtlCol="0" anchor="ctr"/>
+            <a:lstStyle/>
+            <a:p>
+              <a:endParaRPr lang="de-DE" sz="1600" dirty="0" smtClean="0">
+                <a:solidFill>
+                  <a:schemeClr val="dk1"/>
+                </a:solidFill>
+                <a:latin typeface="AA Zuehlke" pitchFamily="2" charset="0"/>
+              </a:endParaRPr>
+            </a:p>
+          </p:txBody>
+        </p:sp>
+        <p:sp>
+          <p:nvSpPr>
+            <p:cNvPr id="24" name="Flowchart: Process 23"/>
+            <p:cNvSpPr/>
+            <p:nvPr/>
+          </p:nvSpPr>
+          <p:spPr>
+            <a:xfrm>
+              <a:off x="5999311" y="1487608"/>
+              <a:ext cx="1301271" cy="1674139"/>
+            </a:xfrm>
+            <a:prstGeom prst="flowChartProcess">
+              <a:avLst/>
+            </a:prstGeom>
+            <a:ln/>
+          </p:spPr>
+          <p:style>
+            <a:lnRef idx="2">
+              <a:schemeClr val="dk1"/>
+            </a:lnRef>
+            <a:fillRef idx="1">
+              <a:schemeClr val="lt1"/>
+            </a:fillRef>
+            <a:effectRef idx="0">
+              <a:schemeClr val="dk1"/>
+            </a:effectRef>
+            <a:fontRef idx="minor">
+              <a:schemeClr val="dk1"/>
+            </a:fontRef>
+          </p:style>
+          <p:txBody>
+            <a:bodyPr rtlCol="0" anchor="ctr"/>
+            <a:lstStyle/>
+            <a:p>
+              <a:endParaRPr lang="de-DE" sz="1600" dirty="0" smtClean="0">
+                <a:solidFill>
+                  <a:schemeClr val="dk1"/>
+                </a:solidFill>
+                <a:latin typeface="AA Zuehlke" pitchFamily="2" charset="0"/>
+              </a:endParaRPr>
+            </a:p>
+          </p:txBody>
+        </p:sp>
+        <p:sp>
+          <p:nvSpPr>
+            <p:cNvPr id="19" name="Flowchart: Process 18"/>
+            <p:cNvSpPr/>
+            <p:nvPr/>
+          </p:nvSpPr>
+          <p:spPr>
+            <a:xfrm>
+              <a:off x="5851457" y="1634671"/>
+              <a:ext cx="1301271" cy="1674139"/>
+            </a:xfrm>
+            <a:prstGeom prst="flowChartProcess">
+              <a:avLst/>
+            </a:prstGeom>
+            <a:ln/>
+          </p:spPr>
+          <p:style>
+            <a:lnRef idx="2">
+              <a:schemeClr val="dk1"/>
+            </a:lnRef>
+            <a:fillRef idx="1">
+              <a:schemeClr val="lt1"/>
+            </a:fillRef>
+            <a:effectRef idx="0">
+              <a:schemeClr val="dk1"/>
+            </a:effectRef>
+            <a:fontRef idx="minor">
+              <a:schemeClr val="dk1"/>
+            </a:fontRef>
+          </p:style>
+          <p:txBody>
+            <a:bodyPr rtlCol="0" anchor="ctr"/>
+            <a:lstStyle/>
+            <a:p>
+              <a:r>
+                <a:rPr lang="de-DE" sz="1600" dirty="0" err="1" smtClean="0">
+                  <a:solidFill>
+                    <a:schemeClr val="dk1"/>
+                  </a:solidFill>
+                  <a:latin typeface="AA Zuehlke" pitchFamily="2" charset="0"/>
+                </a:rPr>
+                <a:t>Given</a:t>
+              </a:r>
+              <a:r>
+                <a:rPr lang="de-DE" sz="1600" dirty="0" smtClean="0">
+                  <a:latin typeface="AA Zuehlke" pitchFamily="2" charset="0"/>
+                </a:rPr>
+                <a:t>…</a:t>
+              </a:r>
+            </a:p>
+            <a:p>
+              <a:r>
+                <a:rPr lang="de-DE" sz="1600" dirty="0" err="1" smtClean="0">
+                  <a:solidFill>
+                    <a:schemeClr val="dk1"/>
+                  </a:solidFill>
+                  <a:latin typeface="AA Zuehlke" pitchFamily="2" charset="0"/>
+                </a:rPr>
+                <a:t>When</a:t>
+              </a:r>
+              <a:r>
+                <a:rPr lang="de-DE" sz="1600" dirty="0" smtClean="0">
+                  <a:solidFill>
+                    <a:schemeClr val="dk1"/>
+                  </a:solidFill>
+                  <a:latin typeface="AA Zuehlke" pitchFamily="2" charset="0"/>
+                </a:rPr>
+                <a:t>…</a:t>
+              </a:r>
+            </a:p>
+            <a:p>
+              <a:r>
+                <a:rPr lang="de-DE" sz="1600" dirty="0" err="1" smtClean="0">
+                  <a:latin typeface="AA Zuehlke" pitchFamily="2" charset="0"/>
+                </a:rPr>
+                <a:t>Then</a:t>
+              </a:r>
+              <a:r>
+                <a:rPr lang="de-DE" sz="1600" dirty="0" smtClean="0">
+                  <a:latin typeface="AA Zuehlke" pitchFamily="2" charset="0"/>
+                </a:rPr>
+                <a:t>…</a:t>
+              </a:r>
+              <a:endParaRPr lang="de-DE" sz="1600" dirty="0" smtClean="0">
+                <a:solidFill>
+                  <a:schemeClr val="dk1"/>
+                </a:solidFill>
+                <a:latin typeface="AA Zuehlke" pitchFamily="2" charset="0"/>
+              </a:endParaRPr>
+            </a:p>
+          </p:txBody>
+        </p:sp>
+        <p:cxnSp>
+          <p:nvCxnSpPr>
+            <p:cNvPr id="29" name="Straight Connector 28"/>
+            <p:cNvCxnSpPr/>
+            <p:nvPr/>
+          </p:nvCxnSpPr>
+          <p:spPr>
+            <a:xfrm flipV="1">
+              <a:off x="5851457" y="1634670"/>
+              <a:ext cx="210153" cy="210153"/>
+            </a:xfrm>
+            <a:prstGeom prst="line">
+              <a:avLst/>
+            </a:prstGeom>
+            <a:ln w="28575"/>
+          </p:spPr>
+          <p:style>
+            <a:lnRef idx="1">
+              <a:schemeClr val="dk1"/>
+            </a:lnRef>
+            <a:fillRef idx="0">
+              <a:schemeClr val="dk1"/>
+            </a:fillRef>
+            <a:effectRef idx="0">
+              <a:schemeClr val="dk1"/>
+            </a:effectRef>
+            <a:fontRef idx="minor">
+              <a:schemeClr val="tx1"/>
+            </a:fontRef>
+          </p:style>
+        </p:cxnSp>
+      </p:grpSp>
     </p:spTree>
     <p:extLst>
       <p:ext uri="{BB962C8B-B14F-4D97-AF65-F5344CB8AC3E}">
@@ -38764,7 +41154,7 @@
                                           </p:stCondLst>
                                         </p:cTn>
                                         <p:tgtEl>
-                                          <p:spTgt spid="16"/>
+                                          <p:spTgt spid="20"/>
                                         </p:tgtEl>
                                         <p:attrNameLst>
                                           <p:attrName>style.visibility</p:attrName>
@@ -38778,7 +41168,7 @@
                                       <p:cBhvr>
                                         <p:cTn id="7" dur="500"/>
                                         <p:tgtEl>
-                                          <p:spTgt spid="16"/>
+                                          <p:spTgt spid="20"/>
                                         </p:tgtEl>
                                       </p:cBhvr>
                                     </p:animEffect>
@@ -38799,7 +41189,7 @@
                                           </p:stCondLst>
                                         </p:cTn>
                                         <p:tgtEl>
-                                          <p:spTgt spid="20"/>
+                                          <p:spTgt spid="21"/>
                                         </p:tgtEl>
                                         <p:attrNameLst>
                                           <p:attrName>style.visibility</p:attrName>
@@ -38813,7 +41203,7 @@
                                       <p:cBhvr>
                                         <p:cTn id="10" dur="500"/>
                                         <p:tgtEl>
-                                          <p:spTgt spid="20"/>
+                                          <p:spTgt spid="21"/>
                                         </p:tgtEl>
                                       </p:cBhvr>
                                     </p:animEffect>
@@ -38821,7 +41211,7 @@
                                 </p:cTn>
                               </p:par>
                               <p:par>
-                                <p:cTn id="11" presetID="10" presetClass="entr" presetSubtype="0" fill="hold" grpId="0" nodeType="withEffect">
+                                <p:cTn id="11" presetID="10" presetClass="entr" presetSubtype="0" fill="hold" nodeType="withEffect">
                                   <p:stCondLst>
                                     <p:cond delay="0"/>
                                   </p:stCondLst>
@@ -38834,7 +41224,7 @@
                                           </p:stCondLst>
                                         </p:cTn>
                                         <p:tgtEl>
-                                          <p:spTgt spid="21"/>
+                                          <p:spTgt spid="11"/>
                                         </p:tgtEl>
                                         <p:attrNameLst>
                                           <p:attrName>style.visibility</p:attrName>
@@ -38848,7 +41238,7 @@
                                       <p:cBhvr>
                                         <p:cTn id="13" dur="500"/>
                                         <p:tgtEl>
-                                          <p:spTgt spid="21"/>
+                                          <p:spTgt spid="11"/>
                                         </p:tgtEl>
                                       </p:cBhvr>
                                     </p:animEffect>
@@ -38856,7 +41246,7 @@
                                 </p:cTn>
                               </p:par>
                               <p:par>
-                                <p:cTn id="14" presetID="10" presetClass="entr" presetSubtype="0" fill="hold" grpId="0" nodeType="withEffect">
+                                <p:cTn id="14" presetID="10" presetClass="entr" presetSubtype="0" fill="hold" nodeType="withEffect">
                                   <p:stCondLst>
                                     <p:cond delay="0"/>
                                   </p:stCondLst>
@@ -38869,7 +41259,7 @@
                                           </p:stCondLst>
                                         </p:cTn>
                                         <p:tgtEl>
-                                          <p:spTgt spid="25"/>
+                                          <p:spTgt spid="9"/>
                                         </p:tgtEl>
                                         <p:attrNameLst>
                                           <p:attrName>style.visibility</p:attrName>
@@ -38883,7 +41273,7 @@
                                       <p:cBhvr>
                                         <p:cTn id="16" dur="500"/>
                                         <p:tgtEl>
-                                          <p:spTgt spid="25"/>
+                                          <p:spTgt spid="9"/>
                                         </p:tgtEl>
                                       </p:cBhvr>
                                     </p:animEffect>
@@ -38904,7 +41294,7 @@
                                           </p:stCondLst>
                                         </p:cTn>
                                         <p:tgtEl>
-                                          <p:spTgt spid="26"/>
+                                          <p:spTgt spid="25"/>
                                         </p:tgtEl>
                                         <p:attrNameLst>
                                           <p:attrName>style.visibility</p:attrName>
@@ -38918,7 +41308,7 @@
                                       <p:cBhvr>
                                         <p:cTn id="19" dur="500"/>
                                         <p:tgtEl>
-                                          <p:spTgt spid="26"/>
+                                          <p:spTgt spid="25"/>
                                         </p:tgtEl>
                                       </p:cBhvr>
                                     </p:animEffect>
@@ -39129,11 +41519,9 @@
       </p:par>
     </p:tnLst>
     <p:bldLst>
-      <p:bldP spid="16" grpId="0" animBg="1"/>
       <p:bldP spid="20" grpId="0"/>
       <p:bldP spid="21" grpId="0"/>
       <p:bldP spid="25" grpId="0" animBg="1"/>
-      <p:bldP spid="26" grpId="0" animBg="1"/>
       <p:bldP spid="27" grpId="0" animBg="1"/>
       <p:bldP spid="37" grpId="0" animBg="1"/>
       <p:bldP spid="38" grpId="0"/>

--- a/Vortrag_KE2016_MAVE_SIA.pptx
+++ b/Vortrag_KE2016_MAVE_SIA.pptx
@@ -13468,14 +13468,6 @@
               </a:rPr>
               <a:t>© Zühlke 2016</a:t>
             </a:r>
-            <a:endParaRPr lang="de-CH" sz="700" kern="1200" noProof="1" smtClean="0">
-              <a:solidFill>
-                <a:srgbClr val="4D4D4D"/>
-              </a:solidFill>
-              <a:latin typeface="AA Zuehlke" pitchFamily="2" charset="0"/>
-              <a:ea typeface="+mn-ea"/>
-              <a:cs typeface="+mn-cs"/>
-            </a:endParaRPr>
           </a:p>
         </p:txBody>
       </p:sp>
@@ -17454,9 +17446,6 @@
                 </a:rPr>
                 <a:t>Features</a:t>
               </a:r>
-              <a:endParaRPr lang="de-DE" sz="2800" dirty="0" smtClean="0">
-                <a:latin typeface="AA Zuehlke" pitchFamily="2" charset="0"/>
-              </a:endParaRPr>
             </a:p>
           </p:txBody>
         </p:sp>
@@ -20622,9 +20611,6 @@
                 </a:rPr>
                 <a:t>Features</a:t>
               </a:r>
-              <a:endParaRPr lang="de-DE" sz="2800" dirty="0" smtClean="0">
-                <a:latin typeface="AA Zuehlke" pitchFamily="2" charset="0"/>
-              </a:endParaRPr>
             </a:p>
           </p:txBody>
         </p:sp>
@@ -23184,11 +23170,7 @@
             </a:r>
             <a:r>
               <a:rPr lang="de-DE" dirty="0" smtClean="0"/>
-              <a:t> </a:t>
-            </a:r>
-            <a:r>
-              <a:rPr lang="de-DE" dirty="0" smtClean="0"/>
-              <a:t>Page </a:t>
+              <a:t> Page </a:t>
             </a:r>
             <a:r>
               <a:rPr lang="de-DE" dirty="0" err="1" smtClean="0"/>
@@ -23196,11 +23178,7 @@
             </a:r>
             <a:r>
               <a:rPr lang="de-DE" dirty="0" smtClean="0"/>
-              <a:t> </a:t>
-            </a:r>
-            <a:r>
-              <a:rPr lang="de-DE" dirty="0" smtClean="0"/>
-              <a:t>Pattern</a:t>
+              <a:t> Pattern</a:t>
             </a:r>
             <a:endParaRPr lang="de-DE" dirty="0"/>
           </a:p>
@@ -23261,9 +23239,6 @@
                 </a:rPr>
                 <a:t>Features</a:t>
               </a:r>
-              <a:endParaRPr lang="de-DE" sz="2800" dirty="0" smtClean="0">
-                <a:latin typeface="AA Zuehlke" pitchFamily="2" charset="0"/>
-              </a:endParaRPr>
             </a:p>
           </p:txBody>
         </p:sp>
@@ -23700,9 +23675,6 @@
               </a:rPr>
               <a:t>Page Objects</a:t>
             </a:r>
-            <a:endParaRPr lang="de-DE" sz="2800" dirty="0" smtClean="0">
-              <a:latin typeface="AA Zuehlke" pitchFamily="2" charset="0"/>
-            </a:endParaRPr>
           </a:p>
         </p:txBody>
       </p:sp>
@@ -37498,11 +37470,7 @@
             </a:r>
             <a:r>
               <a:rPr lang="de-DE" b="1" dirty="0" smtClean="0"/>
-              <a:t> </a:t>
-            </a:r>
-            <a:r>
-              <a:rPr lang="de-DE" b="1" dirty="0" smtClean="0"/>
-              <a:t>(SPA)</a:t>
+              <a:t> (SPA)</a:t>
             </a:r>
           </a:p>
           <a:p>

--- a/Vortrag_KE2016_MAVE_SIA.pptx
+++ b/Vortrag_KE2016_MAVE_SIA.pptx
@@ -39,7 +39,7 @@
     <p:sldId id="289" r:id="rId27"/>
   </p:sldIdLst>
   <p:sldSz cx="9144000" cy="6858000" type="screen4x3"/>
-  <p:notesSz cx="6858000" cy="9144000"/>
+  <p:notesSz cx="7099300" cy="10234613"/>
   <p:embeddedFontLst>
     <p:embeddedFont>
       <p:font typeface="AA Zuehlke" panose="02000503060000020004" pitchFamily="2" charset="0"/>
@@ -187,12 +187,12 @@
     </p:ext>
     <p:ext uri="{2D200454-40CA-4A62-9FC3-DE9A4176ACB9}">
       <p15:notesGuideLst xmlns:p15="http://schemas.microsoft.com/office/powerpoint/2012/main">
-        <p15:guide id="1" orient="horz" pos="2880">
+        <p15:guide id="1" orient="horz" pos="3224" userDrawn="1">
           <p15:clr>
             <a:srgbClr val="A4A3A4"/>
           </p15:clr>
         </p15:guide>
-        <p15:guide id="2" pos="2160">
+        <p15:guide id="2" pos="2236" userDrawn="1">
           <p15:clr>
             <a:srgbClr val="A4A3A4"/>
           </p15:clr>
@@ -6822,17 +6822,17 @@
         <p:spPr>
           <a:xfrm>
             <a:off x="0" y="0"/>
-            <a:ext cx="2971800" cy="457200"/>
+            <a:ext cx="3076363" cy="511731"/>
           </a:xfrm>
           <a:prstGeom prst="rect">
             <a:avLst/>
           </a:prstGeom>
         </p:spPr>
         <p:txBody>
-          <a:bodyPr vert="horz" lIns="91440" tIns="45720" rIns="91440" bIns="45720" rtlCol="0"/>
+          <a:bodyPr vert="horz" lIns="99048" tIns="49524" rIns="99048" bIns="49524" rtlCol="0"/>
           <a:lstStyle>
             <a:lvl1pPr algn="l">
-              <a:defRPr sz="1200"/>
+              <a:defRPr sz="1300"/>
             </a:lvl1pPr>
           </a:lstStyle>
           <a:p>
@@ -6854,18 +6854,18 @@
         </p:nvSpPr>
         <p:spPr>
           <a:xfrm>
-            <a:off x="3884613" y="0"/>
-            <a:ext cx="2971800" cy="457200"/>
+            <a:off x="4021294" y="0"/>
+            <a:ext cx="3076363" cy="511731"/>
           </a:xfrm>
           <a:prstGeom prst="rect">
             <a:avLst/>
           </a:prstGeom>
         </p:spPr>
         <p:txBody>
-          <a:bodyPr vert="horz" lIns="91440" tIns="45720" rIns="91440" bIns="45720" rtlCol="0"/>
+          <a:bodyPr vert="horz" lIns="99048" tIns="49524" rIns="99048" bIns="49524" rtlCol="0"/>
           <a:lstStyle>
             <a:lvl1pPr algn="r">
-              <a:defRPr sz="1200"/>
+              <a:defRPr sz="1300"/>
             </a:lvl1pPr>
           </a:lstStyle>
           <a:p>
@@ -6873,7 +6873,7 @@
               <a:rPr lang="de-DE" smtClean="0">
                 <a:latin typeface="AA Zuehlke" pitchFamily="2" charset="0"/>
               </a:rPr>
-              <a:t>09.06.2016</a:t>
+              <a:t>14.06.2016</a:t>
             </a:fld>
             <a:endParaRPr lang="de-DE">
               <a:latin typeface="AA Zuehlke" pitchFamily="2" charset="0"/>
@@ -6893,18 +6893,18 @@
         </p:nvSpPr>
         <p:spPr>
           <a:xfrm>
-            <a:off x="0" y="8685213"/>
-            <a:ext cx="2971800" cy="457200"/>
+            <a:off x="0" y="9721106"/>
+            <a:ext cx="3076363" cy="511731"/>
           </a:xfrm>
           <a:prstGeom prst="rect">
             <a:avLst/>
           </a:prstGeom>
         </p:spPr>
         <p:txBody>
-          <a:bodyPr vert="horz" lIns="91440" tIns="45720" rIns="91440" bIns="45720" rtlCol="0" anchor="b"/>
+          <a:bodyPr vert="horz" lIns="99048" tIns="49524" rIns="99048" bIns="49524" rtlCol="0" anchor="b"/>
           <a:lstStyle>
             <a:lvl1pPr algn="l">
-              <a:defRPr sz="1200"/>
+              <a:defRPr sz="1300"/>
             </a:lvl1pPr>
           </a:lstStyle>
           <a:p>
@@ -6926,18 +6926,18 @@
         </p:nvSpPr>
         <p:spPr>
           <a:xfrm>
-            <a:off x="3884613" y="8685213"/>
-            <a:ext cx="2971800" cy="457200"/>
+            <a:off x="4021294" y="9721106"/>
+            <a:ext cx="3076363" cy="511731"/>
           </a:xfrm>
           <a:prstGeom prst="rect">
             <a:avLst/>
           </a:prstGeom>
         </p:spPr>
         <p:txBody>
-          <a:bodyPr vert="horz" lIns="91440" tIns="45720" rIns="91440" bIns="45720" rtlCol="0" anchor="b"/>
+          <a:bodyPr vert="horz" lIns="99048" tIns="49524" rIns="99048" bIns="49524" rtlCol="0" anchor="b"/>
           <a:lstStyle>
             <a:lvl1pPr algn="r">
-              <a:defRPr sz="1200"/>
+              <a:defRPr sz="1300"/>
             </a:lvl1pPr>
           </a:lstStyle>
           <a:p>
@@ -6999,17 +6999,17 @@
         <p:spPr>
           <a:xfrm>
             <a:off x="0" y="0"/>
-            <a:ext cx="2971800" cy="457200"/>
+            <a:ext cx="3076363" cy="511731"/>
           </a:xfrm>
           <a:prstGeom prst="rect">
             <a:avLst/>
           </a:prstGeom>
         </p:spPr>
         <p:txBody>
-          <a:bodyPr vert="horz" lIns="91440" tIns="45720" rIns="91440" bIns="45720" rtlCol="0"/>
+          <a:bodyPr vert="horz" lIns="99048" tIns="49524" rIns="99048" bIns="49524" rtlCol="0"/>
           <a:lstStyle>
             <a:lvl1pPr algn="l">
-              <a:defRPr sz="1200">
+              <a:defRPr sz="1300">
                 <a:latin typeface="AA Zuehlke" pitchFamily="2" charset="0"/>
               </a:defRPr>
             </a:lvl1pPr>
@@ -7031,18 +7031,18 @@
         </p:nvSpPr>
         <p:spPr>
           <a:xfrm>
-            <a:off x="3884613" y="0"/>
-            <a:ext cx="2971800" cy="457200"/>
+            <a:off x="4021294" y="0"/>
+            <a:ext cx="3076363" cy="511731"/>
           </a:xfrm>
           <a:prstGeom prst="rect">
             <a:avLst/>
           </a:prstGeom>
         </p:spPr>
         <p:txBody>
-          <a:bodyPr vert="horz" lIns="91440" tIns="45720" rIns="91440" bIns="45720" rtlCol="0"/>
+          <a:bodyPr vert="horz" lIns="99048" tIns="49524" rIns="99048" bIns="49524" rtlCol="0"/>
           <a:lstStyle>
             <a:lvl1pPr algn="r">
-              <a:defRPr sz="1200">
+              <a:defRPr sz="1300">
                 <a:latin typeface="AA Zuehlke" pitchFamily="2" charset="0"/>
               </a:defRPr>
             </a:lvl1pPr>
@@ -7051,7 +7051,7 @@
             <a:fld id="{A6966AE6-B72D-4967-9CA3-8469D2863705}" type="datetimeFigureOut">
               <a:rPr lang="en-US" smtClean="0"/>
               <a:pPr/>
-              <a:t>6/9/2016</a:t>
+              <a:t>6/14/2016</a:t>
             </a:fld>
             <a:endParaRPr lang="en-US" dirty="0"/>
           </a:p>
@@ -7069,8 +7069,8 @@
         </p:nvSpPr>
         <p:spPr>
           <a:xfrm>
-            <a:off x="1143000" y="685800"/>
-            <a:ext cx="4572000" cy="3429000"/>
+            <a:off x="992188" y="768350"/>
+            <a:ext cx="5114925" cy="3836988"/>
           </a:xfrm>
           <a:prstGeom prst="rect">
             <a:avLst/>
@@ -7083,7 +7083,7 @@
           </a:ln>
         </p:spPr>
         <p:txBody>
-          <a:bodyPr vert="horz" lIns="91440" tIns="45720" rIns="91440" bIns="45720" rtlCol="0" anchor="ctr"/>
+          <a:bodyPr vert="horz" lIns="99048" tIns="49524" rIns="99048" bIns="49524" rtlCol="0" anchor="ctr"/>
           <a:lstStyle/>
           <a:p>
             <a:endParaRPr lang="en-US" dirty="0"/>
@@ -7102,15 +7102,15 @@
         </p:nvSpPr>
         <p:spPr>
           <a:xfrm>
-            <a:off x="685800" y="4343400"/>
-            <a:ext cx="5486400" cy="4114800"/>
+            <a:off x="709930" y="4861441"/>
+            <a:ext cx="5679440" cy="4605576"/>
           </a:xfrm>
           <a:prstGeom prst="rect">
             <a:avLst/>
           </a:prstGeom>
         </p:spPr>
         <p:txBody>
-          <a:bodyPr vert="horz" lIns="91440" tIns="45720" rIns="91440" bIns="45720" rtlCol="0">
+          <a:bodyPr vert="horz" lIns="99048" tIns="49524" rIns="99048" bIns="49524" rtlCol="0">
             <a:normAutofit/>
           </a:bodyPr>
           <a:lstStyle/>
@@ -7164,18 +7164,18 @@
         </p:nvSpPr>
         <p:spPr>
           <a:xfrm>
-            <a:off x="0" y="8685213"/>
-            <a:ext cx="2971800" cy="457200"/>
+            <a:off x="0" y="9721106"/>
+            <a:ext cx="3076363" cy="511731"/>
           </a:xfrm>
           <a:prstGeom prst="rect">
             <a:avLst/>
           </a:prstGeom>
         </p:spPr>
         <p:txBody>
-          <a:bodyPr vert="horz" lIns="91440" tIns="45720" rIns="91440" bIns="45720" rtlCol="0" anchor="b"/>
+          <a:bodyPr vert="horz" lIns="99048" tIns="49524" rIns="99048" bIns="49524" rtlCol="0" anchor="b"/>
           <a:lstStyle>
             <a:lvl1pPr algn="l">
-              <a:defRPr sz="1200">
+              <a:defRPr sz="1300">
                 <a:latin typeface="AA Zuehlke" pitchFamily="2" charset="0"/>
               </a:defRPr>
             </a:lvl1pPr>
@@ -7197,18 +7197,18 @@
         </p:nvSpPr>
         <p:spPr>
           <a:xfrm>
-            <a:off x="3884613" y="8685213"/>
-            <a:ext cx="2971800" cy="457200"/>
+            <a:off x="4021294" y="9721106"/>
+            <a:ext cx="3076363" cy="511731"/>
           </a:xfrm>
           <a:prstGeom prst="rect">
             <a:avLst/>
           </a:prstGeom>
         </p:spPr>
         <p:txBody>
-          <a:bodyPr vert="horz" lIns="91440" tIns="45720" rIns="91440" bIns="45720" rtlCol="0" anchor="b"/>
+          <a:bodyPr vert="horz" lIns="99048" tIns="49524" rIns="99048" bIns="49524" rtlCol="0" anchor="b"/>
           <a:lstStyle>
             <a:lvl1pPr algn="r">
-              <a:defRPr sz="1200">
+              <a:defRPr sz="1300">
                 <a:latin typeface="AA Zuehlke" pitchFamily="2" charset="0"/>
               </a:defRPr>
             </a:lvl1pPr>
@@ -7375,7 +7375,7 @@
               <a:t>Originaltitel: </a:t>
             </a:r>
             <a:r>
-              <a:rPr lang="de-DE" sz="1200" dirty="0" smtClean="0"/>
+              <a:rPr lang="de-DE" sz="1300" dirty="0"/>
               <a:t>Automatisierte Akzeptanztests bei Single-Page-Applikationen mit Angular, Angular 2 und Aurelia</a:t>
             </a:r>
             <a:endParaRPr lang="de-DE" dirty="0"/>
@@ -7464,69 +7464,53 @@
           <a:lstStyle/>
           <a:p>
             <a:r>
-              <a:rPr lang="de-DE" sz="1400" b="1" dirty="0" smtClean="0">
-                <a:latin typeface="AA Zuehlke" pitchFamily="2" charset="0"/>
-              </a:rPr>
+              <a:rPr lang="de-DE" sz="1500" b="1" dirty="0"/>
               <a:t>Business Rules</a:t>
             </a:r>
           </a:p>
           <a:p>
-            <a:pPr marL="342900" indent="-342900">
+            <a:pPr marL="371429" indent="-371429">
               <a:buFont typeface="Arial" panose="020B0604020202020204" pitchFamily="34" charset="0"/>
               <a:buChar char="•"/>
             </a:pPr>
             <a:r>
-              <a:rPr lang="de-DE" sz="1200" dirty="0" smtClean="0">
-                <a:latin typeface="AA Zuehlke" pitchFamily="2" charset="0"/>
-              </a:rPr>
+              <a:rPr lang="de-DE" sz="1300" dirty="0"/>
               <a:t>Erste beiden Wörter mit Komma getrennt hinten anhängen</a:t>
             </a:r>
           </a:p>
           <a:p>
-            <a:pPr marL="342900" indent="-342900">
+            <a:pPr marL="371429" indent="-371429">
               <a:buFont typeface="Arial" panose="020B0604020202020204" pitchFamily="34" charset="0"/>
               <a:buChar char="•"/>
             </a:pPr>
             <a:r>
-              <a:rPr lang="de-DE" sz="1200" dirty="0" smtClean="0">
-                <a:latin typeface="AA Zuehlke" pitchFamily="2" charset="0"/>
-              </a:rPr>
+              <a:rPr lang="de-DE" sz="1300" dirty="0"/>
               <a:t>Falles Eingabe mit Fragezeichen endet, „</a:t>
             </a:r>
             <a:r>
-              <a:rPr lang="de-DE" sz="1200" dirty="0" err="1" smtClean="0">
-                <a:latin typeface="AA Zuehlke" pitchFamily="2" charset="0"/>
-              </a:rPr>
+              <a:rPr lang="de-DE" sz="1300" dirty="0" err="1"/>
               <a:t>Hmmm</a:t>
             </a:r>
             <a:r>
-              <a:rPr lang="de-DE" sz="1200" dirty="0" smtClean="0">
-                <a:latin typeface="AA Zuehlke" pitchFamily="2" charset="0"/>
-              </a:rPr>
+              <a:rPr lang="de-DE" sz="1300" dirty="0"/>
               <a:t>…?“ anhängen</a:t>
             </a:r>
           </a:p>
           <a:p>
-            <a:pPr marL="342900" indent="-342900">
+            <a:pPr marL="371429" indent="-371429">
               <a:buFont typeface="Arial" panose="020B0604020202020204" pitchFamily="34" charset="0"/>
               <a:buChar char="•"/>
             </a:pPr>
             <a:r>
-              <a:rPr lang="de-DE" sz="1200" dirty="0" smtClean="0">
-                <a:latin typeface="AA Zuehlke" pitchFamily="2" charset="0"/>
-              </a:rPr>
+              <a:rPr lang="de-DE" sz="1300" dirty="0"/>
               <a:t>„</a:t>
             </a:r>
             <a:r>
-              <a:rPr lang="de-DE" sz="1200" dirty="0" err="1" smtClean="0">
-                <a:latin typeface="AA Zuehlke" pitchFamily="2" charset="0"/>
-              </a:rPr>
+              <a:rPr lang="de-DE" sz="1300" dirty="0" err="1"/>
               <a:t>yes</a:t>
             </a:r>
             <a:r>
-              <a:rPr lang="de-DE" sz="1200" dirty="0" smtClean="0">
-                <a:latin typeface="AA Zuehlke" pitchFamily="2" charset="0"/>
-              </a:rPr>
+              <a:rPr lang="de-DE" sz="1300" dirty="0"/>
               <a:t>…“ hinten anhängen</a:t>
             </a:r>
           </a:p>
@@ -7624,7 +7608,7 @@
             <a:endParaRPr lang="de-DE" baseline="0" dirty="0" smtClean="0"/>
           </a:p>
           <a:p>
-            <a:pPr marL="171450" indent="-171450">
+            <a:pPr marL="185715" indent="-185715">
               <a:buFont typeface="Arial" panose="020B0604020202020204" pitchFamily="34" charset="0"/>
               <a:buChar char="•"/>
             </a:pPr>
@@ -7638,7 +7622,7 @@
             </a:r>
           </a:p>
           <a:p>
-            <a:pPr marL="171450" indent="-171450">
+            <a:pPr marL="185715" indent="-185715">
               <a:buFont typeface="Arial" panose="020B0604020202020204" pitchFamily="34" charset="0"/>
               <a:buChar char="•"/>
             </a:pPr>
@@ -7648,7 +7632,7 @@
             </a:r>
           </a:p>
           <a:p>
-            <a:pPr marL="171450" indent="-171450">
+            <a:pPr marL="185715" indent="-185715">
               <a:buFont typeface="Arial" panose="020B0604020202020204" pitchFamily="34" charset="0"/>
               <a:buChar char="•"/>
             </a:pPr>
@@ -7666,24 +7650,20 @@
             </a:r>
           </a:p>
           <a:p>
-            <a:pPr marL="171450" indent="-171450">
+            <a:pPr marL="185715" indent="-185715">
               <a:buFont typeface="Arial" panose="020B0604020202020204" pitchFamily="34" charset="0"/>
               <a:buChar char="•"/>
             </a:pPr>
             <a:endParaRPr lang="de-DE" baseline="0" dirty="0" smtClean="0"/>
           </a:p>
           <a:p>
-            <a:pPr marL="0" indent="0">
-              <a:buFont typeface="Arial" panose="020B0604020202020204" pitchFamily="34" charset="0"/>
-              <a:buNone/>
-            </a:pPr>
             <a:r>
               <a:rPr lang="de-DE" baseline="0" dirty="0" smtClean="0"/>
               <a:t># Szenario</a:t>
             </a:r>
           </a:p>
           <a:p>
-            <a:pPr marL="171450" indent="-171450">
+            <a:pPr marL="185715" indent="-185715">
               <a:buFont typeface="Arial" panose="020B0604020202020204" pitchFamily="34" charset="0"/>
               <a:buChar char="•"/>
             </a:pPr>
@@ -7701,7 +7681,7 @@
             </a:r>
           </a:p>
           <a:p>
-            <a:pPr marL="171450" indent="-171450">
+            <a:pPr marL="185715" indent="-185715">
               <a:buFont typeface="Arial" panose="020B0604020202020204" pitchFamily="34" charset="0"/>
               <a:buChar char="•"/>
             </a:pPr>
@@ -7711,7 +7691,7 @@
             </a:r>
           </a:p>
           <a:p>
-            <a:pPr marL="171450" indent="-171450">
+            <a:pPr marL="185715" indent="-185715">
               <a:buFont typeface="Arial" panose="020B0604020202020204" pitchFamily="34" charset="0"/>
               <a:buChar char="•"/>
             </a:pPr>
@@ -7721,17 +7701,13 @@
             </a:r>
           </a:p>
           <a:p>
-            <a:pPr marL="171450" indent="-171450">
+            <a:pPr marL="185715" indent="-185715">
               <a:buFont typeface="Arial" panose="020B0604020202020204" pitchFamily="34" charset="0"/>
               <a:buChar char="•"/>
             </a:pPr>
             <a:endParaRPr lang="de-DE" baseline="0" dirty="0" smtClean="0"/>
           </a:p>
           <a:p>
-            <a:pPr marL="0" indent="0">
-              <a:buFont typeface="Arial" panose="020B0604020202020204" pitchFamily="34" charset="0"/>
-              <a:buNone/>
-            </a:pPr>
             <a:r>
               <a:rPr lang="de-DE" baseline="0" dirty="0" smtClean="0"/>
               <a:t># </a:t>
@@ -7743,7 +7719,7 @@
             <a:endParaRPr lang="de-DE" baseline="0" dirty="0" smtClean="0"/>
           </a:p>
           <a:p>
-            <a:pPr marL="171450" indent="-171450">
+            <a:pPr marL="185715" indent="-185715">
               <a:buFont typeface="Arial" panose="020B0604020202020204" pitchFamily="34" charset="0"/>
               <a:buChar char="•"/>
             </a:pPr>
@@ -7765,7 +7741,7 @@
             </a:r>
           </a:p>
           <a:p>
-            <a:pPr marL="171450" indent="-171450">
+            <a:pPr marL="185715" indent="-185715">
               <a:buFont typeface="Arial" panose="020B0604020202020204" pitchFamily="34" charset="0"/>
               <a:buChar char="•"/>
             </a:pPr>
@@ -7779,7 +7755,7 @@
             </a:r>
           </a:p>
           <a:p>
-            <a:pPr marL="171450" indent="-171450">
+            <a:pPr marL="185715" indent="-185715">
               <a:buFont typeface="Arial" panose="020B0604020202020204" pitchFamily="34" charset="0"/>
               <a:buChar char="•"/>
             </a:pPr>
@@ -7801,17 +7777,13 @@
             </a:r>
           </a:p>
           <a:p>
-            <a:pPr marL="171450" indent="-171450">
+            <a:pPr marL="185715" indent="-185715">
               <a:buFont typeface="Arial" panose="020B0604020202020204" pitchFamily="34" charset="0"/>
               <a:buChar char="•"/>
             </a:pPr>
             <a:endParaRPr lang="de-DE" baseline="0" dirty="0" smtClean="0"/>
           </a:p>
           <a:p>
-            <a:pPr marL="0" indent="0">
-              <a:buFont typeface="Arial" panose="020B0604020202020204" pitchFamily="34" charset="0"/>
-              <a:buNone/>
-            </a:pPr>
             <a:r>
               <a:rPr lang="de-DE" baseline="0" dirty="0" smtClean="0"/>
               <a:t># noch nicht alle Sprachfeatures in Cucumber.js unterstützt</a:t>
@@ -7903,21 +7875,7 @@
           <a:bodyPr/>
           <a:lstStyle/>
           <a:p>
-            <a:pPr marL="0" marR="0" indent="0" algn="l" defTabSz="914400" rtl="0" eaLnBrk="1" fontAlgn="auto" latinLnBrk="0" hangingPunct="1">
-              <a:lnSpc>
-                <a:spcPct val="100000"/>
-              </a:lnSpc>
-              <a:spcBef>
-                <a:spcPts val="0"/>
-              </a:spcBef>
-              <a:spcAft>
-                <a:spcPts val="0"/>
-              </a:spcAft>
-              <a:buClrTx/>
-              <a:buSzTx/>
-              <a:buFont typeface="Arial" panose="020B0604020202020204" pitchFamily="34" charset="0"/>
-              <a:buNone/>
-              <a:tabLst/>
+            <a:pPr defTabSz="990478">
               <a:defRPr/>
             </a:pPr>
             <a:r>
@@ -7926,21 +7884,7 @@
             </a:r>
           </a:p>
           <a:p>
-            <a:pPr marL="0" marR="0" indent="0" algn="l" defTabSz="914400" rtl="0" eaLnBrk="1" fontAlgn="auto" latinLnBrk="0" hangingPunct="1">
-              <a:lnSpc>
-                <a:spcPct val="100000"/>
-              </a:lnSpc>
-              <a:spcBef>
-                <a:spcPts val="0"/>
-              </a:spcBef>
-              <a:spcAft>
-                <a:spcPts val="0"/>
-              </a:spcAft>
-              <a:buClrTx/>
-              <a:buSzTx/>
-              <a:buFont typeface="Arial" panose="020B0604020202020204" pitchFamily="34" charset="0"/>
-              <a:buNone/>
-              <a:tabLst/>
+            <a:pPr defTabSz="990478">
               <a:defRPr/>
             </a:pPr>
             <a:r>
@@ -7957,21 +7901,7 @@
             </a:r>
           </a:p>
           <a:p>
-            <a:pPr marL="0" marR="0" indent="0" algn="l" defTabSz="914400" rtl="0" eaLnBrk="1" fontAlgn="auto" latinLnBrk="0" hangingPunct="1">
-              <a:lnSpc>
-                <a:spcPct val="100000"/>
-              </a:lnSpc>
-              <a:spcBef>
-                <a:spcPts val="0"/>
-              </a:spcBef>
-              <a:spcAft>
-                <a:spcPts val="0"/>
-              </a:spcAft>
-              <a:buClrTx/>
-              <a:buSzTx/>
-              <a:buFont typeface="Arial" panose="020B0604020202020204" pitchFamily="34" charset="0"/>
-              <a:buNone/>
-              <a:tabLst/>
+            <a:pPr defTabSz="990478">
               <a:defRPr/>
             </a:pPr>
             <a:r>
@@ -8065,15 +7995,7 @@
           <a:bodyPr/>
           <a:lstStyle/>
           <a:p>
-            <a:endParaRPr lang="de-DE" sz="1200" kern="1200" dirty="0" smtClean="0">
-              <a:solidFill>
-                <a:schemeClr val="tx1"/>
-              </a:solidFill>
-              <a:effectLst/>
-              <a:latin typeface="AA Zuehlke" pitchFamily="2" charset="0"/>
-              <a:ea typeface="+mn-ea"/>
-              <a:cs typeface="+mn-cs"/>
-            </a:endParaRPr>
+            <a:endParaRPr lang="de-DE" sz="1300" dirty="0"/>
           </a:p>
         </p:txBody>
       </p:sp>
@@ -8158,10 +8080,6 @@
           <a:bodyPr/>
           <a:lstStyle/>
           <a:p>
-            <a:pPr marL="0" lvl="0" indent="0">
-              <a:buFont typeface="Arial" panose="020B0604020202020204" pitchFamily="34" charset="0"/>
-              <a:buNone/>
-            </a:pPr>
             <a:r>
               <a:rPr lang="de-DE" baseline="0" dirty="0" smtClean="0"/>
               <a:t># Beschreibung in 3-Ebenen nach Gojko Adzic: Business Rule Level, UI Workflow Level (was macht User in UI), Technical Acitvity Level (technische Schritte)</a:t>
@@ -8253,21 +8171,7 @@
           <a:bodyPr/>
           <a:lstStyle/>
           <a:p>
-            <a:pPr marL="0" marR="0" indent="0" algn="l" defTabSz="914400" rtl="0" eaLnBrk="1" fontAlgn="auto" latinLnBrk="0" hangingPunct="1">
-              <a:lnSpc>
-                <a:spcPct val="100000"/>
-              </a:lnSpc>
-              <a:spcBef>
-                <a:spcPts val="0"/>
-              </a:spcBef>
-              <a:spcAft>
-                <a:spcPts val="0"/>
-              </a:spcAft>
-              <a:buClrTx/>
-              <a:buSzTx/>
-              <a:buFont typeface="Arial" panose="020B0604020202020204" pitchFamily="34" charset="0"/>
-              <a:buNone/>
-              <a:tabLst/>
+            <a:pPr defTabSz="990478">
               <a:defRPr/>
             </a:pPr>
             <a:r>
@@ -8276,21 +8180,7 @@
             </a:r>
           </a:p>
           <a:p>
-            <a:pPr marL="0" marR="0" indent="0" algn="l" defTabSz="914400" rtl="0" eaLnBrk="1" fontAlgn="auto" latinLnBrk="0" hangingPunct="1">
-              <a:lnSpc>
-                <a:spcPct val="100000"/>
-              </a:lnSpc>
-              <a:spcBef>
-                <a:spcPts val="0"/>
-              </a:spcBef>
-              <a:spcAft>
-                <a:spcPts val="0"/>
-              </a:spcAft>
-              <a:buClrTx/>
-              <a:buSzTx/>
-              <a:buFont typeface="Arial" panose="020B0604020202020204" pitchFamily="34" charset="0"/>
-              <a:buNone/>
-              <a:tabLst/>
+            <a:pPr defTabSz="990478">
               <a:defRPr/>
             </a:pPr>
             <a:r>
@@ -8307,21 +8197,7 @@
             </a:r>
           </a:p>
           <a:p>
-            <a:pPr marL="0" marR="0" indent="0" algn="l" defTabSz="914400" rtl="0" eaLnBrk="1" fontAlgn="auto" latinLnBrk="0" hangingPunct="1">
-              <a:lnSpc>
-                <a:spcPct val="100000"/>
-              </a:lnSpc>
-              <a:spcBef>
-                <a:spcPts val="0"/>
-              </a:spcBef>
-              <a:spcAft>
-                <a:spcPts val="0"/>
-              </a:spcAft>
-              <a:buClrTx/>
-              <a:buSzTx/>
-              <a:buFont typeface="Arial" panose="020B0604020202020204" pitchFamily="34" charset="0"/>
-              <a:buNone/>
-              <a:tabLst/>
+            <a:pPr defTabSz="990478">
               <a:defRPr/>
             </a:pPr>
             <a:r>
@@ -8415,10 +8291,6 @@
           <a:bodyPr/>
           <a:lstStyle/>
           <a:p>
-            <a:pPr marL="0" lvl="0" indent="0">
-              <a:buFont typeface="Arial" panose="020B0604020202020204" pitchFamily="34" charset="0"/>
-              <a:buNone/>
-            </a:pPr>
             <a:r>
               <a:rPr lang="de-DE" baseline="0" dirty="0" smtClean="0"/>
               <a:t># Beschreibung in 3-Ebenen nach Gojko Adzic: Business Rule Level, UI Workflow Level (was macht User in UI), Technical Acitvity Level (technische Schritte)</a:t>
@@ -8634,9 +8506,7 @@
           <a:bodyPr/>
           <a:lstStyle/>
           <a:p>
-            <a:endParaRPr lang="de-DE" sz="1200" dirty="0" smtClean="0">
-              <a:latin typeface="AA Zuehlke" pitchFamily="2" charset="0"/>
-            </a:endParaRPr>
+            <a:endParaRPr lang="de-DE" sz="1300" dirty="0"/>
           </a:p>
         </p:txBody>
       </p:sp>
@@ -8721,10 +8591,6 @@
           <a:bodyPr/>
           <a:lstStyle/>
           <a:p>
-            <a:pPr marL="0" lvl="0" indent="0">
-              <a:buFont typeface="Arial" panose="020B0604020202020204" pitchFamily="34" charset="0"/>
-              <a:buNone/>
-            </a:pPr>
             <a:r>
               <a:rPr lang="de-DE" baseline="0" dirty="0" smtClean="0"/>
               <a:t># Beschreibung in 3-Ebenen nach Gojko Adzic: Business Rule Level, UI Workflow Level (was macht User in UI), Technical Acitvity Level (technische Schritte)</a:t>
@@ -8987,10 +8853,6 @@
           <a:bodyPr/>
           <a:lstStyle/>
           <a:p>
-            <a:pPr marL="0" lvl="0" indent="0">
-              <a:buFont typeface="Arial" panose="020B0604020202020204" pitchFamily="34" charset="0"/>
-              <a:buNone/>
-            </a:pPr>
             <a:r>
               <a:rPr lang="de-DE" baseline="0" dirty="0" smtClean="0"/>
               <a:t># Beschreibung in 3-Ebenen nach Gojko Adzic: Business Rule Level, UI Workflow Level (was macht User in UI), Technical Acitvity Level (technische Schritte)</a:t>
@@ -9167,21 +9029,7 @@
           <a:bodyPr/>
           <a:lstStyle/>
           <a:p>
-            <a:pPr marL="0" marR="0" indent="0" algn="l" defTabSz="914400" rtl="0" eaLnBrk="1" fontAlgn="auto" latinLnBrk="0" hangingPunct="1">
-              <a:lnSpc>
-                <a:spcPct val="100000"/>
-              </a:lnSpc>
-              <a:spcBef>
-                <a:spcPts val="0"/>
-              </a:spcBef>
-              <a:spcAft>
-                <a:spcPts val="0"/>
-              </a:spcAft>
-              <a:buClrTx/>
-              <a:buSzTx/>
-              <a:buFontTx/>
-              <a:buNone/>
-              <a:tabLst/>
+            <a:pPr defTabSz="990478">
               <a:defRPr/>
             </a:pPr>
             <a:r>
@@ -9190,30 +9038,12 @@
             </a:r>
           </a:p>
           <a:p>
-            <a:pPr marL="0" marR="0" indent="0" algn="l" defTabSz="914400" rtl="0" eaLnBrk="1" fontAlgn="auto" latinLnBrk="0" hangingPunct="1">
-              <a:lnSpc>
-                <a:spcPct val="100000"/>
-              </a:lnSpc>
-              <a:spcBef>
-                <a:spcPts val="0"/>
-              </a:spcBef>
-              <a:spcAft>
-                <a:spcPts val="0"/>
-              </a:spcAft>
-              <a:buClrTx/>
-              <a:buSzTx/>
-              <a:buFontTx/>
-              <a:buNone/>
-              <a:tabLst/>
+            <a:pPr defTabSz="990478">
               <a:defRPr/>
             </a:pPr>
             <a:endParaRPr lang="de-DE" dirty="0" smtClean="0"/>
           </a:p>
           <a:p>
-            <a:pPr marL="0" indent="0">
-              <a:buFont typeface="Arial" panose="020B0604020202020204" pitchFamily="34" charset="0"/>
-              <a:buNone/>
-            </a:pPr>
             <a:r>
               <a:rPr lang="de-DE" dirty="0" smtClean="0"/>
               <a:t># Klassische</a:t>
@@ -9224,7 +9054,7 @@
             </a:r>
           </a:p>
           <a:p>
-            <a:pPr marL="171450" lvl="0" indent="-171450">
+            <a:pPr marL="185715" indent="-185715">
               <a:buFont typeface="Arial" panose="020B0604020202020204" pitchFamily="34" charset="0"/>
               <a:buChar char="•"/>
             </a:pPr>
@@ -9234,7 +9064,7 @@
             </a:r>
           </a:p>
           <a:p>
-            <a:pPr marL="171450" lvl="0" indent="-171450">
+            <a:pPr marL="185715" indent="-185715">
               <a:buFont typeface="Arial" panose="020B0604020202020204" pitchFamily="34" charset="0"/>
               <a:buChar char="•"/>
             </a:pPr>
@@ -9244,7 +9074,7 @@
             </a:r>
           </a:p>
           <a:p>
-            <a:pPr marL="171450" lvl="0" indent="-171450">
+            <a:pPr marL="185715" indent="-185715">
               <a:buFont typeface="Arial" panose="020B0604020202020204" pitchFamily="34" charset="0"/>
               <a:buChar char="•"/>
             </a:pPr>
@@ -9254,24 +9084,20 @@
             </a:r>
           </a:p>
           <a:p>
-            <a:pPr marL="171450" lvl="0" indent="-171450">
+            <a:pPr marL="185715" indent="-185715">
               <a:buFont typeface="Arial" panose="020B0604020202020204" pitchFamily="34" charset="0"/>
               <a:buChar char="•"/>
             </a:pPr>
             <a:endParaRPr lang="de-DE" baseline="0" dirty="0" smtClean="0"/>
           </a:p>
           <a:p>
-            <a:pPr marL="0" indent="0">
-              <a:buFont typeface="Arial" panose="020B0604020202020204" pitchFamily="34" charset="0"/>
-              <a:buNone/>
-            </a:pPr>
             <a:r>
               <a:rPr lang="de-DE" baseline="0" dirty="0" smtClean="0"/>
               <a:t># AJAX als Problemlöser (vor ca. 10 Jahren)</a:t>
             </a:r>
           </a:p>
           <a:p>
-            <a:pPr marL="171450" lvl="0" indent="-171450">
+            <a:pPr marL="185715" indent="-185715">
               <a:buFont typeface="Arial" panose="020B0604020202020204" pitchFamily="34" charset="0"/>
               <a:buChar char="•"/>
             </a:pPr>
@@ -9281,7 +9107,7 @@
             </a:r>
           </a:p>
           <a:p>
-            <a:pPr marL="171450" lvl="0" indent="-171450">
+            <a:pPr marL="185715" indent="-185715">
               <a:buFont typeface="Arial" panose="020B0604020202020204" pitchFamily="34" charset="0"/>
               <a:buChar char="•"/>
             </a:pPr>
@@ -9291,7 +9117,7 @@
             </a:r>
           </a:p>
           <a:p>
-            <a:pPr marL="171450" lvl="0" indent="-171450">
+            <a:pPr marL="185715" indent="-185715">
               <a:buFont typeface="Arial" panose="020B0604020202020204" pitchFamily="34" charset="0"/>
               <a:buChar char="•"/>
             </a:pPr>
@@ -9301,24 +9127,20 @@
             </a:r>
           </a:p>
           <a:p>
-            <a:pPr marL="171450" lvl="0" indent="-171450">
+            <a:pPr marL="185715" indent="-185715">
               <a:buFont typeface="Arial" panose="020B0604020202020204" pitchFamily="34" charset="0"/>
               <a:buChar char="•"/>
             </a:pPr>
             <a:endParaRPr lang="de-DE" baseline="0" dirty="0" smtClean="0"/>
           </a:p>
           <a:p>
-            <a:pPr marL="0" indent="0">
-              <a:buFont typeface="Arial" panose="020B0604020202020204" pitchFamily="34" charset="0"/>
-              <a:buNone/>
-            </a:pPr>
             <a:r>
               <a:rPr lang="de-DE" baseline="0" dirty="0" smtClean="0"/>
               <a:t># SPA</a:t>
             </a:r>
           </a:p>
           <a:p>
-            <a:pPr marL="171450" lvl="0" indent="-171450">
+            <a:pPr marL="185715" indent="-185715">
               <a:buFont typeface="Arial" panose="020B0604020202020204" pitchFamily="34" charset="0"/>
               <a:buChar char="•"/>
             </a:pPr>
@@ -9328,7 +9150,7 @@
             </a:r>
           </a:p>
           <a:p>
-            <a:pPr marL="171450" lvl="0" indent="-171450">
+            <a:pPr marL="185715" indent="-185715">
               <a:buFont typeface="Arial" panose="020B0604020202020204" pitchFamily="34" charset="0"/>
               <a:buChar char="•"/>
             </a:pPr>
@@ -9338,7 +9160,7 @@
             </a:r>
           </a:p>
           <a:p>
-            <a:pPr marL="171450" lvl="0" indent="-171450">
+            <a:pPr marL="185715" indent="-185715">
               <a:buFont typeface="Arial" panose="020B0604020202020204" pitchFamily="34" charset="0"/>
               <a:buChar char="•"/>
             </a:pPr>
@@ -9348,7 +9170,7 @@
             </a:r>
           </a:p>
           <a:p>
-            <a:pPr marL="171450" lvl="0" indent="-171450">
+            <a:pPr marL="185715" indent="-185715">
               <a:buFont typeface="Arial" panose="020B0604020202020204" pitchFamily="34" charset="0"/>
               <a:buChar char="•"/>
             </a:pPr>
@@ -9358,21 +9180,9 @@
             </a:r>
           </a:p>
           <a:p>
-            <a:pPr marL="171450" marR="0" lvl="0" indent="-171450" algn="l" defTabSz="914400" rtl="0" eaLnBrk="1" fontAlgn="auto" latinLnBrk="0" hangingPunct="1">
-              <a:lnSpc>
-                <a:spcPct val="100000"/>
-              </a:lnSpc>
-              <a:spcBef>
-                <a:spcPts val="0"/>
-              </a:spcBef>
-              <a:spcAft>
-                <a:spcPts val="0"/>
-              </a:spcAft>
-              <a:buClrTx/>
-              <a:buSzTx/>
+            <a:pPr marL="185715" indent="-185715" defTabSz="990478">
               <a:buFont typeface="Arial" panose="020B0604020202020204" pitchFamily="34" charset="0"/>
               <a:buChar char="•"/>
-              <a:tabLst/>
               <a:defRPr/>
             </a:pPr>
             <a:r>
@@ -9385,21 +9195,9 @@
             </a:r>
           </a:p>
           <a:p>
-            <a:pPr marL="171450" marR="0" lvl="0" indent="-171450" algn="l" defTabSz="914400" rtl="0" eaLnBrk="1" fontAlgn="auto" latinLnBrk="0" hangingPunct="1">
-              <a:lnSpc>
-                <a:spcPct val="100000"/>
-              </a:lnSpc>
-              <a:spcBef>
-                <a:spcPts val="0"/>
-              </a:spcBef>
-              <a:spcAft>
-                <a:spcPts val="0"/>
-              </a:spcAft>
-              <a:buClrTx/>
-              <a:buSzTx/>
+            <a:pPr marL="185715" indent="-185715" defTabSz="990478">
               <a:buFont typeface="Arial" panose="020B0604020202020204" pitchFamily="34" charset="0"/>
               <a:buChar char="•"/>
-              <a:tabLst/>
               <a:defRPr/>
             </a:pPr>
             <a:r>
@@ -9510,10 +9308,6 @@
           <a:bodyPr/>
           <a:lstStyle/>
           <a:p>
-            <a:pPr marL="0" indent="0">
-              <a:buFont typeface="Arial" panose="020B0604020202020204" pitchFamily="34" charset="0"/>
-              <a:buNone/>
-            </a:pPr>
             <a:r>
               <a:rPr lang="de-DE" dirty="0" smtClean="0"/>
               <a:t># Testpyramide (von</a:t>
@@ -9533,7 +9327,7 @@
             <a:endParaRPr lang="de-DE" baseline="0" dirty="0" smtClean="0"/>
           </a:p>
           <a:p>
-            <a:pPr marL="171450" lvl="0" indent="-171450">
+            <a:pPr marL="185715" indent="-185715">
               <a:buFont typeface="Arial" panose="020B0604020202020204" pitchFamily="34" charset="0"/>
               <a:buChar char="•"/>
             </a:pPr>
@@ -9543,17 +9337,13 @@
             </a:r>
           </a:p>
           <a:p>
-            <a:pPr marL="628650" lvl="1" indent="-171450">
+            <a:pPr marL="680954" lvl="1" indent="-185715">
               <a:buFont typeface="Arial" panose="020B0604020202020204" pitchFamily="34" charset="0"/>
               <a:buChar char="•"/>
             </a:pPr>
             <a:endParaRPr lang="de-DE" baseline="0" dirty="0" smtClean="0"/>
           </a:p>
           <a:p>
-            <a:pPr marL="0" indent="0">
-              <a:buFont typeface="Arial" panose="020B0604020202020204" pitchFamily="34" charset="0"/>
-              <a:buNone/>
-            </a:pPr>
             <a:r>
               <a:rPr lang="de-DE" baseline="0" dirty="0" smtClean="0"/>
               <a:t># </a:t>
@@ -9565,7 +9355,7 @@
             <a:endParaRPr lang="de-DE" baseline="0" dirty="0" smtClean="0"/>
           </a:p>
           <a:p>
-            <a:pPr marL="171450" lvl="0" indent="-171450">
+            <a:pPr marL="185715" indent="-185715">
               <a:buFont typeface="Arial" panose="020B0604020202020204" pitchFamily="34" charset="0"/>
               <a:buChar char="•"/>
             </a:pPr>
@@ -9575,7 +9365,7 @@
             </a:r>
           </a:p>
           <a:p>
-            <a:pPr marL="171450" lvl="0" indent="-171450">
+            <a:pPr marL="185715" indent="-185715">
               <a:buFont typeface="Arial" panose="020B0604020202020204" pitchFamily="34" charset="0"/>
               <a:buChar char="•"/>
             </a:pPr>
@@ -9585,7 +9375,7 @@
             </a:r>
           </a:p>
           <a:p>
-            <a:pPr marL="171450" lvl="0" indent="-171450">
+            <a:pPr marL="185715" indent="-185715">
               <a:buFont typeface="Arial" panose="020B0604020202020204" pitchFamily="34" charset="0"/>
               <a:buChar char="•"/>
             </a:pPr>
@@ -9595,24 +9385,20 @@
             </a:r>
           </a:p>
           <a:p>
-            <a:pPr marL="628650" lvl="1" indent="-171450">
+            <a:pPr marL="680954" lvl="1" indent="-185715">
               <a:buFont typeface="Arial" panose="020B0604020202020204" pitchFamily="34" charset="0"/>
               <a:buChar char="•"/>
             </a:pPr>
             <a:endParaRPr lang="de-DE" baseline="0" dirty="0" smtClean="0"/>
           </a:p>
           <a:p>
-            <a:pPr marL="0" indent="0">
-              <a:buFont typeface="Arial" panose="020B0604020202020204" pitchFamily="34" charset="0"/>
-              <a:buNone/>
-            </a:pPr>
             <a:r>
               <a:rPr lang="de-DE" baseline="0" dirty="0" smtClean="0"/>
               <a:t># Integrationstests</a:t>
             </a:r>
           </a:p>
           <a:p>
-            <a:pPr marL="171450" lvl="0" indent="-171450">
+            <a:pPr marL="185715" indent="-185715">
               <a:buFont typeface="Arial" panose="020B0604020202020204" pitchFamily="34" charset="0"/>
               <a:buChar char="•"/>
             </a:pPr>
@@ -9622,24 +9408,20 @@
             </a:r>
           </a:p>
           <a:p>
-            <a:pPr marL="171450" lvl="0" indent="-171450">
+            <a:pPr marL="185715" indent="-185715">
               <a:buFont typeface="Arial" panose="020B0604020202020204" pitchFamily="34" charset="0"/>
               <a:buChar char="•"/>
             </a:pPr>
             <a:endParaRPr lang="de-DE" baseline="0" dirty="0" smtClean="0"/>
           </a:p>
           <a:p>
-            <a:pPr marL="0" indent="0">
-              <a:buFont typeface="Arial" panose="020B0604020202020204" pitchFamily="34" charset="0"/>
-              <a:buNone/>
-            </a:pPr>
             <a:r>
               <a:rPr lang="de-DE" baseline="0" dirty="0" smtClean="0"/>
               <a:t># Akzeptanztests</a:t>
             </a:r>
           </a:p>
           <a:p>
-            <a:pPr marL="171450" lvl="0" indent="-171450">
+            <a:pPr marL="185715" indent="-185715">
               <a:buFont typeface="Arial" panose="020B0604020202020204" pitchFamily="34" charset="0"/>
               <a:buChar char="•"/>
             </a:pPr>
@@ -9649,7 +9431,7 @@
             </a:r>
           </a:p>
           <a:p>
-            <a:pPr marL="171450" lvl="0" indent="-171450">
+            <a:pPr marL="185715" indent="-185715">
               <a:buFont typeface="Arial" panose="020B0604020202020204" pitchFamily="34" charset="0"/>
               <a:buChar char="•"/>
             </a:pPr>
@@ -9659,21 +9441,9 @@
             </a:r>
           </a:p>
           <a:p>
-            <a:pPr marL="171450" marR="0" lvl="0" indent="-171450" algn="l" defTabSz="914400" rtl="0" eaLnBrk="1" fontAlgn="auto" latinLnBrk="0" hangingPunct="1">
-              <a:lnSpc>
-                <a:spcPct val="100000"/>
-              </a:lnSpc>
-              <a:spcBef>
-                <a:spcPts val="0"/>
-              </a:spcBef>
-              <a:spcAft>
-                <a:spcPts val="0"/>
-              </a:spcAft>
-              <a:buClrTx/>
-              <a:buSzTx/>
+            <a:pPr marL="185715" indent="-185715" defTabSz="990478">
               <a:buFont typeface="Arial" panose="020B0604020202020204" pitchFamily="34" charset="0"/>
               <a:buChar char="•"/>
-              <a:tabLst/>
               <a:defRPr/>
             </a:pPr>
             <a:r>
@@ -9690,21 +9460,9 @@
             </a:r>
           </a:p>
           <a:p>
-            <a:pPr marL="171450" marR="0" lvl="0" indent="-171450" algn="l" defTabSz="914400" rtl="0" eaLnBrk="1" fontAlgn="auto" latinLnBrk="0" hangingPunct="1">
-              <a:lnSpc>
-                <a:spcPct val="100000"/>
-              </a:lnSpc>
-              <a:spcBef>
-                <a:spcPts val="0"/>
-              </a:spcBef>
-              <a:spcAft>
-                <a:spcPts val="0"/>
-              </a:spcAft>
-              <a:buClrTx/>
-              <a:buSzTx/>
+            <a:pPr marL="185715" indent="-185715" defTabSz="990478">
               <a:buFont typeface="Arial" panose="020B0604020202020204" pitchFamily="34" charset="0"/>
               <a:buChar char="•"/>
-              <a:tabLst/>
               <a:defRPr/>
             </a:pPr>
             <a:r>
@@ -9992,10 +9750,6 @@
           <a:bodyPr/>
           <a:lstStyle/>
           <a:p>
-            <a:pPr marL="0" indent="0">
-              <a:buFont typeface="+mj-lt"/>
-              <a:buNone/>
-            </a:pPr>
             <a:r>
               <a:rPr lang="de-DE" dirty="0" smtClean="0"/>
               <a:t># Requirments</a:t>
@@ -10006,7 +9760,7 @@
             </a:r>
           </a:p>
           <a:p>
-            <a:pPr marL="228600" lvl="0" indent="-228600">
+            <a:pPr marL="247620" indent="-247620">
               <a:buFont typeface="Arial" panose="020B0604020202020204" pitchFamily="34" charset="0"/>
               <a:buChar char="•"/>
             </a:pPr>
@@ -10016,7 +9770,7 @@
             </a:r>
           </a:p>
           <a:p>
-            <a:pPr marL="228600" lvl="0" indent="-228600">
+            <a:pPr marL="247620" indent="-247620">
               <a:buFont typeface="Arial" panose="020B0604020202020204" pitchFamily="34" charset="0"/>
               <a:buChar char="•"/>
             </a:pPr>
@@ -10026,7 +9780,7 @@
             </a:r>
           </a:p>
           <a:p>
-            <a:pPr marL="228600" lvl="0" indent="-228600">
+            <a:pPr marL="247620" indent="-247620">
               <a:buFont typeface="Arial" panose="020B0604020202020204" pitchFamily="34" charset="0"/>
               <a:buChar char="•"/>
             </a:pPr>
@@ -10036,24 +9790,20 @@
             </a:r>
           </a:p>
           <a:p>
-            <a:pPr marL="228600" lvl="0" indent="-228600">
+            <a:pPr marL="247620" indent="-247620">
               <a:buFont typeface="Arial" panose="020B0604020202020204" pitchFamily="34" charset="0"/>
               <a:buChar char="•"/>
             </a:pPr>
             <a:endParaRPr lang="de-DE" baseline="0" dirty="0" smtClean="0"/>
           </a:p>
           <a:p>
-            <a:pPr marL="0" lvl="0" indent="0">
-              <a:buFont typeface="+mj-lt"/>
-              <a:buNone/>
-            </a:pPr>
             <a:r>
               <a:rPr lang="de-DE" baseline="0" dirty="0" smtClean="0"/>
               <a:t># Testautomatisierung</a:t>
             </a:r>
           </a:p>
           <a:p>
-            <a:pPr marL="228600" lvl="0" indent="-228600">
+            <a:pPr marL="247620" indent="-247620">
               <a:buFont typeface="Arial" panose="020B0604020202020204" pitchFamily="34" charset="0"/>
               <a:buChar char="•"/>
             </a:pPr>
@@ -10063,7 +9813,7 @@
             </a:r>
           </a:p>
           <a:p>
-            <a:pPr marL="228600" lvl="0" indent="-228600">
+            <a:pPr marL="247620" indent="-247620">
               <a:buFont typeface="Arial" panose="020B0604020202020204" pitchFamily="34" charset="0"/>
               <a:buChar char="•"/>
             </a:pPr>
@@ -10073,24 +9823,20 @@
             </a:r>
           </a:p>
           <a:p>
-            <a:pPr marL="228600" lvl="0" indent="-228600">
+            <a:pPr marL="247620" indent="-247620">
               <a:buFont typeface="Arial" panose="020B0604020202020204" pitchFamily="34" charset="0"/>
               <a:buChar char="•"/>
             </a:pPr>
             <a:endParaRPr lang="de-DE" baseline="0" dirty="0" smtClean="0"/>
           </a:p>
           <a:p>
-            <a:pPr marL="0" lvl="0" indent="0">
-              <a:buFont typeface="+mj-lt"/>
-              <a:buNone/>
-            </a:pPr>
             <a:r>
               <a:rPr lang="de-DE" baseline="0" dirty="0" smtClean="0"/>
               <a:t># Implementierung</a:t>
             </a:r>
           </a:p>
           <a:p>
-            <a:pPr marL="171450" lvl="0" indent="-171450">
+            <a:pPr marL="185715" indent="-185715">
               <a:buFont typeface="Arial" panose="020B0604020202020204" pitchFamily="34" charset="0"/>
               <a:buChar char="•"/>
             </a:pPr>
@@ -10100,7 +9846,7 @@
             </a:r>
           </a:p>
           <a:p>
-            <a:pPr marL="171450" lvl="0" indent="-171450">
+            <a:pPr marL="185715" indent="-185715">
               <a:buFont typeface="Arial" panose="020B0604020202020204" pitchFamily="34" charset="0"/>
               <a:buChar char="•"/>
             </a:pPr>
@@ -10110,27 +9856,19 @@
             </a:r>
           </a:p>
           <a:p>
-            <a:pPr marL="685800" lvl="1" indent="-228600">
+            <a:pPr marL="742859" lvl="1" indent="-247620">
               <a:buFont typeface="Arial" panose="020B0604020202020204" pitchFamily="34" charset="0"/>
               <a:buChar char="•"/>
             </a:pPr>
             <a:endParaRPr lang="de-DE" baseline="0" dirty="0" smtClean="0"/>
           </a:p>
           <a:p>
-            <a:pPr marL="0" lvl="0" indent="0">
-              <a:buFont typeface="Arial" panose="020B0604020202020204" pitchFamily="34" charset="0"/>
-              <a:buNone/>
-            </a:pPr>
             <a:r>
               <a:rPr lang="de-DE" baseline="0" dirty="0" smtClean="0"/>
               <a:t># Verfeinerung der Inhalte u. Strukturen der ausf. Spezifikation =&gt; fachliche Sprache (Domäne) + Komponenten für Testautomatisierung</a:t>
             </a:r>
           </a:p>
           <a:p>
-            <a:pPr marL="0" lvl="0" indent="0">
-              <a:buFont typeface="Arial" panose="020B0604020202020204" pitchFamily="34" charset="0"/>
-              <a:buNone/>
-            </a:pPr>
             <a:r>
               <a:rPr lang="de-DE" baseline="0" dirty="0" smtClean="0"/>
               <a:t># Continuous Validation =&gt; automatisierte Akzeptanztests die fest verdrahtet mit Spec sind =&gt; lebendige Dokumentation</a:t>
@@ -10305,69 +10043,53 @@
           <a:lstStyle/>
           <a:p>
             <a:r>
-              <a:rPr lang="de-DE" sz="1400" b="1" dirty="0" smtClean="0">
-                <a:latin typeface="AA Zuehlke" pitchFamily="2" charset="0"/>
-              </a:rPr>
+              <a:rPr lang="de-DE" sz="1500" b="1" dirty="0"/>
               <a:t>Business Rules</a:t>
             </a:r>
           </a:p>
           <a:p>
-            <a:pPr marL="342900" indent="-342900">
+            <a:pPr marL="371429" indent="-371429">
               <a:buFont typeface="Arial" panose="020B0604020202020204" pitchFamily="34" charset="0"/>
               <a:buChar char="•"/>
             </a:pPr>
             <a:r>
-              <a:rPr lang="de-DE" sz="1200" dirty="0" smtClean="0">
-                <a:latin typeface="AA Zuehlke" pitchFamily="2" charset="0"/>
-              </a:rPr>
+              <a:rPr lang="de-DE" sz="1300" dirty="0"/>
               <a:t>Erste beiden Wörter mit Komma getrennt hinten anhängen</a:t>
             </a:r>
           </a:p>
           <a:p>
-            <a:pPr marL="342900" indent="-342900">
+            <a:pPr marL="371429" indent="-371429">
               <a:buFont typeface="Arial" panose="020B0604020202020204" pitchFamily="34" charset="0"/>
               <a:buChar char="•"/>
             </a:pPr>
             <a:r>
-              <a:rPr lang="de-DE" sz="1200" dirty="0" smtClean="0">
-                <a:latin typeface="AA Zuehlke" pitchFamily="2" charset="0"/>
-              </a:rPr>
+              <a:rPr lang="de-DE" sz="1300" dirty="0"/>
               <a:t>Falles Eingabe mit Fragezeichen endet, „</a:t>
             </a:r>
             <a:r>
-              <a:rPr lang="de-DE" sz="1200" dirty="0" err="1" smtClean="0">
-                <a:latin typeface="AA Zuehlke" pitchFamily="2" charset="0"/>
-              </a:rPr>
+              <a:rPr lang="de-DE" sz="1300" dirty="0" err="1"/>
               <a:t>Hmmm</a:t>
             </a:r>
             <a:r>
-              <a:rPr lang="de-DE" sz="1200" dirty="0" smtClean="0">
-                <a:latin typeface="AA Zuehlke" pitchFamily="2" charset="0"/>
-              </a:rPr>
+              <a:rPr lang="de-DE" sz="1300" dirty="0"/>
               <a:t>…?“ anhängen</a:t>
             </a:r>
           </a:p>
           <a:p>
-            <a:pPr marL="342900" indent="-342900">
+            <a:pPr marL="371429" indent="-371429">
               <a:buFont typeface="Arial" panose="020B0604020202020204" pitchFamily="34" charset="0"/>
               <a:buChar char="•"/>
             </a:pPr>
             <a:r>
-              <a:rPr lang="de-DE" sz="1200" dirty="0" smtClean="0">
-                <a:latin typeface="AA Zuehlke" pitchFamily="2" charset="0"/>
-              </a:rPr>
+              <a:rPr lang="de-DE" sz="1300" dirty="0"/>
               <a:t>„</a:t>
             </a:r>
             <a:r>
-              <a:rPr lang="de-DE" sz="1200" dirty="0" err="1" smtClean="0">
-                <a:latin typeface="AA Zuehlke" pitchFamily="2" charset="0"/>
-              </a:rPr>
+              <a:rPr lang="de-DE" sz="1300" dirty="0" err="1"/>
               <a:t>yes</a:t>
             </a:r>
             <a:r>
-              <a:rPr lang="de-DE" sz="1200" dirty="0" smtClean="0">
-                <a:latin typeface="AA Zuehlke" pitchFamily="2" charset="0"/>
-              </a:rPr>
+              <a:rPr lang="de-DE" sz="1300" dirty="0"/>
               <a:t>…“ hinten anhängen</a:t>
             </a:r>
           </a:p>
@@ -15097,26 +14819,26 @@
               <a:buChar char="•"/>
             </a:pPr>
             <a:r>
-              <a:rPr lang="de-DE" dirty="0" smtClean="0"/>
-              <a:t>„Single Source </a:t>
-            </a:r>
-            <a:r>
-              <a:rPr lang="de-DE" dirty="0" err="1" smtClean="0"/>
+              <a:rPr lang="de-DE" i="1" dirty="0" smtClean="0"/>
+              <a:t>Single </a:t>
+            </a:r>
+            <a:r>
+              <a:rPr lang="de-DE" i="1" dirty="0" smtClean="0"/>
+              <a:t>Source </a:t>
+            </a:r>
+            <a:r>
+              <a:rPr lang="de-DE" i="1" dirty="0" err="1" smtClean="0"/>
               <a:t>of</a:t>
             </a:r>
             <a:r>
-              <a:rPr lang="de-DE" dirty="0" smtClean="0"/>
+              <a:rPr lang="de-DE" i="1" dirty="0" smtClean="0"/>
               <a:t> </a:t>
             </a:r>
             <a:r>
-              <a:rPr lang="de-DE" dirty="0" err="1" smtClean="0"/>
+              <a:rPr lang="de-DE" i="1" dirty="0" err="1" smtClean="0"/>
               <a:t>Truth</a:t>
             </a:r>
-            <a:r>
-              <a:rPr lang="de-DE" dirty="0" smtClean="0"/>
-              <a:t>“</a:t>
-            </a:r>
-            <a:endParaRPr lang="de-DE" dirty="0"/>
+            <a:endParaRPr lang="de-DE" i="1" dirty="0"/>
           </a:p>
           <a:p>
             <a:pPr marL="608013" lvl="1" indent="-342900">
@@ -37480,7 +37202,19 @@
             </a:pPr>
             <a:r>
               <a:rPr lang="de-DE" sz="2000" dirty="0" smtClean="0"/>
-              <a:t>Keine Page Reloads da gesamte Anwendung innerhalb einer Seite</a:t>
+              <a:t>Keine Page </a:t>
+            </a:r>
+            <a:r>
+              <a:rPr lang="de-DE" sz="2000" dirty="0" err="1" smtClean="0"/>
+              <a:t>Reloads</a:t>
+            </a:r>
+            <a:r>
+              <a:rPr lang="de-DE" sz="2000" dirty="0" smtClean="0"/>
+              <a:t>, </a:t>
+            </a:r>
+            <a:r>
+              <a:rPr lang="de-DE" sz="2000" dirty="0" smtClean="0"/>
+              <a:t>da gesamte Anwendung innerhalb einer Seite</a:t>
             </a:r>
           </a:p>
           <a:p>
@@ -40177,8 +39911,20 @@
               <a:buChar char="•"/>
             </a:pPr>
             <a:r>
+              <a:rPr lang="de-DE" dirty="0" err="1" smtClean="0"/>
+              <a:t>Kollaborativer</a:t>
+            </a:r>
+            <a:r>
               <a:rPr lang="de-DE" dirty="0" smtClean="0"/>
-              <a:t>Kollaborativer Ansatz um fachliche Anforderungen und funktionale</a:t>
+              <a:t> </a:t>
+            </a:r>
+            <a:r>
+              <a:rPr lang="de-DE" dirty="0" smtClean="0"/>
+              <a:t>Ansatz, </a:t>
+            </a:r>
+            <a:r>
+              <a:rPr lang="de-DE" dirty="0" smtClean="0"/>
+              <a:t>um fachliche Anforderungen und funktionale</a:t>
             </a:r>
             <a:r>
               <a:rPr lang="de-DE" dirty="0"/>
@@ -40196,8 +39942,9 @@
             </a:pPr>
             <a:r>
               <a:rPr lang="de-DE" dirty="0" smtClean="0"/>
-              <a:t>Anforderungen werden</a:t>
-            </a:r>
+              <a:t>Anforderungen</a:t>
+            </a:r>
+            <a:endParaRPr lang="de-DE" dirty="0" smtClean="0"/>
           </a:p>
           <a:p>
             <a:pPr marL="608013" lvl="1" indent="-342900">
@@ -40205,9 +39952,22 @@
               <a:buChar char="•"/>
             </a:pPr>
             <a:r>
+              <a:rPr lang="de-DE" dirty="0"/>
+              <a:t>w</a:t>
+            </a:r>
+            <a:r>
               <a:rPr lang="de-DE" dirty="0" smtClean="0"/>
-              <a:t>durch realistische Beispiele illustriert</a:t>
-            </a:r>
+              <a:t>erden durch </a:t>
+            </a:r>
+            <a:r>
+              <a:rPr lang="de-DE" dirty="0" smtClean="0"/>
+              <a:t>realistische Beispiele </a:t>
+            </a:r>
+            <a:r>
+              <a:rPr lang="de-DE" dirty="0" smtClean="0"/>
+              <a:t>illustriert,</a:t>
+            </a:r>
+            <a:endParaRPr lang="de-DE" dirty="0" smtClean="0"/>
           </a:p>
           <a:p>
             <a:pPr marL="608013" lvl="1" indent="-342900">
@@ -40216,7 +39976,25 @@
             </a:pPr>
             <a:r>
               <a:rPr lang="de-DE" dirty="0" smtClean="0"/>
-              <a:t>dienen als Akzeptanztests und werden automatisiert</a:t>
+              <a:t>dienen als </a:t>
+            </a:r>
+            <a:r>
+              <a:rPr lang="de-DE" dirty="0" smtClean="0"/>
+              <a:t>Akzeptanztests und</a:t>
+            </a:r>
+          </a:p>
+          <a:p>
+            <a:pPr marL="608013" lvl="1" indent="-342900">
+              <a:buFont typeface="Arial" panose="020B0604020202020204" pitchFamily="34" charset="0"/>
+              <a:buChar char="•"/>
+            </a:pPr>
+            <a:r>
+              <a:rPr lang="de-DE" dirty="0" smtClean="0"/>
+              <a:t>werden </a:t>
+            </a:r>
+            <a:r>
+              <a:rPr lang="de-DE" dirty="0" smtClean="0"/>
+              <a:t>automatisiert</a:t>
             </a:r>
           </a:p>
         </p:txBody>
